--- a/Homomorphic_Encryption/11.4~12.1/科技论文写作.pptx
+++ b/Homomorphic_Encryption/11.4~12.1/科技论文写作.pptx
@@ -16221,7 +16221,7 @@
           <a:p>
             <a:r>
               <a:rPr lang="zh-CN" altLang="en-US" sz="2400">
-                <a:hlinkClick r:id="rId3" tooltip="" action="ppaction://hlinkfile"/>
+                <a:hlinkClick r:id="rId3" action="ppaction://hlinkfile"/>
               </a:rPr>
               <a:t>https://www.zhihu.com/people/steven-yue-72</a:t>
             </a:r>
@@ -17186,14 +17186,6 @@
                     <a:lstStyle/>
                     <a:p>
                       <a:pPr algn="ctr"/>
-                      <a:r>
-                        <a:rPr lang="en-US" altLang="zh-CN" dirty="0"/>
-                        <a:t>CCF-A</a:t>
-                      </a:r>
-                      <a:r>
-                        <a:rPr lang="zh-CN" altLang="en-US" dirty="0"/>
-                        <a:t>？</a:t>
-                      </a:r>
                       <a:endParaRPr lang="zh-CN" altLang="en-US" dirty="0"/>
                     </a:p>
                   </a:txBody>
@@ -18797,7 +18789,7 @@
         <p:spPr>
           <a:xfrm>
             <a:off x="2804860" y="3282900"/>
-            <a:ext cx="1325480" cy="307777"/>
+            <a:ext cx="1325480" cy="306705"/>
           </a:xfrm>
           <a:prstGeom prst="rect">
             <a:avLst/>
@@ -18812,7 +18804,11 @@
           <a:p>
             <a:r>
               <a:rPr lang="zh-CN" altLang="en-US" sz="1400" dirty="0"/>
-              <a:t>提及基本原理</a:t>
+              <a:t>方案</a:t>
+            </a:r>
+            <a:r>
+              <a:rPr lang="zh-CN" altLang="en-US" sz="1400" dirty="0"/>
+              <a:t>形容</a:t>
             </a:r>
             <a:endParaRPr lang="zh-CN" altLang="en-US" sz="1400" dirty="0"/>
           </a:p>
@@ -21757,7 +21753,7 @@
             </a:r>
             <a:r>
               <a:rPr lang="en-US" altLang="zh-CN" sz="1400" dirty="0"/>
-              <a:t>GSW</a:t>
+              <a:t>BGV</a:t>
             </a:r>
             <a:r>
               <a:rPr lang="zh-CN" altLang="en-US" sz="1400" dirty="0"/>
@@ -22010,7 +22006,7 @@
         <p:spPr>
           <a:xfrm>
             <a:off x="7447940" y="6096280"/>
-            <a:ext cx="1010260" cy="307777"/>
+            <a:ext cx="1010260" cy="306705"/>
           </a:xfrm>
           <a:prstGeom prst="rect">
             <a:avLst/>
@@ -22025,7 +22021,11 @@
           <a:p>
             <a:r>
               <a:rPr lang="zh-CN" altLang="en-US" sz="1400" dirty="0"/>
-              <a:t>高效自举</a:t>
+              <a:t>自举</a:t>
+            </a:r>
+            <a:r>
+              <a:rPr lang="zh-CN" altLang="en-US" sz="1400" dirty="0"/>
+              <a:t>优化</a:t>
             </a:r>
             <a:endParaRPr lang="zh-CN" altLang="en-US" sz="1400" dirty="0"/>
           </a:p>
@@ -22499,53 +22499,6 @@
               <a:t>方案弊端</a:t>
             </a:r>
             <a:endParaRPr lang="zh-CN" altLang="en-US" sz="1400" dirty="0"/>
-          </a:p>
-        </p:txBody>
-      </p:sp>
-      <p:sp>
-        <p:nvSpPr>
-          <p:cNvPr id="18" name="五角星 17"/>
-          <p:cNvSpPr/>
-          <p:nvPr/>
-        </p:nvSpPr>
-        <p:spPr>
-          <a:xfrm>
-            <a:off x="10593070" y="6003290"/>
-            <a:ext cx="387985" cy="333375"/>
-          </a:xfrm>
-          <a:prstGeom prst="star5">
-            <a:avLst/>
-          </a:prstGeom>
-          <a:solidFill>
-            <a:srgbClr val="FF0000"/>
-          </a:solidFill>
-          <a:ln>
-            <a:solidFill>
-              <a:srgbClr val="FF0000"/>
-            </a:solidFill>
-          </a:ln>
-        </p:spPr>
-        <p:style>
-          <a:lnRef idx="2">
-            <a:schemeClr val="accent1">
-              <a:lumMod val="75000"/>
-            </a:schemeClr>
-          </a:lnRef>
-          <a:fillRef idx="1">
-            <a:schemeClr val="accent1"/>
-          </a:fillRef>
-          <a:effectRef idx="0">
-            <a:srgbClr val="FFFFFF"/>
-          </a:effectRef>
-          <a:fontRef idx="minor">
-            <a:schemeClr val="lt1"/>
-          </a:fontRef>
-        </p:style>
-        <p:txBody>
-          <a:bodyPr rtlCol="0" anchor="ctr"/>
-          <a:p>
-            <a:pPr algn="ctr"/>
-            <a:endParaRPr lang="zh-CN" altLang="en-US"/>
           </a:p>
         </p:txBody>
       </p:sp>
@@ -24425,7 +24378,7 @@
                 <a:ea typeface="宋体" panose="02010600030101010101" pitchFamily="2" charset="-122"/>
                 <a:cs typeface="Times New Roman" panose="02020603050405020304" pitchFamily="18" charset="0"/>
               </a:rPr>
-              <a:t>什么是自举</a:t>
+              <a:t>什么是自举？</a:t>
             </a:r>
             <a:endParaRPr lang="zh-CN" altLang="en-US" dirty="0">
               <a:latin typeface="宋体" panose="02010600030101010101" pitchFamily="2" charset="-122"/>
@@ -24497,7 +24450,7 @@
         </p:nvSpPr>
         <p:spPr>
           <a:xfrm>
-            <a:off x="864870" y="3034030"/>
+            <a:off x="885825" y="3061335"/>
             <a:ext cx="407670" cy="393065"/>
           </a:xfrm>
           <a:prstGeom prst="rect">
@@ -24803,13 +24756,13 @@
           <p:nvPr/>
         </p:nvCxnSpPr>
         <p:spPr>
-          <a:xfrm rot="10800000" flipH="1" flipV="1">
-            <a:off x="864235" y="3230245"/>
-            <a:ext cx="6985" cy="908685"/>
+          <a:xfrm rot="10800000" flipV="1">
+            <a:off x="871855" y="3258185"/>
+            <a:ext cx="13970" cy="881380"/>
           </a:xfrm>
           <a:prstGeom prst="curvedConnector3">
             <a:avLst>
-              <a:gd name="adj1" fmla="val -3409091"/>
+              <a:gd name="adj1" fmla="val 1804545"/>
             </a:avLst>
           </a:prstGeom>
           <a:ln>
@@ -24839,7 +24792,7 @@
         </p:nvSpPr>
         <p:spPr>
           <a:xfrm>
-            <a:off x="410845" y="2964180"/>
+            <a:off x="417830" y="3028315"/>
             <a:ext cx="438785" cy="1599565"/>
           </a:xfrm>
           <a:prstGeom prst="rect">
@@ -25141,7 +25094,15 @@
                     <a:ea typeface="宋体" panose="02010600030101010101" pitchFamily="2" charset="-122"/>
                     <a:cs typeface="宋体" panose="02010600030101010101" pitchFamily="2" charset="-122"/>
                   </a:rPr>
-                  <a:t>对称的部分同态方案描述：</a:t>
+                  <a:t>对称的部分同态加密方案</a:t>
+                </a:r>
+                <a:r>
+                  <a:rPr lang="zh-CN" altLang="en-US" dirty="0">
+                    <a:latin typeface="宋体" panose="02010600030101010101" pitchFamily="2" charset="-122"/>
+                    <a:ea typeface="宋体" panose="02010600030101010101" pitchFamily="2" charset="-122"/>
+                    <a:cs typeface="宋体" panose="02010600030101010101" pitchFamily="2" charset="-122"/>
+                  </a:rPr>
+                  <a:t>简化描述：</a:t>
                 </a:r>
                 <a:endParaRPr lang="zh-CN" altLang="en-US" dirty="0">
                   <a:latin typeface="宋体" panose="02010600030101010101" pitchFamily="2" charset="-122"/>

--- a/Homomorphic_Encryption/11.4~12.1/科技论文写作.pptx
+++ b/Homomorphic_Encryption/11.4~12.1/科技论文写作.pptx
@@ -3,35 +3,35 @@
 <p:presentation xmlns:a="http://schemas.openxmlformats.org/drawingml/2006/main" xmlns:r="http://schemas.openxmlformats.org/officeDocument/2006/relationships" xmlns:p="http://schemas.openxmlformats.org/presentationml/2006/main">
   <p:sldMasterIdLst>
     <p:sldMasterId id="2147483648" r:id="rId1"/>
-    <p:sldMasterId id="2147483660" r:id="rId3"/>
+    <p:sldMasterId id="2147483660" r:id="rId2"/>
   </p:sldMasterIdLst>
   <p:notesMasterIdLst>
-    <p:notesMasterId r:id="rId6"/>
+    <p:notesMasterId r:id="rId21"/>
   </p:notesMasterIdLst>
   <p:sldIdLst>
-    <p:sldId id="256" r:id="rId4"/>
-    <p:sldId id="257" r:id="rId5"/>
-    <p:sldId id="258" r:id="rId7"/>
-    <p:sldId id="259" r:id="rId8"/>
-    <p:sldId id="260" r:id="rId9"/>
-    <p:sldId id="262" r:id="rId10"/>
-    <p:sldId id="269" r:id="rId11"/>
-    <p:sldId id="263" r:id="rId12"/>
-    <p:sldId id="266" r:id="rId13"/>
-    <p:sldId id="265" r:id="rId14"/>
-    <p:sldId id="264" r:id="rId15"/>
-    <p:sldId id="274" r:id="rId16"/>
-    <p:sldId id="275" r:id="rId17"/>
-    <p:sldId id="276" r:id="rId18"/>
-    <p:sldId id="280" r:id="rId19"/>
-    <p:sldId id="281" r:id="rId20"/>
-    <p:sldId id="278" r:id="rId21"/>
-    <p:sldId id="277" r:id="rId22"/>
+    <p:sldId id="256" r:id="rId3"/>
+    <p:sldId id="257" r:id="rId4"/>
+    <p:sldId id="258" r:id="rId5"/>
+    <p:sldId id="259" r:id="rId6"/>
+    <p:sldId id="260" r:id="rId7"/>
+    <p:sldId id="262" r:id="rId8"/>
+    <p:sldId id="269" r:id="rId9"/>
+    <p:sldId id="263" r:id="rId10"/>
+    <p:sldId id="266" r:id="rId11"/>
+    <p:sldId id="265" r:id="rId12"/>
+    <p:sldId id="264" r:id="rId13"/>
+    <p:sldId id="274" r:id="rId14"/>
+    <p:sldId id="275" r:id="rId15"/>
+    <p:sldId id="276" r:id="rId16"/>
+    <p:sldId id="280" r:id="rId17"/>
+    <p:sldId id="281" r:id="rId18"/>
+    <p:sldId id="278" r:id="rId19"/>
+    <p:sldId id="277" r:id="rId20"/>
   </p:sldIdLst>
   <p:sldSz cx="12192000" cy="6858000"/>
   <p:notesSz cx="6858000" cy="9144000"/>
   <p:custDataLst>
-    <p:tags r:id="rId26"/>
+    <p:tags r:id="rId22"/>
   </p:custDataLst>
   <p:defaultTextStyle>
     <a:defPPr>
@@ -128,6 +128,11 @@
       </a:defRPr>
     </a:lvl9pPr>
   </p:defaultTextStyle>
+  <p:extLst>
+    <p:ext uri="{EFAFB233-063F-42B5-8137-9DF3F51BA10A}">
+      <p15:sldGuideLst xmlns:p15="http://schemas.microsoft.com/office/powerpoint/2012/main"/>
+    </p:ext>
+  </p:extLst>
 </p:presentation>
 </file>
 
@@ -213,6 +218,7 @@
           <a:p>
             <a:fld id="{82310314-252D-4CE8-BD0A-BDD7C9ABEDDF}" type="datetimeFigureOut">
               <a:rPr lang="zh-CN" altLang="en-US" smtClean="0"/>
+              <a:t>2024/11/18</a:t>
             </a:fld>
             <a:endParaRPr lang="zh-CN" altLang="en-US"/>
           </a:p>
@@ -279,7 +285,6 @@
               <a:rPr lang="zh-CN" altLang="en-US"/>
               <a:t>单击此处编辑母版文本样式</a:t>
             </a:r>
-            <a:endParaRPr lang="zh-CN" altLang="en-US"/>
           </a:p>
           <a:p>
             <a:pPr lvl="1"/>
@@ -287,7 +292,6 @@
               <a:rPr lang="zh-CN" altLang="en-US"/>
               <a:t>二级</a:t>
             </a:r>
-            <a:endParaRPr lang="zh-CN" altLang="en-US"/>
           </a:p>
           <a:p>
             <a:pPr lvl="2"/>
@@ -295,7 +299,6 @@
               <a:rPr lang="zh-CN" altLang="en-US"/>
               <a:t>三级</a:t>
             </a:r>
-            <a:endParaRPr lang="zh-CN" altLang="en-US"/>
           </a:p>
           <a:p>
             <a:pPr lvl="3"/>
@@ -303,7 +306,6 @@
               <a:rPr lang="zh-CN" altLang="en-US"/>
               <a:t>四级</a:t>
             </a:r>
-            <a:endParaRPr lang="zh-CN" altLang="en-US"/>
           </a:p>
           <a:p>
             <a:pPr lvl="4"/>
@@ -311,7 +313,6 @@
               <a:rPr lang="zh-CN" altLang="en-US"/>
               <a:t>五级</a:t>
             </a:r>
-            <a:endParaRPr lang="zh-CN" altLang="en-US"/>
           </a:p>
         </p:txBody>
       </p:sp>
@@ -375,6 +376,7 @@
           <a:p>
             <a:fld id="{866E2309-0A18-4646-8677-733D84D5DAD4}" type="slidenum">
               <a:rPr lang="zh-CN" altLang="en-US" smtClean="0"/>
+              <a:t>‹#›</a:t>
             </a:fld>
             <a:endParaRPr lang="zh-CN" altLang="en-US"/>
           </a:p>
@@ -534,7 +536,6 @@
               <a:rPr lang="zh-CN" altLang="en-US" dirty="0"/>
               <a:t>和美密官网</a:t>
             </a:r>
-            <a:endParaRPr lang="zh-CN" altLang="en-US" dirty="0"/>
           </a:p>
         </p:txBody>
       </p:sp>
@@ -555,6 +556,7 @@
           <a:p>
             <a:fld id="{866E2309-0A18-4646-8677-733D84D5DAD4}" type="slidenum">
               <a:rPr lang="zh-CN" altLang="en-US" smtClean="0"/>
+              <a:t>2</a:t>
             </a:fld>
             <a:endParaRPr lang="zh-CN" altLang="en-US"/>
           </a:p>
@@ -577,12 +579,19 @@
         <p:cNvGrpSpPr/>
         <p:nvPr/>
       </p:nvGrpSpPr>
-      <p:grpSpPr/>
+      <p:grpSpPr>
+        <a:xfrm>
+          <a:off x="0" y="0"/>
+          <a:ext cx="0" cy="0"/>
+          <a:chOff x="0" y="0"/>
+          <a:chExt cx="0" cy="0"/>
+        </a:xfrm>
+      </p:grpSpPr>
       <p:sp>
         <p:nvSpPr>
           <p:cNvPr id="2" name="幻灯片图像占位符 1"/>
           <p:cNvSpPr>
-            <a:spLocks noGrp="1"/>
+            <a:spLocks noGrp="1" noRot="1" noChangeAspect="1"/>
           </p:cNvSpPr>
           <p:nvPr>
             <p:ph type="sldImg" idx="2"/>
@@ -603,24 +612,28 @@
         <p:spPr/>
         <p:txBody>
           <a:bodyPr/>
-          <a:p>
-            <a:r>
-              <a:rPr lang="en-US" altLang="zh-CN"/>
-              <a:t>2018</a:t>
-            </a:r>
-            <a:r>
-              <a:rPr lang="zh-CN" altLang="en-US"/>
-              <a:t>年提出的</a:t>
-            </a:r>
-            <a:r>
-              <a:rPr lang="en-US" altLang="zh-CN"/>
-              <a:t> </a:t>
-            </a:r>
-            <a:r>
-              <a:rPr lang="zh-CN" altLang="en-US"/>
-              <a:t>一个能抵抗恶意攻击的非平衡PSI方案</a:t>
-            </a:r>
-            <a:endParaRPr lang="zh-CN" altLang="en-US"/>
+          <a:lstStyle/>
+          <a:p>
+            <a:r>
+              <a:rPr lang="zh-CN" altLang="en-US" dirty="0"/>
+              <a:t>为什么</a:t>
+            </a:r>
+            <a:r>
+              <a:rPr lang="en-US" altLang="zh-CN" dirty="0"/>
+              <a:t>BGV</a:t>
+            </a:r>
+            <a:r>
+              <a:rPr lang="zh-CN" altLang="en-US" dirty="0"/>
+              <a:t>、</a:t>
+            </a:r>
+            <a:r>
+              <a:rPr lang="en-US" altLang="zh-CN" dirty="0"/>
+              <a:t>BFV</a:t>
+            </a:r>
+            <a:r>
+              <a:rPr lang="zh-CN" altLang="en-US" dirty="0"/>
+              <a:t>的实现比较多？</a:t>
+            </a:r>
           </a:p>
         </p:txBody>
       </p:sp>
@@ -641,12 +654,19 @@
         <p:cNvGrpSpPr/>
         <p:nvPr/>
       </p:nvGrpSpPr>
-      <p:grpSpPr/>
+      <p:grpSpPr>
+        <a:xfrm>
+          <a:off x="0" y="0"/>
+          <a:ext cx="0" cy="0"/>
+          <a:chOff x="0" y="0"/>
+          <a:chExt cx="0" cy="0"/>
+        </a:xfrm>
+      </p:grpSpPr>
       <p:sp>
         <p:nvSpPr>
           <p:cNvPr id="2" name="幻灯片图像占位符 1"/>
           <p:cNvSpPr>
-            <a:spLocks noGrp="1"/>
+            <a:spLocks noGrp="1" noRot="1" noChangeAspect="1"/>
           </p:cNvSpPr>
           <p:nvPr>
             <p:ph type="sldImg" idx="2"/>
@@ -667,8 +687,31 @@
         <p:spPr/>
         <p:txBody>
           <a:bodyPr/>
-          <a:p>
-            <a:endParaRPr lang="zh-CN" altLang="en-US"/>
+          <a:lstStyle/>
+          <a:p>
+            <a:r>
+              <a:rPr lang="en-US" altLang="zh-CN" dirty="0"/>
+              <a:t>2018</a:t>
+            </a:r>
+            <a:r>
+              <a:rPr lang="zh-CN" altLang="en-US" dirty="0"/>
+              <a:t>年提出的</a:t>
+            </a:r>
+            <a:r>
+              <a:rPr lang="en-US" altLang="zh-CN" dirty="0"/>
+              <a:t> </a:t>
+            </a:r>
+            <a:r>
+              <a:rPr lang="zh-CN" altLang="en-US" dirty="0"/>
+              <a:t>一个能抵抗恶意攻击的非平衡PSI方案</a:t>
+            </a:r>
+            <a:endParaRPr lang="en-US" altLang="zh-CN" dirty="0"/>
+          </a:p>
+          <a:p>
+            <a:r>
+              <a:rPr lang="zh-CN" altLang="en-US" dirty="0"/>
+              <a:t>一个金融体系的模式图</a:t>
+            </a:r>
           </a:p>
         </p:txBody>
       </p:sp>
@@ -689,12 +732,19 @@
         <p:cNvGrpSpPr/>
         <p:nvPr/>
       </p:nvGrpSpPr>
-      <p:grpSpPr/>
+      <p:grpSpPr>
+        <a:xfrm>
+          <a:off x="0" y="0"/>
+          <a:ext cx="0" cy="0"/>
+          <a:chOff x="0" y="0"/>
+          <a:chExt cx="0" cy="0"/>
+        </a:xfrm>
+      </p:grpSpPr>
       <p:sp>
         <p:nvSpPr>
           <p:cNvPr id="2" name="幻灯片图像占位符 1"/>
           <p:cNvSpPr>
-            <a:spLocks noGrp="1"/>
+            <a:spLocks noGrp="1" noRot="1" noChangeAspect="1"/>
           </p:cNvSpPr>
           <p:nvPr>
             <p:ph type="sldImg" idx="2"/>
@@ -715,6 +765,63 @@
         <p:spPr/>
         <p:txBody>
           <a:bodyPr/>
+          <a:lstStyle/>
+          <a:p>
+            <a:endParaRPr lang="zh-CN" altLang="en-US"/>
+          </a:p>
+        </p:txBody>
+      </p:sp>
+    </p:spTree>
+  </p:cSld>
+  <p:clrMapOvr>
+    <a:masterClrMapping/>
+  </p:clrMapOvr>
+</p:notes>
+</file>
+
+<file path=ppt/notesSlides/notesSlide13.xml><?xml version="1.0" encoding="utf-8"?>
+<p:notes xmlns:a="http://schemas.openxmlformats.org/drawingml/2006/main" xmlns:r="http://schemas.openxmlformats.org/officeDocument/2006/relationships" xmlns:p="http://schemas.openxmlformats.org/presentationml/2006/main">
+  <p:cSld>
+    <p:spTree>
+      <p:nvGrpSpPr>
+        <p:cNvPr id="1" name=""/>
+        <p:cNvGrpSpPr/>
+        <p:nvPr/>
+      </p:nvGrpSpPr>
+      <p:grpSpPr>
+        <a:xfrm>
+          <a:off x="0" y="0"/>
+          <a:ext cx="0" cy="0"/>
+          <a:chOff x="0" y="0"/>
+          <a:chExt cx="0" cy="0"/>
+        </a:xfrm>
+      </p:grpSpPr>
+      <p:sp>
+        <p:nvSpPr>
+          <p:cNvPr id="2" name="幻灯片图像占位符 1"/>
+          <p:cNvSpPr>
+            <a:spLocks noGrp="1" noRot="1" noChangeAspect="1"/>
+          </p:cNvSpPr>
+          <p:nvPr>
+            <p:ph type="sldImg" idx="2"/>
+          </p:nvPr>
+        </p:nvSpPr>
+        <p:spPr/>
+      </p:sp>
+      <p:sp>
+        <p:nvSpPr>
+          <p:cNvPr id="3" name="文本占位符 2"/>
+          <p:cNvSpPr>
+            <a:spLocks noGrp="1"/>
+          </p:cNvSpPr>
+          <p:nvPr>
+            <p:ph type="body" idx="3"/>
+          </p:nvPr>
+        </p:nvSpPr>
+        <p:spPr/>
+        <p:txBody>
+          <a:bodyPr/>
+          <a:lstStyle/>
           <a:p>
             <a:endParaRPr lang="zh-CN" altLang="en-US"/>
           </a:p>
@@ -737,129 +844,159 @@
         <p:cNvGrpSpPr/>
         <p:nvPr/>
       </p:nvGrpSpPr>
-      <p:grpSpPr/>
+      <p:grpSpPr>
+        <a:xfrm>
+          <a:off x="0" y="0"/>
+          <a:ext cx="0" cy="0"/>
+          <a:chOff x="0" y="0"/>
+          <a:chExt cx="0" cy="0"/>
+        </a:xfrm>
+      </p:grpSpPr>
       <p:sp>
         <p:nvSpPr>
           <p:cNvPr id="2" name="幻灯片图像占位符 1"/>
+          <p:cNvSpPr>
+            <a:spLocks noGrp="1" noRot="1" noChangeAspect="1"/>
+          </p:cNvSpPr>
+          <p:nvPr>
+            <p:ph type="sldImg"/>
+          </p:nvPr>
+        </p:nvSpPr>
+        <p:spPr/>
+      </p:sp>
+      <p:sp>
+        <p:nvSpPr>
+          <p:cNvPr id="3" name="备注占位符 2"/>
           <p:cNvSpPr>
             <a:spLocks noGrp="1"/>
           </p:cNvSpPr>
           <p:nvPr>
-            <p:ph type="sldImg" idx="2"/>
+            <p:ph type="body" idx="1"/>
           </p:nvPr>
         </p:nvSpPr>
         <p:spPr/>
-      </p:sp>
-      <p:sp>
-        <p:nvSpPr>
-          <p:cNvPr id="3" name="文本占位符 2"/>
+        <p:txBody>
+          <a:bodyPr/>
+          <a:lstStyle/>
+          <a:p>
+            <a:r>
+              <a:rPr lang="en-US" altLang="zh-CN" dirty="0"/>
+              <a:t>Gen09:</a:t>
+            </a:r>
+            <a:r>
+              <a:rPr lang="zh-CN" altLang="en-US" dirty="0"/>
+              <a:t>由</a:t>
+            </a:r>
+            <a:r>
+              <a:rPr lang="en-US" altLang="zh-CN" dirty="0"/>
+              <a:t>RSA</a:t>
+            </a:r>
+            <a:r>
+              <a:rPr lang="zh-CN" altLang="en-US" dirty="0"/>
+              <a:t>这个本身乘法同态的密码学方案 引出了对于同态的探讨；在介绍同态加密这部分，给出了同态加密的抽象表达 由四个部分构成 </a:t>
+            </a:r>
+            <a:r>
+              <a:rPr lang="en-US" altLang="zh-CN" dirty="0"/>
+              <a:t>… </a:t>
+            </a:r>
+            <a:r>
+              <a:rPr lang="zh-CN" altLang="en-US" dirty="0"/>
+              <a:t>紧接着介绍了同态加密的分类 部分同态 有点同态 水平同态的概念</a:t>
+            </a:r>
+            <a:endParaRPr lang="en-US" altLang="zh-CN" dirty="0"/>
+          </a:p>
+          <a:p>
+            <a:r>
+              <a:rPr lang="en-US" altLang="zh-CN" dirty="0"/>
+              <a:t>BSG12:</a:t>
+            </a:r>
+            <a:r>
+              <a:rPr lang="zh-CN" altLang="en-US" dirty="0"/>
+              <a:t>比起第一篇开山之作，这一篇文章发表时 学术界已经对于全同态加密有了一定的探索，他关注了由</a:t>
+            </a:r>
+            <a:r>
+              <a:rPr lang="en-US" altLang="zh-CN" dirty="0"/>
+              <a:t>Gentry</a:t>
+            </a:r>
+            <a:r>
+              <a:rPr lang="zh-CN" altLang="en-US" dirty="0"/>
+              <a:t>绘制的全同态加密的蓝图的效率问题，提出了如果依赖自举实现同态，整个电路必然变得十分复杂</a:t>
+            </a:r>
+            <a:r>
+              <a:rPr lang="en-US" altLang="zh-CN" dirty="0"/>
+              <a:t>-&gt;</a:t>
+            </a:r>
+            <a:r>
+              <a:rPr lang="zh-CN" altLang="en-US" dirty="0"/>
+              <a:t>本文工作</a:t>
+            </a:r>
+            <a:endParaRPr lang="en-US" altLang="zh-CN" dirty="0"/>
+          </a:p>
+          <a:p>
+            <a:r>
+              <a:rPr lang="en-US" altLang="zh-CN" dirty="0"/>
+              <a:t>GSW13:</a:t>
+            </a:r>
+            <a:r>
+              <a:rPr lang="zh-CN" altLang="en-US" dirty="0"/>
+              <a:t>第三篇文章 </a:t>
+            </a:r>
+            <a:r>
+              <a:rPr lang="en-US" altLang="zh-CN" dirty="0"/>
+              <a:t>Gentry </a:t>
+            </a:r>
+            <a:r>
+              <a:rPr lang="zh-CN" altLang="en-US" dirty="0"/>
+              <a:t>他又来了，他介绍了借助</a:t>
+            </a:r>
+            <a:r>
+              <a:rPr lang="en-US" altLang="zh-CN" dirty="0"/>
+              <a:t>LWE</a:t>
+            </a:r>
+            <a:r>
+              <a:rPr lang="zh-CN" altLang="en-US" dirty="0"/>
+              <a:t>问题的同台研究，并且他充分表扬了前人的工作，但是觉得</a:t>
+            </a:r>
+            <a:r>
+              <a:rPr lang="en-US" altLang="zh-CN" dirty="0"/>
+              <a:t>BGV</a:t>
+            </a:r>
+            <a:r>
+              <a:rPr lang="zh-CN" altLang="en-US" dirty="0"/>
+              <a:t>方案中的加密数据在计算过程中并不那么先进，其中重要的乘法运算时涉及到重现性化过程</a:t>
+            </a:r>
+          </a:p>
+        </p:txBody>
+      </p:sp>
+      <p:sp>
+        <p:nvSpPr>
+          <p:cNvPr id="4" name="灯片编号占位符 3"/>
           <p:cNvSpPr>
             <a:spLocks noGrp="1"/>
           </p:cNvSpPr>
           <p:nvPr>
-            <p:ph type="body" idx="3"/>
+            <p:ph type="sldNum" sz="quarter" idx="5"/>
           </p:nvPr>
         </p:nvSpPr>
         <p:spPr/>
         <p:txBody>
           <a:bodyPr/>
-          <a:p>
-            <a:r>
-              <a:rPr lang="zh-CN" altLang="en-US"/>
-              <a:t>这只是这个方案的冰山一角</a:t>
-            </a:r>
-            <a:r>
-              <a:rPr lang="en-US" altLang="zh-CN"/>
-              <a:t> </a:t>
-            </a:r>
-            <a:r>
-              <a:rPr lang="zh-CN" altLang="en-US"/>
-              <a:t>这个单钥方案改成非对称方案是容易的，实现</a:t>
-            </a:r>
-            <a:r>
-              <a:rPr lang="en-US" altLang="zh-CN"/>
-              <a:t>SFHE </a:t>
-            </a:r>
-            <a:r>
-              <a:rPr lang="zh-CN" altLang="en-US"/>
-              <a:t>但是实现真正的全同态和自举是困难的</a:t>
-            </a:r>
-            <a:r>
-              <a:rPr lang="en-US" altLang="zh-CN"/>
-              <a:t>  (</a:t>
-            </a:r>
-            <a:r>
-              <a:rPr lang="zh-CN" altLang="en-US"/>
-              <a:t>从论文结构角度来分析</a:t>
-            </a:r>
-            <a:r>
-              <a:rPr lang="en-US" altLang="zh-CN"/>
-              <a:t>) </a:t>
-            </a:r>
-            <a:r>
-              <a:rPr lang="zh-CN" altLang="en-US"/>
-              <a:t>从整个全同态的发展来看</a:t>
-            </a:r>
-            <a:r>
-              <a:rPr lang="en-US" altLang="zh-CN"/>
-              <a:t> </a:t>
-            </a:r>
-            <a:r>
-              <a:rPr lang="zh-CN" altLang="en-US"/>
-              <a:t>这个方案有点</a:t>
-            </a:r>
-            <a:r>
-              <a:rPr lang="en-US" altLang="zh-CN"/>
-              <a:t>trival </a:t>
-            </a:r>
-            <a:r>
-              <a:rPr lang="zh-CN" altLang="en-US"/>
-              <a:t>为了实现同态所采用的压缩电路的方法</a:t>
-            </a:r>
-            <a:r>
-              <a:rPr lang="en-US" altLang="zh-CN"/>
-              <a:t> </a:t>
-            </a:r>
-            <a:r>
-              <a:rPr lang="zh-CN" altLang="en-US"/>
-              <a:t>基于非常强的困难假设</a:t>
-            </a:r>
-            <a:r>
-              <a:rPr lang="en-US" altLang="zh-CN"/>
-              <a:t> </a:t>
-            </a:r>
-            <a:r>
-              <a:rPr lang="zh-CN" altLang="en-US"/>
-              <a:t>格上稀疏子集问题</a:t>
-            </a:r>
-            <a:r>
-              <a:rPr lang="en-US" altLang="zh-CN"/>
-              <a:t> </a:t>
-            </a:r>
-            <a:r>
-              <a:rPr lang="zh-CN" altLang="en-US"/>
-              <a:t>这个问题还有待学术界的考究</a:t>
-            </a:r>
-            <a:r>
-              <a:rPr lang="en-US" altLang="zh-CN"/>
-              <a:t> </a:t>
-            </a:r>
-            <a:r>
-              <a:rPr lang="zh-CN" altLang="en-US"/>
-              <a:t>所以在此我不进行更深入的</a:t>
-            </a:r>
-            <a:r>
-              <a:rPr lang="zh-CN" altLang="en-US"/>
-              <a:t>介绍了</a:t>
-            </a:r>
+          <a:lstStyle/>
+          <a:p>
+            <a:fld id="{866E2309-0A18-4646-8677-733D84D5DAD4}" type="slidenum">
+              <a:rPr lang="zh-CN" altLang="en-US" smtClean="0"/>
+              <a:t>6</a:t>
+            </a:fld>
             <a:endParaRPr lang="zh-CN" altLang="en-US"/>
           </a:p>
-          <a:p>
-            <a:endParaRPr lang="zh-CN" altLang="en-US"/>
-          </a:p>
         </p:txBody>
       </p:sp>
     </p:spTree>
+    <p:extLst>
+      <p:ext uri="{BB962C8B-B14F-4D97-AF65-F5344CB8AC3E}">
+        <p14:creationId xmlns:p14="http://schemas.microsoft.com/office/powerpoint/2010/main" val="677029142"/>
+      </p:ext>
+    </p:extLst>
   </p:cSld>
   <p:clrMapOvr>
     <a:masterClrMapping/>
@@ -876,12 +1013,19 @@
         <p:cNvGrpSpPr/>
         <p:nvPr/>
       </p:nvGrpSpPr>
-      <p:grpSpPr/>
+      <p:grpSpPr>
+        <a:xfrm>
+          <a:off x="0" y="0"/>
+          <a:ext cx="0" cy="0"/>
+          <a:chOff x="0" y="0"/>
+          <a:chExt cx="0" cy="0"/>
+        </a:xfrm>
+      </p:grpSpPr>
       <p:sp>
         <p:nvSpPr>
           <p:cNvPr id="2" name="幻灯片图像占位符 1"/>
           <p:cNvSpPr>
-            <a:spLocks noGrp="1"/>
+            <a:spLocks noGrp="1" noRot="1" noChangeAspect="1"/>
           </p:cNvSpPr>
           <p:nvPr>
             <p:ph type="sldImg" idx="2"/>
@@ -902,8 +1046,106 @@
         <p:spPr/>
         <p:txBody>
           <a:bodyPr/>
-          <a:p>
-            <a:endParaRPr lang="zh-CN" altLang="en-US"/>
+          <a:lstStyle/>
+          <a:p>
+            <a:r>
+              <a:rPr lang="zh-CN" altLang="en-US" dirty="0"/>
+              <a:t>自举介绍：</a:t>
+            </a:r>
+            <a:endParaRPr lang="en-US" altLang="zh-CN" dirty="0"/>
+          </a:p>
+          <a:p>
+            <a:r>
+              <a:rPr lang="zh-CN" altLang="en-US" dirty="0"/>
+              <a:t>这只是这个方案的冰山一角</a:t>
+            </a:r>
+            <a:r>
+              <a:rPr lang="en-US" altLang="zh-CN" dirty="0"/>
+              <a:t> </a:t>
+            </a:r>
+            <a:r>
+              <a:rPr lang="zh-CN" altLang="en-US" dirty="0"/>
+              <a:t>这个单钥方案改成非对称方案是容易的，实现</a:t>
+            </a:r>
+            <a:r>
+              <a:rPr lang="en-US" altLang="zh-CN" dirty="0"/>
+              <a:t>SFHE </a:t>
+            </a:r>
+            <a:r>
+              <a:rPr lang="zh-CN" altLang="en-US" dirty="0"/>
+              <a:t>但是实现真正的全同态和自举是困难的</a:t>
+            </a:r>
+            <a:r>
+              <a:rPr lang="en-US" altLang="zh-CN" dirty="0"/>
+              <a:t>  (</a:t>
+            </a:r>
+            <a:r>
+              <a:rPr lang="zh-CN" altLang="en-US" dirty="0"/>
+              <a:t>从论文结构角度来分析</a:t>
+            </a:r>
+            <a:r>
+              <a:rPr lang="en-US" altLang="zh-CN" dirty="0"/>
+              <a:t>) </a:t>
+            </a:r>
+            <a:r>
+              <a:rPr lang="zh-CN" altLang="en-US" dirty="0"/>
+              <a:t>从整个全同态的发展来看</a:t>
+            </a:r>
+            <a:r>
+              <a:rPr lang="en-US" altLang="zh-CN" dirty="0"/>
+              <a:t> </a:t>
+            </a:r>
+            <a:r>
+              <a:rPr lang="zh-CN" altLang="en-US" dirty="0"/>
+              <a:t>这个方案有点</a:t>
+            </a:r>
+            <a:r>
+              <a:rPr lang="en-US" altLang="zh-CN" dirty="0" err="1"/>
+              <a:t>trival</a:t>
+            </a:r>
+            <a:r>
+              <a:rPr lang="en-US" altLang="zh-CN" dirty="0"/>
+              <a:t> </a:t>
+            </a:r>
+            <a:r>
+              <a:rPr lang="zh-CN" altLang="en-US" dirty="0"/>
+              <a:t>为了实现同态所采用的压缩电路的方法</a:t>
+            </a:r>
+            <a:r>
+              <a:rPr lang="en-US" altLang="zh-CN" dirty="0"/>
+              <a:t> </a:t>
+            </a:r>
+            <a:r>
+              <a:rPr lang="zh-CN" altLang="en-US" dirty="0"/>
+              <a:t>基于非常强的困难假设</a:t>
+            </a:r>
+            <a:r>
+              <a:rPr lang="en-US" altLang="zh-CN" dirty="0"/>
+              <a:t> </a:t>
+            </a:r>
+            <a:r>
+              <a:rPr lang="zh-CN" altLang="en-US" dirty="0"/>
+              <a:t>格上稀疏子集问题</a:t>
+            </a:r>
+            <a:r>
+              <a:rPr lang="en-US" altLang="zh-CN" dirty="0"/>
+              <a:t> </a:t>
+            </a:r>
+            <a:r>
+              <a:rPr lang="zh-CN" altLang="en-US" dirty="0"/>
+              <a:t>这个问题还有待学术界的考究</a:t>
+            </a:r>
+            <a:r>
+              <a:rPr lang="en-US" altLang="zh-CN" dirty="0"/>
+              <a:t> </a:t>
+            </a:r>
+            <a:r>
+              <a:rPr lang="zh-CN" altLang="en-US" dirty="0"/>
+              <a:t>所以在此我不进行更深入的介绍了</a:t>
+            </a:r>
+          </a:p>
+          <a:p>
+            <a:endParaRPr lang="zh-CN" altLang="en-US" dirty="0"/>
           </a:p>
         </p:txBody>
       </p:sp>
@@ -924,12 +1166,19 @@
         <p:cNvGrpSpPr/>
         <p:nvPr/>
       </p:nvGrpSpPr>
-      <p:grpSpPr/>
+      <p:grpSpPr>
+        <a:xfrm>
+          <a:off x="0" y="0"/>
+          <a:ext cx="0" cy="0"/>
+          <a:chOff x="0" y="0"/>
+          <a:chExt cx="0" cy="0"/>
+        </a:xfrm>
+      </p:grpSpPr>
       <p:sp>
         <p:nvSpPr>
           <p:cNvPr id="2" name="幻灯片图像占位符 1"/>
           <p:cNvSpPr>
-            <a:spLocks noGrp="1"/>
+            <a:spLocks noGrp="1" noRot="1" noChangeAspect="1"/>
           </p:cNvSpPr>
           <p:nvPr>
             <p:ph type="sldImg" idx="2"/>
@@ -950,8 +1199,31 @@
         <p:spPr/>
         <p:txBody>
           <a:bodyPr/>
-          <a:p>
-            <a:endParaRPr lang="zh-CN" altLang="en-US"/>
+          <a:lstStyle/>
+          <a:p>
+            <a:r>
+              <a:rPr lang="en-US" altLang="zh-CN" dirty="0"/>
+              <a:t>LWE</a:t>
+            </a:r>
+            <a:r>
+              <a:rPr lang="zh-CN" altLang="en-US" dirty="0"/>
+              <a:t>方案 介绍文案：</a:t>
+            </a:r>
+            <a:endParaRPr lang="en-US" altLang="zh-CN" dirty="0"/>
+          </a:p>
+          <a:p>
+            <a:r>
+              <a:rPr lang="zh-CN" altLang="en-US" dirty="0"/>
+              <a:t>描述</a:t>
+            </a:r>
+            <a:r>
+              <a:rPr lang="en-US" altLang="zh-CN" dirty="0"/>
+              <a:t>GLWE</a:t>
+            </a:r>
+            <a:r>
+              <a:rPr lang="zh-CN" altLang="en-US" dirty="0"/>
+              <a:t>：</a:t>
+            </a:r>
           </a:p>
         </p:txBody>
       </p:sp>
@@ -972,12 +1244,19 @@
         <p:cNvGrpSpPr/>
         <p:nvPr/>
       </p:nvGrpSpPr>
-      <p:grpSpPr/>
+      <p:grpSpPr>
+        <a:xfrm>
+          <a:off x="0" y="0"/>
+          <a:ext cx="0" cy="0"/>
+          <a:chOff x="0" y="0"/>
+          <a:chExt cx="0" cy="0"/>
+        </a:xfrm>
+      </p:grpSpPr>
       <p:sp>
         <p:nvSpPr>
           <p:cNvPr id="2" name="幻灯片图像占位符 1"/>
           <p:cNvSpPr>
-            <a:spLocks noGrp="1"/>
+            <a:spLocks noGrp="1" noRot="1" noChangeAspect="1"/>
           </p:cNvSpPr>
           <p:nvPr>
             <p:ph type="sldImg" idx="2"/>
@@ -998,28 +1277,9 @@
         <p:spPr/>
         <p:txBody>
           <a:bodyPr/>
-          <a:p>
-            <a:r>
-              <a:rPr lang="en-US" altLang="zh-CN"/>
-              <a:t>1.</a:t>
-            </a:r>
-            <a:r>
-              <a:rPr lang="zh-CN" altLang="en-US"/>
-              <a:t>通过模数切换，可以自动地实现噪声降低，而通过使用“渐进下降模数”（Ladder of gradually decreasing moduli）法，每个电路层对应一个模数，可以保持噪声水平非常小且基本上恒定从一层到另一层，同时仅逐渐牺牲模数的大小</a:t>
-            </a:r>
-            <a:r>
-              <a:rPr lang="en-US" altLang="zh-CN"/>
-              <a:t> </a:t>
-            </a:r>
-            <a:r>
-              <a:rPr lang="zh-CN" altLang="en-US"/>
-              <a:t>可以近似看作可以衡量任意层</a:t>
-            </a:r>
-            <a:r>
-              <a:rPr lang="zh-CN" altLang="en-US"/>
-              <a:t>电路</a:t>
-            </a:r>
-            <a:endParaRPr lang="zh-CN" altLang="en-US"/>
+          <a:lstStyle/>
+          <a:p>
+            <a:endParaRPr lang="zh-CN" altLang="en-US" dirty="0"/>
           </a:p>
         </p:txBody>
       </p:sp>
@@ -1040,12 +1300,19 @@
         <p:cNvGrpSpPr/>
         <p:nvPr/>
       </p:nvGrpSpPr>
-      <p:grpSpPr/>
+      <p:grpSpPr>
+        <a:xfrm>
+          <a:off x="0" y="0"/>
+          <a:ext cx="0" cy="0"/>
+          <a:chOff x="0" y="0"/>
+          <a:chExt cx="0" cy="0"/>
+        </a:xfrm>
+      </p:grpSpPr>
       <p:sp>
         <p:nvSpPr>
           <p:cNvPr id="2" name="幻灯片图像占位符 1"/>
           <p:cNvSpPr>
-            <a:spLocks noGrp="1"/>
+            <a:spLocks noGrp="1" noRot="1" noChangeAspect="1"/>
           </p:cNvSpPr>
           <p:nvPr>
             <p:ph type="sldImg" idx="2"/>
@@ -1066,20 +1333,46 @@
         <p:spPr/>
         <p:txBody>
           <a:bodyPr/>
-          <a:p>
-            <a:r>
-              <a:rPr lang="zh-CN" altLang="en-US"/>
-              <a:t>改良自Rege</a:t>
-            </a:r>
-            <a:r>
-              <a:rPr lang="en-US" altLang="zh-CN"/>
-              <a:t>v</a:t>
-            </a:r>
-            <a:r>
-              <a:rPr lang="zh-CN" altLang="en-US"/>
-              <a:t>体系</a:t>
-            </a:r>
-            <a:endParaRPr lang="zh-CN" altLang="en-US"/>
+          <a:lstStyle/>
+          <a:p>
+            <a:r>
+              <a:rPr lang="en-US" altLang="zh-CN" dirty="0"/>
+              <a:t>1.</a:t>
+            </a:r>
+            <a:r>
+              <a:rPr lang="zh-CN" altLang="en-US" dirty="0"/>
+              <a:t>通过模数切换，可以自动地实现噪声降低，而通过使用“渐进下降模数”（Ladder of gradually decreasing moduli）法，每个电路层对应一个模数，可以保持噪声水平非常小且基本上恒定从一层到另一层，同时仅逐渐牺牲模数的大小</a:t>
+            </a:r>
+            <a:r>
+              <a:rPr lang="en-US" altLang="zh-CN" dirty="0"/>
+              <a:t> </a:t>
+            </a:r>
+            <a:r>
+              <a:rPr lang="zh-CN" altLang="en-US" dirty="0"/>
+              <a:t>可以近似看作可以衡量任意层电路</a:t>
+            </a:r>
+            <a:endParaRPr lang="en-US" altLang="zh-CN" dirty="0"/>
+          </a:p>
+          <a:p>
+            <a:endParaRPr lang="en-US" altLang="zh-CN" dirty="0"/>
+          </a:p>
+          <a:p>
+            <a:r>
+              <a:rPr lang="zh-CN" altLang="en-US" dirty="0"/>
+              <a:t>交换密钥怎么实现： 矩阵乘法 自然可以将从维度从</a:t>
+            </a:r>
+            <a:r>
+              <a:rPr lang="en-US" altLang="zh-CN" dirty="0"/>
+              <a:t>n1</a:t>
+            </a:r>
+            <a:r>
+              <a:rPr lang="zh-CN" altLang="en-US" dirty="0"/>
+              <a:t>变成</a:t>
+            </a:r>
+            <a:r>
+              <a:rPr lang="en-US" altLang="zh-CN" dirty="0"/>
+              <a:t>n2</a:t>
+            </a:r>
           </a:p>
         </p:txBody>
       </p:sp>
@@ -1100,12 +1393,19 @@
         <p:cNvGrpSpPr/>
         <p:nvPr/>
       </p:nvGrpSpPr>
-      <p:grpSpPr/>
+      <p:grpSpPr>
+        <a:xfrm>
+          <a:off x="0" y="0"/>
+          <a:ext cx="0" cy="0"/>
+          <a:chOff x="0" y="0"/>
+          <a:chExt cx="0" cy="0"/>
+        </a:xfrm>
+      </p:grpSpPr>
       <p:sp>
         <p:nvSpPr>
           <p:cNvPr id="2" name="幻灯片图像占位符 1"/>
           <p:cNvSpPr>
-            <a:spLocks noGrp="1"/>
+            <a:spLocks noGrp="1" noRot="1" noChangeAspect="1"/>
           </p:cNvSpPr>
           <p:nvPr>
             <p:ph type="sldImg" idx="2"/>
@@ -1126,39 +1426,20 @@
         <p:spPr/>
         <p:txBody>
           <a:bodyPr/>
-          <a:p>
-            <a:r>
-              <a:rPr lang="zh-CN" altLang="en-US"/>
-              <a:t>这一部分体现了</a:t>
-            </a:r>
-            <a:r>
-              <a:rPr lang="en-US" altLang="zh-CN"/>
-              <a:t>GSW</a:t>
-            </a:r>
-            <a:r>
-              <a:rPr lang="zh-CN" altLang="en-US"/>
-              <a:t>原理上在不对加密数据做任何额外运算的</a:t>
-            </a:r>
-            <a:r>
-              <a:rPr lang="zh-CN" altLang="en-US"/>
-              <a:t>前提下，能够实现对于密文的</a:t>
-            </a:r>
-            <a:r>
-              <a:rPr lang="zh-CN" altLang="en-US"/>
-              <a:t>访问控制。</a:t>
-            </a:r>
-            <a:endParaRPr lang="zh-CN" altLang="en-US"/>
-          </a:p>
-          <a:p>
-            <a:r>
-              <a:rPr lang="zh-CN" altLang="en-US"/>
-              <a:t>传统 IBE 不支持对加密数据的</a:t>
-            </a:r>
-            <a:r>
-              <a:rPr lang="zh-CN" altLang="en-US"/>
-              <a:t>运算</a:t>
-            </a:r>
-            <a:endParaRPr lang="zh-CN" altLang="en-US"/>
+          <a:lstStyle/>
+          <a:p>
+            <a:r>
+              <a:rPr lang="zh-CN" altLang="en-US" dirty="0"/>
+              <a:t>改良自Rege</a:t>
+            </a:r>
+            <a:r>
+              <a:rPr lang="en-US" altLang="zh-CN" dirty="0"/>
+              <a:t>v</a:t>
+            </a:r>
+            <a:r>
+              <a:rPr lang="zh-CN" altLang="en-US" dirty="0"/>
+              <a:t>体系</a:t>
+            </a:r>
           </a:p>
         </p:txBody>
       </p:sp>
@@ -1179,12 +1460,19 @@
         <p:cNvGrpSpPr/>
         <p:nvPr/>
       </p:nvGrpSpPr>
-      <p:grpSpPr/>
+      <p:grpSpPr>
+        <a:xfrm>
+          <a:off x="0" y="0"/>
+          <a:ext cx="0" cy="0"/>
+          <a:chOff x="0" y="0"/>
+          <a:chExt cx="0" cy="0"/>
+        </a:xfrm>
+      </p:grpSpPr>
       <p:sp>
         <p:nvSpPr>
           <p:cNvPr id="2" name="幻灯片图像占位符 1"/>
           <p:cNvSpPr>
-            <a:spLocks noGrp="1"/>
+            <a:spLocks noGrp="1" noRot="1" noChangeAspect="1"/>
           </p:cNvSpPr>
           <p:nvPr>
             <p:ph type="sldImg" idx="2"/>
@@ -1205,27 +1493,26 @@
         <p:spPr/>
         <p:txBody>
           <a:bodyPr/>
-          <a:p>
+          <a:lstStyle/>
+          <a:p>
+            <a:r>
+              <a:rPr lang="zh-CN" altLang="en-US"/>
+              <a:t>这一部分体现了</a:t>
+            </a:r>
             <a:r>
               <a:rPr lang="en-US" altLang="zh-CN"/>
-              <a:t>BGV</a:t>
+              <a:t>GSW</a:t>
             </a:r>
             <a:r>
               <a:rPr lang="zh-CN" altLang="en-US"/>
-              <a:t>优化方向一是加速自举算法，改进自举中最耗时的比特提取步骤，提升密文同态解密速度；二是优化降噪技术，增加同态乘法的最大深度，尽可能避免复杂的自举操作。</a:t>
-            </a:r>
-            <a:endParaRPr lang="zh-CN" altLang="en-US"/>
-          </a:p>
-          <a:p>
-            <a:r>
-              <a:rPr lang="en-US" altLang="zh-CN"/>
-              <a:t>GSW利用矩阵的代数性质加速了密文乘法，特有的非对称噪声增长也将噪声增长速度从BGV类的指数级降低到了线性级，密文的自举性能相比其他技术路线的同态方案具有极大优势。根据GSW类方案的特点还可以用于构造基于身份或属性的加密方案</a:t>
-            </a:r>
+              <a:t>原理上在不对加密数据做任何额外运算的前提下，能够实现对于密文的访问控制。</a:t>
+            </a:r>
+          </a:p>
+          <a:p>
             <a:r>
               <a:rPr lang="zh-CN" altLang="en-US"/>
-              <a:t>，如何令全同态加密方案满足CCA2-secure也是限制其应用领域的一个共性问题，此外GSW类加密方案如何实现消息的打包和密文的并行处理仍是尚未彻底解决的难题。</a:t>
-            </a:r>
-            <a:endParaRPr lang="zh-CN" altLang="en-US"/>
+              <a:t>传统 IBE 不支持对加密数据的运算</a:t>
+            </a:r>
           </a:p>
         </p:txBody>
       </p:sp>
@@ -1246,12 +1533,19 @@
         <p:cNvGrpSpPr/>
         <p:nvPr/>
       </p:nvGrpSpPr>
-      <p:grpSpPr/>
+      <p:grpSpPr>
+        <a:xfrm>
+          <a:off x="0" y="0"/>
+          <a:ext cx="0" cy="0"/>
+          <a:chOff x="0" y="0"/>
+          <a:chExt cx="0" cy="0"/>
+        </a:xfrm>
+      </p:grpSpPr>
       <p:sp>
         <p:nvSpPr>
           <p:cNvPr id="2" name="幻灯片图像占位符 1"/>
           <p:cNvSpPr>
-            <a:spLocks noGrp="1"/>
+            <a:spLocks noGrp="1" noRot="1" noChangeAspect="1"/>
           </p:cNvSpPr>
           <p:nvPr>
             <p:ph type="sldImg" idx="2"/>
@@ -1272,8 +1566,26 @@
         <p:spPr/>
         <p:txBody>
           <a:bodyPr/>
-          <a:p>
-            <a:endParaRPr lang="zh-CN" altLang="en-US"/>
+          <a:lstStyle/>
+          <a:p>
+            <a:r>
+              <a:rPr lang="en-US" altLang="zh-CN"/>
+              <a:t>BGV</a:t>
+            </a:r>
+            <a:r>
+              <a:rPr lang="zh-CN" altLang="en-US"/>
+              <a:t>优化方向一是加速自举算法，改进自举中最耗时的比特提取步骤，提升密文同态解密速度；二是优化降噪技术，增加同态乘法的最大深度，尽可能避免复杂的自举操作。</a:t>
+            </a:r>
+          </a:p>
+          <a:p>
+            <a:r>
+              <a:rPr lang="en-US" altLang="zh-CN"/>
+              <a:t>GSW利用矩阵的代数性质加速了密文乘法，特有的非对称噪声增长也将噪声增长速度从BGV类的指数级降低到了线性级，密文的自举性能相比其他技术路线的同态方案具有极大优势。根据GSW类方案的特点还可以用于构造基于身份或属性的加密方案</a:t>
+            </a:r>
+            <a:r>
+              <a:rPr lang="zh-CN" altLang="en-US"/>
+              <a:t>，如何令全同态加密方案满足CCA2-secure也是限制其应用领域的一个共性问题，此外GSW类加密方案如何实现消息的打包和密文的并行处理仍是尚未彻底解决的难题。</a:t>
+            </a:r>
           </a:p>
         </p:txBody>
       </p:sp>
@@ -1330,7 +1642,6 @@
               <a:rPr lang="zh-CN" altLang="en-US"/>
               <a:t>单击此处编辑母版标题样式</a:t>
             </a:r>
-            <a:endParaRPr lang="zh-CN" altLang="en-US"/>
           </a:p>
         </p:txBody>
       </p:sp>
@@ -1395,7 +1706,6 @@
               <a:rPr lang="zh-CN" altLang="en-US"/>
               <a:t>单击此处编辑母版副标题样式</a:t>
             </a:r>
-            <a:endParaRPr lang="zh-CN" altLang="en-US"/>
           </a:p>
         </p:txBody>
       </p:sp>
@@ -1416,6 +1726,7 @@
           <a:p>
             <a:fld id="{5AD7F448-1F68-40D7-B5F9-4CDE90E69F76}" type="datetimeFigureOut">
               <a:rPr lang="zh-CN" altLang="en-US" smtClean="0"/>
+              <a:t>2024/11/18</a:t>
             </a:fld>
             <a:endParaRPr lang="zh-CN" altLang="en-US"/>
           </a:p>
@@ -1457,6 +1768,7 @@
           <a:p>
             <a:fld id="{3A216AA9-6775-4531-A0E8-15FF532D7431}" type="slidenum">
               <a:rPr lang="zh-CN" altLang="en-US" smtClean="0"/>
+              <a:t>‹#›</a:t>
             </a:fld>
             <a:endParaRPr lang="zh-CN" altLang="en-US"/>
           </a:p>
@@ -1506,7 +1818,6 @@
               <a:rPr lang="zh-CN" altLang="en-US"/>
               <a:t>单击此处编辑母版标题样式</a:t>
             </a:r>
-            <a:endParaRPr lang="zh-CN" altLang="en-US"/>
           </a:p>
         </p:txBody>
       </p:sp>
@@ -1530,7 +1841,6 @@
               <a:rPr lang="zh-CN" altLang="en-US"/>
               <a:t>单击此处编辑母版文本样式</a:t>
             </a:r>
-            <a:endParaRPr lang="zh-CN" altLang="en-US"/>
           </a:p>
           <a:p>
             <a:pPr lvl="1"/>
@@ -1538,7 +1848,6 @@
               <a:rPr lang="zh-CN" altLang="en-US"/>
               <a:t>二级</a:t>
             </a:r>
-            <a:endParaRPr lang="zh-CN" altLang="en-US"/>
           </a:p>
           <a:p>
             <a:pPr lvl="2"/>
@@ -1546,7 +1855,6 @@
               <a:rPr lang="zh-CN" altLang="en-US"/>
               <a:t>三级</a:t>
             </a:r>
-            <a:endParaRPr lang="zh-CN" altLang="en-US"/>
           </a:p>
           <a:p>
             <a:pPr lvl="3"/>
@@ -1554,7 +1862,6 @@
               <a:rPr lang="zh-CN" altLang="en-US"/>
               <a:t>四级</a:t>
             </a:r>
-            <a:endParaRPr lang="zh-CN" altLang="en-US"/>
           </a:p>
           <a:p>
             <a:pPr lvl="4"/>
@@ -1562,7 +1869,6 @@
               <a:rPr lang="zh-CN" altLang="en-US"/>
               <a:t>五级</a:t>
             </a:r>
-            <a:endParaRPr lang="zh-CN" altLang="en-US"/>
           </a:p>
         </p:txBody>
       </p:sp>
@@ -1583,6 +1889,7 @@
           <a:p>
             <a:fld id="{5AD7F448-1F68-40D7-B5F9-4CDE90E69F76}" type="datetimeFigureOut">
               <a:rPr lang="zh-CN" altLang="en-US" smtClean="0"/>
+              <a:t>2024/11/18</a:t>
             </a:fld>
             <a:endParaRPr lang="zh-CN" altLang="en-US"/>
           </a:p>
@@ -1624,6 +1931,7 @@
           <a:p>
             <a:fld id="{3A216AA9-6775-4531-A0E8-15FF532D7431}" type="slidenum">
               <a:rPr lang="zh-CN" altLang="en-US" smtClean="0"/>
+              <a:t>‹#›</a:t>
             </a:fld>
             <a:endParaRPr lang="zh-CN" altLang="en-US"/>
           </a:p>
@@ -1678,7 +1986,6 @@
               <a:rPr lang="zh-CN" altLang="en-US"/>
               <a:t>单击此处编辑母版标题样式</a:t>
             </a:r>
-            <a:endParaRPr lang="zh-CN" altLang="en-US"/>
           </a:p>
         </p:txBody>
       </p:sp>
@@ -1707,7 +2014,6 @@
               <a:rPr lang="zh-CN" altLang="en-US"/>
               <a:t>单击此处编辑母版文本样式</a:t>
             </a:r>
-            <a:endParaRPr lang="zh-CN" altLang="en-US"/>
           </a:p>
           <a:p>
             <a:pPr lvl="1"/>
@@ -1715,7 +2021,6 @@
               <a:rPr lang="zh-CN" altLang="en-US"/>
               <a:t>二级</a:t>
             </a:r>
-            <a:endParaRPr lang="zh-CN" altLang="en-US"/>
           </a:p>
           <a:p>
             <a:pPr lvl="2"/>
@@ -1723,7 +2028,6 @@
               <a:rPr lang="zh-CN" altLang="en-US"/>
               <a:t>三级</a:t>
             </a:r>
-            <a:endParaRPr lang="zh-CN" altLang="en-US"/>
           </a:p>
           <a:p>
             <a:pPr lvl="3"/>
@@ -1731,7 +2035,6 @@
               <a:rPr lang="zh-CN" altLang="en-US"/>
               <a:t>四级</a:t>
             </a:r>
-            <a:endParaRPr lang="zh-CN" altLang="en-US"/>
           </a:p>
           <a:p>
             <a:pPr lvl="4"/>
@@ -1739,7 +2042,6 @@
               <a:rPr lang="zh-CN" altLang="en-US"/>
               <a:t>五级</a:t>
             </a:r>
-            <a:endParaRPr lang="zh-CN" altLang="en-US"/>
           </a:p>
         </p:txBody>
       </p:sp>
@@ -1760,6 +2062,7 @@
           <a:p>
             <a:fld id="{5AD7F448-1F68-40D7-B5F9-4CDE90E69F76}" type="datetimeFigureOut">
               <a:rPr lang="zh-CN" altLang="en-US" smtClean="0"/>
+              <a:t>2024/11/18</a:t>
             </a:fld>
             <a:endParaRPr lang="zh-CN" altLang="en-US"/>
           </a:p>
@@ -1801,6 +2104,7 @@
           <a:p>
             <a:fld id="{3A216AA9-6775-4531-A0E8-15FF532D7431}" type="slidenum">
               <a:rPr lang="zh-CN" altLang="en-US" smtClean="0"/>
+              <a:t>‹#›</a:t>
             </a:fld>
             <a:endParaRPr lang="zh-CN" altLang="en-US"/>
           </a:p>
@@ -1859,7 +2163,6 @@
               <a:rPr lang="zh-CN" altLang="en-US"/>
               <a:t>单击此处编辑母版标题样式</a:t>
             </a:r>
-            <a:endParaRPr lang="zh-CN" altLang="en-US"/>
           </a:p>
         </p:txBody>
       </p:sp>
@@ -1924,7 +2227,6 @@
               <a:rPr lang="zh-CN" altLang="en-US"/>
               <a:t>单击此处编辑母版副标题样式</a:t>
             </a:r>
-            <a:endParaRPr lang="zh-CN" altLang="en-US"/>
           </a:p>
         </p:txBody>
       </p:sp>
@@ -1945,6 +2247,7 @@
           <a:p>
             <a:fld id="{5AD7F448-1F68-40D7-B5F9-4CDE90E69F76}" type="datetimeFigureOut">
               <a:rPr lang="zh-CN" altLang="en-US" smtClean="0"/>
+              <a:t>2024/11/18</a:t>
             </a:fld>
             <a:endParaRPr lang="zh-CN" altLang="en-US"/>
           </a:p>
@@ -1986,6 +2289,7 @@
           <a:p>
             <a:fld id="{3A216AA9-6775-4531-A0E8-15FF532D7431}" type="slidenum">
               <a:rPr lang="zh-CN" altLang="en-US" smtClean="0"/>
+              <a:t>‹#›</a:t>
             </a:fld>
             <a:endParaRPr lang="zh-CN" altLang="en-US"/>
           </a:p>
@@ -2035,7 +2339,6 @@
               <a:rPr lang="zh-CN" altLang="en-US"/>
               <a:t>单击此处编辑母版标题样式</a:t>
             </a:r>
-            <a:endParaRPr lang="zh-CN" altLang="en-US"/>
           </a:p>
         </p:txBody>
       </p:sp>
@@ -2059,7 +2362,6 @@
               <a:rPr lang="zh-CN" altLang="en-US"/>
               <a:t>单击此处编辑母版文本样式</a:t>
             </a:r>
-            <a:endParaRPr lang="zh-CN" altLang="en-US"/>
           </a:p>
           <a:p>
             <a:pPr lvl="1"/>
@@ -2067,7 +2369,6 @@
               <a:rPr lang="zh-CN" altLang="en-US"/>
               <a:t>二级</a:t>
             </a:r>
-            <a:endParaRPr lang="zh-CN" altLang="en-US"/>
           </a:p>
           <a:p>
             <a:pPr lvl="2"/>
@@ -2075,7 +2376,6 @@
               <a:rPr lang="zh-CN" altLang="en-US"/>
               <a:t>三级</a:t>
             </a:r>
-            <a:endParaRPr lang="zh-CN" altLang="en-US"/>
           </a:p>
           <a:p>
             <a:pPr lvl="3"/>
@@ -2083,7 +2383,6 @@
               <a:rPr lang="zh-CN" altLang="en-US"/>
               <a:t>四级</a:t>
             </a:r>
-            <a:endParaRPr lang="zh-CN" altLang="en-US"/>
           </a:p>
           <a:p>
             <a:pPr lvl="4"/>
@@ -2091,7 +2390,6 @@
               <a:rPr lang="zh-CN" altLang="en-US"/>
               <a:t>五级</a:t>
             </a:r>
-            <a:endParaRPr lang="zh-CN" altLang="en-US"/>
           </a:p>
         </p:txBody>
       </p:sp>
@@ -2112,6 +2410,7 @@
           <a:p>
             <a:fld id="{5AD7F448-1F68-40D7-B5F9-4CDE90E69F76}" type="datetimeFigureOut">
               <a:rPr lang="zh-CN" altLang="en-US" smtClean="0"/>
+              <a:t>2024/11/18</a:t>
             </a:fld>
             <a:endParaRPr lang="zh-CN" altLang="en-US"/>
           </a:p>
@@ -2153,6 +2452,7 @@
           <a:p>
             <a:fld id="{3A216AA9-6775-4531-A0E8-15FF532D7431}" type="slidenum">
               <a:rPr lang="zh-CN" altLang="en-US" smtClean="0"/>
+              <a:t>‹#›</a:t>
             </a:fld>
             <a:endParaRPr lang="zh-CN" altLang="en-US"/>
           </a:p>
@@ -2211,7 +2511,6 @@
               <a:rPr lang="zh-CN" altLang="en-US"/>
               <a:t>单击此处编辑母版标题样式</a:t>
             </a:r>
-            <a:endParaRPr lang="zh-CN" altLang="en-US"/>
           </a:p>
         </p:txBody>
       </p:sp>
@@ -2331,7 +2630,6 @@
               <a:rPr lang="zh-CN" altLang="en-US"/>
               <a:t>单击此处编辑母版文本样式</a:t>
             </a:r>
-            <a:endParaRPr lang="zh-CN" altLang="en-US"/>
           </a:p>
         </p:txBody>
       </p:sp>
@@ -2352,6 +2650,7 @@
           <a:p>
             <a:fld id="{5AD7F448-1F68-40D7-B5F9-4CDE90E69F76}" type="datetimeFigureOut">
               <a:rPr lang="zh-CN" altLang="en-US" smtClean="0"/>
+              <a:t>2024/11/18</a:t>
             </a:fld>
             <a:endParaRPr lang="zh-CN" altLang="en-US"/>
           </a:p>
@@ -2393,6 +2692,7 @@
           <a:p>
             <a:fld id="{3A216AA9-6775-4531-A0E8-15FF532D7431}" type="slidenum">
               <a:rPr lang="zh-CN" altLang="en-US" smtClean="0"/>
+              <a:t>‹#›</a:t>
             </a:fld>
             <a:endParaRPr lang="zh-CN" altLang="en-US"/>
           </a:p>
@@ -2442,7 +2742,6 @@
               <a:rPr lang="zh-CN" altLang="en-US"/>
               <a:t>单击此处编辑母版标题样式</a:t>
             </a:r>
-            <a:endParaRPr lang="zh-CN" altLang="en-US"/>
           </a:p>
         </p:txBody>
       </p:sp>
@@ -2471,7 +2770,6 @@
               <a:rPr lang="zh-CN" altLang="en-US"/>
               <a:t>单击此处编辑母版文本样式</a:t>
             </a:r>
-            <a:endParaRPr lang="zh-CN" altLang="en-US"/>
           </a:p>
           <a:p>
             <a:pPr lvl="1"/>
@@ -2479,7 +2777,6 @@
               <a:rPr lang="zh-CN" altLang="en-US"/>
               <a:t>二级</a:t>
             </a:r>
-            <a:endParaRPr lang="zh-CN" altLang="en-US"/>
           </a:p>
           <a:p>
             <a:pPr lvl="2"/>
@@ -2487,7 +2784,6 @@
               <a:rPr lang="zh-CN" altLang="en-US"/>
               <a:t>三级</a:t>
             </a:r>
-            <a:endParaRPr lang="zh-CN" altLang="en-US"/>
           </a:p>
           <a:p>
             <a:pPr lvl="3"/>
@@ -2495,7 +2791,6 @@
               <a:rPr lang="zh-CN" altLang="en-US"/>
               <a:t>四级</a:t>
             </a:r>
-            <a:endParaRPr lang="zh-CN" altLang="en-US"/>
           </a:p>
           <a:p>
             <a:pPr lvl="4"/>
@@ -2503,7 +2798,6 @@
               <a:rPr lang="zh-CN" altLang="en-US"/>
               <a:t>五级</a:t>
             </a:r>
-            <a:endParaRPr lang="zh-CN" altLang="en-US"/>
           </a:p>
         </p:txBody>
       </p:sp>
@@ -2532,7 +2826,6 @@
               <a:rPr lang="zh-CN" altLang="en-US"/>
               <a:t>单击此处编辑母版文本样式</a:t>
             </a:r>
-            <a:endParaRPr lang="zh-CN" altLang="en-US"/>
           </a:p>
           <a:p>
             <a:pPr lvl="1"/>
@@ -2540,7 +2833,6 @@
               <a:rPr lang="zh-CN" altLang="en-US"/>
               <a:t>二级</a:t>
             </a:r>
-            <a:endParaRPr lang="zh-CN" altLang="en-US"/>
           </a:p>
           <a:p>
             <a:pPr lvl="2"/>
@@ -2548,7 +2840,6 @@
               <a:rPr lang="zh-CN" altLang="en-US"/>
               <a:t>三级</a:t>
             </a:r>
-            <a:endParaRPr lang="zh-CN" altLang="en-US"/>
           </a:p>
           <a:p>
             <a:pPr lvl="3"/>
@@ -2556,7 +2847,6 @@
               <a:rPr lang="zh-CN" altLang="en-US"/>
               <a:t>四级</a:t>
             </a:r>
-            <a:endParaRPr lang="zh-CN" altLang="en-US"/>
           </a:p>
           <a:p>
             <a:pPr lvl="4"/>
@@ -2564,7 +2854,6 @@
               <a:rPr lang="zh-CN" altLang="en-US"/>
               <a:t>五级</a:t>
             </a:r>
-            <a:endParaRPr lang="zh-CN" altLang="en-US"/>
           </a:p>
         </p:txBody>
       </p:sp>
@@ -2585,6 +2874,7 @@
           <a:p>
             <a:fld id="{5AD7F448-1F68-40D7-B5F9-4CDE90E69F76}" type="datetimeFigureOut">
               <a:rPr lang="zh-CN" altLang="en-US" smtClean="0"/>
+              <a:t>2024/11/18</a:t>
             </a:fld>
             <a:endParaRPr lang="zh-CN" altLang="en-US"/>
           </a:p>
@@ -2626,6 +2916,7 @@
           <a:p>
             <a:fld id="{3A216AA9-6775-4531-A0E8-15FF532D7431}" type="slidenum">
               <a:rPr lang="zh-CN" altLang="en-US" smtClean="0"/>
+              <a:t>‹#›</a:t>
             </a:fld>
             <a:endParaRPr lang="zh-CN" altLang="en-US"/>
           </a:p>
@@ -2680,7 +2971,6 @@
               <a:rPr lang="zh-CN" altLang="en-US"/>
               <a:t>单击此处编辑母版标题样式</a:t>
             </a:r>
-            <a:endParaRPr lang="zh-CN" altLang="en-US"/>
           </a:p>
         </p:txBody>
       </p:sp>
@@ -2746,7 +3036,6 @@
               <a:rPr lang="zh-CN" altLang="en-US"/>
               <a:t>单击此处编辑母版文本样式</a:t>
             </a:r>
-            <a:endParaRPr lang="zh-CN" altLang="en-US"/>
           </a:p>
         </p:txBody>
       </p:sp>
@@ -2775,7 +3064,6 @@
               <a:rPr lang="zh-CN" altLang="en-US"/>
               <a:t>单击此处编辑母版文本样式</a:t>
             </a:r>
-            <a:endParaRPr lang="zh-CN" altLang="en-US"/>
           </a:p>
           <a:p>
             <a:pPr lvl="1"/>
@@ -2783,7 +3071,6 @@
               <a:rPr lang="zh-CN" altLang="en-US"/>
               <a:t>二级</a:t>
             </a:r>
-            <a:endParaRPr lang="zh-CN" altLang="en-US"/>
           </a:p>
           <a:p>
             <a:pPr lvl="2"/>
@@ -2791,7 +3078,6 @@
               <a:rPr lang="zh-CN" altLang="en-US"/>
               <a:t>三级</a:t>
             </a:r>
-            <a:endParaRPr lang="zh-CN" altLang="en-US"/>
           </a:p>
           <a:p>
             <a:pPr lvl="3"/>
@@ -2799,7 +3085,6 @@
               <a:rPr lang="zh-CN" altLang="en-US"/>
               <a:t>四级</a:t>
             </a:r>
-            <a:endParaRPr lang="zh-CN" altLang="en-US"/>
           </a:p>
           <a:p>
             <a:pPr lvl="4"/>
@@ -2807,7 +3092,6 @@
               <a:rPr lang="zh-CN" altLang="en-US"/>
               <a:t>五级</a:t>
             </a:r>
-            <a:endParaRPr lang="zh-CN" altLang="en-US"/>
           </a:p>
         </p:txBody>
       </p:sp>
@@ -2873,7 +3157,6 @@
               <a:rPr lang="zh-CN" altLang="en-US"/>
               <a:t>单击此处编辑母版文本样式</a:t>
             </a:r>
-            <a:endParaRPr lang="zh-CN" altLang="en-US"/>
           </a:p>
         </p:txBody>
       </p:sp>
@@ -2902,7 +3185,6 @@
               <a:rPr lang="zh-CN" altLang="en-US"/>
               <a:t>单击此处编辑母版文本样式</a:t>
             </a:r>
-            <a:endParaRPr lang="zh-CN" altLang="en-US"/>
           </a:p>
           <a:p>
             <a:pPr lvl="1"/>
@@ -2910,7 +3192,6 @@
               <a:rPr lang="zh-CN" altLang="en-US"/>
               <a:t>二级</a:t>
             </a:r>
-            <a:endParaRPr lang="zh-CN" altLang="en-US"/>
           </a:p>
           <a:p>
             <a:pPr lvl="2"/>
@@ -2918,7 +3199,6 @@
               <a:rPr lang="zh-CN" altLang="en-US"/>
               <a:t>三级</a:t>
             </a:r>
-            <a:endParaRPr lang="zh-CN" altLang="en-US"/>
           </a:p>
           <a:p>
             <a:pPr lvl="3"/>
@@ -2926,7 +3206,6 @@
               <a:rPr lang="zh-CN" altLang="en-US"/>
               <a:t>四级</a:t>
             </a:r>
-            <a:endParaRPr lang="zh-CN" altLang="en-US"/>
           </a:p>
           <a:p>
             <a:pPr lvl="4"/>
@@ -2934,7 +3213,6 @@
               <a:rPr lang="zh-CN" altLang="en-US"/>
               <a:t>五级</a:t>
             </a:r>
-            <a:endParaRPr lang="zh-CN" altLang="en-US"/>
           </a:p>
         </p:txBody>
       </p:sp>
@@ -2955,6 +3233,7 @@
           <a:p>
             <a:fld id="{5AD7F448-1F68-40D7-B5F9-4CDE90E69F76}" type="datetimeFigureOut">
               <a:rPr lang="zh-CN" altLang="en-US" smtClean="0"/>
+              <a:t>2024/11/18</a:t>
             </a:fld>
             <a:endParaRPr lang="zh-CN" altLang="en-US"/>
           </a:p>
@@ -2996,6 +3275,7 @@
           <a:p>
             <a:fld id="{3A216AA9-6775-4531-A0E8-15FF532D7431}" type="slidenum">
               <a:rPr lang="zh-CN" altLang="en-US" smtClean="0"/>
+              <a:t>‹#›</a:t>
             </a:fld>
             <a:endParaRPr lang="zh-CN" altLang="en-US"/>
           </a:p>
@@ -3045,7 +3325,6 @@
               <a:rPr lang="zh-CN" altLang="en-US"/>
               <a:t>单击此处编辑母版标题样式</a:t>
             </a:r>
-            <a:endParaRPr lang="zh-CN" altLang="en-US"/>
           </a:p>
         </p:txBody>
       </p:sp>
@@ -3066,6 +3345,7 @@
           <a:p>
             <a:fld id="{5AD7F448-1F68-40D7-B5F9-4CDE90E69F76}" type="datetimeFigureOut">
               <a:rPr lang="zh-CN" altLang="en-US" smtClean="0"/>
+              <a:t>2024/11/18</a:t>
             </a:fld>
             <a:endParaRPr lang="zh-CN" altLang="en-US"/>
           </a:p>
@@ -3107,6 +3387,7 @@
           <a:p>
             <a:fld id="{3A216AA9-6775-4531-A0E8-15FF532D7431}" type="slidenum">
               <a:rPr lang="zh-CN" altLang="en-US" smtClean="0"/>
+              <a:t>‹#›</a:t>
             </a:fld>
             <a:endParaRPr lang="zh-CN" altLang="en-US"/>
           </a:p>
@@ -3154,6 +3435,7 @@
           <a:p>
             <a:fld id="{5AD7F448-1F68-40D7-B5F9-4CDE90E69F76}" type="datetimeFigureOut">
               <a:rPr lang="zh-CN" altLang="en-US" smtClean="0"/>
+              <a:t>2024/11/18</a:t>
             </a:fld>
             <a:endParaRPr lang="zh-CN" altLang="en-US"/>
           </a:p>
@@ -3195,6 +3477,7 @@
           <a:p>
             <a:fld id="{3A216AA9-6775-4531-A0E8-15FF532D7431}" type="slidenum">
               <a:rPr lang="zh-CN" altLang="en-US" smtClean="0"/>
+              <a:t>‹#›</a:t>
             </a:fld>
             <a:endParaRPr lang="zh-CN" altLang="en-US"/>
           </a:p>
@@ -3253,7 +3536,6 @@
               <a:rPr lang="zh-CN" altLang="en-US"/>
               <a:t>单击此处编辑母版标题样式</a:t>
             </a:r>
-            <a:endParaRPr lang="zh-CN" altLang="en-US"/>
           </a:p>
         </p:txBody>
       </p:sp>
@@ -3310,7 +3592,6 @@
               <a:rPr lang="zh-CN" altLang="en-US"/>
               <a:t>单击此处编辑母版文本样式</a:t>
             </a:r>
-            <a:endParaRPr lang="zh-CN" altLang="en-US"/>
           </a:p>
           <a:p>
             <a:pPr lvl="1"/>
@@ -3318,7 +3599,6 @@
               <a:rPr lang="zh-CN" altLang="en-US"/>
               <a:t>二级</a:t>
             </a:r>
-            <a:endParaRPr lang="zh-CN" altLang="en-US"/>
           </a:p>
           <a:p>
             <a:pPr lvl="2"/>
@@ -3326,7 +3606,6 @@
               <a:rPr lang="zh-CN" altLang="en-US"/>
               <a:t>三级</a:t>
             </a:r>
-            <a:endParaRPr lang="zh-CN" altLang="en-US"/>
           </a:p>
           <a:p>
             <a:pPr lvl="3"/>
@@ -3334,7 +3613,6 @@
               <a:rPr lang="zh-CN" altLang="en-US"/>
               <a:t>四级</a:t>
             </a:r>
-            <a:endParaRPr lang="zh-CN" altLang="en-US"/>
           </a:p>
           <a:p>
             <a:pPr lvl="4"/>
@@ -3342,7 +3620,6 @@
               <a:rPr lang="zh-CN" altLang="en-US"/>
               <a:t>五级</a:t>
             </a:r>
-            <a:endParaRPr lang="zh-CN" altLang="en-US"/>
           </a:p>
         </p:txBody>
       </p:sp>
@@ -3408,7 +3685,6 @@
               <a:rPr lang="zh-CN" altLang="en-US"/>
               <a:t>单击此处编辑母版文本样式</a:t>
             </a:r>
-            <a:endParaRPr lang="zh-CN" altLang="en-US"/>
           </a:p>
         </p:txBody>
       </p:sp>
@@ -3429,6 +3705,7 @@
           <a:p>
             <a:fld id="{5AD7F448-1F68-40D7-B5F9-4CDE90E69F76}" type="datetimeFigureOut">
               <a:rPr lang="zh-CN" altLang="en-US" smtClean="0"/>
+              <a:t>2024/11/18</a:t>
             </a:fld>
             <a:endParaRPr lang="zh-CN" altLang="en-US"/>
           </a:p>
@@ -3470,6 +3747,7 @@
           <a:p>
             <a:fld id="{3A216AA9-6775-4531-A0E8-15FF532D7431}" type="slidenum">
               <a:rPr lang="zh-CN" altLang="en-US" smtClean="0"/>
+              <a:t>‹#›</a:t>
             </a:fld>
             <a:endParaRPr lang="zh-CN" altLang="en-US"/>
           </a:p>
@@ -3519,7 +3797,6 @@
               <a:rPr lang="zh-CN" altLang="en-US"/>
               <a:t>单击此处编辑母版标题样式</a:t>
             </a:r>
-            <a:endParaRPr lang="zh-CN" altLang="en-US"/>
           </a:p>
         </p:txBody>
       </p:sp>
@@ -3543,7 +3820,6 @@
               <a:rPr lang="zh-CN" altLang="en-US"/>
               <a:t>单击此处编辑母版文本样式</a:t>
             </a:r>
-            <a:endParaRPr lang="zh-CN" altLang="en-US"/>
           </a:p>
           <a:p>
             <a:pPr lvl="1"/>
@@ -3551,7 +3827,6 @@
               <a:rPr lang="zh-CN" altLang="en-US"/>
               <a:t>二级</a:t>
             </a:r>
-            <a:endParaRPr lang="zh-CN" altLang="en-US"/>
           </a:p>
           <a:p>
             <a:pPr lvl="2"/>
@@ -3559,7 +3834,6 @@
               <a:rPr lang="zh-CN" altLang="en-US"/>
               <a:t>三级</a:t>
             </a:r>
-            <a:endParaRPr lang="zh-CN" altLang="en-US"/>
           </a:p>
           <a:p>
             <a:pPr lvl="3"/>
@@ -3567,7 +3841,6 @@
               <a:rPr lang="zh-CN" altLang="en-US"/>
               <a:t>四级</a:t>
             </a:r>
-            <a:endParaRPr lang="zh-CN" altLang="en-US"/>
           </a:p>
           <a:p>
             <a:pPr lvl="4"/>
@@ -3575,7 +3848,6 @@
               <a:rPr lang="zh-CN" altLang="en-US"/>
               <a:t>五级</a:t>
             </a:r>
-            <a:endParaRPr lang="zh-CN" altLang="en-US"/>
           </a:p>
         </p:txBody>
       </p:sp>
@@ -3596,6 +3868,7 @@
           <a:p>
             <a:fld id="{5AD7F448-1F68-40D7-B5F9-4CDE90E69F76}" type="datetimeFigureOut">
               <a:rPr lang="zh-CN" altLang="en-US" smtClean="0"/>
+              <a:t>2024/11/18</a:t>
             </a:fld>
             <a:endParaRPr lang="zh-CN" altLang="en-US"/>
           </a:p>
@@ -3637,6 +3910,7 @@
           <a:p>
             <a:fld id="{3A216AA9-6775-4531-A0E8-15FF532D7431}" type="slidenum">
               <a:rPr lang="zh-CN" altLang="en-US" smtClean="0"/>
+              <a:t>‹#›</a:t>
             </a:fld>
             <a:endParaRPr lang="zh-CN" altLang="en-US"/>
           </a:p>
@@ -3695,7 +3969,6 @@
               <a:rPr lang="zh-CN" altLang="en-US"/>
               <a:t>单击此处编辑母版标题样式</a:t>
             </a:r>
-            <a:endParaRPr lang="zh-CN" altLang="en-US"/>
           </a:p>
         </p:txBody>
       </p:sp>
@@ -3822,7 +4095,6 @@
               <a:rPr lang="zh-CN" altLang="en-US"/>
               <a:t>单击此处编辑母版文本样式</a:t>
             </a:r>
-            <a:endParaRPr lang="zh-CN" altLang="en-US"/>
           </a:p>
         </p:txBody>
       </p:sp>
@@ -3843,6 +4115,7 @@
           <a:p>
             <a:fld id="{5AD7F448-1F68-40D7-B5F9-4CDE90E69F76}" type="datetimeFigureOut">
               <a:rPr lang="zh-CN" altLang="en-US" smtClean="0"/>
+              <a:t>2024/11/18</a:t>
             </a:fld>
             <a:endParaRPr lang="zh-CN" altLang="en-US"/>
           </a:p>
@@ -3884,6 +4157,7 @@
           <a:p>
             <a:fld id="{3A216AA9-6775-4531-A0E8-15FF532D7431}" type="slidenum">
               <a:rPr lang="zh-CN" altLang="en-US" smtClean="0"/>
+              <a:t>‹#›</a:t>
             </a:fld>
             <a:endParaRPr lang="zh-CN" altLang="en-US"/>
           </a:p>
@@ -3933,7 +4207,6 @@
               <a:rPr lang="zh-CN" altLang="en-US"/>
               <a:t>单击此处编辑母版标题样式</a:t>
             </a:r>
-            <a:endParaRPr lang="zh-CN" altLang="en-US"/>
           </a:p>
         </p:txBody>
       </p:sp>
@@ -3957,7 +4230,6 @@
               <a:rPr lang="zh-CN" altLang="en-US"/>
               <a:t>单击此处编辑母版文本样式</a:t>
             </a:r>
-            <a:endParaRPr lang="zh-CN" altLang="en-US"/>
           </a:p>
           <a:p>
             <a:pPr lvl="1"/>
@@ -3965,7 +4237,6 @@
               <a:rPr lang="zh-CN" altLang="en-US"/>
               <a:t>二级</a:t>
             </a:r>
-            <a:endParaRPr lang="zh-CN" altLang="en-US"/>
           </a:p>
           <a:p>
             <a:pPr lvl="2"/>
@@ -3973,7 +4244,6 @@
               <a:rPr lang="zh-CN" altLang="en-US"/>
               <a:t>三级</a:t>
             </a:r>
-            <a:endParaRPr lang="zh-CN" altLang="en-US"/>
           </a:p>
           <a:p>
             <a:pPr lvl="3"/>
@@ -3981,7 +4251,6 @@
               <a:rPr lang="zh-CN" altLang="en-US"/>
               <a:t>四级</a:t>
             </a:r>
-            <a:endParaRPr lang="zh-CN" altLang="en-US"/>
           </a:p>
           <a:p>
             <a:pPr lvl="4"/>
@@ -3989,7 +4258,6 @@
               <a:rPr lang="zh-CN" altLang="en-US"/>
               <a:t>五级</a:t>
             </a:r>
-            <a:endParaRPr lang="zh-CN" altLang="en-US"/>
           </a:p>
         </p:txBody>
       </p:sp>
@@ -4010,6 +4278,7 @@
           <a:p>
             <a:fld id="{5AD7F448-1F68-40D7-B5F9-4CDE90E69F76}" type="datetimeFigureOut">
               <a:rPr lang="zh-CN" altLang="en-US" smtClean="0"/>
+              <a:t>2024/11/18</a:t>
             </a:fld>
             <a:endParaRPr lang="zh-CN" altLang="en-US"/>
           </a:p>
@@ -4051,6 +4320,7 @@
           <a:p>
             <a:fld id="{3A216AA9-6775-4531-A0E8-15FF532D7431}" type="slidenum">
               <a:rPr lang="zh-CN" altLang="en-US" smtClean="0"/>
+              <a:t>‹#›</a:t>
             </a:fld>
             <a:endParaRPr lang="zh-CN" altLang="en-US"/>
           </a:p>
@@ -4105,7 +4375,6 @@
               <a:rPr lang="zh-CN" altLang="en-US"/>
               <a:t>单击此处编辑母版标题样式</a:t>
             </a:r>
-            <a:endParaRPr lang="zh-CN" altLang="en-US"/>
           </a:p>
         </p:txBody>
       </p:sp>
@@ -4134,7 +4403,6 @@
               <a:rPr lang="zh-CN" altLang="en-US"/>
               <a:t>单击此处编辑母版文本样式</a:t>
             </a:r>
-            <a:endParaRPr lang="zh-CN" altLang="en-US"/>
           </a:p>
           <a:p>
             <a:pPr lvl="1"/>
@@ -4142,7 +4410,6 @@
               <a:rPr lang="zh-CN" altLang="en-US"/>
               <a:t>二级</a:t>
             </a:r>
-            <a:endParaRPr lang="zh-CN" altLang="en-US"/>
           </a:p>
           <a:p>
             <a:pPr lvl="2"/>
@@ -4150,7 +4417,6 @@
               <a:rPr lang="zh-CN" altLang="en-US"/>
               <a:t>三级</a:t>
             </a:r>
-            <a:endParaRPr lang="zh-CN" altLang="en-US"/>
           </a:p>
           <a:p>
             <a:pPr lvl="3"/>
@@ -4158,7 +4424,6 @@
               <a:rPr lang="zh-CN" altLang="en-US"/>
               <a:t>四级</a:t>
             </a:r>
-            <a:endParaRPr lang="zh-CN" altLang="en-US"/>
           </a:p>
           <a:p>
             <a:pPr lvl="4"/>
@@ -4166,7 +4431,6 @@
               <a:rPr lang="zh-CN" altLang="en-US"/>
               <a:t>五级</a:t>
             </a:r>
-            <a:endParaRPr lang="zh-CN" altLang="en-US"/>
           </a:p>
         </p:txBody>
       </p:sp>
@@ -4187,6 +4451,7 @@
           <a:p>
             <a:fld id="{5AD7F448-1F68-40D7-B5F9-4CDE90E69F76}" type="datetimeFigureOut">
               <a:rPr lang="zh-CN" altLang="en-US" smtClean="0"/>
+              <a:t>2024/11/18</a:t>
             </a:fld>
             <a:endParaRPr lang="zh-CN" altLang="en-US"/>
           </a:p>
@@ -4228,6 +4493,7 @@
           <a:p>
             <a:fld id="{3A216AA9-6775-4531-A0E8-15FF532D7431}" type="slidenum">
               <a:rPr lang="zh-CN" altLang="en-US" smtClean="0"/>
+              <a:t>‹#›</a:t>
             </a:fld>
             <a:endParaRPr lang="zh-CN" altLang="en-US"/>
           </a:p>
@@ -4286,7 +4552,6 @@
               <a:rPr lang="zh-CN" altLang="en-US"/>
               <a:t>单击此处编辑母版标题样式</a:t>
             </a:r>
-            <a:endParaRPr lang="zh-CN" altLang="en-US"/>
           </a:p>
         </p:txBody>
       </p:sp>
@@ -4406,7 +4671,6 @@
               <a:rPr lang="zh-CN" altLang="en-US"/>
               <a:t>单击此处编辑母版文本样式</a:t>
             </a:r>
-            <a:endParaRPr lang="zh-CN" altLang="en-US"/>
           </a:p>
         </p:txBody>
       </p:sp>
@@ -4427,6 +4691,7 @@
           <a:p>
             <a:fld id="{5AD7F448-1F68-40D7-B5F9-4CDE90E69F76}" type="datetimeFigureOut">
               <a:rPr lang="zh-CN" altLang="en-US" smtClean="0"/>
+              <a:t>2024/11/18</a:t>
             </a:fld>
             <a:endParaRPr lang="zh-CN" altLang="en-US"/>
           </a:p>
@@ -4468,6 +4733,7 @@
           <a:p>
             <a:fld id="{3A216AA9-6775-4531-A0E8-15FF532D7431}" type="slidenum">
               <a:rPr lang="zh-CN" altLang="en-US" smtClean="0"/>
+              <a:t>‹#›</a:t>
             </a:fld>
             <a:endParaRPr lang="zh-CN" altLang="en-US"/>
           </a:p>
@@ -4517,7 +4783,6 @@
               <a:rPr lang="zh-CN" altLang="en-US"/>
               <a:t>单击此处编辑母版标题样式</a:t>
             </a:r>
-            <a:endParaRPr lang="zh-CN" altLang="en-US"/>
           </a:p>
         </p:txBody>
       </p:sp>
@@ -4546,7 +4811,6 @@
               <a:rPr lang="zh-CN" altLang="en-US"/>
               <a:t>单击此处编辑母版文本样式</a:t>
             </a:r>
-            <a:endParaRPr lang="zh-CN" altLang="en-US"/>
           </a:p>
           <a:p>
             <a:pPr lvl="1"/>
@@ -4554,7 +4818,6 @@
               <a:rPr lang="zh-CN" altLang="en-US"/>
               <a:t>二级</a:t>
             </a:r>
-            <a:endParaRPr lang="zh-CN" altLang="en-US"/>
           </a:p>
           <a:p>
             <a:pPr lvl="2"/>
@@ -4562,7 +4825,6 @@
               <a:rPr lang="zh-CN" altLang="en-US"/>
               <a:t>三级</a:t>
             </a:r>
-            <a:endParaRPr lang="zh-CN" altLang="en-US"/>
           </a:p>
           <a:p>
             <a:pPr lvl="3"/>
@@ -4570,7 +4832,6 @@
               <a:rPr lang="zh-CN" altLang="en-US"/>
               <a:t>四级</a:t>
             </a:r>
-            <a:endParaRPr lang="zh-CN" altLang="en-US"/>
           </a:p>
           <a:p>
             <a:pPr lvl="4"/>
@@ -4578,7 +4839,6 @@
               <a:rPr lang="zh-CN" altLang="en-US"/>
               <a:t>五级</a:t>
             </a:r>
-            <a:endParaRPr lang="zh-CN" altLang="en-US"/>
           </a:p>
         </p:txBody>
       </p:sp>
@@ -4607,7 +4867,6 @@
               <a:rPr lang="zh-CN" altLang="en-US"/>
               <a:t>单击此处编辑母版文本样式</a:t>
             </a:r>
-            <a:endParaRPr lang="zh-CN" altLang="en-US"/>
           </a:p>
           <a:p>
             <a:pPr lvl="1"/>
@@ -4615,7 +4874,6 @@
               <a:rPr lang="zh-CN" altLang="en-US"/>
               <a:t>二级</a:t>
             </a:r>
-            <a:endParaRPr lang="zh-CN" altLang="en-US"/>
           </a:p>
           <a:p>
             <a:pPr lvl="2"/>
@@ -4623,7 +4881,6 @@
               <a:rPr lang="zh-CN" altLang="en-US"/>
               <a:t>三级</a:t>
             </a:r>
-            <a:endParaRPr lang="zh-CN" altLang="en-US"/>
           </a:p>
           <a:p>
             <a:pPr lvl="3"/>
@@ -4631,7 +4888,6 @@
               <a:rPr lang="zh-CN" altLang="en-US"/>
               <a:t>四级</a:t>
             </a:r>
-            <a:endParaRPr lang="zh-CN" altLang="en-US"/>
           </a:p>
           <a:p>
             <a:pPr lvl="4"/>
@@ -4639,7 +4895,6 @@
               <a:rPr lang="zh-CN" altLang="en-US"/>
               <a:t>五级</a:t>
             </a:r>
-            <a:endParaRPr lang="zh-CN" altLang="en-US"/>
           </a:p>
         </p:txBody>
       </p:sp>
@@ -4660,6 +4915,7 @@
           <a:p>
             <a:fld id="{5AD7F448-1F68-40D7-B5F9-4CDE90E69F76}" type="datetimeFigureOut">
               <a:rPr lang="zh-CN" altLang="en-US" smtClean="0"/>
+              <a:t>2024/11/18</a:t>
             </a:fld>
             <a:endParaRPr lang="zh-CN" altLang="en-US"/>
           </a:p>
@@ -4701,6 +4957,7 @@
           <a:p>
             <a:fld id="{3A216AA9-6775-4531-A0E8-15FF532D7431}" type="slidenum">
               <a:rPr lang="zh-CN" altLang="en-US" smtClean="0"/>
+              <a:t>‹#›</a:t>
             </a:fld>
             <a:endParaRPr lang="zh-CN" altLang="en-US"/>
           </a:p>
@@ -4755,7 +5012,6 @@
               <a:rPr lang="zh-CN" altLang="en-US"/>
               <a:t>单击此处编辑母版标题样式</a:t>
             </a:r>
-            <a:endParaRPr lang="zh-CN" altLang="en-US"/>
           </a:p>
         </p:txBody>
       </p:sp>
@@ -4821,7 +5077,6 @@
               <a:rPr lang="zh-CN" altLang="en-US"/>
               <a:t>单击此处编辑母版文本样式</a:t>
             </a:r>
-            <a:endParaRPr lang="zh-CN" altLang="en-US"/>
           </a:p>
         </p:txBody>
       </p:sp>
@@ -4850,7 +5105,6 @@
               <a:rPr lang="zh-CN" altLang="en-US"/>
               <a:t>单击此处编辑母版文本样式</a:t>
             </a:r>
-            <a:endParaRPr lang="zh-CN" altLang="en-US"/>
           </a:p>
           <a:p>
             <a:pPr lvl="1"/>
@@ -4858,7 +5112,6 @@
               <a:rPr lang="zh-CN" altLang="en-US"/>
               <a:t>二级</a:t>
             </a:r>
-            <a:endParaRPr lang="zh-CN" altLang="en-US"/>
           </a:p>
           <a:p>
             <a:pPr lvl="2"/>
@@ -4866,7 +5119,6 @@
               <a:rPr lang="zh-CN" altLang="en-US"/>
               <a:t>三级</a:t>
             </a:r>
-            <a:endParaRPr lang="zh-CN" altLang="en-US"/>
           </a:p>
           <a:p>
             <a:pPr lvl="3"/>
@@ -4874,7 +5126,6 @@
               <a:rPr lang="zh-CN" altLang="en-US"/>
               <a:t>四级</a:t>
             </a:r>
-            <a:endParaRPr lang="zh-CN" altLang="en-US"/>
           </a:p>
           <a:p>
             <a:pPr lvl="4"/>
@@ -4882,7 +5133,6 @@
               <a:rPr lang="zh-CN" altLang="en-US"/>
               <a:t>五级</a:t>
             </a:r>
-            <a:endParaRPr lang="zh-CN" altLang="en-US"/>
           </a:p>
         </p:txBody>
       </p:sp>
@@ -4948,7 +5198,6 @@
               <a:rPr lang="zh-CN" altLang="en-US"/>
               <a:t>单击此处编辑母版文本样式</a:t>
             </a:r>
-            <a:endParaRPr lang="zh-CN" altLang="en-US"/>
           </a:p>
         </p:txBody>
       </p:sp>
@@ -4977,7 +5226,6 @@
               <a:rPr lang="zh-CN" altLang="en-US"/>
               <a:t>单击此处编辑母版文本样式</a:t>
             </a:r>
-            <a:endParaRPr lang="zh-CN" altLang="en-US"/>
           </a:p>
           <a:p>
             <a:pPr lvl="1"/>
@@ -4985,7 +5233,6 @@
               <a:rPr lang="zh-CN" altLang="en-US"/>
               <a:t>二级</a:t>
             </a:r>
-            <a:endParaRPr lang="zh-CN" altLang="en-US"/>
           </a:p>
           <a:p>
             <a:pPr lvl="2"/>
@@ -4993,7 +5240,6 @@
               <a:rPr lang="zh-CN" altLang="en-US"/>
               <a:t>三级</a:t>
             </a:r>
-            <a:endParaRPr lang="zh-CN" altLang="en-US"/>
           </a:p>
           <a:p>
             <a:pPr lvl="3"/>
@@ -5001,7 +5247,6 @@
               <a:rPr lang="zh-CN" altLang="en-US"/>
               <a:t>四级</a:t>
             </a:r>
-            <a:endParaRPr lang="zh-CN" altLang="en-US"/>
           </a:p>
           <a:p>
             <a:pPr lvl="4"/>
@@ -5009,7 +5254,6 @@
               <a:rPr lang="zh-CN" altLang="en-US"/>
               <a:t>五级</a:t>
             </a:r>
-            <a:endParaRPr lang="zh-CN" altLang="en-US"/>
           </a:p>
         </p:txBody>
       </p:sp>
@@ -5030,6 +5274,7 @@
           <a:p>
             <a:fld id="{5AD7F448-1F68-40D7-B5F9-4CDE90E69F76}" type="datetimeFigureOut">
               <a:rPr lang="zh-CN" altLang="en-US" smtClean="0"/>
+              <a:t>2024/11/18</a:t>
             </a:fld>
             <a:endParaRPr lang="zh-CN" altLang="en-US"/>
           </a:p>
@@ -5071,6 +5316,7 @@
           <a:p>
             <a:fld id="{3A216AA9-6775-4531-A0E8-15FF532D7431}" type="slidenum">
               <a:rPr lang="zh-CN" altLang="en-US" smtClean="0"/>
+              <a:t>‹#›</a:t>
             </a:fld>
             <a:endParaRPr lang="zh-CN" altLang="en-US"/>
           </a:p>
@@ -5120,7 +5366,6 @@
               <a:rPr lang="zh-CN" altLang="en-US"/>
               <a:t>单击此处编辑母版标题样式</a:t>
             </a:r>
-            <a:endParaRPr lang="zh-CN" altLang="en-US"/>
           </a:p>
         </p:txBody>
       </p:sp>
@@ -5141,6 +5386,7 @@
           <a:p>
             <a:fld id="{5AD7F448-1F68-40D7-B5F9-4CDE90E69F76}" type="datetimeFigureOut">
               <a:rPr lang="zh-CN" altLang="en-US" smtClean="0"/>
+              <a:t>2024/11/18</a:t>
             </a:fld>
             <a:endParaRPr lang="zh-CN" altLang="en-US"/>
           </a:p>
@@ -5182,6 +5428,7 @@
           <a:p>
             <a:fld id="{3A216AA9-6775-4531-A0E8-15FF532D7431}" type="slidenum">
               <a:rPr lang="zh-CN" altLang="en-US" smtClean="0"/>
+              <a:t>‹#›</a:t>
             </a:fld>
             <a:endParaRPr lang="zh-CN" altLang="en-US"/>
           </a:p>
@@ -5229,6 +5476,7 @@
           <a:p>
             <a:fld id="{5AD7F448-1F68-40D7-B5F9-4CDE90E69F76}" type="datetimeFigureOut">
               <a:rPr lang="zh-CN" altLang="en-US" smtClean="0"/>
+              <a:t>2024/11/18</a:t>
             </a:fld>
             <a:endParaRPr lang="zh-CN" altLang="en-US"/>
           </a:p>
@@ -5270,6 +5518,7 @@
           <a:p>
             <a:fld id="{3A216AA9-6775-4531-A0E8-15FF532D7431}" type="slidenum">
               <a:rPr lang="zh-CN" altLang="en-US" smtClean="0"/>
+              <a:t>‹#›</a:t>
             </a:fld>
             <a:endParaRPr lang="zh-CN" altLang="en-US"/>
           </a:p>
@@ -5328,7 +5577,6 @@
               <a:rPr lang="zh-CN" altLang="en-US"/>
               <a:t>单击此处编辑母版标题样式</a:t>
             </a:r>
-            <a:endParaRPr lang="zh-CN" altLang="en-US"/>
           </a:p>
         </p:txBody>
       </p:sp>
@@ -5385,7 +5633,6 @@
               <a:rPr lang="zh-CN" altLang="en-US"/>
               <a:t>单击此处编辑母版文本样式</a:t>
             </a:r>
-            <a:endParaRPr lang="zh-CN" altLang="en-US"/>
           </a:p>
           <a:p>
             <a:pPr lvl="1"/>
@@ -5393,7 +5640,6 @@
               <a:rPr lang="zh-CN" altLang="en-US"/>
               <a:t>二级</a:t>
             </a:r>
-            <a:endParaRPr lang="zh-CN" altLang="en-US"/>
           </a:p>
           <a:p>
             <a:pPr lvl="2"/>
@@ -5401,7 +5647,6 @@
               <a:rPr lang="zh-CN" altLang="en-US"/>
               <a:t>三级</a:t>
             </a:r>
-            <a:endParaRPr lang="zh-CN" altLang="en-US"/>
           </a:p>
           <a:p>
             <a:pPr lvl="3"/>
@@ -5409,7 +5654,6 @@
               <a:rPr lang="zh-CN" altLang="en-US"/>
               <a:t>四级</a:t>
             </a:r>
-            <a:endParaRPr lang="zh-CN" altLang="en-US"/>
           </a:p>
           <a:p>
             <a:pPr lvl="4"/>
@@ -5417,7 +5661,6 @@
               <a:rPr lang="zh-CN" altLang="en-US"/>
               <a:t>五级</a:t>
             </a:r>
-            <a:endParaRPr lang="zh-CN" altLang="en-US"/>
           </a:p>
         </p:txBody>
       </p:sp>
@@ -5483,7 +5726,6 @@
               <a:rPr lang="zh-CN" altLang="en-US"/>
               <a:t>单击此处编辑母版文本样式</a:t>
             </a:r>
-            <a:endParaRPr lang="zh-CN" altLang="en-US"/>
           </a:p>
         </p:txBody>
       </p:sp>
@@ -5504,6 +5746,7 @@
           <a:p>
             <a:fld id="{5AD7F448-1F68-40D7-B5F9-4CDE90E69F76}" type="datetimeFigureOut">
               <a:rPr lang="zh-CN" altLang="en-US" smtClean="0"/>
+              <a:t>2024/11/18</a:t>
             </a:fld>
             <a:endParaRPr lang="zh-CN" altLang="en-US"/>
           </a:p>
@@ -5545,6 +5788,7 @@
           <a:p>
             <a:fld id="{3A216AA9-6775-4531-A0E8-15FF532D7431}" type="slidenum">
               <a:rPr lang="zh-CN" altLang="en-US" smtClean="0"/>
+              <a:t>‹#›</a:t>
             </a:fld>
             <a:endParaRPr lang="zh-CN" altLang="en-US"/>
           </a:p>
@@ -5603,7 +5847,6 @@
               <a:rPr lang="zh-CN" altLang="en-US"/>
               <a:t>单击此处编辑母版标题样式</a:t>
             </a:r>
-            <a:endParaRPr lang="zh-CN" altLang="en-US"/>
           </a:p>
         </p:txBody>
       </p:sp>
@@ -5730,7 +5973,6 @@
               <a:rPr lang="zh-CN" altLang="en-US"/>
               <a:t>单击此处编辑母版文本样式</a:t>
             </a:r>
-            <a:endParaRPr lang="zh-CN" altLang="en-US"/>
           </a:p>
         </p:txBody>
       </p:sp>
@@ -5751,6 +5993,7 @@
           <a:p>
             <a:fld id="{5AD7F448-1F68-40D7-B5F9-4CDE90E69F76}" type="datetimeFigureOut">
               <a:rPr lang="zh-CN" altLang="en-US" smtClean="0"/>
+              <a:t>2024/11/18</a:t>
             </a:fld>
             <a:endParaRPr lang="zh-CN" altLang="en-US"/>
           </a:p>
@@ -5792,6 +6035,7 @@
           <a:p>
             <a:fld id="{3A216AA9-6775-4531-A0E8-15FF532D7431}" type="slidenum">
               <a:rPr lang="zh-CN" altLang="en-US" smtClean="0"/>
+              <a:t>‹#›</a:t>
             </a:fld>
             <a:endParaRPr lang="zh-CN" altLang="en-US"/>
           </a:p>
@@ -5856,7 +6100,6 @@
               <a:rPr lang="zh-CN" altLang="en-US"/>
               <a:t>单击此处编辑母版标题样式</a:t>
             </a:r>
-            <a:endParaRPr lang="zh-CN" altLang="en-US"/>
           </a:p>
         </p:txBody>
       </p:sp>
@@ -5890,7 +6133,6 @@
               <a:rPr lang="zh-CN" altLang="en-US"/>
               <a:t>单击此处编辑母版文本样式</a:t>
             </a:r>
-            <a:endParaRPr lang="zh-CN" altLang="en-US"/>
           </a:p>
           <a:p>
             <a:pPr lvl="1"/>
@@ -5898,7 +6140,6 @@
               <a:rPr lang="zh-CN" altLang="en-US"/>
               <a:t>二级</a:t>
             </a:r>
-            <a:endParaRPr lang="zh-CN" altLang="en-US"/>
           </a:p>
           <a:p>
             <a:pPr lvl="2"/>
@@ -5906,7 +6147,6 @@
               <a:rPr lang="zh-CN" altLang="en-US"/>
               <a:t>三级</a:t>
             </a:r>
-            <a:endParaRPr lang="zh-CN" altLang="en-US"/>
           </a:p>
           <a:p>
             <a:pPr lvl="3"/>
@@ -5914,7 +6154,6 @@
               <a:rPr lang="zh-CN" altLang="en-US"/>
               <a:t>四级</a:t>
             </a:r>
-            <a:endParaRPr lang="zh-CN" altLang="en-US"/>
           </a:p>
           <a:p>
             <a:pPr lvl="4"/>
@@ -5922,7 +6161,6 @@
               <a:rPr lang="zh-CN" altLang="en-US"/>
               <a:t>五级</a:t>
             </a:r>
-            <a:endParaRPr lang="zh-CN" altLang="en-US"/>
           </a:p>
         </p:txBody>
       </p:sp>
@@ -5961,6 +6199,7 @@
           <a:p>
             <a:fld id="{5AD7F448-1F68-40D7-B5F9-4CDE90E69F76}" type="datetimeFigureOut">
               <a:rPr lang="zh-CN" altLang="en-US" smtClean="0"/>
+              <a:t>2024/11/18</a:t>
             </a:fld>
             <a:endParaRPr lang="zh-CN" altLang="en-US"/>
           </a:p>
@@ -6038,6 +6277,7 @@
           <a:p>
             <a:fld id="{3A216AA9-6775-4531-A0E8-15FF532D7431}" type="slidenum">
               <a:rPr lang="zh-CN" altLang="en-US" smtClean="0"/>
+              <a:t>‹#›</a:t>
             </a:fld>
             <a:endParaRPr lang="zh-CN" altLang="en-US"/>
           </a:p>
@@ -6393,7 +6633,6 @@
               <a:rPr lang="zh-CN" altLang="en-US"/>
               <a:t>单击此处编辑母版标题样式</a:t>
             </a:r>
-            <a:endParaRPr lang="zh-CN" altLang="en-US"/>
           </a:p>
         </p:txBody>
       </p:sp>
@@ -6427,7 +6666,6 @@
               <a:rPr lang="zh-CN" altLang="en-US"/>
               <a:t>单击此处编辑母版文本样式</a:t>
             </a:r>
-            <a:endParaRPr lang="zh-CN" altLang="en-US"/>
           </a:p>
           <a:p>
             <a:pPr lvl="1"/>
@@ -6435,7 +6673,6 @@
               <a:rPr lang="zh-CN" altLang="en-US"/>
               <a:t>二级</a:t>
             </a:r>
-            <a:endParaRPr lang="zh-CN" altLang="en-US"/>
           </a:p>
           <a:p>
             <a:pPr lvl="2"/>
@@ -6443,7 +6680,6 @@
               <a:rPr lang="zh-CN" altLang="en-US"/>
               <a:t>三级</a:t>
             </a:r>
-            <a:endParaRPr lang="zh-CN" altLang="en-US"/>
           </a:p>
           <a:p>
             <a:pPr lvl="3"/>
@@ -6451,7 +6687,6 @@
               <a:rPr lang="zh-CN" altLang="en-US"/>
               <a:t>四级</a:t>
             </a:r>
-            <a:endParaRPr lang="zh-CN" altLang="en-US"/>
           </a:p>
           <a:p>
             <a:pPr lvl="4"/>
@@ -6459,7 +6694,6 @@
               <a:rPr lang="zh-CN" altLang="en-US"/>
               <a:t>五级</a:t>
             </a:r>
-            <a:endParaRPr lang="zh-CN" altLang="en-US"/>
           </a:p>
         </p:txBody>
       </p:sp>
@@ -6498,6 +6732,7 @@
           <a:p>
             <a:fld id="{5AD7F448-1F68-40D7-B5F9-4CDE90E69F76}" type="datetimeFigureOut">
               <a:rPr lang="zh-CN" altLang="en-US" smtClean="0"/>
+              <a:t>2024/11/18</a:t>
             </a:fld>
             <a:endParaRPr lang="zh-CN" altLang="en-US"/>
           </a:p>
@@ -6575,6 +6810,7 @@
           <a:p>
             <a:fld id="{3A216AA9-6775-4531-A0E8-15FF532D7431}" type="slidenum">
               <a:rPr lang="zh-CN" altLang="en-US" smtClean="0"/>
+              <a:t>‹#›</a:t>
             </a:fld>
             <a:endParaRPr lang="zh-CN" altLang="en-US"/>
           </a:p>
@@ -6905,7 +7141,7 @@
           <p:nvPr/>
         </p:nvPicPr>
         <p:blipFill>
-          <a:blip r:embed="rId1">
+          <a:blip r:embed="rId2">
             <a:extLst>
               <a:ext uri="{28A0092B-C50C-407E-A947-70E740481C1C}">
                 <a14:useLocalDpi xmlns:a14="http://schemas.microsoft.com/office/drawing/2010/main" val="0"/>
@@ -6953,7 +7189,6 @@
               <a:rPr lang="zh-CN" altLang="en-US" sz="6000" b="1" dirty="0"/>
               <a:t>科技论文写作汇报 </a:t>
             </a:r>
-            <a:endParaRPr lang="zh-CN" altLang="en-US" sz="6000" b="1" dirty="0"/>
           </a:p>
         </p:txBody>
       </p:sp>
@@ -6983,7 +7218,6 @@
               <a:rPr lang="zh-CN" altLang="en-US" dirty="0"/>
               <a:t>汇报人：鄢智琛</a:t>
             </a:r>
-            <a:endParaRPr lang="zh-CN" altLang="en-US" dirty="0"/>
           </a:p>
         </p:txBody>
       </p:sp>
@@ -7007,6 +7241,7 @@
           <a:bodyPr wrap="square" rtlCol="0">
             <a:spAutoFit/>
           </a:bodyPr>
+          <a:lstStyle/>
           <a:p>
             <a:r>
               <a:rPr lang="en-US" altLang="zh-CN" dirty="0">
@@ -7018,13 +7253,6 @@
               </a:rPr>
               <a:t>1/17</a:t>
             </a:r>
-            <a:endParaRPr lang="en-US" altLang="zh-CN" dirty="0">
-              <a:solidFill>
-                <a:schemeClr val="bg1">
-                  <a:lumMod val="75000"/>
-                </a:schemeClr>
-              </a:solidFill>
-            </a:endParaRPr>
           </a:p>
         </p:txBody>
       </p:sp>
@@ -7062,7 +7290,7 @@
           <p:nvPr/>
         </p:nvPicPr>
         <p:blipFill>
-          <a:blip r:embed="rId1">
+          <a:blip r:embed="rId3">
             <a:extLst>
               <a:ext uri="{28A0092B-C50C-407E-A947-70E740481C1C}">
                 <a14:useLocalDpi xmlns:a14="http://schemas.microsoft.com/office/drawing/2010/main" val="0"/>
@@ -7103,6 +7331,7 @@
           <a:bodyPr wrap="square" rtlCol="0">
             <a:spAutoFit/>
           </a:bodyPr>
+          <a:lstStyle/>
           <a:p>
             <a:r>
               <a:rPr lang="en-US" altLang="zh-CN" b="1" dirty="0">
@@ -7138,6 +7367,7 @@
           <a:bodyPr wrap="square" rtlCol="0">
             <a:spAutoFit/>
           </a:bodyPr>
+          <a:lstStyle/>
           <a:p>
             <a:r>
               <a:rPr lang="zh-CN" altLang="en-US" dirty="0">
@@ -7145,21 +7375,8 @@
                 <a:ea typeface="宋体" panose="02010600030101010101" pitchFamily="2" charset="-122"/>
                 <a:cs typeface="宋体" panose="02010600030101010101" pitchFamily="2" charset="-122"/>
               </a:rPr>
-              <a:t>基本</a:t>
-            </a:r>
-            <a:r>
-              <a:rPr lang="zh-CN" altLang="en-US" dirty="0">
-                <a:latin typeface="宋体" panose="02010600030101010101" pitchFamily="2" charset="-122"/>
-                <a:ea typeface="宋体" panose="02010600030101010101" pitchFamily="2" charset="-122"/>
-                <a:cs typeface="宋体" panose="02010600030101010101" pitchFamily="2" charset="-122"/>
-              </a:rPr>
-              <a:t>加密方案：</a:t>
-            </a:r>
-            <a:endParaRPr lang="zh-CN" altLang="en-US" dirty="0">
-              <a:latin typeface="宋体" panose="02010600030101010101" pitchFamily="2" charset="-122"/>
-              <a:ea typeface="宋体" panose="02010600030101010101" pitchFamily="2" charset="-122"/>
-              <a:cs typeface="宋体" panose="02010600030101010101" pitchFamily="2" charset="-122"/>
-            </a:endParaRPr>
+              <a:t>基本加密方案：</a:t>
+            </a:r>
           </a:p>
         </p:txBody>
       </p:sp>
@@ -7172,7 +7389,7 @@
           <p:nvPr/>
         </p:nvPicPr>
         <p:blipFill>
-          <a:blip r:embed="rId2"/>
+          <a:blip r:embed="rId4"/>
           <a:stretch>
             <a:fillRect/>
           </a:stretch>
@@ -7219,13 +7436,6 @@
               </a:rPr>
               <a:t>10/17</a:t>
             </a:r>
-            <a:endParaRPr lang="en-US" altLang="zh-CN" dirty="0">
-              <a:solidFill>
-                <a:schemeClr val="bg1">
-                  <a:lumMod val="75000"/>
-                </a:schemeClr>
-              </a:solidFill>
-            </a:endParaRPr>
           </a:p>
         </p:txBody>
       </p:sp>
@@ -7263,7 +7473,7 @@
           <p:nvPr/>
         </p:nvPicPr>
         <p:blipFill>
-          <a:blip r:embed="rId1">
+          <a:blip r:embed="rId3">
             <a:extLst>
               <a:ext uri="{28A0092B-C50C-407E-A947-70E740481C1C}">
                 <a14:useLocalDpi xmlns:a14="http://schemas.microsoft.com/office/drawing/2010/main" val="0"/>
@@ -7304,6 +7514,7 @@
           <a:bodyPr wrap="square" rtlCol="0">
             <a:spAutoFit/>
           </a:bodyPr>
+          <a:lstStyle/>
           <a:p>
             <a:r>
               <a:rPr lang="en-US" altLang="zh-CN" b="1" dirty="0">
@@ -7339,6 +7550,7 @@
           <a:bodyPr wrap="square" rtlCol="0">
             <a:spAutoFit/>
           </a:bodyPr>
+          <a:lstStyle/>
           <a:p>
             <a:r>
               <a:rPr lang="en-US" altLang="zh-CN" b="1" dirty="0">
@@ -7352,14 +7564,7 @@
                 <a:latin typeface="Times New Roman" panose="02020603050405020304" pitchFamily="18" charset="0"/>
                 <a:cs typeface="Times New Roman" panose="02020603050405020304" pitchFamily="18" charset="0"/>
               </a:rPr>
-              <a:t>（</a:t>
-            </a:r>
-            <a:r>
-              <a:rPr lang="zh-CN" altLang="en-US" b="1" dirty="0">
-                <a:latin typeface="Times New Roman" panose="02020603050405020304" pitchFamily="18" charset="0"/>
-                <a:cs typeface="Times New Roman" panose="02020603050405020304" pitchFamily="18" charset="0"/>
-              </a:rPr>
-              <a:t>密钥交换）</a:t>
+              <a:t>（密钥交换）</a:t>
             </a:r>
             <a:endParaRPr lang="en-US" altLang="zh-CN" b="1" dirty="0">
               <a:latin typeface="Times New Roman" panose="02020603050405020304" pitchFamily="18" charset="0"/>
@@ -7388,6 +7593,7 @@
           <a:bodyPr wrap="square" rtlCol="0">
             <a:spAutoFit/>
           </a:bodyPr>
+          <a:lstStyle/>
           <a:p>
             <a:r>
               <a:rPr lang="en-US" altLang="zh-CN" b="1" dirty="0">
@@ -7456,14 +7662,15 @@
         </p:style>
         <p:txBody>
           <a:bodyPr rtlCol="0" anchor="ctr"/>
+          <a:lstStyle/>
           <a:p>
             <a:pPr algn="ctr"/>
             <a:endParaRPr lang="zh-CN" altLang="en-US"/>
           </a:p>
         </p:txBody>
       </p:sp>
-      <mc:AlternateContent xmlns:mc="http://schemas.openxmlformats.org/markup-compatibility/2006">
-        <mc:Choice xmlns:a14="http://schemas.microsoft.com/office/drawing/2010/main" Requires="a14">
+      <mc:AlternateContent xmlns:mc="http://schemas.openxmlformats.org/markup-compatibility/2006" xmlns:a14="http://schemas.microsoft.com/office/drawing/2010/main">
+        <mc:Choice Requires="a14">
           <p:sp>
             <p:nvSpPr>
               <p:cNvPr id="6" name="文本框 5"/>
@@ -7483,10 +7690,11 @@
               <a:bodyPr wrap="square">
                 <a:spAutoFit/>
               </a:bodyPr>
+              <a:lstStyle/>
               <a:p>
                 <a:pPr marL="0" indent="0"/>
                 <a:r>
-                  <a:rPr lang="zh-CN" altLang="en-US" sz="1600" b="0" i="0">
+                  <a:rPr lang="zh-CN" altLang="en-US" sz="1600" b="0" i="0" dirty="0">
                     <a:solidFill>
                       <a:schemeClr val="tx1"/>
                     </a:solidFill>
@@ -7495,13 +7703,6 @@
                   </a:rPr>
                   <a:t>重要引理：</a:t>
                 </a:r>
-                <a:endParaRPr lang="zh-CN" altLang="en-US" sz="1600" b="0" i="0">
-                  <a:solidFill>
-                    <a:schemeClr val="tx1"/>
-                  </a:solidFill>
-                  <a:latin typeface="宋体" panose="02010600030101010101" pitchFamily="2" charset="-122"/>
-                  <a:ea typeface="宋体" panose="02010600030101010101" pitchFamily="2" charset="-122"/>
-                </a:endParaRPr>
               </a:p>
               <a:p>
                 <a:pPr marL="0" indent="457200"/>
@@ -7543,7 +7744,7 @@
                   </m:oMath>
                 </a14:m>
                 <a:r>
-                  <a:rPr lang="zh-CN" altLang="en-US" sz="1600">
+                  <a:rPr lang="zh-CN" altLang="en-US" sz="1600" dirty="0">
                     <a:solidFill>
                       <a:schemeClr val="tx1"/>
                     </a:solidFill>
@@ -7554,7 +7755,7 @@
                   <a:t>是奇数模，</a:t>
                 </a:r>
                 <a:r>
-                  <a:rPr lang="en-US" altLang="zh-CN" sz="1600">
+                  <a:rPr lang="en-US" altLang="zh-CN" sz="1600" dirty="0">
                     <a:solidFill>
                       <a:schemeClr val="tx1"/>
                     </a:solidFill>
@@ -7565,7 +7766,7 @@
                   <a:t>c</a:t>
                 </a:r>
                 <a:r>
-                  <a:rPr lang="zh-CN" altLang="en-US" sz="1600">
+                  <a:rPr lang="zh-CN" altLang="en-US" sz="1600" dirty="0">
                     <a:solidFill>
                       <a:schemeClr val="tx1"/>
                     </a:solidFill>
@@ -7602,7 +7803,7 @@
                   </m:oMath>
                 </a14:m>
                 <a:r>
-                  <a:rPr lang="zh-CN" altLang="en-US" sz="1600">
+                  <a:rPr lang="zh-CN" altLang="en-US" sz="1600" dirty="0">
                     <a:solidFill>
                       <a:schemeClr val="tx1"/>
                     </a:solidFill>
@@ -7667,18 +7868,7 @@
                         <a:ea typeface="宋体" panose="02010600030101010101" pitchFamily="2" charset="-122"/>
                         <a:cs typeface="Cambria Math" panose="02040503050406030204" charset="0"/>
                       </a:rPr>
-                      <m:t>)</m:t>
-                    </m:r>
-                    <m:r>
-                      <a:rPr lang="en-US" altLang="zh-CN" sz="1600" i="1">
-                        <a:solidFill>
-                          <a:schemeClr val="tx1"/>
-                        </a:solidFill>
-                        <a:latin typeface="Cambria Math" panose="02040503050406030204" charset="0"/>
-                        <a:ea typeface="宋体" panose="02010600030101010101" pitchFamily="2" charset="-122"/>
-                        <a:cs typeface="Cambria Math" panose="02040503050406030204" charset="0"/>
-                      </a:rPr>
-                      <m:t>∙</m:t>
+                      <m:t>)∙</m:t>
                     </m:r>
                     <m:r>
                       <a:rPr lang="en-US" altLang="zh-CN" sz="1600" i="1">
@@ -7694,7 +7884,7 @@
                   </m:oMath>
                 </a14:m>
                 <a:r>
-                  <a:rPr lang="zh-CN" altLang="en-US" sz="1600">
+                  <a:rPr lang="zh-CN" altLang="en-US" sz="1600" dirty="0">
                     <a:solidFill>
                       <a:schemeClr val="tx1"/>
                     </a:solidFill>
@@ -7748,7 +7938,7 @@
                         <a:ea typeface="宋体" panose="02010600030101010101" pitchFamily="2" charset="-122"/>
                         <a:cs typeface="Cambria Math" panose="02040503050406030204" charset="0"/>
                       </a:rPr>
-                      <m:t> </m:t>
+                      <m:t> </m:t>
                     </m:r>
                     <m:r>
                       <a:rPr lang="en-US" altLang="zh-CN" sz="1600" i="1">
@@ -7770,23 +7960,12 @@
                         <a:ea typeface="宋体" panose="02010600030101010101" pitchFamily="2" charset="-122"/>
                         <a:cs typeface="Cambria Math" panose="02040503050406030204" charset="0"/>
                       </a:rPr>
-                      <m:t> </m:t>
-                    </m:r>
-                    <m:r>
-                      <a:rPr lang="en-US" altLang="zh-CN" sz="1600" i="1">
-                        <a:solidFill>
-                          <a:schemeClr val="tx1"/>
-                        </a:solidFill>
-                        <a:latin typeface="Cambria Math" panose="02040503050406030204" charset="0"/>
-                        <a:ea typeface="宋体" panose="02010600030101010101" pitchFamily="2" charset="-122"/>
-                        <a:cs typeface="Cambria Math" panose="02040503050406030204" charset="0"/>
-                      </a:rPr>
-                      <m:t>2</m:t>
+                      <m:t> 2</m:t>
                     </m:r>
                   </m:oMath>
                 </a14:m>
                 <a:r>
-                  <a:rPr lang="zh-CN" altLang="en-US" sz="1600">
+                  <a:rPr lang="zh-CN" altLang="en-US" sz="1600" dirty="0">
                     <a:solidFill>
                       <a:schemeClr val="tx1"/>
                     </a:solidFill>
@@ -7807,7 +7986,7 @@
                             <a:solidFill>
                               <a:schemeClr val="tx1"/>
                             </a:solidFill>
-                            <a:latin typeface="Cambria Math" panose="02040503050406030204" charset="0"/>
+                            <a:latin typeface="Cambria Math" panose="02040503050406030204" pitchFamily="18" charset="0"/>
                             <a:ea typeface="宋体" panose="02010600030101010101" pitchFamily="2" charset="-122"/>
                             <a:cs typeface="Cambria Math" panose="02040503050406030204" charset="0"/>
                           </a:rPr>
@@ -7821,7 +8000,7 @@
                                 <a:solidFill>
                                   <a:schemeClr val="tx1"/>
                                 </a:solidFill>
-                                <a:latin typeface="Cambria Math" panose="02040503050406030204" charset="0"/>
+                                <a:latin typeface="Cambria Math" panose="02040503050406030204" pitchFamily="18" charset="0"/>
                                 <a:ea typeface="宋体" panose="02010600030101010101" pitchFamily="2" charset="-122"/>
                                 <a:cs typeface="Cambria Math" panose="02040503050406030204" charset="0"/>
                               </a:rPr>
@@ -7837,7 +8016,7 @@
                                     <a:solidFill>
                                       <a:schemeClr val="tx1"/>
                                     </a:solidFill>
-                                    <a:latin typeface="Cambria Math" panose="02040503050406030204" charset="0"/>
+                                    <a:latin typeface="Cambria Math" panose="02040503050406030204" pitchFamily="18" charset="0"/>
                                     <a:ea typeface="宋体" panose="02010600030101010101" pitchFamily="2" charset="-122"/>
                                     <a:cs typeface="Cambria Math" panose="02040503050406030204" charset="0"/>
                                   </a:rPr>
@@ -7853,7 +8032,7 @@
                                         <a:solidFill>
                                           <a:schemeClr val="tx1"/>
                                         </a:solidFill>
-                                        <a:latin typeface="Cambria Math" panose="02040503050406030204" charset="0"/>
+                                        <a:latin typeface="Cambria Math" panose="02040503050406030204" pitchFamily="18" charset="0"/>
                                         <a:ea typeface="宋体" panose="02010600030101010101" pitchFamily="2" charset="-122"/>
                                         <a:cs typeface="Cambria Math" panose="02040503050406030204" charset="0"/>
                                       </a:rPr>
@@ -7945,40 +8124,7 @@
                         <a:ea typeface="宋体" panose="02010600030101010101" pitchFamily="2" charset="-122"/>
                         <a:cs typeface="Cambria Math" panose="02040503050406030204" charset="0"/>
                       </a:rPr>
-                      <m:t>/</m:t>
-                    </m:r>
-                    <m:r>
-                      <a:rPr lang="en-US" altLang="zh-CN" sz="1600" i="1">
-                        <a:solidFill>
-                          <a:schemeClr val="tx1"/>
-                        </a:solidFill>
-                        <a:latin typeface="Cambria Math" panose="02040503050406030204" charset="0"/>
-                        <a:ea typeface="宋体" panose="02010600030101010101" pitchFamily="2" charset="-122"/>
-                        <a:cs typeface="Cambria Math" panose="02040503050406030204" charset="0"/>
-                      </a:rPr>
-                      <m:t>2</m:t>
-                    </m:r>
-                    <m:r>
-                      <a:rPr lang="en-US" altLang="zh-CN" sz="1600" i="1">
-                        <a:solidFill>
-                          <a:schemeClr val="tx1"/>
-                        </a:solidFill>
-                        <a:latin typeface="Cambria Math" panose="02040503050406030204" charset="0"/>
-                        <a:ea typeface="宋体" panose="02010600030101010101" pitchFamily="2" charset="-122"/>
-                        <a:cs typeface="Cambria Math" panose="02040503050406030204" charset="0"/>
-                      </a:rPr>
-                      <m:t>−</m:t>
-                    </m:r>
-                    <m:r>
-                      <a:rPr lang="en-US" altLang="zh-CN" sz="1600" i="1">
-                        <a:solidFill>
-                          <a:schemeClr val="tx1"/>
-                        </a:solidFill>
-                        <a:latin typeface="Cambria Math" panose="02040503050406030204" charset="0"/>
-                        <a:ea typeface="宋体" panose="02010600030101010101" pitchFamily="2" charset="-122"/>
-                        <a:cs typeface="Cambria Math" panose="02040503050406030204" charset="0"/>
-                      </a:rPr>
-                      <m:t>(</m:t>
+                      <m:t>/2−(</m:t>
                     </m:r>
                     <m:r>
                       <a:rPr lang="en-US" altLang="zh-CN" sz="1600" i="1">
@@ -8022,18 +8168,7 @@
                         <a:ea typeface="宋体" panose="02010600030101010101" pitchFamily="2" charset="-122"/>
                         <a:cs typeface="Cambria Math" panose="02040503050406030204" charset="0"/>
                       </a:rPr>
-                      <m:t>)</m:t>
-                    </m:r>
-                    <m:r>
-                      <a:rPr lang="en-US" altLang="zh-CN" sz="1600" i="1">
-                        <a:solidFill>
-                          <a:schemeClr val="tx1"/>
-                        </a:solidFill>
-                        <a:latin typeface="Cambria Math" panose="02040503050406030204" charset="0"/>
-                        <a:ea typeface="宋体" panose="02010600030101010101" pitchFamily="2" charset="-122"/>
-                        <a:cs typeface="Cambria Math" panose="02040503050406030204" charset="0"/>
-                      </a:rPr>
-                      <m:t>∙</m:t>
+                      <m:t>)∙</m:t>
                     </m:r>
                     <m:sSub>
                       <m:sSubPr>
@@ -8042,7 +8177,7 @@
                             <a:solidFill>
                               <a:schemeClr val="tx1"/>
                             </a:solidFill>
-                            <a:latin typeface="Cambria Math" panose="02040503050406030204" charset="0"/>
+                            <a:latin typeface="Cambria Math" panose="02040503050406030204" pitchFamily="18" charset="0"/>
                             <a:ea typeface="宋体" panose="02010600030101010101" pitchFamily="2" charset="-122"/>
                             <a:cs typeface="Cambria Math" panose="02040503050406030204" charset="0"/>
                           </a:rPr>
@@ -8111,7 +8246,7 @@
                   </m:oMath>
                 </a14:m>
                 <a:r>
-                  <a:rPr lang="zh-CN" altLang="en-US" sz="1600">
+                  <a:rPr lang="zh-CN" altLang="en-US" sz="1600" dirty="0">
                     <a:solidFill>
                       <a:schemeClr val="tx1"/>
                     </a:solidFill>
@@ -8122,7 +8257,7 @@
                   <a:t>的</a:t>
                 </a:r>
                 <a:r>
-                  <a:rPr lang="en-US" altLang="zh-CN" sz="1600">
+                  <a:rPr lang="en-US" altLang="zh-CN" sz="1600" dirty="0">
                     <a:solidFill>
                       <a:schemeClr val="tx1"/>
                     </a:solidFill>
@@ -8133,7 +8268,7 @@
                   <a:t>s</a:t>
                 </a:r>
                 <a:r>
-                  <a:rPr lang="zh-CN" altLang="en-US" sz="1600">
+                  <a:rPr lang="zh-CN" altLang="en-US" sz="1600" dirty="0">
                     <a:solidFill>
                       <a:schemeClr val="tx1"/>
                     </a:solidFill>
@@ -8141,32 +8276,13 @@
                     <a:ea typeface="宋体" panose="02010600030101010101" pitchFamily="2" charset="-122"/>
                     <a:cs typeface="Cambria Math" panose="02040503050406030204" charset="0"/>
                   </a:rPr>
-                  <a:t>，</a:t>
+                  <a:t>，有</a:t>
                 </a:r>
-                <a:r>
-                  <a:rPr lang="zh-CN" altLang="en-US" sz="1600">
-                    <a:solidFill>
-                      <a:schemeClr val="tx1"/>
-                    </a:solidFill>
-                    <a:latin typeface="Cambria Math" panose="02040503050406030204" charset="0"/>
-                    <a:ea typeface="宋体" panose="02010600030101010101" pitchFamily="2" charset="-122"/>
-                    <a:cs typeface="Cambria Math" panose="02040503050406030204" charset="0"/>
-                  </a:rPr>
-                  <a:t>有</a:t>
-                </a:r>
-                <a:endParaRPr lang="zh-CN" altLang="en-US" sz="1600">
-                  <a:solidFill>
-                    <a:schemeClr val="tx1"/>
-                  </a:solidFill>
-                  <a:latin typeface="Cambria Math" panose="02040503050406030204" charset="0"/>
-                  <a:ea typeface="宋体" panose="02010600030101010101" pitchFamily="2" charset="-122"/>
-                  <a:cs typeface="Cambria Math" panose="02040503050406030204" charset="0"/>
-                </a:endParaRPr>
               </a:p>
             </p:txBody>
           </p:sp>
         </mc:Choice>
-        <mc:Fallback>
+        <mc:Fallback xmlns="">
           <p:sp>
             <p:nvSpPr>
               <p:cNvPr id="6" name="文本框 5"/>
@@ -8184,7 +8300,7 @@
                 <a:avLst/>
               </a:prstGeom>
               <a:blipFill rotWithShape="1">
-                <a:blip r:embed="rId2"/>
+                <a:blip r:embed="rId4"/>
                 <a:stretch>
                   <a:fillRect/>
                 </a:stretch>
@@ -8214,7 +8330,7 @@
           <p:nvPr/>
         </p:nvPicPr>
         <p:blipFill>
-          <a:blip r:embed="rId3"/>
+          <a:blip r:embed="rId5"/>
           <a:stretch>
             <a:fillRect/>
           </a:stretch>
@@ -8248,6 +8364,7 @@
           <a:bodyPr wrap="square">
             <a:spAutoFit/>
           </a:bodyPr>
+          <a:lstStyle/>
           <a:p>
             <a:pPr marL="0" indent="0"/>
             <a:r>
@@ -8300,13 +8417,6 @@
               </a:rPr>
               <a:t>），有可能降低密文的噪声。在后续的无自举全同态加密方案（如 3.4 节中的方案）中，模数切换技术被广泛应用于 FHE.Refresh 操作中。通过巧妙地选择一系列逐渐减小的模数（形成模数阶梯），在每次乘法操作后应用模数切换，可以将密文的噪声控制在合理范围内，确保密文能够正确解密，从而实现了高效的无自举全同态加密。</a:t>
             </a:r>
-            <a:endParaRPr lang="zh-CN" altLang="en-US" sz="1600" b="0" i="0">
-              <a:solidFill>
-                <a:schemeClr val="tx1"/>
-              </a:solidFill>
-              <a:latin typeface="宋体" panose="02010600030101010101" pitchFamily="2" charset="-122"/>
-              <a:ea typeface="宋体" panose="02010600030101010101" pitchFamily="2" charset="-122"/>
-            </a:endParaRPr>
           </a:p>
         </p:txBody>
       </p:sp>
@@ -8359,6 +8469,7 @@
         </p:style>
         <p:txBody>
           <a:bodyPr rtlCol="0" anchor="ctr"/>
+          <a:lstStyle/>
           <a:p>
             <a:pPr algn="ctr"/>
             <a:endParaRPr lang="zh-CN" altLang="en-US"/>
@@ -8413,6 +8524,7 @@
         </p:style>
         <p:txBody>
           <a:bodyPr rtlCol="0" anchor="ctr"/>
+          <a:lstStyle/>
           <a:p>
             <a:pPr algn="ctr"/>
             <a:endParaRPr lang="zh-CN" altLang="en-US"/>
@@ -8439,6 +8551,7 @@
           <a:bodyPr wrap="square" rtlCol="0">
             <a:spAutoFit/>
           </a:bodyPr>
+          <a:lstStyle/>
           <a:p>
             <a:r>
               <a:rPr lang="zh-CN" altLang="en-US" sz="1200" dirty="0">
@@ -8451,14 +8564,6 @@
               </a:rPr>
               <a:t>不影响解密又减小噪声</a:t>
             </a:r>
-            <a:endParaRPr lang="zh-CN" altLang="en-US" sz="1200" dirty="0">
-              <a:solidFill>
-                <a:srgbClr val="FF0000"/>
-              </a:solidFill>
-              <a:latin typeface="Cambria Math" panose="02040503050406030204" charset="0"/>
-              <a:ea typeface="宋体" panose="02010600030101010101" pitchFamily="2" charset="-122"/>
-              <a:cs typeface="Cambria Math" panose="02040503050406030204" charset="0"/>
-            </a:endParaRPr>
           </a:p>
         </p:txBody>
       </p:sp>
@@ -8482,6 +8587,7 @@
           <a:bodyPr wrap="square" rtlCol="0">
             <a:spAutoFit/>
           </a:bodyPr>
+          <a:lstStyle/>
           <a:p>
             <a:r>
               <a:rPr lang="zh-CN" altLang="en-US" sz="1600" dirty="0">
@@ -8491,11 +8597,6 @@
               </a:rPr>
               <a:t>重线性化</a:t>
             </a:r>
-            <a:endParaRPr lang="zh-CN" altLang="en-US" sz="1600" dirty="0">
-              <a:latin typeface="宋体" panose="02010600030101010101" pitchFamily="2" charset="-122"/>
-              <a:ea typeface="宋体" panose="02010600030101010101" pitchFamily="2" charset="-122"/>
-              <a:cs typeface="Times New Roman" panose="02020603050405020304" pitchFamily="18" charset="0"/>
-            </a:endParaRPr>
           </a:p>
           <a:p>
             <a:pPr indent="457200"/>
@@ -8553,21 +8654,8 @@
                 <a:ea typeface="宋体" panose="02010600030101010101" pitchFamily="2" charset="-122"/>
                 <a:cs typeface="Times New Roman" panose="02020603050405020304" pitchFamily="18" charset="0"/>
               </a:rPr>
-              <a:t>转换为由不同的短</a:t>
-            </a:r>
-            <a:r>
-              <a:rPr lang="zh-CN" altLang="en-US" sz="1600" dirty="0">
-                <a:latin typeface="宋体" panose="02010600030101010101" pitchFamily="2" charset="-122"/>
-                <a:ea typeface="宋体" panose="02010600030101010101" pitchFamily="2" charset="-122"/>
-                <a:cs typeface="Times New Roman" panose="02020603050405020304" pitchFamily="18" charset="0"/>
-              </a:rPr>
-              <a:t>密钥进行解密的短密文。</a:t>
-            </a:r>
-            <a:endParaRPr lang="zh-CN" altLang="en-US" sz="1600" dirty="0">
-              <a:latin typeface="宋体" panose="02010600030101010101" pitchFamily="2" charset="-122"/>
-              <a:ea typeface="宋体" panose="02010600030101010101" pitchFamily="2" charset="-122"/>
-              <a:cs typeface="Times New Roman" panose="02020603050405020304" pitchFamily="18" charset="0"/>
-            </a:endParaRPr>
+              <a:t>转换为由不同的短密钥进行解密的短密文。</a:t>
+            </a:r>
           </a:p>
         </p:txBody>
       </p:sp>
@@ -8604,6 +8692,7 @@
         </p:style>
         <p:txBody>
           <a:bodyPr rtlCol="0" anchor="ctr"/>
+          <a:lstStyle/>
           <a:p>
             <a:pPr algn="ctr"/>
             <a:endParaRPr lang="zh-CN" altLang="en-US"/>
@@ -8630,6 +8719,7 @@
           <a:bodyPr wrap="square" rtlCol="0">
             <a:spAutoFit/>
           </a:bodyPr>
+          <a:lstStyle/>
           <a:p>
             <a:r>
               <a:rPr lang="zh-CN" altLang="en-US" sz="1200" dirty="0">
@@ -8639,16 +8729,11 @@
               </a:rPr>
               <a:t>泛化</a:t>
             </a:r>
-            <a:endParaRPr lang="zh-CN" altLang="en-US" sz="1200" dirty="0">
-              <a:latin typeface="Cambria Math" panose="02040503050406030204" charset="0"/>
-              <a:ea typeface="宋体" panose="02010600030101010101" pitchFamily="2" charset="-122"/>
-              <a:cs typeface="Cambria Math" panose="02040503050406030204" charset="0"/>
-            </a:endParaRPr>
-          </a:p>
-        </p:txBody>
-      </p:sp>
-      <mc:AlternateContent xmlns:mc="http://schemas.openxmlformats.org/markup-compatibility/2006">
-        <mc:Choice xmlns:a14="http://schemas.microsoft.com/office/drawing/2010/main" Requires="a14">
+          </a:p>
+        </p:txBody>
+      </p:sp>
+      <mc:AlternateContent xmlns:mc="http://schemas.openxmlformats.org/markup-compatibility/2006" xmlns:a14="http://schemas.microsoft.com/office/drawing/2010/main">
+        <mc:Choice Requires="a14">
           <p:sp>
             <p:nvSpPr>
               <p:cNvPr id="14" name="文本框 13"/>
@@ -8669,6 +8754,7 @@
               <a:bodyPr wrap="square" rtlCol="0">
                 <a:spAutoFit/>
               </a:bodyPr>
+              <a:lstStyle/>
               <a:p>
                 <a:r>
                   <a:rPr lang="zh-CN" altLang="en-US" sz="1600" dirty="0">
@@ -8684,7 +8770,7 @@
                       <m:sSubPr>
                         <m:ctrlPr>
                           <a:rPr lang="en-US" altLang="zh-CN" sz="1600" i="1" dirty="0">
-                            <a:latin typeface="Cambria Math" panose="02040503050406030204" charset="0"/>
+                            <a:latin typeface="Cambria Math" panose="02040503050406030204" pitchFamily="18" charset="0"/>
                             <a:ea typeface="宋体" panose="02010600030101010101" pitchFamily="2" charset="-122"/>
                             <a:cs typeface="Cambria Math" panose="02040503050406030204" charset="0"/>
                           </a:rPr>
@@ -8727,7 +8813,7 @@
                       <m:sSubPr>
                         <m:ctrlPr>
                           <a:rPr lang="en-US" altLang="zh-CN" sz="1600" i="1" dirty="0">
-                            <a:latin typeface="Cambria Math" panose="02040503050406030204" charset="0"/>
+                            <a:latin typeface="Cambria Math" panose="02040503050406030204" pitchFamily="18" charset="0"/>
                             <a:ea typeface="宋体" panose="02010600030101010101" pitchFamily="2" charset="-122"/>
                             <a:cs typeface="Cambria Math" panose="02040503050406030204" charset="0"/>
                           </a:rPr>
@@ -8770,7 +8856,7 @@
                       <m:sSubPr>
                         <m:ctrlPr>
                           <a:rPr lang="en-US" altLang="zh-CN" sz="1600" i="1" dirty="0">
-                            <a:latin typeface="Cambria Math" panose="02040503050406030204" charset="0"/>
+                            <a:latin typeface="Cambria Math" panose="02040503050406030204" pitchFamily="18" charset="0"/>
                             <a:ea typeface="宋体" panose="02010600030101010101" pitchFamily="2" charset="-122"/>
                             <a:cs typeface="Cambria Math" panose="02040503050406030204" charset="0"/>
                           </a:rPr>
@@ -8813,7 +8899,7 @@
                       <m:sSubPr>
                         <m:ctrlPr>
                           <a:rPr lang="en-US" altLang="zh-CN" sz="1600" i="1" dirty="0">
-                            <a:latin typeface="Cambria Math" panose="02040503050406030204" charset="0"/>
+                            <a:latin typeface="Cambria Math" panose="02040503050406030204" pitchFamily="18" charset="0"/>
                             <a:ea typeface="宋体" panose="02010600030101010101" pitchFamily="2" charset="-122"/>
                             <a:cs typeface="Cambria Math" panose="02040503050406030204" charset="0"/>
                           </a:rPr>
@@ -8856,7 +8942,7 @@
                       <m:sSubPr>
                         <m:ctrlPr>
                           <a:rPr lang="en-US" altLang="zh-CN" sz="1600" i="1" dirty="0">
-                            <a:latin typeface="Cambria Math" panose="02040503050406030204" charset="0"/>
+                            <a:latin typeface="Cambria Math" panose="02040503050406030204" pitchFamily="18" charset="0"/>
                             <a:ea typeface="宋体" panose="02010600030101010101" pitchFamily="2" charset="-122"/>
                             <a:cs typeface="Cambria Math" panose="02040503050406030204" charset="0"/>
                           </a:rPr>
@@ -8907,7 +8993,7 @@
                       <m:sSubPr>
                         <m:ctrlPr>
                           <a:rPr lang="en-US" altLang="zh-CN" sz="1600" i="1" dirty="0">
-                            <a:latin typeface="Cambria Math" panose="02040503050406030204" charset="0"/>
+                            <a:latin typeface="Cambria Math" panose="02040503050406030204" pitchFamily="18" charset="0"/>
                             <a:ea typeface="宋体" panose="02010600030101010101" pitchFamily="2" charset="-122"/>
                             <a:cs typeface="Cambria Math" panose="02040503050406030204" charset="0"/>
                           </a:rPr>
@@ -8944,16 +9030,11 @@
                   </a:rPr>
                   <a:t>向量下解密。</a:t>
                 </a:r>
-                <a:endParaRPr lang="zh-CN" altLang="en-US" sz="1600" dirty="0">
-                  <a:latin typeface="宋体" panose="02010600030101010101" pitchFamily="2" charset="-122"/>
-                  <a:ea typeface="宋体" panose="02010600030101010101" pitchFamily="2" charset="-122"/>
-                  <a:cs typeface="Times New Roman" panose="02020603050405020304" pitchFamily="18" charset="0"/>
-                </a:endParaRPr>
               </a:p>
             </p:txBody>
           </p:sp>
         </mc:Choice>
-        <mc:Fallback>
+        <mc:Fallback xmlns="">
           <p:sp>
             <p:nvSpPr>
               <p:cNvPr id="14" name="文本框 13"/>
@@ -8971,7 +9052,7 @@
                 <a:avLst/>
               </a:prstGeom>
               <a:blipFill rotWithShape="1">
-                <a:blip r:embed="rId4"/>
+                <a:blip r:embed="rId6"/>
                 <a:stretch>
                   <a:fillRect/>
                 </a:stretch>
@@ -9001,7 +9082,7 @@
           <p:nvPr/>
         </p:nvPicPr>
         <p:blipFill>
-          <a:blip r:embed="rId5"/>
+          <a:blip r:embed="rId7"/>
           <a:stretch>
             <a:fillRect/>
           </a:stretch>
@@ -9064,6 +9145,7 @@
         </p:style>
         <p:txBody>
           <a:bodyPr rtlCol="0" anchor="ctr"/>
+          <a:lstStyle/>
           <a:p>
             <a:pPr algn="ctr"/>
             <a:endParaRPr lang="zh-CN" altLang="en-US"/>
@@ -9118,6 +9200,7 @@
         </p:style>
         <p:txBody>
           <a:bodyPr rtlCol="0" anchor="ctr"/>
+          <a:lstStyle/>
           <a:p>
             <a:pPr algn="ctr"/>
             <a:endParaRPr lang="zh-CN" altLang="en-US"/>
@@ -9144,6 +9227,7 @@
           <a:bodyPr wrap="square" rtlCol="0">
             <a:spAutoFit/>
           </a:bodyPr>
+          <a:lstStyle/>
           <a:p>
             <a:r>
               <a:rPr lang="zh-CN" altLang="en-US" sz="1200" dirty="0">
@@ -9153,11 +9237,6 @@
               </a:rPr>
               <a:t>二进制分解</a:t>
             </a:r>
-            <a:endParaRPr lang="zh-CN" altLang="en-US" sz="1200" dirty="0">
-              <a:latin typeface="Cambria Math" panose="02040503050406030204" charset="0"/>
-              <a:ea typeface="宋体" panose="02010600030101010101" pitchFamily="2" charset="-122"/>
-              <a:cs typeface="Cambria Math" panose="02040503050406030204" charset="0"/>
-            </a:endParaRPr>
           </a:p>
         </p:txBody>
       </p:sp>
@@ -9181,6 +9260,7 @@
           <a:bodyPr wrap="square" rtlCol="0">
             <a:spAutoFit/>
           </a:bodyPr>
+          <a:lstStyle/>
           <a:p>
             <a:r>
               <a:rPr lang="zh-CN" altLang="en-US" sz="1200" dirty="0">
@@ -9190,11 +9270,6 @@
               </a:rPr>
               <a:t>还原</a:t>
             </a:r>
-            <a:endParaRPr lang="zh-CN" altLang="en-US" sz="1200" dirty="0">
-              <a:latin typeface="Cambria Math" panose="02040503050406030204" charset="0"/>
-              <a:ea typeface="宋体" panose="02010600030101010101" pitchFamily="2" charset="-122"/>
-              <a:cs typeface="Cambria Math" panose="02040503050406030204" charset="0"/>
-            </a:endParaRPr>
           </a:p>
         </p:txBody>
       </p:sp>
@@ -9218,6 +9293,7 @@
           <a:bodyPr wrap="square" rtlCol="0">
             <a:spAutoFit/>
           </a:bodyPr>
+          <a:lstStyle/>
           <a:p>
             <a:r>
               <a:rPr lang="en-US" altLang="zh-CN" dirty="0">
@@ -9229,13 +9305,6 @@
               </a:rPr>
               <a:t>11/17</a:t>
             </a:r>
-            <a:endParaRPr lang="en-US" altLang="zh-CN" dirty="0">
-              <a:solidFill>
-                <a:schemeClr val="bg1">
-                  <a:lumMod val="75000"/>
-                </a:schemeClr>
-              </a:solidFill>
-            </a:endParaRPr>
           </a:p>
         </p:txBody>
       </p:sp>
@@ -9273,7 +9342,7 @@
           <p:nvPr/>
         </p:nvPicPr>
         <p:blipFill>
-          <a:blip r:embed="rId1">
+          <a:blip r:embed="rId3">
             <a:extLst>
               <a:ext uri="{28A0092B-C50C-407E-A947-70E740481C1C}">
                 <a14:useLocalDpi xmlns:a14="http://schemas.microsoft.com/office/drawing/2010/main" val="0"/>
@@ -9314,6 +9383,7 @@
           <a:bodyPr wrap="square" rtlCol="0">
             <a:spAutoFit/>
           </a:bodyPr>
+          <a:lstStyle/>
           <a:p>
             <a:r>
               <a:rPr lang="en-US" altLang="zh-CN" b="1" dirty="0">
@@ -9349,30 +9419,20 @@
           <a:bodyPr wrap="square" rtlCol="0">
             <a:spAutoFit/>
           </a:bodyPr>
+          <a:lstStyle/>
           <a:p>
             <a:r>
               <a:rPr lang="zh-CN" altLang="en-US" b="1" dirty="0">
                 <a:latin typeface="Times New Roman" panose="02020603050405020304" pitchFamily="18" charset="0"/>
                 <a:cs typeface="Times New Roman" panose="02020603050405020304" pitchFamily="18" charset="0"/>
               </a:rPr>
-              <a:t>同态的完美目标：</a:t>
-            </a:r>
-            <a:r>
-              <a:rPr lang="zh-CN" altLang="en-US" b="1" dirty="0">
-                <a:latin typeface="Times New Roman" panose="02020603050405020304" pitchFamily="18" charset="0"/>
-                <a:cs typeface="Times New Roman" panose="02020603050405020304" pitchFamily="18" charset="0"/>
-              </a:rPr>
-              <a:t>特征向量</a:t>
-            </a:r>
-            <a:endParaRPr lang="zh-CN" altLang="en-US" b="1" dirty="0">
-              <a:latin typeface="Times New Roman" panose="02020603050405020304" pitchFamily="18" charset="0"/>
-              <a:cs typeface="Times New Roman" panose="02020603050405020304" pitchFamily="18" charset="0"/>
-            </a:endParaRPr>
-          </a:p>
-        </p:txBody>
-      </p:sp>
-      <mc:AlternateContent xmlns:mc="http://schemas.openxmlformats.org/markup-compatibility/2006">
-        <mc:Choice xmlns:a14="http://schemas.microsoft.com/office/drawing/2010/main" Requires="a14">
+              <a:t>同态的完美目标：特征向量</a:t>
+            </a:r>
+          </a:p>
+        </p:txBody>
+      </p:sp>
+      <mc:AlternateContent xmlns:mc="http://schemas.openxmlformats.org/markup-compatibility/2006" xmlns:a14="http://schemas.microsoft.com/office/drawing/2010/main">
+        <mc:Choice Requires="a14">
           <p:sp>
             <p:nvSpPr>
               <p:cNvPr id="5" name="文本框 4"/>
@@ -9393,6 +9453,7 @@
               <a:bodyPr wrap="square" rtlCol="0">
                 <a:spAutoFit/>
               </a:bodyPr>
+              <a:lstStyle/>
               <a:p>
                 <a:r>
                   <a:rPr lang="zh-CN" altLang="en-US" dirty="0">
@@ -9409,6 +9470,7 @@
                 </a:endParaRPr>
               </a:p>
               <a:p>
+                <a:pPr/>
                 <a14:m>
                   <m:oMathPara xmlns:m="http://schemas.openxmlformats.org/officeDocument/2006/math">
                     <m:oMathParaPr>
@@ -9429,7 +9491,7 @@
                           <a:ea typeface="宋体" panose="02010600030101010101" pitchFamily="2" charset="-122"/>
                           <a:cs typeface="Cambria Math" panose="02040503050406030204" charset="0"/>
                         </a:rPr>
-                        <m:t> </m:t>
+                        <m:t> =</m:t>
                       </m:r>
                       <m:r>
                         <a:rPr lang="en-US" altLang="zh-CN" i="1" dirty="0">
@@ -9437,23 +9499,7 @@
                           <a:ea typeface="宋体" panose="02010600030101010101" pitchFamily="2" charset="-122"/>
                           <a:cs typeface="Cambria Math" panose="02040503050406030204" charset="0"/>
                         </a:rPr>
-                        <m:t>=</m:t>
-                      </m:r>
-                      <m:r>
-                        <a:rPr lang="en-US" altLang="zh-CN" i="1" dirty="0">
-                          <a:latin typeface="Cambria Math" panose="02040503050406030204" charset="0"/>
-                          <a:ea typeface="宋体" panose="02010600030101010101" pitchFamily="2" charset="-122"/>
-                          <a:cs typeface="Cambria Math" panose="02040503050406030204" charset="0"/>
-                        </a:rPr>
-                        <m:t>𝑎</m:t>
-                      </m:r>
-                      <m:r>
-                        <a:rPr lang="en-US" altLang="zh-CN" i="1" dirty="0">
-                          <a:latin typeface="Cambria Math" panose="02040503050406030204" charset="0"/>
-                          <a:ea typeface="宋体" panose="02010600030101010101" pitchFamily="2" charset="-122"/>
-                          <a:cs typeface="Cambria Math" panose="02040503050406030204" charset="0"/>
-                        </a:rPr>
-                        <m:t>𝑥</m:t>
+                        <m:t>𝑎𝑥</m:t>
                       </m:r>
                     </m:oMath>
                   </m:oMathPara>
@@ -9471,21 +9517,8 @@
                     <a:ea typeface="宋体" panose="02010600030101010101" pitchFamily="2" charset="-122"/>
                     <a:cs typeface="宋体" panose="02010600030101010101" pitchFamily="2" charset="-122"/>
                   </a:rPr>
-                  <a:t>针对同态加密的第一次</a:t>
+                  <a:t>针对同态加密的第一次尝试：</a:t>
                 </a:r>
-                <a:r>
-                  <a:rPr lang="zh-CN" altLang="en-US" dirty="0">
-                    <a:latin typeface="宋体" panose="02010600030101010101" pitchFamily="2" charset="-122"/>
-                    <a:ea typeface="宋体" panose="02010600030101010101" pitchFamily="2" charset="-122"/>
-                    <a:cs typeface="宋体" panose="02010600030101010101" pitchFamily="2" charset="-122"/>
-                  </a:rPr>
-                  <a:t>尝试：</a:t>
-                </a:r>
-                <a:endParaRPr lang="zh-CN" altLang="en-US" dirty="0">
-                  <a:latin typeface="宋体" panose="02010600030101010101" pitchFamily="2" charset="-122"/>
-                  <a:ea typeface="宋体" panose="02010600030101010101" pitchFamily="2" charset="-122"/>
-                  <a:cs typeface="宋体" panose="02010600030101010101" pitchFamily="2" charset="-122"/>
-                </a:endParaRPr>
               </a:p>
               <a:p>
                 <a:r>
@@ -9504,11 +9537,6 @@
                   </a:rPr>
                   <a:t>：</a:t>
                 </a:r>
-                <a:endParaRPr lang="zh-CN" altLang="en-US" dirty="0">
-                  <a:latin typeface="Times New Roman" panose="02020603050405020304" pitchFamily="18" charset="0"/>
-                  <a:ea typeface="宋体" panose="02010600030101010101" pitchFamily="2" charset="-122"/>
-                  <a:cs typeface="Times New Roman" panose="02020603050405020304" pitchFamily="18" charset="0"/>
-                </a:endParaRPr>
               </a:p>
               <a:p>
                 <a:pPr indent="457200"/>
@@ -9535,7 +9563,7 @@
                         <m:chr m:val="⃗"/>
                         <m:ctrlPr>
                           <a:rPr lang="en-US" altLang="zh-CN" i="1" dirty="0">
-                            <a:latin typeface="Cambria Math" panose="02040503050406030204" charset="0"/>
+                            <a:latin typeface="Cambria Math" panose="02040503050406030204" pitchFamily="18" charset="0"/>
                             <a:ea typeface="宋体" panose="02010600030101010101" pitchFamily="2" charset="-122"/>
                             <a:cs typeface="Cambria Math" panose="02040503050406030204" charset="0"/>
                           </a:rPr>
@@ -9564,7 +9592,7 @@
                       <m:sSupPr>
                         <m:ctrlPr>
                           <a:rPr lang="en-US" altLang="zh-CN" i="1" dirty="0">
-                            <a:latin typeface="Cambria Math" panose="02040503050406030204" charset="0"/>
+                            <a:latin typeface="Cambria Math" panose="02040503050406030204" pitchFamily="18" charset="0"/>
                             <a:ea typeface="宋体" panose="02010600030101010101" pitchFamily="2" charset="-122"/>
                             <a:cs typeface="Cambria Math" panose="02040503050406030204" charset="0"/>
                           </a:rPr>
@@ -9623,7 +9651,7 @@
                             <a:solidFill>
                               <a:schemeClr val="tx1"/>
                             </a:solidFill>
-                            <a:latin typeface="Cambria Math" panose="02040503050406030204" charset="0"/>
+                            <a:latin typeface="Cambria Math" panose="02040503050406030204" pitchFamily="18" charset="0"/>
                             <a:ea typeface="宋体" panose="02010600030101010101" pitchFamily="2" charset="-122"/>
                             <a:cs typeface="Cambria Math" panose="02040503050406030204" charset="0"/>
                           </a:rPr>
@@ -9660,7 +9688,7 @@
                                 <a:solidFill>
                                   <a:schemeClr val="tx1"/>
                                 </a:solidFill>
-                                <a:latin typeface="Cambria Math" panose="02040503050406030204" charset="0"/>
+                                <a:latin typeface="Cambria Math" panose="02040503050406030204" pitchFamily="18" charset="0"/>
                                 <a:ea typeface="宋体" panose="02010600030101010101" pitchFamily="2" charset="-122"/>
                                 <a:cs typeface="Cambria Math" panose="02040503050406030204" charset="0"/>
                               </a:rPr>
@@ -9765,7 +9793,7 @@
                             <a:solidFill>
                               <a:schemeClr val="tx1"/>
                             </a:solidFill>
-                            <a:latin typeface="Cambria Math" panose="02040503050406030204" charset="0"/>
+                            <a:latin typeface="Cambria Math" panose="02040503050406030204" pitchFamily="18" charset="0"/>
                             <a:ea typeface="宋体" panose="02010600030101010101" pitchFamily="2" charset="-122"/>
                             <a:cs typeface="Cambria Math" panose="02040503050406030204" charset="0"/>
                           </a:rPr>
@@ -9826,7 +9854,7 @@
                             <a:solidFill>
                               <a:schemeClr val="tx1"/>
                             </a:solidFill>
-                            <a:latin typeface="Cambria Math" panose="02040503050406030204" charset="0"/>
+                            <a:latin typeface="Cambria Math" panose="02040503050406030204" pitchFamily="18" charset="0"/>
                             <a:ea typeface="宋体" panose="02010600030101010101" pitchFamily="2" charset="-122"/>
                             <a:cs typeface="Cambria Math" panose="02040503050406030204" charset="0"/>
                           </a:rPr>
@@ -9892,14 +9920,6 @@
                   </a:rPr>
                   <a:t>C</a:t>
                 </a:r>
-                <a:endParaRPr lang="en-US" altLang="zh-CN" dirty="0">
-                  <a:solidFill>
-                    <a:schemeClr val="tx1"/>
-                  </a:solidFill>
-                  <a:latin typeface="Times New Roman" panose="02020603050405020304" pitchFamily="18" charset="0"/>
-                  <a:ea typeface="宋体" panose="02010600030101010101" pitchFamily="2" charset="-122"/>
-                  <a:cs typeface="Times New Roman" panose="02020603050405020304" pitchFamily="18" charset="0"/>
-                </a:endParaRPr>
               </a:p>
               <a:p>
                 <a:pPr marL="0" lvl="0" indent="0">
@@ -9925,7 +9945,7 @@
                             <a:solidFill>
                               <a:schemeClr val="tx1"/>
                             </a:solidFill>
-                            <a:latin typeface="Cambria Math" panose="02040503050406030204" charset="0"/>
+                            <a:latin typeface="Cambria Math" panose="02040503050406030204" pitchFamily="18" charset="0"/>
                             <a:ea typeface="宋体" panose="02010600030101010101" pitchFamily="2" charset="-122"/>
                             <a:cs typeface="Cambria Math" panose="02040503050406030204" charset="0"/>
                           </a:rPr>
@@ -9962,7 +9982,7 @@
                                 <a:solidFill>
                                   <a:schemeClr val="tx1"/>
                                 </a:solidFill>
-                                <a:latin typeface="Cambria Math" panose="02040503050406030204" charset="0"/>
+                                <a:latin typeface="Cambria Math" panose="02040503050406030204" pitchFamily="18" charset="0"/>
                                 <a:ea typeface="宋体" panose="02010600030101010101" pitchFamily="2" charset="-122"/>
                                 <a:cs typeface="Cambria Math" panose="02040503050406030204" charset="0"/>
                               </a:rPr>
@@ -10013,7 +10033,7 @@
             </p:txBody>
           </p:sp>
         </mc:Choice>
-        <mc:Fallback>
+        <mc:Fallback xmlns="">
           <p:sp>
             <p:nvSpPr>
               <p:cNvPr id="5" name="文本框 4"/>
@@ -10031,7 +10051,7 @@
                 <a:avLst/>
               </a:prstGeom>
               <a:blipFill rotWithShape="1">
-                <a:blip r:embed="rId2"/>
+                <a:blip r:embed="rId4"/>
                 <a:stretch>
                   <a:fillRect/>
                 </a:stretch>
@@ -10108,6 +10128,7 @@
           <a:bodyPr wrap="none" rtlCol="0" anchor="t">
             <a:noAutofit/>
           </a:bodyPr>
+          <a:lstStyle/>
           <a:p>
             <a:pPr algn="ctr"/>
             <a:r>
@@ -10200,21 +10221,6 @@
               </a:rPr>
               <a:t>？</a:t>
             </a:r>
-            <a:endParaRPr lang="zh-CN" altLang="en-US" sz="3200" b="1">
-              <a:ln w="22225">
-                <a:solidFill>
-                  <a:schemeClr val="accent2"/>
-                </a:solidFill>
-                <a:prstDash val="solid"/>
-              </a:ln>
-              <a:solidFill>
-                <a:schemeClr val="accent2">
-                  <a:lumMod val="40000"/>
-                  <a:lumOff val="60000"/>
-                </a:schemeClr>
-              </a:solidFill>
-              <a:effectLst/>
-            </a:endParaRPr>
           </a:p>
         </p:txBody>
       </p:sp>
@@ -10251,6 +10257,7 @@
         </p:style>
         <p:txBody>
           <a:bodyPr rtlCol="0" anchor="ctr"/>
+          <a:lstStyle/>
           <a:p>
             <a:pPr algn="ctr"/>
             <a:endParaRPr lang="zh-CN" altLang="en-US"/>
@@ -10310,6 +10317,7 @@
           <a:bodyPr wrap="square" rtlCol="0">
             <a:spAutoFit/>
           </a:bodyPr>
+          <a:lstStyle/>
           <a:p>
             <a:pPr algn="ctr"/>
             <a:r>
@@ -10326,10 +10334,6 @@
               </a:rPr>
               <a:t>(LWE)</a:t>
             </a:r>
-            <a:endParaRPr lang="en-US" altLang="zh-CN" b="1" dirty="0">
-              <a:latin typeface="Times New Roman" panose="02020603050405020304" pitchFamily="18" charset="0"/>
-              <a:cs typeface="Times New Roman" panose="02020603050405020304" pitchFamily="18" charset="0"/>
-            </a:endParaRPr>
           </a:p>
         </p:txBody>
       </p:sp>
@@ -10343,7 +10347,7 @@
             </p:nvSpPr>
             <p:spPr>
               <a:xfrm>
-                <a:off x="4528820" y="1097915"/>
+                <a:off x="4548984" y="891003"/>
                 <a:ext cx="3859530" cy="372110"/>
               </a:xfrm>
               <a:prstGeom prst="rect">
@@ -10355,7 +10359,9 @@
               <a:bodyPr wrap="square" rtlCol="0" anchor="t">
                 <a:spAutoFit/>
               </a:bodyPr>
+              <a:lstStyle/>
               <a:p>
+                <a:pPr/>
                 <a14:m>
                   <m:oMathPara xmlns:m="http://schemas.openxmlformats.org/officeDocument/2006/math">
                     <m:oMathParaPr>
@@ -10392,7 +10398,7 @@
                               <a:solidFill>
                                 <a:schemeClr val="tx1"/>
                               </a:solidFill>
-                              <a:latin typeface="Cambria Math" panose="02040503050406030204" charset="0"/>
+                              <a:latin typeface="Cambria Math" panose="02040503050406030204" pitchFamily="18" charset="0"/>
                               <a:ea typeface="宋体" panose="02010600030101010101" pitchFamily="2" charset="-122"/>
                               <a:cs typeface="Cambria Math" panose="02040503050406030204" charset="0"/>
                             </a:rPr>
@@ -10453,7 +10459,7 @@
                               <a:solidFill>
                                 <a:schemeClr val="tx1"/>
                               </a:solidFill>
-                              <a:latin typeface="Cambria Math" panose="02040503050406030204" charset="0"/>
+                              <a:latin typeface="Cambria Math" panose="02040503050406030204" pitchFamily="18" charset="0"/>
                               <a:ea typeface="宋体" panose="02010600030101010101" pitchFamily="2" charset="-122"/>
                               <a:cs typeface="Cambria Math" panose="02040503050406030204" charset="0"/>
                             </a:rPr>
@@ -10492,7 +10498,7 @@
                               <a:solidFill>
                                 <a:schemeClr val="tx1"/>
                               </a:solidFill>
-                              <a:latin typeface="Cambria Math" panose="02040503050406030204" charset="0"/>
+                              <a:latin typeface="Cambria Math" panose="02040503050406030204" pitchFamily="18" charset="0"/>
                               <a:ea typeface="宋体" panose="02010600030101010101" pitchFamily="2" charset="-122"/>
                               <a:cs typeface="Cambria Math" panose="02040503050406030204" charset="0"/>
                             </a:rPr>
@@ -10538,16 +10544,16 @@
             </p:nvSpPr>
             <p:spPr>
               <a:xfrm>
-                <a:off x="4528820" y="1097915"/>
+                <a:off x="4548984" y="891003"/>
                 <a:ext cx="3859530" cy="372110"/>
               </a:xfrm>
               <a:prstGeom prst="rect">
                 <a:avLst/>
               </a:prstGeom>
-              <a:blipFill rotWithShape="1">
-                <a:blip r:embed="rId3"/>
+              <a:blipFill>
+                <a:blip r:embed="rId5"/>
                 <a:stretch>
-                  <a:fillRect/>
+                  <a:fillRect t="-21311" b="-4918"/>
                 </a:stretch>
               </a:blipFill>
             </p:spPr>
@@ -10576,7 +10582,7 @@
             </p:nvSpPr>
             <p:spPr>
               <a:xfrm>
-                <a:off x="4589780" y="1421130"/>
+                <a:off x="4620260" y="1152307"/>
                 <a:ext cx="3805555" cy="3768090"/>
               </a:xfrm>
               <a:prstGeom prst="rect">
@@ -10588,6 +10594,7 @@
               <a:bodyPr wrap="square" rtlCol="0">
                 <a:spAutoFit/>
               </a:bodyPr>
+              <a:lstStyle/>
               <a:p>
                 <a:r>
                   <a:rPr lang="en-US" altLang="zh-CN" i="1" dirty="0">
@@ -10603,7 +10610,7 @@
                       <m:dPr>
                         <m:ctrlPr>
                           <a:rPr lang="en-US" altLang="zh-CN" i="1" dirty="0">
-                            <a:latin typeface="Cambria Math" panose="02040503050406030204" charset="0"/>
+                            <a:latin typeface="Cambria Math" panose="02040503050406030204" pitchFamily="18" charset="0"/>
                             <a:ea typeface="宋体" panose="02010600030101010101" pitchFamily="2" charset="-122"/>
                             <a:cs typeface="Cambria Math" panose="02040503050406030204" charset="0"/>
                           </a:rPr>
@@ -10614,7 +10621,7 @@
                           <m:sSupPr>
                             <m:ctrlPr>
                               <a:rPr lang="en-US" altLang="zh-CN" i="1" dirty="0">
-                                <a:latin typeface="Cambria Math" panose="02040503050406030204" charset="0"/>
+                                <a:latin typeface="Cambria Math" panose="02040503050406030204" pitchFamily="18" charset="0"/>
                                 <a:ea typeface="宋体" panose="02010600030101010101" pitchFamily="2" charset="-122"/>
                                 <a:cs typeface="Cambria Math" panose="02040503050406030204" charset="0"/>
                               </a:rPr>
@@ -10660,7 +10667,7 @@
                         <m:chr m:val="̃"/>
                         <m:ctrlPr>
                           <a:rPr lang="zh-CN" altLang="en-US" i="1" dirty="0">
-                            <a:latin typeface="Cambria Math" panose="02040503050406030204" charset="0"/>
+                            <a:latin typeface="Cambria Math" panose="02040503050406030204" pitchFamily="18" charset="0"/>
                             <a:ea typeface="宋体" panose="02010600030101010101" pitchFamily="2" charset="-122"/>
                             <a:cs typeface="Cambria Math" panose="02040503050406030204" charset="0"/>
                           </a:rPr>
@@ -10689,7 +10696,7 @@
                       <m:sSubSupPr>
                         <m:ctrlPr>
                           <a:rPr lang="en-US" altLang="zh-CN" i="1" dirty="0">
-                            <a:latin typeface="Cambria Math" panose="02040503050406030204" charset="0"/>
+                            <a:latin typeface="Cambria Math" panose="02040503050406030204" pitchFamily="18" charset="0"/>
                             <a:ea typeface="宋体" panose="02010600030101010101" pitchFamily="2" charset="-122"/>
                             <a:cs typeface="Cambria Math" panose="02040503050406030204" charset="0"/>
                           </a:rPr>
@@ -10730,15 +10737,7 @@
                             <a:ea typeface="宋体" panose="02010600030101010101" pitchFamily="2" charset="-122"/>
                             <a:cs typeface="Cambria Math" panose="02040503050406030204" charset="0"/>
                           </a:rPr>
-                          <m:t>−</m:t>
-                        </m:r>
-                        <m:r>
-                          <a:rPr lang="en-US" altLang="zh-CN" i="1" dirty="0">
-                            <a:latin typeface="Cambria Math" panose="02040503050406030204" charset="0"/>
-                            <a:ea typeface="宋体" panose="02010600030101010101" pitchFamily="2" charset="-122"/>
-                            <a:cs typeface="Cambria Math" panose="02040503050406030204" charset="0"/>
-                          </a:rPr>
-                          <m:t>1</m:t>
+                          <m:t>−1</m:t>
                         </m:r>
                       </m:sup>
                     </m:sSubSup>
@@ -10786,7 +10785,7 @@
                         <m:chr m:val="⃗"/>
                         <m:ctrlPr>
                           <a:rPr lang="en-US" altLang="zh-CN" i="1" dirty="0">
-                            <a:latin typeface="Cambria Math" panose="02040503050406030204" charset="0"/>
+                            <a:latin typeface="Cambria Math" panose="02040503050406030204" pitchFamily="18" charset="0"/>
                             <a:ea typeface="宋体" panose="02010600030101010101" pitchFamily="2" charset="-122"/>
                             <a:cs typeface="Cambria Math" panose="02040503050406030204" charset="0"/>
                             <a:sym typeface="+mn-ea"/>
@@ -10820,7 +10819,7 @@
                         <m:endChr m:val="]"/>
                         <m:ctrlPr>
                           <a:rPr lang="en-US" altLang="zh-CN" i="1" dirty="0">
-                            <a:latin typeface="Cambria Math" panose="02040503050406030204" charset="0"/>
+                            <a:latin typeface="Cambria Math" panose="02040503050406030204" pitchFamily="18" charset="0"/>
                             <a:ea typeface="宋体" panose="02010600030101010101" pitchFamily="2" charset="-122"/>
                             <a:cs typeface="Cambria Math" panose="02040503050406030204" charset="0"/>
                             <a:sym typeface="+mn-ea"/>
@@ -10840,7 +10839,7 @@
                             </m:mcs>
                             <m:ctrlPr>
                               <a:rPr lang="en-US" altLang="zh-CN" i="1" dirty="0">
-                                <a:latin typeface="Cambria Math" panose="02040503050406030204" charset="0"/>
+                                <a:latin typeface="Cambria Math" panose="02040503050406030204" pitchFamily="18" charset="0"/>
                                 <a:ea typeface="宋体" panose="02010600030101010101" pitchFamily="2" charset="-122"/>
                                 <a:cs typeface="Cambria Math" panose="02040503050406030204" charset="0"/>
                                 <a:sym typeface="+mn-ea"/>
@@ -10854,7 +10853,7 @@
                                   <m:chr m:val="̃"/>
                                   <m:ctrlPr>
                                     <a:rPr lang="zh-CN" altLang="en-US" i="1" dirty="0">
-                                      <a:latin typeface="Cambria Math" panose="02040503050406030204" charset="0"/>
+                                      <a:latin typeface="Cambria Math" panose="02040503050406030204" pitchFamily="18" charset="0"/>
                                       <a:ea typeface="宋体" panose="02010600030101010101" pitchFamily="2" charset="-122"/>
                                       <a:cs typeface="Cambria Math" panose="02040503050406030204" charset="0"/>
                                     </a:rPr>
@@ -10882,16 +10881,7 @@
                                   <a:cs typeface="Cambria Math" panose="02040503050406030204" charset="0"/>
                                   <a:sym typeface="+mn-ea"/>
                                 </a:rPr>
-                                <m:t>−</m:t>
-                              </m:r>
-                              <m:r>
-                                <a:rPr lang="en-US" altLang="zh-CN" i="1" dirty="0">
-                                  <a:latin typeface="Cambria Math" panose="02040503050406030204" charset="0"/>
-                                  <a:ea typeface="宋体" panose="02010600030101010101" pitchFamily="2" charset="-122"/>
-                                  <a:cs typeface="Cambria Math" panose="02040503050406030204" charset="0"/>
-                                  <a:sym typeface="+mn-ea"/>
-                                </a:rPr>
-                                <m:t>1</m:t>
+                                <m:t>−1</m:t>
                               </m:r>
                             </m:e>
                           </m:mr>
@@ -10943,7 +10933,7 @@
                             <a:solidFill>
                               <a:schemeClr val="tx1"/>
                             </a:solidFill>
-                            <a:latin typeface="Cambria Math" panose="02040503050406030204" charset="0"/>
+                            <a:latin typeface="Cambria Math" panose="02040503050406030204" pitchFamily="18" charset="0"/>
                             <a:ea typeface="宋体" panose="02010600030101010101" pitchFamily="2" charset="-122"/>
                             <a:cs typeface="Cambria Math" panose="02040503050406030204" charset="0"/>
                           </a:rPr>
@@ -10980,7 +10970,7 @@
                                 <a:solidFill>
                                   <a:schemeClr val="tx1"/>
                                 </a:solidFill>
-                                <a:latin typeface="Cambria Math" panose="02040503050406030204" charset="0"/>
+                                <a:latin typeface="Cambria Math" panose="02040503050406030204" pitchFamily="18" charset="0"/>
                                 <a:ea typeface="宋体" panose="02010600030101010101" pitchFamily="2" charset="-122"/>
                                 <a:cs typeface="Cambria Math" panose="02040503050406030204" charset="0"/>
                               </a:rPr>
@@ -11056,7 +11046,7 @@
                       <m:sSubSupPr>
                         <m:ctrlPr>
                           <a:rPr lang="en-US" altLang="zh-CN" i="1" dirty="0">
-                            <a:latin typeface="Cambria Math" panose="02040503050406030204" charset="0"/>
+                            <a:latin typeface="Cambria Math" panose="02040503050406030204" pitchFamily="18" charset="0"/>
                             <a:ea typeface="宋体" panose="02010600030101010101" pitchFamily="2" charset="-122"/>
                             <a:cs typeface="Cambria Math" panose="02040503050406030204" charset="0"/>
                           </a:rPr>
@@ -11113,23 +11103,7 @@
                             <a:ea typeface="宋体" panose="02010600030101010101" pitchFamily="2" charset="-122"/>
                             <a:cs typeface="Cambria Math" panose="02040503050406030204" charset="0"/>
                           </a:rPr>
-                          <m:t>−</m:t>
-                        </m:r>
-                        <m:r>
-                          <a:rPr lang="en-US" altLang="zh-CN" i="1" dirty="0">
-                            <a:latin typeface="Cambria Math" panose="02040503050406030204" charset="0"/>
-                            <a:ea typeface="宋体" panose="02010600030101010101" pitchFamily="2" charset="-122"/>
-                            <a:cs typeface="Cambria Math" panose="02040503050406030204" charset="0"/>
-                          </a:rPr>
-                          <m:t>1</m:t>
-                        </m:r>
-                        <m:r>
-                          <a:rPr lang="en-US" altLang="zh-CN" i="1" dirty="0">
-                            <a:latin typeface="Cambria Math" panose="02040503050406030204" charset="0"/>
-                            <a:ea typeface="宋体" panose="02010600030101010101" pitchFamily="2" charset="-122"/>
-                            <a:cs typeface="Cambria Math" panose="02040503050406030204" charset="0"/>
-                          </a:rPr>
-                          <m:t>)</m:t>
+                          <m:t>−1)</m:t>
                         </m:r>
                       </m:sup>
                     </m:sSubSup>
@@ -11158,7 +11132,7 @@
                         <m:chr m:val="⃗"/>
                         <m:ctrlPr>
                           <a:rPr lang="zh-CN" altLang="en-US" i="1" dirty="0">
-                            <a:latin typeface="Cambria Math" panose="02040503050406030204" charset="0"/>
+                            <a:latin typeface="Cambria Math" panose="02040503050406030204" pitchFamily="18" charset="0"/>
                             <a:ea typeface="宋体" panose="02010600030101010101" pitchFamily="2" charset="-122"/>
                             <a:cs typeface="Cambria Math" panose="02040503050406030204" charset="0"/>
                           </a:rPr>
@@ -11183,47 +11157,34 @@
                       </a:rPr>
                       <m:t>←</m:t>
                     </m:r>
-                    <m:sSubSup>
-                      <m:sSubSupPr>
+                    <m:sSub>
+                      <m:sSubPr>
                         <m:ctrlPr>
-                          <a:rPr lang="en-US" altLang="zh-CN" i="1" dirty="0">
-                            <a:latin typeface="Cambria Math" panose="02040503050406030204" charset="0"/>
+                          <a:rPr lang="en-US" altLang="zh-CN" i="1" dirty="0" smtClean="0">
+                            <a:latin typeface="Cambria Math" panose="02040503050406030204" pitchFamily="18" charset="0"/>
                             <a:ea typeface="宋体" panose="02010600030101010101" pitchFamily="2" charset="-122"/>
-                            <a:cs typeface="Cambria Math" panose="02040503050406030204" charset="0"/>
                           </a:rPr>
                         </m:ctrlPr>
-                      </m:sSubSupPr>
+                      </m:sSubPr>
                       <m:e>
                         <m:r>
-                          <a:rPr lang="en-US" altLang="zh-CN" i="1" dirty="0">
-                            <a:latin typeface="Cambria Math" panose="02040503050406030204" charset="0"/>
+                          <a:rPr lang="zh-CN" altLang="en-US" i="1" dirty="0" smtClean="0">
+                            <a:latin typeface="Cambria Math" panose="02040503050406030204" pitchFamily="18" charset="0"/>
                             <a:ea typeface="宋体" panose="02010600030101010101" pitchFamily="2" charset="-122"/>
-                            <a:cs typeface="Cambria Math" panose="02040503050406030204" charset="0"/>
                           </a:rPr>
-                          <m:t>ℤ</m:t>
+                          <m:t>𝜒</m:t>
                         </m:r>
                       </m:e>
                       <m:sub>
                         <m:r>
-                          <a:rPr lang="en-US" altLang="zh-CN" i="1" dirty="0">
-                            <a:latin typeface="Cambria Math" panose="02040503050406030204" charset="0"/>
+                          <a:rPr lang="en-US" altLang="zh-CN" b="0" i="1" dirty="0" smtClean="0">
+                            <a:latin typeface="Cambria Math" panose="02040503050406030204" pitchFamily="18" charset="0"/>
                             <a:ea typeface="宋体" panose="02010600030101010101" pitchFamily="2" charset="-122"/>
-                            <a:cs typeface="Cambria Math" panose="02040503050406030204" charset="0"/>
                           </a:rPr>
-                          <m:t>𝑞</m:t>
+                          <m:t>𝐵</m:t>
                         </m:r>
                       </m:sub>
-                      <m:sup>
-                        <m:r>
-                          <a:rPr lang="en-US" altLang="zh-CN" i="1" dirty="0">
-                            <a:latin typeface="Cambria Math" panose="02040503050406030204" charset="0"/>
-                            <a:ea typeface="宋体" panose="02010600030101010101" pitchFamily="2" charset="-122"/>
-                            <a:cs typeface="Cambria Math" panose="02040503050406030204" charset="0"/>
-                          </a:rPr>
-                          <m:t>𝑛</m:t>
-                        </m:r>
-                      </m:sup>
-                    </m:sSubSup>
+                    </m:sSub>
                   </m:oMath>
                 </a14:m>
                 <a:endParaRPr lang="en-US" altLang="zh-CN" i="1" dirty="0">
@@ -11259,14 +11220,6 @@
                   </a:rPr>
                   <a:t>：</a:t>
                 </a:r>
-                <a:endParaRPr lang="zh-CN" altLang="en-US" dirty="0">
-                  <a:solidFill>
-                    <a:schemeClr val="tx1"/>
-                  </a:solidFill>
-                  <a:latin typeface="Times New Roman" panose="02020603050405020304" pitchFamily="18" charset="0"/>
-                  <a:ea typeface="宋体" panose="02010600030101010101" pitchFamily="2" charset="-122"/>
-                  <a:cs typeface="Times New Roman" panose="02020603050405020304" pitchFamily="18" charset="0"/>
-                </a:endParaRPr>
               </a:p>
               <a:p>
                 <a:pPr marL="0" lvl="0" indent="0">
@@ -11352,7 +11305,7 @@
                               <a:solidFill>
                                 <a:schemeClr val="tx1"/>
                               </a:solidFill>
-                              <a:latin typeface="Cambria Math" panose="02040503050406030204" charset="0"/>
+                              <a:latin typeface="Cambria Math" panose="02040503050406030204" pitchFamily="18" charset="0"/>
                               <a:ea typeface="宋体" panose="02010600030101010101" pitchFamily="2" charset="-122"/>
                               <a:cs typeface="Cambria Math" panose="02040503050406030204" charset="0"/>
                             </a:rPr>
@@ -11391,7 +11344,7 @@
                               <a:solidFill>
                                 <a:schemeClr val="tx1"/>
                               </a:solidFill>
-                              <a:latin typeface="Cambria Math" panose="02040503050406030204" charset="0"/>
+                              <a:latin typeface="Cambria Math" panose="02040503050406030204" pitchFamily="18" charset="0"/>
                               <a:ea typeface="宋体" panose="02010600030101010101" pitchFamily="2" charset="-122"/>
                               <a:cs typeface="Cambria Math" panose="02040503050406030204" charset="0"/>
                             </a:rPr>
@@ -11451,7 +11404,7 @@
                               <a:solidFill>
                                 <a:schemeClr val="tx1"/>
                               </a:solidFill>
-                              <a:latin typeface="Cambria Math" panose="02040503050406030204" charset="0"/>
+                              <a:latin typeface="Cambria Math" panose="02040503050406030204" pitchFamily="18" charset="0"/>
                               <a:ea typeface="宋体" panose="02010600030101010101" pitchFamily="2" charset="-122"/>
                               <a:cs typeface="Cambria Math" panose="02040503050406030204" charset="0"/>
                             </a:rPr>
@@ -11533,7 +11486,7 @@
                             <a:solidFill>
                               <a:schemeClr val="tx1"/>
                             </a:solidFill>
-                            <a:latin typeface="Cambria Math" panose="02040503050406030204" charset="0"/>
+                            <a:latin typeface="Cambria Math" panose="02040503050406030204" pitchFamily="18" charset="0"/>
                             <a:ea typeface="宋体" panose="02010600030101010101" pitchFamily="2" charset="-122"/>
                             <a:cs typeface="Cambria Math" panose="02040503050406030204" charset="0"/>
                           </a:rPr>
@@ -11570,7 +11523,7 @@
                                 <a:solidFill>
                                   <a:schemeClr val="tx1"/>
                                 </a:solidFill>
-                                <a:latin typeface="Cambria Math" panose="02040503050406030204" charset="0"/>
+                                <a:latin typeface="Cambria Math" panose="02040503050406030204" pitchFamily="18" charset="0"/>
                                 <a:ea typeface="宋体" panose="02010600030101010101" pitchFamily="2" charset="-122"/>
                                 <a:cs typeface="Cambria Math" panose="02040503050406030204" charset="0"/>
                               </a:rPr>
@@ -11605,14 +11558,6 @@
                   </a:rPr>
                   <a:t>：</a:t>
                 </a:r>
-                <a:endParaRPr lang="zh-CN" altLang="en-US" dirty="0">
-                  <a:solidFill>
-                    <a:schemeClr val="tx1"/>
-                  </a:solidFill>
-                  <a:latin typeface="Cambria Math" panose="02040503050406030204" charset="0"/>
-                  <a:ea typeface="宋体" panose="02010600030101010101" pitchFamily="2" charset="-122"/>
-                  <a:cs typeface="Cambria Math" panose="02040503050406030204" charset="0"/>
-                </a:endParaRPr>
               </a:p>
               <a:p>
                 <a:pPr marL="0" lvl="0" indent="0">
@@ -11645,7 +11590,7 @@
                           <m:chr m:val="⃗"/>
                           <m:ctrlPr>
                             <a:rPr lang="en-US" altLang="zh-CN" i="1" dirty="0">
-                              <a:latin typeface="Cambria Math" panose="02040503050406030204" charset="0"/>
+                              <a:latin typeface="Cambria Math" panose="02040503050406030204" pitchFamily="18" charset="0"/>
                               <a:ea typeface="宋体" panose="02010600030101010101" pitchFamily="2" charset="-122"/>
                               <a:cs typeface="Cambria Math" panose="02040503050406030204" charset="0"/>
                               <a:sym typeface="+mn-ea"/>
@@ -11701,7 +11646,7 @@
                               <a:solidFill>
                                 <a:schemeClr val="tx1"/>
                               </a:solidFill>
-                              <a:latin typeface="Cambria Math" panose="02040503050406030204" charset="0"/>
+                              <a:latin typeface="Cambria Math" panose="02040503050406030204" pitchFamily="18" charset="0"/>
                               <a:ea typeface="宋体" panose="02010600030101010101" pitchFamily="2" charset="-122"/>
                               <a:cs typeface="Cambria Math" panose="02040503050406030204" charset="0"/>
                             </a:rPr>
@@ -11740,7 +11685,7 @@
                               <a:solidFill>
                                 <a:schemeClr val="tx1"/>
                               </a:solidFill>
-                              <a:latin typeface="Cambria Math" panose="02040503050406030204" charset="0"/>
+                              <a:latin typeface="Cambria Math" panose="02040503050406030204" pitchFamily="18" charset="0"/>
                               <a:ea typeface="宋体" panose="02010600030101010101" pitchFamily="2" charset="-122"/>
                               <a:cs typeface="Cambria Math" panose="02040503050406030204" charset="0"/>
                             </a:rPr>
@@ -11791,7 +11736,7 @@
                             <a:solidFill>
                               <a:schemeClr val="tx1"/>
                             </a:solidFill>
-                            <a:latin typeface="Cambria Math" panose="02040503050406030204" charset="0"/>
+                            <a:latin typeface="Cambria Math" panose="02040503050406030204" pitchFamily="18" charset="0"/>
                             <a:ea typeface="宋体" panose="02010600030101010101" pitchFamily="2" charset="-122"/>
                             <a:cs typeface="Cambria Math" panose="02040503050406030204" charset="0"/>
                           </a:rPr>
@@ -11822,27 +11767,8 @@
                     <a:ea typeface="宋体" panose="02010600030101010101" pitchFamily="2" charset="-122"/>
                     <a:cs typeface="Cambria Math" panose="02040503050406030204" charset="0"/>
                   </a:rPr>
-                  <a:t>处在一定范围内时可以完成</a:t>
+                  <a:t>处在一定范围内时可以完成解密</a:t>
                 </a:r>
-                <a:r>
-                  <a:rPr lang="zh-CN" altLang="en-US" dirty="0">
-                    <a:solidFill>
-                      <a:schemeClr val="tx1"/>
-                    </a:solidFill>
-                    <a:latin typeface="Cambria Math" panose="02040503050406030204" charset="0"/>
-                    <a:ea typeface="宋体" panose="02010600030101010101" pitchFamily="2" charset="-122"/>
-                    <a:cs typeface="Cambria Math" panose="02040503050406030204" charset="0"/>
-                  </a:rPr>
-                  <a:t>解密</a:t>
-                </a:r>
-                <a:endParaRPr lang="zh-CN" altLang="en-US" dirty="0">
-                  <a:solidFill>
-                    <a:schemeClr val="tx1"/>
-                  </a:solidFill>
-                  <a:latin typeface="Cambria Math" panose="02040503050406030204" charset="0"/>
-                  <a:ea typeface="宋体" panose="02010600030101010101" pitchFamily="2" charset="-122"/>
-                  <a:cs typeface="Cambria Math" panose="02040503050406030204" charset="0"/>
-                </a:endParaRPr>
               </a:p>
             </p:txBody>
           </p:sp>
@@ -11858,16 +11784,16 @@
             </p:nvSpPr>
             <p:spPr>
               <a:xfrm>
-                <a:off x="4589780" y="1421130"/>
+                <a:off x="4620260" y="1152307"/>
                 <a:ext cx="3805555" cy="3768090"/>
               </a:xfrm>
               <a:prstGeom prst="rect">
                 <a:avLst/>
               </a:prstGeom>
-              <a:blipFill rotWithShape="1">
-                <a:blip r:embed="rId4"/>
+              <a:blipFill>
+                <a:blip r:embed="rId6"/>
                 <a:stretch>
-                  <a:fillRect/>
+                  <a:fillRect l="-1442" t="-971" b="-162"/>
                 </a:stretch>
               </a:blipFill>
             </p:spPr>
@@ -11906,6 +11832,7 @@
           <a:bodyPr wrap="square" rtlCol="0">
             <a:spAutoFit/>
           </a:bodyPr>
+          <a:lstStyle/>
           <a:p>
             <a:pPr algn="ctr"/>
             <a:r>
@@ -11922,10 +11849,6 @@
               </a:rPr>
               <a:t>(Flatten)</a:t>
             </a:r>
-            <a:endParaRPr lang="en-US" altLang="zh-CN" b="1" dirty="0">
-              <a:latin typeface="Times New Roman" panose="02020603050405020304" pitchFamily="18" charset="0"/>
-              <a:cs typeface="Times New Roman" panose="02020603050405020304" pitchFamily="18" charset="0"/>
-            </a:endParaRPr>
           </a:p>
         </p:txBody>
       </p:sp>
@@ -11938,15 +11861,15 @@
           <p:nvPr/>
         </p:nvPicPr>
         <p:blipFill>
-          <a:blip r:embed="rId5"/>
+          <a:blip r:embed="rId7"/>
           <a:stretch>
             <a:fillRect/>
           </a:stretch>
         </p:blipFill>
         <p:spPr>
           <a:xfrm>
-            <a:off x="4854575" y="4825365"/>
-            <a:ext cx="3527425" cy="1158240"/>
+            <a:off x="4803140" y="4816143"/>
+            <a:ext cx="3482975" cy="1143645"/>
           </a:xfrm>
           <a:prstGeom prst="rect">
             <a:avLst/>
@@ -11962,14 +11885,14 @@
           <p:nvPr/>
         </p:nvPicPr>
         <p:blipFill>
-          <a:blip r:embed="rId6"/>
+          <a:blip r:embed="rId8"/>
           <a:stretch>
             <a:fillRect/>
           </a:stretch>
         </p:blipFill>
         <p:spPr>
           <a:xfrm>
-            <a:off x="4899025" y="5815965"/>
+            <a:off x="4815840" y="5815965"/>
             <a:ext cx="3430905" cy="1042035"/>
           </a:xfrm>
           <a:prstGeom prst="rect">
@@ -11997,6 +11920,7 @@
           <a:bodyPr wrap="square" rtlCol="0">
             <a:noAutofit/>
           </a:bodyPr>
+          <a:lstStyle/>
           <a:p>
             <a:r>
               <a:rPr lang="en-US" altLang="zh-CN" dirty="0">
@@ -12012,21 +11936,8 @@
                 <a:ea typeface="宋体" panose="02010600030101010101" pitchFamily="2" charset="-122"/>
                 <a:cs typeface="Times New Roman" panose="02020603050405020304" pitchFamily="18" charset="0"/>
               </a:rPr>
-              <a:t>中的二进制分解给予了</a:t>
-            </a:r>
-            <a:r>
-              <a:rPr lang="zh-CN" altLang="en-US" dirty="0">
-                <a:latin typeface="Times New Roman" panose="02020603050405020304" pitchFamily="18" charset="0"/>
-                <a:ea typeface="宋体" panose="02010600030101010101" pitchFamily="2" charset="-122"/>
-                <a:cs typeface="Times New Roman" panose="02020603050405020304" pitchFamily="18" charset="0"/>
-              </a:rPr>
-              <a:t>灵感</a:t>
-            </a:r>
-            <a:endParaRPr lang="zh-CN" altLang="en-US" dirty="0">
-              <a:latin typeface="Times New Roman" panose="02020603050405020304" pitchFamily="18" charset="0"/>
-              <a:ea typeface="宋体" panose="02010600030101010101" pitchFamily="2" charset="-122"/>
-              <a:cs typeface="Times New Roman" panose="02020603050405020304" pitchFamily="18" charset="0"/>
-            </a:endParaRPr>
+              <a:t>中的二进制分解给予了灵感</a:t>
+            </a:r>
           </a:p>
         </p:txBody>
       </p:sp>
@@ -12039,7 +11950,7 @@
           <p:nvPr/>
         </p:nvPicPr>
         <p:blipFill>
-          <a:blip r:embed="rId7"/>
+          <a:blip r:embed="rId9"/>
           <a:stretch>
             <a:fillRect/>
           </a:stretch>
@@ -12054,8 +11965,8 @@
           </a:prstGeom>
         </p:spPr>
       </p:pic>
-      <mc:AlternateContent xmlns:mc="http://schemas.openxmlformats.org/markup-compatibility/2006">
-        <mc:Choice xmlns:a14="http://schemas.microsoft.com/office/drawing/2010/main" Requires="a14">
+      <mc:AlternateContent xmlns:mc="http://schemas.openxmlformats.org/markup-compatibility/2006" xmlns:a14="http://schemas.microsoft.com/office/drawing/2010/main">
+        <mc:Choice Requires="a14">
           <p:sp>
             <p:nvSpPr>
               <p:cNvPr id="15" name="文本框 14"/>
@@ -12076,6 +11987,7 @@
               <a:bodyPr wrap="square" rtlCol="0">
                 <a:noAutofit/>
               </a:bodyPr>
+              <a:lstStyle/>
               <a:p>
                 <a:r>
                   <a:rPr lang="zh-CN" altLang="en-US" dirty="0">
@@ -12083,23 +11995,11 @@
                     <a:ea typeface="宋体" panose="02010600030101010101" pitchFamily="2" charset="-122"/>
                     <a:cs typeface="Times New Roman" panose="02020603050405020304" pitchFamily="18" charset="0"/>
                   </a:rPr>
-                  <a:t>对矩阵的二次分解，可以控制矩阵元素的无限范数，同时将矩阵还原也是一个朴素的矩阵线性运算</a:t>
+                  <a:t>对矩阵的二进制分解，可以控制矩阵元素的无限范数，同时将矩阵还原也是一个朴素的矩阵线性运算过程。</a:t>
                 </a:r>
-                <a:r>
-                  <a:rPr lang="zh-CN" altLang="en-US" dirty="0">
-                    <a:latin typeface="Times New Roman" panose="02020603050405020304" pitchFamily="18" charset="0"/>
-                    <a:ea typeface="宋体" panose="02010600030101010101" pitchFamily="2" charset="-122"/>
-                    <a:cs typeface="Times New Roman" panose="02020603050405020304" pitchFamily="18" charset="0"/>
-                  </a:rPr>
-                  <a:t>过程。</a:t>
-                </a:r>
-                <a:endParaRPr lang="zh-CN" altLang="en-US" dirty="0">
-                  <a:latin typeface="Times New Roman" panose="02020603050405020304" pitchFamily="18" charset="0"/>
-                  <a:ea typeface="宋体" panose="02010600030101010101" pitchFamily="2" charset="-122"/>
-                  <a:cs typeface="Times New Roman" panose="02020603050405020304" pitchFamily="18" charset="0"/>
-                </a:endParaRPr>
               </a:p>
               <a:p>
+                <a:pPr/>
                 <a14:m>
                   <m:oMathPara xmlns:m="http://schemas.openxmlformats.org/officeDocument/2006/math">
                     <m:oMathParaPr>
@@ -12124,9 +12024,10 @@
                       </m:r>
                       <m:acc>
                         <m:accPr>
+                          <m:chr m:val="̂"/>
                           <m:ctrlPr>
                             <a:rPr lang="en-US" altLang="zh-CN" i="1" dirty="0">
-                              <a:latin typeface="Cambria Math" panose="02040503050406030204" charset="0"/>
+                              <a:latin typeface="Cambria Math" panose="02040503050406030204" pitchFamily="18" charset="0"/>
                               <a:ea typeface="宋体" panose="02010600030101010101" pitchFamily="2" charset="-122"/>
                               <a:cs typeface="Cambria Math" panose="02040503050406030204" charset="0"/>
                             </a:rPr>
@@ -12173,7 +12074,7 @@
                           <m:endChr m:val="]"/>
                           <m:ctrlPr>
                             <a:rPr lang="en-US" altLang="zh-CN" i="1" dirty="0">
-                              <a:latin typeface="Cambria Math" panose="02040503050406030204" charset="0"/>
+                              <a:latin typeface="Cambria Math" panose="02040503050406030204" pitchFamily="18" charset="0"/>
                               <a:ea typeface="宋体" panose="02010600030101010101" pitchFamily="2" charset="-122"/>
                               <a:cs typeface="Cambria Math" panose="02040503050406030204" charset="0"/>
                             </a:rPr>
@@ -12192,7 +12093,7 @@
                               </m:mcs>
                               <m:ctrlPr>
                                 <a:rPr lang="en-US" altLang="zh-CN" i="1" dirty="0">
-                                  <a:latin typeface="Cambria Math" panose="02040503050406030204" charset="0"/>
+                                  <a:latin typeface="Cambria Math" panose="02040503050406030204" pitchFamily="18" charset="0"/>
                                   <a:ea typeface="宋体" panose="02010600030101010101" pitchFamily="2" charset="-122"/>
                                   <a:cs typeface="Cambria Math" panose="02040503050406030204" charset="0"/>
                                 </a:rPr>
@@ -12202,9 +12103,10 @@
                               <m:e>
                                 <m:acc>
                                   <m:accPr>
+                                    <m:chr m:val="̂"/>
                                     <m:ctrlPr>
                                       <a:rPr lang="en-US" altLang="zh-CN" i="1" dirty="0">
-                                        <a:latin typeface="Cambria Math" panose="02040503050406030204" charset="0"/>
+                                        <a:latin typeface="Cambria Math" panose="02040503050406030204" pitchFamily="18" charset="0"/>
                                         <a:ea typeface="宋体" panose="02010600030101010101" pitchFamily="2" charset="-122"/>
                                         <a:cs typeface="Cambria Math" panose="02040503050406030204" charset="0"/>
                                       </a:rPr>
@@ -12215,7 +12117,7 @@
                                       <m:sSubPr>
                                         <m:ctrlPr>
                                           <a:rPr lang="en-US" altLang="zh-CN" i="1" dirty="0">
-                                            <a:latin typeface="Cambria Math" panose="02040503050406030204" charset="0"/>
+                                            <a:latin typeface="Cambria Math" panose="02040503050406030204" pitchFamily="18" charset="0"/>
                                             <a:ea typeface="宋体" panose="02010600030101010101" pitchFamily="2" charset="-122"/>
                                             <a:cs typeface="Cambria Math" panose="02040503050406030204" charset="0"/>
                                           </a:rPr>
@@ -12262,9 +12164,10 @@
                               <m:e>
                                 <m:acc>
                                   <m:accPr>
+                                    <m:chr m:val="̂"/>
                                     <m:ctrlPr>
                                       <a:rPr lang="en-US" altLang="zh-CN" i="1" dirty="0">
-                                        <a:latin typeface="Cambria Math" panose="02040503050406030204" charset="0"/>
+                                        <a:latin typeface="Cambria Math" panose="02040503050406030204" pitchFamily="18" charset="0"/>
                                         <a:ea typeface="宋体" panose="02010600030101010101" pitchFamily="2" charset="-122"/>
                                         <a:cs typeface="Cambria Math" panose="02040503050406030204" charset="0"/>
                                       </a:rPr>
@@ -12275,7 +12178,7 @@
                                       <m:sSubPr>
                                         <m:ctrlPr>
                                           <a:rPr lang="en-US" altLang="zh-CN" i="1" dirty="0">
-                                            <a:latin typeface="Cambria Math" panose="02040503050406030204" charset="0"/>
+                                            <a:latin typeface="Cambria Math" panose="02040503050406030204" pitchFamily="18" charset="0"/>
                                             <a:ea typeface="宋体" panose="02010600030101010101" pitchFamily="2" charset="-122"/>
                                             <a:cs typeface="Cambria Math" panose="02040503050406030204" charset="0"/>
                                           </a:rPr>
@@ -12353,7 +12256,7 @@
                             <a:solidFill>
                               <a:schemeClr val="tx1"/>
                             </a:solidFill>
-                            <a:latin typeface="Cambria Math" panose="02040503050406030204" charset="0"/>
+                            <a:latin typeface="Cambria Math" panose="02040503050406030204" pitchFamily="18" charset="0"/>
                             <a:ea typeface="宋体" panose="02010600030101010101" pitchFamily="2" charset="-122"/>
                             <a:cs typeface="Cambria Math" panose="02040503050406030204" charset="0"/>
                           </a:rPr>
@@ -12390,7 +12293,7 @@
                                 <a:solidFill>
                                   <a:schemeClr val="tx1"/>
                                 </a:solidFill>
-                                <a:latin typeface="Cambria Math" panose="02040503050406030204" charset="0"/>
+                                <a:latin typeface="Cambria Math" panose="02040503050406030204" pitchFamily="18" charset="0"/>
                                 <a:ea typeface="宋体" panose="02010600030101010101" pitchFamily="2" charset="-122"/>
                                 <a:cs typeface="Cambria Math" panose="02040503050406030204" charset="0"/>
                               </a:rPr>
@@ -12425,16 +12328,9 @@
                   </a:rPr>
                   <a:t>：</a:t>
                 </a:r>
-                <a:endParaRPr lang="zh-CN" altLang="en-US" dirty="0">
-                  <a:solidFill>
-                    <a:schemeClr val="tx1"/>
-                  </a:solidFill>
-                  <a:latin typeface="Cambria Math" panose="02040503050406030204" charset="0"/>
-                  <a:ea typeface="宋体" panose="02010600030101010101" pitchFamily="2" charset="-122"/>
-                  <a:cs typeface="Cambria Math" panose="02040503050406030204" charset="0"/>
-                </a:endParaRPr>
               </a:p>
               <a:p>
+                <a:pPr/>
                 <a14:m>
                   <m:oMathPara xmlns:m="http://schemas.openxmlformats.org/officeDocument/2006/math">
                     <m:oMathParaPr>
@@ -12515,7 +12411,7 @@
                               <a:solidFill>
                                 <a:schemeClr val="tx1"/>
                               </a:solidFill>
-                              <a:latin typeface="Cambria Math" panose="02040503050406030204" charset="0"/>
+                              <a:latin typeface="Cambria Math" panose="02040503050406030204" pitchFamily="18" charset="0"/>
                               <a:ea typeface="宋体" panose="02010600030101010101" pitchFamily="2" charset="-122"/>
                               <a:cs typeface="Cambria Math" panose="02040503050406030204" charset="0"/>
                             </a:rPr>
@@ -12554,7 +12450,7 @@
                               <a:solidFill>
                                 <a:schemeClr val="tx1"/>
                               </a:solidFill>
-                              <a:latin typeface="Cambria Math" panose="02040503050406030204" charset="0"/>
+                              <a:latin typeface="Cambria Math" panose="02040503050406030204" pitchFamily="18" charset="0"/>
                               <a:ea typeface="宋体" panose="02010600030101010101" pitchFamily="2" charset="-122"/>
                               <a:cs typeface="Cambria Math" panose="02040503050406030204" charset="0"/>
                             </a:rPr>
@@ -12658,9 +12554,10 @@
                   <m:oMath xmlns:m="http://schemas.openxmlformats.org/officeDocument/2006/math">
                     <m:acc>
                       <m:accPr>
+                        <m:chr m:val="̂"/>
                         <m:ctrlPr>
                           <a:rPr lang="en-US" altLang="zh-CN" i="1" dirty="0">
-                            <a:latin typeface="Cambria Math" panose="02040503050406030204" charset="0"/>
+                            <a:latin typeface="Cambria Math" panose="02040503050406030204" pitchFamily="18" charset="0"/>
                             <a:ea typeface="宋体" panose="02010600030101010101" pitchFamily="2" charset="-122"/>
                             <a:cs typeface="Cambria Math" panose="02040503050406030204" charset="0"/>
                           </a:rPr>
@@ -12705,7 +12602,7 @@
                       <m:sSupPr>
                         <m:ctrlPr>
                           <a:rPr lang="en-US" altLang="zh-CN" i="1" dirty="0">
-                            <a:latin typeface="Cambria Math" panose="02040503050406030204" charset="0"/>
+                            <a:latin typeface="Cambria Math" panose="02040503050406030204" pitchFamily="18" charset="0"/>
                             <a:ea typeface="宋体" panose="02010600030101010101" pitchFamily="2" charset="-122"/>
                             <a:cs typeface="Cambria Math" panose="02040503050406030204" charset="0"/>
                           </a:rPr>
@@ -12728,15 +12625,7 @@
                             <a:ea typeface="宋体" panose="02010600030101010101" pitchFamily="2" charset="-122"/>
                             <a:cs typeface="Cambria Math" panose="02040503050406030204" charset="0"/>
                           </a:rPr>
-                          <m:t>−</m:t>
-                        </m:r>
-                        <m:r>
-                          <a:rPr lang="en-US" altLang="zh-CN" i="1" dirty="0">
-                            <a:latin typeface="Cambria Math" panose="02040503050406030204" charset="0"/>
-                            <a:ea typeface="宋体" panose="02010600030101010101" pitchFamily="2" charset="-122"/>
-                            <a:cs typeface="Cambria Math" panose="02040503050406030204" charset="0"/>
-                          </a:rPr>
-                          <m:t>1</m:t>
+                          <m:t>−1</m:t>
                         </m:r>
                       </m:sup>
                     </m:sSup>
@@ -12770,7 +12659,7 @@
                             <a:solidFill>
                               <a:schemeClr val="tx1"/>
                             </a:solidFill>
-                            <a:latin typeface="Cambria Math" panose="02040503050406030204" charset="0"/>
+                            <a:latin typeface="Cambria Math" panose="02040503050406030204" pitchFamily="18" charset="0"/>
                             <a:ea typeface="宋体" panose="02010600030101010101" pitchFamily="2" charset="-122"/>
                             <a:cs typeface="Cambria Math" panose="02040503050406030204" charset="0"/>
                           </a:rPr>
@@ -12779,9 +12668,10 @@
                       <m:e>
                         <m:acc>
                           <m:accPr>
+                            <m:chr m:val="̂"/>
                             <m:ctrlPr>
                               <a:rPr lang="en-US" altLang="zh-CN" i="1" dirty="0">
-                                <a:latin typeface="Cambria Math" panose="02040503050406030204" charset="0"/>
+                                <a:latin typeface="Cambria Math" panose="02040503050406030204" pitchFamily="18" charset="0"/>
                                 <a:ea typeface="宋体" panose="02010600030101010101" pitchFamily="2" charset="-122"/>
                                 <a:cs typeface="Cambria Math" panose="02040503050406030204" charset="0"/>
                               </a:rPr>
@@ -12817,7 +12707,7 @@
                                 <a:solidFill>
                                   <a:schemeClr val="tx1"/>
                                 </a:solidFill>
-                                <a:latin typeface="Cambria Math" panose="02040503050406030204" charset="0"/>
+                                <a:latin typeface="Cambria Math" panose="02040503050406030204" pitchFamily="18" charset="0"/>
                                 <a:ea typeface="宋体" panose="02010600030101010101" pitchFamily="2" charset="-122"/>
                                 <a:cs typeface="Cambria Math" panose="02040503050406030204" charset="0"/>
                               </a:rPr>
@@ -12852,14 +12742,6 @@
                   </a:rPr>
                   <a:t>：</a:t>
                 </a:r>
-                <a:endParaRPr lang="zh-CN" altLang="en-US" dirty="0">
-                  <a:solidFill>
-                    <a:schemeClr val="tx1"/>
-                  </a:solidFill>
-                  <a:latin typeface="Cambria Math" panose="02040503050406030204" charset="0"/>
-                  <a:ea typeface="宋体" panose="02010600030101010101" pitchFamily="2" charset="-122"/>
-                  <a:cs typeface="Cambria Math" panose="02040503050406030204" charset="0"/>
-                </a:endParaRPr>
               </a:p>
               <a:p>
                 <a:pPr marL="0" lvl="0" indent="0">
@@ -12873,9 +12755,10 @@
                     <m:oMath xmlns:m="http://schemas.openxmlformats.org/officeDocument/2006/math">
                       <m:acc>
                         <m:accPr>
+                          <m:chr m:val="̂"/>
                           <m:ctrlPr>
                             <a:rPr lang="en-US" altLang="zh-CN" i="1" dirty="0">
-                              <a:latin typeface="Cambria Math" panose="02040503050406030204" charset="0"/>
+                              <a:latin typeface="Cambria Math" panose="02040503050406030204" pitchFamily="18" charset="0"/>
                               <a:ea typeface="宋体" panose="02010600030101010101" pitchFamily="2" charset="-122"/>
                               <a:cs typeface="Cambria Math" panose="02040503050406030204" charset="0"/>
                             </a:rPr>
@@ -12921,7 +12804,7 @@
                           <m:chr m:val="⃗"/>
                           <m:ctrlPr>
                             <a:rPr lang="en-US" altLang="zh-CN" i="1" dirty="0">
-                              <a:latin typeface="Cambria Math" panose="02040503050406030204" charset="0"/>
+                              <a:latin typeface="Cambria Math" panose="02040503050406030204" pitchFamily="18" charset="0"/>
                               <a:ea typeface="宋体" panose="02010600030101010101" pitchFamily="2" charset="-122"/>
                               <a:cs typeface="Cambria Math" panose="02040503050406030204" charset="0"/>
                               <a:sym typeface="+mn-ea"/>
@@ -12999,7 +12882,7 @@
                               <a:solidFill>
                                 <a:schemeClr val="tx1"/>
                               </a:solidFill>
-                              <a:latin typeface="Cambria Math" panose="02040503050406030204" charset="0"/>
+                              <a:latin typeface="Cambria Math" panose="02040503050406030204" pitchFamily="18" charset="0"/>
                               <a:ea typeface="宋体" panose="02010600030101010101" pitchFamily="2" charset="-122"/>
                               <a:cs typeface="Cambria Math" panose="02040503050406030204" charset="0"/>
                             </a:rPr>
@@ -13038,7 +12921,7 @@
                               <a:solidFill>
                                 <a:schemeClr val="tx1"/>
                               </a:solidFill>
-                              <a:latin typeface="Cambria Math" panose="02040503050406030204" charset="0"/>
+                              <a:latin typeface="Cambria Math" panose="02040503050406030204" pitchFamily="18" charset="0"/>
                               <a:ea typeface="宋体" panose="02010600030101010101" pitchFamily="2" charset="-122"/>
                               <a:cs typeface="Cambria Math" panose="02040503050406030204" charset="0"/>
                             </a:rPr>
@@ -13073,7 +12956,7 @@
             </p:txBody>
           </p:sp>
         </mc:Choice>
-        <mc:Fallback>
+        <mc:Fallback xmlns="">
           <p:sp>
             <p:nvSpPr>
               <p:cNvPr id="15" name="文本框 14"/>
@@ -13090,10 +12973,10 @@
               <a:prstGeom prst="rect">
                 <a:avLst/>
               </a:prstGeom>
-              <a:blipFill rotWithShape="1">
-                <a:blip r:embed="rId8"/>
+              <a:blipFill>
+                <a:blip r:embed="rId10"/>
                 <a:stretch>
-                  <a:fillRect/>
+                  <a:fillRect l="-1280" t="-1124" b="-7865"/>
                 </a:stretch>
               </a:blipFill>
             </p:spPr>
@@ -13121,14 +13004,14 @@
           <p:nvPr/>
         </p:nvPicPr>
         <p:blipFill>
-          <a:blip r:embed="rId9"/>
+          <a:blip r:embed="rId11"/>
           <a:stretch>
             <a:fillRect/>
           </a:stretch>
         </p:blipFill>
         <p:spPr>
           <a:xfrm>
-            <a:off x="8401685" y="5064125"/>
+            <a:off x="8395335" y="5380355"/>
             <a:ext cx="3789045" cy="1477645"/>
           </a:xfrm>
           <a:prstGeom prst="rect">
@@ -13168,13 +13051,6 @@
               </a:rPr>
               <a:t>12/17</a:t>
             </a:r>
-            <a:endParaRPr lang="en-US" altLang="zh-CN" dirty="0">
-              <a:solidFill>
-                <a:schemeClr val="bg1">
-                  <a:lumMod val="75000"/>
-                </a:schemeClr>
-              </a:solidFill>
-            </a:endParaRPr>
           </a:p>
         </p:txBody>
       </p:sp>
@@ -13212,7 +13088,7 @@
           <p:nvPr/>
         </p:nvPicPr>
         <p:blipFill>
-          <a:blip r:embed="rId1">
+          <a:blip r:embed="rId7">
             <a:extLst>
               <a:ext uri="{28A0092B-C50C-407E-A947-70E740481C1C}">
                 <a14:useLocalDpi xmlns:a14="http://schemas.microsoft.com/office/drawing/2010/main" val="0"/>
@@ -13253,6 +13129,7 @@
           <a:bodyPr wrap="square" rtlCol="0">
             <a:spAutoFit/>
           </a:bodyPr>
+          <a:lstStyle/>
           <a:p>
             <a:r>
               <a:rPr lang="en-US" altLang="zh-CN" b="1" dirty="0">
@@ -13275,7 +13152,7 @@
           <p:cNvSpPr/>
           <p:nvPr>
             <p:custDataLst>
-              <p:tags r:id="rId2"/>
+              <p:tags r:id="rId1"/>
             </p:custDataLst>
           </p:nvPr>
         </p:nvSpPr>
@@ -13319,6 +13196,7 @@
         </p:style>
         <p:txBody>
           <a:bodyPr rtlCol="0" anchor="ctr"/>
+          <a:lstStyle/>
           <a:p>
             <a:pPr algn="ctr"/>
             <a:endParaRPr lang="zh-CN" altLang="en-US"/>
@@ -13331,7 +13209,7 @@
           <p:cNvSpPr/>
           <p:nvPr>
             <p:custDataLst>
-              <p:tags r:id="rId3"/>
+              <p:tags r:id="rId2"/>
             </p:custDataLst>
           </p:nvPr>
         </p:nvSpPr>
@@ -13378,6 +13256,7 @@
         </p:style>
         <p:txBody>
           <a:bodyPr rtlCol="0" anchor="ctr"/>
+          <a:lstStyle/>
           <a:p>
             <a:pPr algn="ctr"/>
             <a:endParaRPr lang="zh-CN" altLang="en-US"/>
@@ -13387,6 +13266,53 @@
       <p:sp>
         <p:nvSpPr>
           <p:cNvPr id="4" name="文本框 3"/>
+          <p:cNvSpPr txBox="1"/>
+          <p:nvPr>
+            <p:custDataLst>
+              <p:tags r:id="rId3"/>
+            </p:custDataLst>
+          </p:nvPr>
+        </p:nvSpPr>
+        <p:spPr>
+          <a:xfrm>
+            <a:off x="1643380" y="1776095"/>
+            <a:ext cx="3437255" cy="368300"/>
+          </a:xfrm>
+          <a:prstGeom prst="rect">
+            <a:avLst/>
+          </a:prstGeom>
+          <a:noFill/>
+        </p:spPr>
+        <p:txBody>
+          <a:bodyPr wrap="square" rtlCol="0">
+            <a:spAutoFit/>
+          </a:bodyPr>
+          <a:lstStyle/>
+          <a:p>
+            <a:r>
+              <a:rPr lang="en-US" altLang="zh-CN" b="1" dirty="0">
+                <a:latin typeface="Times New Roman" panose="02020603050405020304" pitchFamily="18" charset="0"/>
+                <a:cs typeface="Times New Roman" panose="02020603050405020304" pitchFamily="18" charset="0"/>
+              </a:rPr>
+              <a:t>Identity-Based</a:t>
+            </a:r>
+            <a:r>
+              <a:rPr lang="zh-CN" altLang="en-US" b="1" dirty="0">
+                <a:latin typeface="Times New Roman" panose="02020603050405020304" pitchFamily="18" charset="0"/>
+                <a:cs typeface="Times New Roman" panose="02020603050405020304" pitchFamily="18" charset="0"/>
+              </a:rPr>
+              <a:t>（基于身份）</a:t>
+            </a:r>
+            <a:endParaRPr lang="en-US" altLang="zh-CN" b="1" dirty="0">
+              <a:latin typeface="Times New Roman" panose="02020603050405020304" pitchFamily="18" charset="0"/>
+              <a:cs typeface="Times New Roman" panose="02020603050405020304" pitchFamily="18" charset="0"/>
+            </a:endParaRPr>
+          </a:p>
+        </p:txBody>
+      </p:sp>
+      <p:sp>
+        <p:nvSpPr>
+          <p:cNvPr id="2" name="文本框 1"/>
           <p:cNvSpPr txBox="1"/>
           <p:nvPr>
             <p:custDataLst>
@@ -13396,7 +13322,7 @@
         </p:nvSpPr>
         <p:spPr>
           <a:xfrm>
-            <a:off x="1643380" y="1776095"/>
+            <a:off x="7617460" y="1776095"/>
             <a:ext cx="3437255" cy="368300"/>
           </a:xfrm>
           <a:prstGeom prst="rect">
@@ -13408,13 +13334,14 @@
           <a:bodyPr wrap="square" rtlCol="0">
             <a:spAutoFit/>
           </a:bodyPr>
+          <a:lstStyle/>
           <a:p>
             <a:r>
               <a:rPr lang="en-US" altLang="zh-CN" b="1" dirty="0">
                 <a:latin typeface="Times New Roman" panose="02020603050405020304" pitchFamily="18" charset="0"/>
                 <a:cs typeface="Times New Roman" panose="02020603050405020304" pitchFamily="18" charset="0"/>
               </a:rPr>
-              <a:t>Identity-Based</a:t>
+              <a:t>Attribute-Based </a:t>
             </a:r>
             <a:r>
               <a:rPr lang="zh-CN" altLang="en-US" b="1" dirty="0">
@@ -13427,8 +13354,16 @@
               <a:rPr lang="zh-CN" altLang="en-US" b="1" dirty="0">
                 <a:latin typeface="Times New Roman" panose="02020603050405020304" pitchFamily="18" charset="0"/>
                 <a:cs typeface="Times New Roman" panose="02020603050405020304" pitchFamily="18" charset="0"/>
-              </a:rPr>
-              <a:t>基于身份）</a:t>
+                <a:sym typeface="+mn-ea"/>
+              </a:rPr>
+              <a:t>基于属性</a:t>
+            </a:r>
+            <a:r>
+              <a:rPr lang="zh-CN" altLang="en-US" b="1" dirty="0">
+                <a:latin typeface="Times New Roman" panose="02020603050405020304" pitchFamily="18" charset="0"/>
+                <a:cs typeface="Times New Roman" panose="02020603050405020304" pitchFamily="18" charset="0"/>
+              </a:rPr>
+              <a:t>）</a:t>
             </a:r>
             <a:endParaRPr lang="en-US" altLang="zh-CN" b="1" dirty="0">
               <a:latin typeface="Times New Roman" panose="02020603050405020304" pitchFamily="18" charset="0"/>
@@ -13439,67 +13374,6 @@
       </p:sp>
       <p:sp>
         <p:nvSpPr>
-          <p:cNvPr id="2" name="文本框 1"/>
-          <p:cNvSpPr txBox="1"/>
-          <p:nvPr>
-            <p:custDataLst>
-              <p:tags r:id="rId5"/>
-            </p:custDataLst>
-          </p:nvPr>
-        </p:nvSpPr>
-        <p:spPr>
-          <a:xfrm>
-            <a:off x="7617460" y="1776095"/>
-            <a:ext cx="3437255" cy="368300"/>
-          </a:xfrm>
-          <a:prstGeom prst="rect">
-            <a:avLst/>
-          </a:prstGeom>
-          <a:noFill/>
-        </p:spPr>
-        <p:txBody>
-          <a:bodyPr wrap="square" rtlCol="0">
-            <a:spAutoFit/>
-          </a:bodyPr>
-          <a:p>
-            <a:r>
-              <a:rPr lang="en-US" altLang="zh-CN" b="1" dirty="0">
-                <a:latin typeface="Times New Roman" panose="02020603050405020304" pitchFamily="18" charset="0"/>
-                <a:cs typeface="Times New Roman" panose="02020603050405020304" pitchFamily="18" charset="0"/>
-              </a:rPr>
-              <a:t>Attribute-Based </a:t>
-            </a:r>
-            <a:r>
-              <a:rPr lang="zh-CN" altLang="en-US" b="1" dirty="0">
-                <a:latin typeface="Times New Roman" panose="02020603050405020304" pitchFamily="18" charset="0"/>
-                <a:cs typeface="Times New Roman" panose="02020603050405020304" pitchFamily="18" charset="0"/>
-              </a:rPr>
-              <a:t>（</a:t>
-            </a:r>
-            <a:r>
-              <a:rPr lang="zh-CN" altLang="en-US" b="1" dirty="0">
-                <a:latin typeface="Times New Roman" panose="02020603050405020304" pitchFamily="18" charset="0"/>
-                <a:cs typeface="Times New Roman" panose="02020603050405020304" pitchFamily="18" charset="0"/>
-                <a:sym typeface="+mn-ea"/>
-              </a:rPr>
-              <a:t>基于属性</a:t>
-            </a:r>
-            <a:r>
-              <a:rPr lang="zh-CN" altLang="en-US" b="1" dirty="0">
-                <a:latin typeface="Times New Roman" panose="02020603050405020304" pitchFamily="18" charset="0"/>
-                <a:cs typeface="Times New Roman" panose="02020603050405020304" pitchFamily="18" charset="0"/>
-              </a:rPr>
-              <a:t>）</a:t>
-            </a:r>
-            <a:endParaRPr lang="en-US" altLang="zh-CN" b="1" dirty="0">
-              <a:latin typeface="Times New Roman" panose="02020603050405020304" pitchFamily="18" charset="0"/>
-              <a:cs typeface="Times New Roman" panose="02020603050405020304" pitchFamily="18" charset="0"/>
-            </a:endParaRPr>
-          </a:p>
-        </p:txBody>
-      </p:sp>
-      <p:sp>
-        <p:nvSpPr>
           <p:cNvPr id="6" name="文本框 5"/>
           <p:cNvSpPr txBox="1"/>
           <p:nvPr/>
@@ -13518,6 +13392,7 @@
           <a:bodyPr wrap="square" rtlCol="0">
             <a:noAutofit/>
           </a:bodyPr>
+          <a:lstStyle/>
           <a:p>
             <a:r>
               <a:rPr lang="zh-CN" altLang="en-US">
@@ -13559,11 +13434,6 @@
               </a:rPr>
               <a:t>）的特性，旨在提供更灵活的加密数据访问控制以及对加密数据进行计算的能力。</a:t>
             </a:r>
-            <a:endParaRPr lang="zh-CN" altLang="en-US">
-              <a:latin typeface="宋体" panose="02010600030101010101" pitchFamily="2" charset="-122"/>
-              <a:ea typeface="宋体" panose="02010600030101010101" pitchFamily="2" charset="-122"/>
-              <a:cs typeface="宋体" panose="02010600030101010101" pitchFamily="2" charset="-122"/>
-            </a:endParaRPr>
           </a:p>
           <a:p>
             <a:r>
@@ -13582,11 +13452,6 @@
               </a:rPr>
               <a:t>方案：</a:t>
             </a:r>
-            <a:endParaRPr lang="zh-CN" altLang="en-US">
-              <a:latin typeface="宋体" panose="02010600030101010101" pitchFamily="2" charset="-122"/>
-              <a:ea typeface="宋体" panose="02010600030101010101" pitchFamily="2" charset="-122"/>
-              <a:cs typeface="宋体" panose="02010600030101010101" pitchFamily="2" charset="-122"/>
-            </a:endParaRPr>
           </a:p>
           <a:p>
             <a:pPr indent="457200"/>
@@ -13614,11 +13479,6 @@
               </a:rPr>
               <a:t>(MSK,MPK)</a:t>
             </a:r>
-            <a:endParaRPr lang="en-US" altLang="zh-CN">
-              <a:latin typeface="Times New Roman" panose="02020603050405020304" pitchFamily="18" charset="0"/>
-              <a:ea typeface="宋体" panose="02010600030101010101" pitchFamily="2" charset="-122"/>
-              <a:cs typeface="Times New Roman" panose="02020603050405020304" pitchFamily="18" charset="0"/>
-            </a:endParaRPr>
           </a:p>
           <a:p>
             <a:pPr indent="457200"/>
@@ -13662,11 +13522,6 @@
               </a:rPr>
               <a:t>sk_ID</a:t>
             </a:r>
-            <a:endParaRPr lang="en-US" altLang="zh-CN">
-              <a:latin typeface="Times New Roman" panose="02020603050405020304" pitchFamily="18" charset="0"/>
-              <a:ea typeface="宋体" panose="02010600030101010101" pitchFamily="2" charset="-122"/>
-              <a:cs typeface="Times New Roman" panose="02020603050405020304" pitchFamily="18" charset="0"/>
-            </a:endParaRPr>
           </a:p>
         </p:txBody>
       </p:sp>
@@ -13702,18 +13557,11 @@
               </a:rPr>
               <a:t>13/17</a:t>
             </a:r>
-            <a:endParaRPr lang="en-US" altLang="zh-CN" dirty="0">
-              <a:solidFill>
-                <a:schemeClr val="bg1">
-                  <a:lumMod val="75000"/>
-                </a:schemeClr>
-              </a:solidFill>
-            </a:endParaRPr>
-          </a:p>
-        </p:txBody>
-      </p:sp>
-      <mc:AlternateContent xmlns:mc="http://schemas.openxmlformats.org/markup-compatibility/2006">
-        <mc:Choice xmlns:a14="http://schemas.microsoft.com/office/drawing/2010/main" Requires="a14">
+          </a:p>
+        </p:txBody>
+      </p:sp>
+      <mc:AlternateContent xmlns:mc="http://schemas.openxmlformats.org/markup-compatibility/2006" xmlns:a14="http://schemas.microsoft.com/office/drawing/2010/main">
+        <mc:Choice Requires="a14">
           <p:sp>
             <p:nvSpPr>
               <p:cNvPr id="8" name="文本框 7"/>
@@ -13734,6 +13582,7 @@
               <a:bodyPr wrap="square" rtlCol="0">
                 <a:noAutofit/>
               </a:bodyPr>
+              <a:lstStyle/>
               <a:p>
                 <a:r>
                   <a:rPr lang="en-US" altLang="zh-CN">
@@ -13763,16 +13612,11 @@
                   </a:rPr>
                   <a:t>IBFHE</a:t>
                 </a:r>
-                <a:endParaRPr lang="en-US" altLang="zh-CN">
-                  <a:latin typeface="Times New Roman" panose="02020603050405020304" pitchFamily="18" charset="0"/>
-                  <a:ea typeface="宋体" panose="02010600030101010101" pitchFamily="2" charset="-122"/>
-                  <a:cs typeface="Times New Roman" panose="02020603050405020304" pitchFamily="18" charset="0"/>
-                </a:endParaRPr>
               </a:p>
             </p:txBody>
           </p:sp>
         </mc:Choice>
-        <mc:Fallback>
+        <mc:Fallback xmlns="">
           <p:sp>
             <p:nvSpPr>
               <p:cNvPr id="8" name="文本框 7"/>
@@ -13790,7 +13634,7 @@
                 <a:avLst/>
               </a:prstGeom>
               <a:blipFill rotWithShape="1">
-                <a:blip r:embed="rId6"/>
+                <a:blip r:embed="rId8"/>
                 <a:stretch>
                   <a:fillRect/>
                 </a:stretch>
@@ -13820,7 +13664,7 @@
           <p:nvPr/>
         </p:nvPicPr>
         <p:blipFill>
-          <a:blip r:embed="rId7"/>
+          <a:blip r:embed="rId9"/>
           <a:stretch>
             <a:fillRect/>
           </a:stretch>
@@ -13855,6 +13699,7 @@
           <a:bodyPr wrap="square" rtlCol="0">
             <a:spAutoFit/>
           </a:bodyPr>
+          <a:lstStyle/>
           <a:p>
             <a:r>
               <a:rPr lang="zh-CN" altLang="en-US">
@@ -13908,6 +13753,7 @@
           <a:bodyPr wrap="square" rtlCol="0">
             <a:spAutoFit/>
           </a:bodyPr>
+          <a:lstStyle/>
           <a:p>
             <a:r>
               <a:rPr lang="en-US" altLang="zh-CN">
@@ -14046,6 +13892,7 @@
           <a:bodyPr wrap="square" rtlCol="0">
             <a:spAutoFit/>
           </a:bodyPr>
+          <a:lstStyle/>
           <a:p>
             <a:r>
               <a:rPr lang="en-US" altLang="zh-CN" sz="1400">
@@ -14068,13 +13915,6 @@
               </a:rPr>
               <a:t>10</a:t>
             </a:r>
-            <a:endParaRPr lang="en-US" altLang="zh-CN" sz="1400">
-              <a:solidFill>
-                <a:srgbClr val="FF0000"/>
-              </a:solidFill>
-              <a:latin typeface="宋体" panose="02010600030101010101" pitchFamily="2" charset="-122"/>
-              <a:ea typeface="宋体" panose="02010600030101010101" pitchFamily="2" charset="-122"/>
-            </a:endParaRPr>
           </a:p>
         </p:txBody>
       </p:sp>
@@ -14098,100 +13938,80 @@
           <a:bodyPr wrap="square" rtlCol="0">
             <a:spAutoFit/>
           </a:bodyPr>
-          <a:p>
-            <a:r>
-              <a:rPr lang="zh-CN" altLang="en-US">
+          <a:lstStyle/>
+          <a:p>
+            <a:r>
+              <a:rPr lang="zh-CN" altLang="en-US" dirty="0">
                 <a:latin typeface="宋体" panose="02010600030101010101" pitchFamily="2" charset="-122"/>
                 <a:ea typeface="宋体" panose="02010600030101010101" pitchFamily="2" charset="-122"/>
                 <a:cs typeface="宋体" panose="02010600030101010101" pitchFamily="2" charset="-122"/>
               </a:rPr>
-              <a:t>通过重新</a:t>
-            </a:r>
-            <a:r>
-              <a:rPr lang="zh-CN" altLang="en-US">
+              <a:t>通过重新描述 </a:t>
+            </a:r>
+            <a:r>
+              <a:rPr lang="zh-CN" altLang="en-US" dirty="0">
+                <a:latin typeface="Times New Roman" panose="02020603050405020304" pitchFamily="18" charset="0"/>
+                <a:ea typeface="宋体" panose="02010600030101010101" pitchFamily="2" charset="-122"/>
+                <a:cs typeface="Times New Roman" panose="02020603050405020304" pitchFamily="18" charset="0"/>
+              </a:rPr>
+              <a:t>Gorbunov</a:t>
+            </a:r>
+            <a:r>
+              <a:rPr lang="zh-CN" altLang="en-US" dirty="0">
                 <a:latin typeface="宋体" panose="02010600030101010101" pitchFamily="2" charset="-122"/>
                 <a:ea typeface="宋体" panose="02010600030101010101" pitchFamily="2" charset="-122"/>
                 <a:cs typeface="宋体" panose="02010600030101010101" pitchFamily="2" charset="-122"/>
               </a:rPr>
-              <a:t>描述 </a:t>
-            </a:r>
-            <a:r>
-              <a:rPr lang="zh-CN" altLang="en-US">
+              <a:t> 等人</a:t>
+            </a:r>
+            <a:r>
+              <a:rPr lang="zh-CN" altLang="en-US" dirty="0">
                 <a:latin typeface="Times New Roman" panose="02020603050405020304" pitchFamily="18" charset="0"/>
                 <a:ea typeface="宋体" panose="02010600030101010101" pitchFamily="2" charset="-122"/>
                 <a:cs typeface="Times New Roman" panose="02020603050405020304" pitchFamily="18" charset="0"/>
               </a:rPr>
-              <a:t>Gorbunov</a:t>
-            </a:r>
-            <a:r>
-              <a:rPr lang="zh-CN" altLang="en-US">
+              <a:t>（GVW）ABE </a:t>
+            </a:r>
+            <a:r>
+              <a:rPr lang="zh-CN" altLang="en-US" dirty="0">
                 <a:latin typeface="宋体" panose="02010600030101010101" pitchFamily="2" charset="-122"/>
                 <a:ea typeface="宋体" panose="02010600030101010101" pitchFamily="2" charset="-122"/>
                 <a:cs typeface="宋体" panose="02010600030101010101" pitchFamily="2" charset="-122"/>
               </a:rPr>
-              <a:t> 等人</a:t>
-            </a:r>
-            <a:r>
-              <a:rPr lang="zh-CN" altLang="en-US">
+              <a:t>方案中的解密过程，应用类似于基于身份的</a:t>
+            </a:r>
+            <a:r>
+              <a:rPr lang="zh-CN" altLang="en-US" dirty="0">
                 <a:latin typeface="Times New Roman" panose="02020603050405020304" pitchFamily="18" charset="0"/>
                 <a:ea typeface="宋体" panose="02010600030101010101" pitchFamily="2" charset="-122"/>
                 <a:cs typeface="Times New Roman" panose="02020603050405020304" pitchFamily="18" charset="0"/>
               </a:rPr>
-              <a:t>（GVW）ABE </a:t>
-            </a:r>
-            <a:r>
-              <a:rPr lang="zh-CN" altLang="en-US">
+              <a:t> FHE </a:t>
+            </a:r>
+            <a:r>
+              <a:rPr lang="zh-CN" altLang="en-US" dirty="0">
                 <a:latin typeface="宋体" panose="02010600030101010101" pitchFamily="2" charset="-122"/>
                 <a:ea typeface="宋体" panose="02010600030101010101" pitchFamily="2" charset="-122"/>
                 <a:cs typeface="宋体" panose="02010600030101010101" pitchFamily="2" charset="-122"/>
               </a:rPr>
-              <a:t>方案中的解密过程，应用类似于基于身份的</a:t>
-            </a:r>
-            <a:r>
-              <a:rPr lang="zh-CN" altLang="en-US">
+              <a:t>方案中的方法来构建</a:t>
+            </a:r>
+            <a:r>
+              <a:rPr lang="zh-CN" altLang="en-US" dirty="0">
                 <a:latin typeface="Times New Roman" panose="02020603050405020304" pitchFamily="18" charset="0"/>
                 <a:ea typeface="宋体" panose="02010600030101010101" pitchFamily="2" charset="-122"/>
                 <a:cs typeface="Times New Roman" panose="02020603050405020304" pitchFamily="18" charset="0"/>
               </a:rPr>
-              <a:t> FHE </a:t>
-            </a:r>
-            <a:r>
-              <a:rPr lang="zh-CN" altLang="en-US">
+              <a:t> ABFHE </a:t>
+            </a:r>
+            <a:r>
+              <a:rPr lang="zh-CN" altLang="en-US" dirty="0">
                 <a:latin typeface="宋体" panose="02010600030101010101" pitchFamily="2" charset="-122"/>
                 <a:ea typeface="宋体" panose="02010600030101010101" pitchFamily="2" charset="-122"/>
                 <a:cs typeface="宋体" panose="02010600030101010101" pitchFamily="2" charset="-122"/>
               </a:rPr>
-              <a:t>方案中的</a:t>
-            </a:r>
-            <a:r>
-              <a:rPr lang="zh-CN" altLang="en-US">
-                <a:latin typeface="宋体" panose="02010600030101010101" pitchFamily="2" charset="-122"/>
-                <a:ea typeface="宋体" panose="02010600030101010101" pitchFamily="2" charset="-122"/>
-                <a:cs typeface="宋体" panose="02010600030101010101" pitchFamily="2" charset="-122"/>
-              </a:rPr>
-              <a:t>方法来构建</a:t>
-            </a:r>
-            <a:r>
-              <a:rPr lang="zh-CN" altLang="en-US">
-                <a:latin typeface="Times New Roman" panose="02020603050405020304" pitchFamily="18" charset="0"/>
-                <a:ea typeface="宋体" panose="02010600030101010101" pitchFamily="2" charset="-122"/>
-                <a:cs typeface="Times New Roman" panose="02020603050405020304" pitchFamily="18" charset="0"/>
-              </a:rPr>
-              <a:t> ABFHE </a:t>
-            </a:r>
-            <a:r>
-              <a:rPr lang="zh-CN" altLang="en-US">
-                <a:latin typeface="宋体" panose="02010600030101010101" pitchFamily="2" charset="-122"/>
-                <a:ea typeface="宋体" panose="02010600030101010101" pitchFamily="2" charset="-122"/>
-                <a:cs typeface="宋体" panose="02010600030101010101" pitchFamily="2" charset="-122"/>
-              </a:rPr>
               <a:t>方案。</a:t>
             </a:r>
-            <a:endParaRPr lang="zh-CN" altLang="en-US">
-              <a:latin typeface="宋体" panose="02010600030101010101" pitchFamily="2" charset="-122"/>
-              <a:ea typeface="宋体" panose="02010600030101010101" pitchFamily="2" charset="-122"/>
-              <a:cs typeface="宋体" panose="02010600030101010101" pitchFamily="2" charset="-122"/>
-            </a:endParaRPr>
           </a:p>
         </p:txBody>
       </p:sp>
@@ -14215,9 +14035,10 @@
           <a:bodyPr wrap="square" rtlCol="0">
             <a:spAutoFit/>
           </a:bodyPr>
-          <a:p>
-            <a:r>
-              <a:rPr lang="en-US" altLang="zh-CN" sz="1400">
+          <a:lstStyle/>
+          <a:p>
+            <a:r>
+              <a:rPr lang="en-US" altLang="zh-CN" sz="1400" dirty="0">
                 <a:solidFill>
                   <a:srgbClr val="FF0000"/>
                 </a:solidFill>
@@ -14225,10 +14046,10 @@
                 <a:ea typeface="宋体" panose="02010600030101010101" pitchFamily="2" charset="-122"/>
                 <a:cs typeface="Times New Roman" panose="02020603050405020304" pitchFamily="18" charset="0"/>
               </a:rPr>
-              <a:t>CHKP</a:t>
-            </a:r>
-            <a:r>
-              <a:rPr lang="en-US" altLang="zh-CN" sz="1400">
+              <a:t>GVW</a:t>
+            </a:r>
+            <a:r>
+              <a:rPr lang="en-US" altLang="zh-CN" sz="1400" dirty="0">
                 <a:solidFill>
                   <a:srgbClr val="FF0000"/>
                 </a:solidFill>
@@ -14237,13 +14058,6 @@
               </a:rPr>
               <a:t>13</a:t>
             </a:r>
-            <a:endParaRPr lang="en-US" altLang="zh-CN" sz="1400">
-              <a:solidFill>
-                <a:srgbClr val="FF0000"/>
-              </a:solidFill>
-              <a:latin typeface="宋体" panose="02010600030101010101" pitchFamily="2" charset="-122"/>
-              <a:ea typeface="宋体" panose="02010600030101010101" pitchFamily="2" charset="-122"/>
-            </a:endParaRPr>
           </a:p>
         </p:txBody>
       </p:sp>
@@ -14256,14 +14070,14 @@
           <p:nvPr/>
         </p:nvPicPr>
         <p:blipFill>
-          <a:blip r:embed="rId8"/>
+          <a:blip r:embed="rId10"/>
           <a:stretch>
             <a:fillRect/>
           </a:stretch>
         </p:blipFill>
         <p:spPr>
           <a:xfrm>
-            <a:off x="8677275" y="4609465"/>
+            <a:off x="8532495" y="4600926"/>
             <a:ext cx="2687320" cy="2170430"/>
           </a:xfrm>
           <a:prstGeom prst="rect">
@@ -14343,6 +14157,7 @@
         </p:style>
         <p:txBody>
           <a:bodyPr rtlCol="0" anchor="ctr"/>
+          <a:lstStyle/>
           <a:p>
             <a:pPr algn="ctr"/>
             <a:endParaRPr lang="zh-CN" altLang="en-US"/>
@@ -14358,7 +14173,7 @@
           <p:nvPr/>
         </p:nvPicPr>
         <p:blipFill>
-          <a:blip r:embed="rId1">
+          <a:blip r:embed="rId5">
             <a:extLst>
               <a:ext uri="{28A0092B-C50C-407E-A947-70E740481C1C}">
                 <a14:useLocalDpi xmlns:a14="http://schemas.microsoft.com/office/drawing/2010/main" val="0"/>
@@ -14399,25 +14214,15 @@
           <a:bodyPr wrap="square" rtlCol="0">
             <a:spAutoFit/>
           </a:bodyPr>
+          <a:lstStyle/>
           <a:p>
             <a:r>
               <a:rPr lang="zh-CN" altLang="en-US" b="1" dirty="0">
                 <a:latin typeface="Times New Roman" panose="02020603050405020304" pitchFamily="18" charset="0"/>
                 <a:cs typeface="Times New Roman" panose="02020603050405020304" pitchFamily="18" charset="0"/>
               </a:rPr>
-              <a:t>研究</a:t>
-            </a:r>
-            <a:r>
-              <a:rPr lang="zh-CN" altLang="en-US" b="1" dirty="0">
-                <a:latin typeface="Times New Roman" panose="02020603050405020304" pitchFamily="18" charset="0"/>
-                <a:cs typeface="Times New Roman" panose="02020603050405020304" pitchFamily="18" charset="0"/>
-              </a:rPr>
-              <a:t>现状</a:t>
-            </a:r>
-            <a:endParaRPr lang="zh-CN" altLang="en-US" b="1" dirty="0">
-              <a:latin typeface="Times New Roman" panose="02020603050405020304" pitchFamily="18" charset="0"/>
-              <a:cs typeface="Times New Roman" panose="02020603050405020304" pitchFamily="18" charset="0"/>
-            </a:endParaRPr>
+              <a:t>研究现状</a:t>
+            </a:r>
           </a:p>
         </p:txBody>
       </p:sp>
@@ -14453,13 +14258,6 @@
               </a:rPr>
               <a:t>14/17</a:t>
             </a:r>
-            <a:endParaRPr lang="en-US" altLang="zh-CN" dirty="0">
-              <a:solidFill>
-                <a:schemeClr val="bg1">
-                  <a:lumMod val="75000"/>
-                </a:schemeClr>
-              </a:solidFill>
-            </a:endParaRPr>
           </a:p>
         </p:txBody>
       </p:sp>
@@ -14469,7 +14267,7 @@
           <p:cNvSpPr txBox="1"/>
           <p:nvPr>
             <p:custDataLst>
-              <p:tags r:id="rId2"/>
+              <p:tags r:id="rId1"/>
             </p:custDataLst>
           </p:nvPr>
         </p:nvSpPr>
@@ -14487,6 +14285,7 @@
           <a:bodyPr wrap="square" rtlCol="0">
             <a:spAutoFit/>
           </a:bodyPr>
+          <a:lstStyle/>
           <a:p>
             <a:pPr algn="ctr"/>
             <a:r>
@@ -14496,10 +14295,6 @@
               </a:rPr>
               <a:t>BGV</a:t>
             </a:r>
-            <a:endParaRPr lang="en-US" altLang="zh-CN" b="1" dirty="0">
-              <a:latin typeface="Times New Roman" panose="02020603050405020304" pitchFamily="18" charset="0"/>
-              <a:cs typeface="Times New Roman" panose="02020603050405020304" pitchFamily="18" charset="0"/>
-            </a:endParaRPr>
           </a:p>
         </p:txBody>
       </p:sp>
@@ -14560,7 +14355,7 @@
           <p:cNvSpPr txBox="1"/>
           <p:nvPr>
             <p:custDataLst>
-              <p:tags r:id="rId3"/>
+              <p:tags r:id="rId2"/>
             </p:custDataLst>
           </p:nvPr>
         </p:nvSpPr>
@@ -14578,6 +14373,7 @@
           <a:bodyPr wrap="square" rtlCol="0">
             <a:spAutoFit/>
           </a:bodyPr>
+          <a:lstStyle/>
           <a:p>
             <a:pPr algn="ctr"/>
             <a:r>
@@ -14587,10 +14383,6 @@
               </a:rPr>
               <a:t>GSW</a:t>
             </a:r>
-            <a:endParaRPr lang="en-US" altLang="zh-CN" b="1" dirty="0">
-              <a:latin typeface="Times New Roman" panose="02020603050405020304" pitchFamily="18" charset="0"/>
-              <a:cs typeface="Times New Roman" panose="02020603050405020304" pitchFamily="18" charset="0"/>
-            </a:endParaRPr>
           </a:p>
         </p:txBody>
       </p:sp>
@@ -14614,6 +14406,7 @@
           <a:bodyPr wrap="square" rtlCol="0">
             <a:spAutoFit/>
           </a:bodyPr>
+          <a:lstStyle/>
           <a:p>
             <a:r>
               <a:rPr lang="zh-CN" altLang="en-US">
@@ -14714,6 +14507,8 @@
               </a:rPr>
               <a:t>)结构。</a:t>
             </a:r>
+          </a:p>
+          <a:p>
             <a:endParaRPr lang="zh-CN" altLang="en-US">
               <a:solidFill>
                 <a:schemeClr val="bg1"/>
@@ -14724,16 +14519,6 @@
             </a:endParaRPr>
           </a:p>
           <a:p>
-            <a:endParaRPr lang="zh-CN" altLang="en-US">
-              <a:solidFill>
-                <a:schemeClr val="bg1"/>
-              </a:solidFill>
-              <a:latin typeface="宋体" panose="02010600030101010101" pitchFamily="2" charset="-122"/>
-              <a:ea typeface="宋体" panose="02010600030101010101" pitchFamily="2" charset="-122"/>
-              <a:cs typeface="宋体" panose="02010600030101010101" pitchFamily="2" charset="-122"/>
-            </a:endParaRPr>
-          </a:p>
-          <a:p>
             <a:r>
               <a:rPr lang="zh-CN" altLang="en-US">
                 <a:solidFill>
@@ -14800,14 +14585,6 @@
               </a:rPr>
               <a:t>两个经典全同态加密方案做出了进一步优化</a:t>
             </a:r>
-            <a:endParaRPr lang="zh-CN" altLang="en-US">
-              <a:solidFill>
-                <a:schemeClr val="bg1"/>
-              </a:solidFill>
-              <a:latin typeface="宋体" panose="02010600030101010101" pitchFamily="2" charset="-122"/>
-              <a:ea typeface="宋体" panose="02010600030101010101" pitchFamily="2" charset="-122"/>
-              <a:cs typeface="宋体" panose="02010600030101010101" pitchFamily="2" charset="-122"/>
-            </a:endParaRPr>
           </a:p>
         </p:txBody>
       </p:sp>
@@ -14820,7 +14597,7 @@
           <p:nvPr/>
         </p:nvPicPr>
         <p:blipFill>
-          <a:blip r:embed="rId4"/>
+          <a:blip r:embed="rId6"/>
           <a:stretch>
             <a:fillRect/>
           </a:stretch>
@@ -14855,6 +14632,7 @@
           <a:bodyPr wrap="square" rtlCol="0">
             <a:noAutofit/>
           </a:bodyPr>
+          <a:lstStyle/>
           <a:p>
             <a:r>
               <a:rPr lang="zh-CN" altLang="en-US">
@@ -14922,14 +14700,6 @@
               </a:rPr>
               <a:t>方案的单比特快速自举算法。</a:t>
             </a:r>
-            <a:endParaRPr lang="zh-CN" altLang="en-US">
-              <a:solidFill>
-                <a:schemeClr val="bg1"/>
-              </a:solidFill>
-              <a:latin typeface="宋体" panose="02010600030101010101" pitchFamily="2" charset="-122"/>
-              <a:ea typeface="宋体" panose="02010600030101010101" pitchFamily="2" charset="-122"/>
-              <a:cs typeface="宋体" panose="02010600030101010101" pitchFamily="2" charset="-122"/>
-            </a:endParaRPr>
           </a:p>
           <a:p>
             <a:r>
@@ -15029,8 +14799,10 @@
                 <a:ea typeface="宋体" panose="02010600030101010101" pitchFamily="2" charset="-122"/>
                 <a:cs typeface="宋体" panose="02010600030101010101" pitchFamily="2" charset="-122"/>
               </a:rPr>
-              <a:t>的基础上使用递归的计算方法，有效降低了</a:t>
-            </a:r>
+              <a:t>的基础上使用递归的计算方法，有效降低了时间复杂度。</a:t>
+            </a:r>
+          </a:p>
+          <a:p>
             <a:r>
               <a:rPr lang="zh-CN" altLang="en-US">
                 <a:solidFill>
@@ -15040,18 +14812,19 @@
                 <a:ea typeface="宋体" panose="02010600030101010101" pitchFamily="2" charset="-122"/>
                 <a:cs typeface="宋体" panose="02010600030101010101" pitchFamily="2" charset="-122"/>
               </a:rPr>
-              <a:t>时间复杂度。</a:t>
-            </a:r>
-            <a:endParaRPr lang="zh-CN" altLang="en-US">
-              <a:solidFill>
-                <a:schemeClr val="bg1"/>
-              </a:solidFill>
-              <a:latin typeface="宋体" panose="02010600030101010101" pitchFamily="2" charset="-122"/>
-              <a:ea typeface="宋体" panose="02010600030101010101" pitchFamily="2" charset="-122"/>
-              <a:cs typeface="宋体" panose="02010600030101010101" pitchFamily="2" charset="-122"/>
-            </a:endParaRPr>
-          </a:p>
-          <a:p>
+              <a:t>2023年</a:t>
+            </a:r>
+            <a:r>
+              <a:rPr lang="zh-CN" altLang="en-US">
+                <a:solidFill>
+                  <a:schemeClr val="bg1"/>
+                </a:solidFill>
+                <a:latin typeface="Times New Roman" panose="02020603050405020304" pitchFamily="18" charset="0"/>
+                <a:ea typeface="宋体" panose="02010600030101010101" pitchFamily="2" charset="-122"/>
+                <a:cs typeface="Times New Roman" panose="02020603050405020304" pitchFamily="18" charset="0"/>
+              </a:rPr>
+              <a:t>Liu Feng-Hao</a:t>
+            </a:r>
             <a:r>
               <a:rPr lang="zh-CN" altLang="en-US">
                 <a:solidFill>
@@ -15061,7 +14834,7 @@
                 <a:ea typeface="宋体" panose="02010600030101010101" pitchFamily="2" charset="-122"/>
                 <a:cs typeface="宋体" panose="02010600030101010101" pitchFamily="2" charset="-122"/>
               </a:rPr>
-              <a:t>2023年</a:t>
+              <a:t>和</a:t>
             </a:r>
             <a:r>
               <a:rPr lang="zh-CN" altLang="en-US">
@@ -15072,7 +14845,7 @@
                 <a:ea typeface="宋体" panose="02010600030101010101" pitchFamily="2" charset="-122"/>
                 <a:cs typeface="Times New Roman" panose="02020603050405020304" pitchFamily="18" charset="0"/>
               </a:rPr>
-              <a:t>Liu Feng-Hao</a:t>
+              <a:t>Wang Han</a:t>
             </a:r>
             <a:r>
               <a:rPr lang="zh-CN" altLang="en-US">
@@ -15083,7 +14856,7 @@
                 <a:ea typeface="宋体" panose="02010600030101010101" pitchFamily="2" charset="-122"/>
                 <a:cs typeface="宋体" panose="02010600030101010101" pitchFamily="2" charset="-122"/>
               </a:rPr>
-              <a:t>和</a:t>
+              <a:t>在</a:t>
             </a:r>
             <a:r>
               <a:rPr lang="zh-CN" altLang="en-US">
@@ -15094,7 +14867,7 @@
                 <a:ea typeface="宋体" panose="02010600030101010101" pitchFamily="2" charset="-122"/>
                 <a:cs typeface="Times New Roman" panose="02020603050405020304" pitchFamily="18" charset="0"/>
               </a:rPr>
-              <a:t>Wang Han</a:t>
+              <a:t>MS</a:t>
             </a:r>
             <a:r>
               <a:rPr lang="zh-CN" altLang="en-US">
@@ -15105,7 +14878,7 @@
                 <a:ea typeface="宋体" panose="02010600030101010101" pitchFamily="2" charset="-122"/>
                 <a:cs typeface="宋体" panose="02010600030101010101" pitchFamily="2" charset="-122"/>
               </a:rPr>
-              <a:t>在</a:t>
+              <a:t>18方案打包算法的基础上，引入了适用</a:t>
             </a:r>
             <a:r>
               <a:rPr lang="zh-CN" altLang="en-US">
@@ -15116,7 +14889,7 @@
                 <a:ea typeface="宋体" panose="02010600030101010101" pitchFamily="2" charset="-122"/>
                 <a:cs typeface="Times New Roman" panose="02020603050405020304" pitchFamily="18" charset="0"/>
               </a:rPr>
-              <a:t>MS</a:t>
+              <a:t>FHEW</a:t>
             </a:r>
             <a:r>
               <a:rPr lang="zh-CN" altLang="en-US">
@@ -15127,7 +14900,7 @@
                 <a:ea typeface="宋体" panose="02010600030101010101" pitchFamily="2" charset="-122"/>
                 <a:cs typeface="宋体" panose="02010600030101010101" pitchFamily="2" charset="-122"/>
               </a:rPr>
-              <a:t>18方案打包算法的基础上，引入了适用</a:t>
+              <a:t>的</a:t>
             </a:r>
             <a:r>
               <a:rPr lang="zh-CN" altLang="en-US">
@@ -15138,7 +14911,7 @@
                 <a:ea typeface="宋体" panose="02010600030101010101" pitchFamily="2" charset="-122"/>
                 <a:cs typeface="Times New Roman" panose="02020603050405020304" pitchFamily="18" charset="0"/>
               </a:rPr>
-              <a:t>FHEW</a:t>
+              <a:t>SIMD</a:t>
             </a:r>
             <a:r>
               <a:rPr lang="zh-CN" altLang="en-US">
@@ -15149,7 +14922,20 @@
                 <a:ea typeface="宋体" panose="02010600030101010101" pitchFamily="2" charset="-122"/>
                 <a:cs typeface="宋体" panose="02010600030101010101" pitchFamily="2" charset="-122"/>
               </a:rPr>
-              <a:t>的</a:t>
+              <a:t>算法，进一步优化了计算复杂度。</a:t>
+            </a:r>
+          </a:p>
+          <a:p>
+            <a:r>
+              <a:rPr lang="zh-CN" altLang="en-US">
+                <a:solidFill>
+                  <a:schemeClr val="bg1"/>
+                </a:solidFill>
+                <a:latin typeface="宋体" panose="02010600030101010101" pitchFamily="2" charset="-122"/>
+                <a:ea typeface="宋体" panose="02010600030101010101" pitchFamily="2" charset="-122"/>
+                <a:cs typeface="宋体" panose="02010600030101010101" pitchFamily="2" charset="-122"/>
+              </a:rPr>
+              <a:t>素数幂明文环的设置，盲旋转算法中</a:t>
             </a:r>
             <a:r>
               <a:rPr lang="zh-CN" altLang="en-US">
@@ -15160,7 +14946,7 @@
                 <a:ea typeface="宋体" panose="02010600030101010101" pitchFamily="2" charset="-122"/>
                 <a:cs typeface="Times New Roman" panose="02020603050405020304" pitchFamily="18" charset="0"/>
               </a:rPr>
-              <a:t>SIMD</a:t>
+              <a:t>test</a:t>
             </a:r>
             <a:r>
               <a:rPr lang="zh-CN" altLang="en-US">
@@ -15171,8 +14957,10 @@
                 <a:ea typeface="宋体" panose="02010600030101010101" pitchFamily="2" charset="-122"/>
                 <a:cs typeface="宋体" panose="02010600030101010101" pitchFamily="2" charset="-122"/>
               </a:rPr>
-              <a:t>算法，进一步优化了</a:t>
-            </a:r>
+              <a:t>向量</a:t>
+            </a:r>
+          </a:p>
+          <a:p>
             <a:r>
               <a:rPr lang="zh-CN" altLang="en-US">
                 <a:solidFill>
@@ -15182,91 +14970,8 @@
                 <a:ea typeface="宋体" panose="02010600030101010101" pitchFamily="2" charset="-122"/>
                 <a:cs typeface="宋体" panose="02010600030101010101" pitchFamily="2" charset="-122"/>
               </a:rPr>
-              <a:t>计算复杂度。</a:t>
-            </a:r>
-            <a:endParaRPr lang="zh-CN" altLang="en-US">
-              <a:solidFill>
-                <a:schemeClr val="bg1"/>
-              </a:solidFill>
-              <a:latin typeface="宋体" panose="02010600030101010101" pitchFamily="2" charset="-122"/>
-              <a:ea typeface="宋体" panose="02010600030101010101" pitchFamily="2" charset="-122"/>
-              <a:cs typeface="宋体" panose="02010600030101010101" pitchFamily="2" charset="-122"/>
-            </a:endParaRPr>
-          </a:p>
-          <a:p>
-            <a:r>
-              <a:rPr lang="zh-CN" altLang="en-US">
-                <a:solidFill>
-                  <a:schemeClr val="bg1"/>
-                </a:solidFill>
-                <a:latin typeface="宋体" panose="02010600030101010101" pitchFamily="2" charset="-122"/>
-                <a:ea typeface="宋体" panose="02010600030101010101" pitchFamily="2" charset="-122"/>
-                <a:cs typeface="宋体" panose="02010600030101010101" pitchFamily="2" charset="-122"/>
-              </a:rPr>
-              <a:t>素数幂明文环的设置，盲旋转算法中</a:t>
-            </a:r>
-            <a:r>
-              <a:rPr lang="zh-CN" altLang="en-US">
-                <a:solidFill>
-                  <a:schemeClr val="bg1"/>
-                </a:solidFill>
-                <a:latin typeface="Times New Roman" panose="02020603050405020304" pitchFamily="18" charset="0"/>
-                <a:ea typeface="宋体" panose="02010600030101010101" pitchFamily="2" charset="-122"/>
-                <a:cs typeface="Times New Roman" panose="02020603050405020304" pitchFamily="18" charset="0"/>
-              </a:rPr>
-              <a:t>test</a:t>
-            </a:r>
-            <a:r>
-              <a:rPr lang="zh-CN" altLang="en-US">
-                <a:solidFill>
-                  <a:schemeClr val="bg1"/>
-                </a:solidFill>
-                <a:latin typeface="宋体" panose="02010600030101010101" pitchFamily="2" charset="-122"/>
-                <a:ea typeface="宋体" panose="02010600030101010101" pitchFamily="2" charset="-122"/>
-                <a:cs typeface="宋体" panose="02010600030101010101" pitchFamily="2" charset="-122"/>
-              </a:rPr>
-              <a:t>向量</a:t>
-            </a:r>
-            <a:endParaRPr lang="zh-CN" altLang="en-US">
-              <a:solidFill>
-                <a:schemeClr val="bg1"/>
-              </a:solidFill>
-              <a:latin typeface="宋体" panose="02010600030101010101" pitchFamily="2" charset="-122"/>
-              <a:ea typeface="宋体" panose="02010600030101010101" pitchFamily="2" charset="-122"/>
-              <a:cs typeface="宋体" panose="02010600030101010101" pitchFamily="2" charset="-122"/>
-            </a:endParaRPr>
-          </a:p>
-          <a:p>
-            <a:r>
-              <a:rPr lang="zh-CN" altLang="en-US">
-                <a:solidFill>
-                  <a:schemeClr val="bg1"/>
-                </a:solidFill>
-                <a:latin typeface="宋体" panose="02010600030101010101" pitchFamily="2" charset="-122"/>
-                <a:ea typeface="宋体" panose="02010600030101010101" pitchFamily="2" charset="-122"/>
-                <a:cs typeface="宋体" panose="02010600030101010101" pitchFamily="2" charset="-122"/>
-              </a:rPr>
-              <a:t>的构造等实例化参数选择仍是</a:t>
-            </a:r>
-            <a:r>
-              <a:rPr lang="zh-CN" altLang="en-US">
-                <a:solidFill>
-                  <a:schemeClr val="bg1"/>
-                </a:solidFill>
-                <a:latin typeface="宋体" panose="02010600030101010101" pitchFamily="2" charset="-122"/>
-                <a:ea typeface="宋体" panose="02010600030101010101" pitchFamily="2" charset="-122"/>
-                <a:cs typeface="宋体" panose="02010600030101010101" pitchFamily="2" charset="-122"/>
-              </a:rPr>
-              <a:t>研究瓶颈。</a:t>
-            </a:r>
-            <a:endParaRPr lang="zh-CN" altLang="en-US">
-              <a:solidFill>
-                <a:schemeClr val="bg1"/>
-              </a:solidFill>
-              <a:latin typeface="宋体" panose="02010600030101010101" pitchFamily="2" charset="-122"/>
-              <a:ea typeface="宋体" panose="02010600030101010101" pitchFamily="2" charset="-122"/>
-              <a:cs typeface="宋体" panose="02010600030101010101" pitchFamily="2" charset="-122"/>
-            </a:endParaRPr>
+              <a:t>的构造等实例化参数选择仍是研究瓶颈。</a:t>
+            </a:r>
           </a:p>
         </p:txBody>
       </p:sp>
@@ -15304,7 +15009,7 @@
           <p:nvPr/>
         </p:nvPicPr>
         <p:blipFill>
-          <a:blip r:embed="rId1">
+          <a:blip r:embed="rId3">
             <a:extLst>
               <a:ext uri="{28A0092B-C50C-407E-A947-70E740481C1C}">
                 <a14:useLocalDpi xmlns:a14="http://schemas.microsoft.com/office/drawing/2010/main" val="0"/>
@@ -15345,25 +15050,15 @@
           <a:bodyPr wrap="square" rtlCol="0">
             <a:spAutoFit/>
           </a:bodyPr>
+          <a:lstStyle/>
           <a:p>
             <a:r>
               <a:rPr lang="zh-CN" altLang="en-US" b="1" dirty="0">
                 <a:latin typeface="Times New Roman" panose="02020603050405020304" pitchFamily="18" charset="0"/>
                 <a:cs typeface="Times New Roman" panose="02020603050405020304" pitchFamily="18" charset="0"/>
               </a:rPr>
-              <a:t>研究</a:t>
-            </a:r>
-            <a:r>
-              <a:rPr lang="zh-CN" altLang="en-US" b="1" dirty="0">
-                <a:latin typeface="Times New Roman" panose="02020603050405020304" pitchFamily="18" charset="0"/>
-                <a:cs typeface="Times New Roman" panose="02020603050405020304" pitchFamily="18" charset="0"/>
-              </a:rPr>
-              <a:t>前景</a:t>
-            </a:r>
-            <a:endParaRPr lang="zh-CN" altLang="en-US" b="1" dirty="0">
-              <a:latin typeface="Times New Roman" panose="02020603050405020304" pitchFamily="18" charset="0"/>
-              <a:cs typeface="Times New Roman" panose="02020603050405020304" pitchFamily="18" charset="0"/>
-            </a:endParaRPr>
+              <a:t>研究前景</a:t>
+            </a:r>
           </a:p>
         </p:txBody>
       </p:sp>
@@ -15399,13 +15094,6 @@
               </a:rPr>
               <a:t>15/17</a:t>
             </a:r>
-            <a:endParaRPr lang="en-US" altLang="zh-CN" dirty="0">
-              <a:solidFill>
-                <a:schemeClr val="bg1">
-                  <a:lumMod val="75000"/>
-                </a:schemeClr>
-              </a:solidFill>
-            </a:endParaRPr>
           </a:p>
         </p:txBody>
       </p:sp>
@@ -15418,7 +15106,7 @@
           <p:nvPr/>
         </p:nvPicPr>
         <p:blipFill>
-          <a:blip r:embed="rId2"/>
+          <a:blip r:embed="rId4"/>
           <a:srcRect t="2056"/>
           <a:stretch>
             <a:fillRect/>
@@ -15442,8 +15130,8 @@
         </p:nvSpPr>
         <p:spPr>
           <a:xfrm>
-            <a:off x="5293995" y="5765165"/>
-            <a:ext cx="962025" cy="213995"/>
+            <a:off x="5262464" y="5746343"/>
+            <a:ext cx="1043743" cy="215444"/>
           </a:xfrm>
           <a:prstGeom prst="rect">
             <a:avLst/>
@@ -15454,34 +15142,18 @@
           <a:bodyPr wrap="square" rtlCol="0">
             <a:spAutoFit/>
           </a:bodyPr>
-          <a:p>
-            <a:r>
-              <a:rPr lang="zh-CN" altLang="en-US" sz="800" b="1">
+          <a:lstStyle/>
+          <a:p>
+            <a:r>
+              <a:rPr lang="zh-CN" altLang="en-US" sz="800" b="1" dirty="0">
                 <a:solidFill>
                   <a:schemeClr val="tx1"/>
                 </a:solidFill>
                 <a:latin typeface="宋体" panose="02010600030101010101" pitchFamily="2" charset="-122"/>
                 <a:ea typeface="宋体" panose="02010600030101010101" pitchFamily="2" charset="-122"/>
               </a:rPr>
-              <a:t>同态加密</a:t>
-            </a:r>
-            <a:r>
-              <a:rPr lang="zh-CN" altLang="en-US" sz="800" b="1">
-                <a:solidFill>
-                  <a:schemeClr val="tx1"/>
-                </a:solidFill>
-                <a:latin typeface="宋体" panose="02010600030101010101" pitchFamily="2" charset="-122"/>
-                <a:ea typeface="宋体" panose="02010600030101010101" pitchFamily="2" charset="-122"/>
-              </a:rPr>
-              <a:t>实现库</a:t>
-            </a:r>
-            <a:endParaRPr lang="zh-CN" altLang="en-US" sz="800" b="1">
-              <a:solidFill>
-                <a:schemeClr val="tx1"/>
-              </a:solidFill>
-              <a:latin typeface="宋体" panose="02010600030101010101" pitchFamily="2" charset="-122"/>
-              <a:ea typeface="宋体" panose="02010600030101010101" pitchFamily="2" charset="-122"/>
-            </a:endParaRPr>
+              <a:t>全同态加密实现库</a:t>
+            </a:r>
           </a:p>
         </p:txBody>
       </p:sp>
@@ -15519,7 +15191,7 @@
           <p:nvPr/>
         </p:nvPicPr>
         <p:blipFill>
-          <a:blip r:embed="rId1">
+          <a:blip r:embed="rId3">
             <a:extLst>
               <a:ext uri="{28A0092B-C50C-407E-A947-70E740481C1C}">
                 <a14:useLocalDpi xmlns:a14="http://schemas.microsoft.com/office/drawing/2010/main" val="0"/>
@@ -15560,6 +15232,7 @@
           <a:bodyPr wrap="square" rtlCol="0">
             <a:spAutoFit/>
           </a:bodyPr>
+          <a:lstStyle/>
           <a:p>
             <a:r>
               <a:rPr lang="zh-CN" altLang="en-US" b="1" dirty="0">
@@ -15568,10 +15241,6 @@
               </a:rPr>
               <a:t>应用前景</a:t>
             </a:r>
-            <a:endParaRPr lang="zh-CN" altLang="en-US" b="1" dirty="0">
-              <a:latin typeface="Times New Roman" panose="02020603050405020304" pitchFamily="18" charset="0"/>
-              <a:cs typeface="Times New Roman" panose="02020603050405020304" pitchFamily="18" charset="0"/>
-            </a:endParaRPr>
           </a:p>
         </p:txBody>
       </p:sp>
@@ -15607,13 +15276,6 @@
               </a:rPr>
               <a:t>16/17</a:t>
             </a:r>
-            <a:endParaRPr lang="en-US" altLang="zh-CN" dirty="0">
-              <a:solidFill>
-                <a:schemeClr val="bg1">
-                  <a:lumMod val="75000"/>
-                </a:schemeClr>
-              </a:solidFill>
-            </a:endParaRPr>
           </a:p>
         </p:txBody>
       </p:sp>
@@ -15626,7 +15288,7 @@
           <p:nvPr/>
         </p:nvPicPr>
         <p:blipFill>
-          <a:blip r:embed="rId2"/>
+          <a:blip r:embed="rId4"/>
           <a:stretch>
             <a:fillRect/>
           </a:stretch>
@@ -15683,6 +15345,7 @@
         </p:style>
         <p:txBody>
           <a:bodyPr rtlCol="0" anchor="ctr"/>
+          <a:lstStyle/>
           <a:p>
             <a:pPr algn="ctr"/>
             <a:r>
@@ -15693,7 +15356,6 @@
               <a:rPr lang="en-US" altLang="zh-CN" b="1" dirty="0"/>
               <a:t>(PSI)</a:t>
             </a:r>
-            <a:endParaRPr lang="en-US" altLang="zh-CN" b="1" dirty="0"/>
           </a:p>
         </p:txBody>
       </p:sp>
@@ -15706,7 +15368,7 @@
           <p:nvPr/>
         </p:nvPicPr>
         <p:blipFill>
-          <a:blip r:embed="rId3"/>
+          <a:blip r:embed="rId5"/>
           <a:stretch>
             <a:fillRect/>
           </a:stretch>
@@ -15763,6 +15425,7 @@
         </p:style>
         <p:txBody>
           <a:bodyPr rtlCol="0" anchor="ctr"/>
+          <a:lstStyle/>
           <a:p>
             <a:pPr algn="ctr"/>
             <a:r>
@@ -15773,7 +15436,6 @@
               <a:rPr lang="en-US" altLang="zh-CN" b="1" dirty="0"/>
               <a:t>(MPC)</a:t>
             </a:r>
-            <a:endParaRPr lang="en-US" altLang="zh-CN" b="1" dirty="0"/>
           </a:p>
         </p:txBody>
       </p:sp>
@@ -15786,7 +15448,7 @@
           <p:nvPr/>
         </p:nvPicPr>
         <p:blipFill>
-          <a:blip r:embed="rId4"/>
+          <a:blip r:embed="rId6"/>
           <a:stretch>
             <a:fillRect/>
           </a:stretch>
@@ -15840,6 +15502,7 @@
         </p:style>
         <p:txBody>
           <a:bodyPr rtlCol="0" anchor="ctr"/>
+          <a:lstStyle/>
           <a:p>
             <a:pPr algn="ctr"/>
             <a:r>
@@ -15850,7 +15513,6 @@
               <a:rPr lang="en-US" altLang="zh-CN" b="1" dirty="0"/>
               <a:t>( FHEML)</a:t>
             </a:r>
-            <a:endParaRPr lang="en-US" altLang="zh-CN" b="1" dirty="0"/>
           </a:p>
         </p:txBody>
       </p:sp>
@@ -15888,7 +15550,7 @@
           <p:nvPr/>
         </p:nvPicPr>
         <p:blipFill>
-          <a:blip r:embed="rId1">
+          <a:blip r:embed="rId3">
             <a:extLst>
               <a:ext uri="{28A0092B-C50C-407E-A947-70E740481C1C}">
                 <a14:useLocalDpi xmlns:a14="http://schemas.microsoft.com/office/drawing/2010/main" val="0"/>
@@ -15929,6 +15591,7 @@
           <a:bodyPr wrap="square" rtlCol="0">
             <a:spAutoFit/>
           </a:bodyPr>
+          <a:lstStyle/>
           <a:p>
             <a:r>
               <a:rPr lang="zh-CN" altLang="en-US" b="1" dirty="0">
@@ -15953,7 +15616,7 @@
           <p:nvPr/>
         </p:nvPicPr>
         <p:blipFill>
-          <a:blip r:embed="rId2"/>
+          <a:blip r:embed="rId4"/>
           <a:stretch>
             <a:fillRect/>
           </a:stretch>
@@ -15991,6 +15654,7 @@
           <a:bodyPr wrap="none" rtlCol="0" anchor="t">
             <a:spAutoFit/>
           </a:bodyPr>
+          <a:lstStyle/>
           <a:p>
             <a:pPr algn="ctr"/>
             <a:r>
@@ -16014,24 +15678,6 @@
               </a:rPr>
               <a:t>1.</a:t>
             </a:r>
-            <a:endParaRPr lang="en-US" altLang="zh-CN" sz="4400" b="1">
-              <a:ln w="9525">
-                <a:solidFill>
-                  <a:schemeClr val="bg1"/>
-                </a:solidFill>
-                <a:prstDash val="solid"/>
-              </a:ln>
-              <a:solidFill>
-                <a:schemeClr val="tx1"/>
-              </a:solidFill>
-              <a:effectLst>
-                <a:outerShdw blurRad="12700" dist="38100" dir="2700000" algn="tl" rotWithShape="0">
-                  <a:schemeClr val="bg1">
-                    <a:lumMod val="50000"/>
-                  </a:schemeClr>
-                </a:outerShdw>
-              </a:effectLst>
-            </a:endParaRPr>
           </a:p>
         </p:txBody>
       </p:sp>
@@ -16058,6 +15704,7 @@
           <a:bodyPr wrap="none" rtlCol="0" anchor="t">
             <a:spAutoFit/>
           </a:bodyPr>
+          <a:lstStyle/>
           <a:p>
             <a:pPr algn="ctr"/>
             <a:r>
@@ -16081,24 +15728,6 @@
               </a:rPr>
               <a:t>2.</a:t>
             </a:r>
-            <a:endParaRPr lang="en-US" altLang="zh-CN" sz="4400" b="1">
-              <a:ln w="9525">
-                <a:solidFill>
-                  <a:schemeClr val="bg1"/>
-                </a:solidFill>
-                <a:prstDash val="solid"/>
-              </a:ln>
-              <a:solidFill>
-                <a:schemeClr val="tx1"/>
-              </a:solidFill>
-              <a:effectLst>
-                <a:outerShdw blurRad="12700" dist="38100" dir="2700000" algn="tl" rotWithShape="0">
-                  <a:schemeClr val="bg1">
-                    <a:lumMod val="50000"/>
-                  </a:schemeClr>
-                </a:outerShdw>
-              </a:effectLst>
-            </a:endParaRPr>
           </a:p>
         </p:txBody>
       </p:sp>
@@ -16122,12 +15751,12 @@
           <a:bodyPr wrap="square" rtlCol="0">
             <a:spAutoFit/>
           </a:bodyPr>
+          <a:lstStyle/>
           <a:p>
             <a:r>
               <a:rPr lang="zh-CN" altLang="en-US" sz="2400"/>
               <a:t>戴怡然,张江,向斌武,等.全同态加密技术的研究现状及发展路线综述[J].电子与信息学报,2024,46(05):1774-1789.</a:t>
             </a:r>
-            <a:endParaRPr lang="zh-CN" altLang="en-US" sz="2400"/>
           </a:p>
         </p:txBody>
       </p:sp>
@@ -16154,6 +15783,7 @@
           <a:bodyPr wrap="none" rtlCol="0" anchor="t">
             <a:spAutoFit/>
           </a:bodyPr>
+          <a:lstStyle/>
           <a:p>
             <a:pPr algn="ctr"/>
             <a:r>
@@ -16177,24 +15807,6 @@
               </a:rPr>
               <a:t>3.</a:t>
             </a:r>
-            <a:endParaRPr lang="en-US" altLang="zh-CN" sz="4400" b="1">
-              <a:ln w="9525">
-                <a:solidFill>
-                  <a:schemeClr val="bg1"/>
-                </a:solidFill>
-                <a:prstDash val="solid"/>
-              </a:ln>
-              <a:solidFill>
-                <a:schemeClr val="tx1"/>
-              </a:solidFill>
-              <a:effectLst>
-                <a:outerShdw blurRad="12700" dist="38100" dir="2700000" algn="tl" rotWithShape="0">
-                  <a:schemeClr val="bg1">
-                    <a:lumMod val="50000"/>
-                  </a:schemeClr>
-                </a:outerShdw>
-              </a:effectLst>
-            </a:endParaRPr>
           </a:p>
         </p:txBody>
       </p:sp>
@@ -16218,10 +15830,11 @@
           <a:bodyPr wrap="square" rtlCol="0">
             <a:spAutoFit/>
           </a:bodyPr>
+          <a:lstStyle/>
           <a:p>
             <a:r>
               <a:rPr lang="zh-CN" altLang="en-US" sz="2400">
-                <a:hlinkClick r:id="rId3" action="ppaction://hlinkfile"/>
+                <a:hlinkClick r:id="rId5" action="ppaction://hlinkfile"/>
               </a:rPr>
               <a:t>https://www.zhihu.com/people/steven-yue-72</a:t>
             </a:r>
@@ -16238,7 +15851,7 @@
           <p:nvPr/>
         </p:nvPicPr>
         <p:blipFill>
-          <a:blip r:embed="rId4"/>
+          <a:blip r:embed="rId6"/>
           <a:stretch>
             <a:fillRect/>
           </a:stretch>
@@ -16276,6 +15889,7 @@
           <a:bodyPr wrap="none" rtlCol="0" anchor="t">
             <a:spAutoFit/>
           </a:bodyPr>
+          <a:lstStyle/>
           <a:p>
             <a:pPr algn="ctr"/>
             <a:r>
@@ -16299,24 +15913,6 @@
               </a:rPr>
               <a:t>4.</a:t>
             </a:r>
-            <a:endParaRPr lang="en-US" altLang="zh-CN" sz="4400" b="1">
-              <a:ln w="9525">
-                <a:solidFill>
-                  <a:schemeClr val="bg1"/>
-                </a:solidFill>
-                <a:prstDash val="solid"/>
-              </a:ln>
-              <a:solidFill>
-                <a:schemeClr val="tx1"/>
-              </a:solidFill>
-              <a:effectLst>
-                <a:outerShdw blurRad="12700" dist="38100" dir="2700000" algn="tl" rotWithShape="0">
-                  <a:schemeClr val="bg1">
-                    <a:lumMod val="50000"/>
-                  </a:schemeClr>
-                </a:outerShdw>
-              </a:effectLst>
-            </a:endParaRPr>
           </a:p>
         </p:txBody>
       </p:sp>
@@ -16340,10 +15936,11 @@
           <a:bodyPr wrap="square" rtlCol="0">
             <a:spAutoFit/>
           </a:bodyPr>
+          <a:lstStyle/>
           <a:p>
             <a:r>
               <a:rPr lang="zh-CN" altLang="en-US" sz="2400">
-                <a:hlinkClick r:id="rId3" action="ppaction://hlinkfile"/>
+                <a:hlinkClick r:id="rId5" action="ppaction://hlinkfile"/>
               </a:rPr>
               <a:t>https://www.zhihu.com/people/an-quan-xiao-qi</a:t>
             </a:r>
@@ -16360,7 +15957,7 @@
           <p:nvPr/>
         </p:nvPicPr>
         <p:blipFill>
-          <a:blip r:embed="rId5"/>
+          <a:blip r:embed="rId7"/>
           <a:stretch>
             <a:fillRect/>
           </a:stretch>
@@ -16398,6 +15995,7 @@
           <a:bodyPr wrap="none" rtlCol="0" anchor="t">
             <a:noAutofit/>
           </a:bodyPr>
+          <a:lstStyle/>
           <a:p>
             <a:pPr algn="ctr"/>
             <a:r>
@@ -16418,21 +16016,6 @@
               </a:rPr>
               <a:t>世界上最好的学习软件！</a:t>
             </a:r>
-            <a:endParaRPr lang="zh-CN" altLang="en-US" sz="2800" b="1">
-              <a:ln w="22225">
-                <a:solidFill>
-                  <a:schemeClr val="accent2"/>
-                </a:solidFill>
-                <a:prstDash val="solid"/>
-              </a:ln>
-              <a:solidFill>
-                <a:schemeClr val="accent2">
-                  <a:lumMod val="40000"/>
-                  <a:lumOff val="60000"/>
-                </a:schemeClr>
-              </a:solidFill>
-              <a:effectLst/>
-            </a:endParaRPr>
           </a:p>
         </p:txBody>
       </p:sp>
@@ -16468,13 +16051,6 @@
               </a:rPr>
               <a:t>17/17</a:t>
             </a:r>
-            <a:endParaRPr lang="en-US" altLang="zh-CN" dirty="0">
-              <a:solidFill>
-                <a:schemeClr val="bg1">
-                  <a:lumMod val="75000"/>
-                </a:schemeClr>
-              </a:solidFill>
-            </a:endParaRPr>
           </a:p>
         </p:txBody>
       </p:sp>
@@ -16512,7 +16088,7 @@
           <p:nvPr/>
         </p:nvPicPr>
         <p:blipFill>
-          <a:blip r:embed="rId1">
+          <a:blip r:embed="rId3">
             <a:extLst>
               <a:ext uri="{28A0092B-C50C-407E-A947-70E740481C1C}">
                 <a14:useLocalDpi xmlns:a14="http://schemas.microsoft.com/office/drawing/2010/main" val="0"/>
@@ -16553,6 +16129,7 @@
           <a:bodyPr wrap="square" rtlCol="0">
             <a:spAutoFit/>
           </a:bodyPr>
+          <a:lstStyle/>
           <a:p>
             <a:endParaRPr lang="zh-CN" altLang="en-US" b="1" dirty="0">
               <a:latin typeface="Times New Roman" panose="02020603050405020304" pitchFamily="18" charset="0"/>
@@ -16581,13 +16158,13 @@
           <a:bodyPr wrap="square" rtlCol="0">
             <a:noAutofit/>
           </a:bodyPr>
+          <a:lstStyle/>
           <a:p>
             <a:pPr algn="ctr"/>
             <a:r>
               <a:rPr lang="zh-CN" altLang="en-US" sz="6000" b="1" dirty="0"/>
               <a:t>谢谢！</a:t>
             </a:r>
-            <a:endParaRPr lang="zh-CN" altLang="en-US" sz="6000" b="1" dirty="0"/>
           </a:p>
         </p:txBody>
       </p:sp>
@@ -16625,7 +16202,7 @@
           <p:nvPr/>
         </p:nvPicPr>
         <p:blipFill>
-          <a:blip r:embed="rId1">
+          <a:blip r:embed="rId3">
             <a:extLst>
               <a:ext uri="{28A0092B-C50C-407E-A947-70E740481C1C}">
                 <a14:useLocalDpi xmlns:a14="http://schemas.microsoft.com/office/drawing/2010/main" val="0"/>
@@ -16795,10 +16372,6 @@
               </a:rPr>
               <a:t>:</a:t>
             </a:r>
-            <a:endParaRPr lang="en-US" altLang="zh-CN" dirty="0">
-              <a:latin typeface="Times New Roman" panose="02020603050405020304" pitchFamily="18" charset="0"/>
-              <a:cs typeface="Times New Roman" panose="02020603050405020304" pitchFamily="18" charset="0"/>
-            </a:endParaRPr>
           </a:p>
           <a:p>
             <a:r>
@@ -16848,10 +16421,6 @@
               </a:rPr>
               <a:t>GENTRY C, SAHAI A, and WATERS B. Homomorphic encryption from learning with errors: Conceptually-simpler,</a:t>
             </a:r>
-            <a:endParaRPr lang="en-US" altLang="zh-CN" dirty="0">
-              <a:latin typeface="Times New Roman" panose="02020603050405020304" pitchFamily="18" charset="0"/>
-              <a:cs typeface="Times New Roman" panose="02020603050405020304" pitchFamily="18" charset="0"/>
-            </a:endParaRPr>
           </a:p>
           <a:p>
             <a:r>
@@ -16875,10 +16444,6 @@
               </a:rPr>
               <a:t>:</a:t>
             </a:r>
-            <a:endParaRPr lang="en-US" altLang="zh-CN" dirty="0">
-              <a:latin typeface="Times New Roman" panose="02020603050405020304" pitchFamily="18" charset="0"/>
-              <a:cs typeface="Times New Roman" panose="02020603050405020304" pitchFamily="18" charset="0"/>
-            </a:endParaRPr>
           </a:p>
           <a:p>
             <a:r>
@@ -16914,10 +16479,34 @@
                 <a:tableStyleId>{5C22544A-7EE6-4342-B048-85BDC9FD1C3A}</a:tableStyleId>
               </a:tblPr>
               <a:tblGrid>
-                <a:gridCol w="1979194"/>
-                <a:gridCol w="4656221"/>
-                <a:gridCol w="1702469"/>
-                <a:gridCol w="2743200"/>
+                <a:gridCol w="1979194">
+                  <a:extLst>
+                    <a:ext uri="{9D8B030D-6E8A-4147-A177-3AD203B41FA5}">
+                      <a16:colId xmlns:a16="http://schemas.microsoft.com/office/drawing/2014/main" val="20000"/>
+                    </a:ext>
+                  </a:extLst>
+                </a:gridCol>
+                <a:gridCol w="4656221">
+                  <a:extLst>
+                    <a:ext uri="{9D8B030D-6E8A-4147-A177-3AD203B41FA5}">
+                      <a16:colId xmlns:a16="http://schemas.microsoft.com/office/drawing/2014/main" val="20001"/>
+                    </a:ext>
+                  </a:extLst>
+                </a:gridCol>
+                <a:gridCol w="1702469">
+                  <a:extLst>
+                    <a:ext uri="{9D8B030D-6E8A-4147-A177-3AD203B41FA5}">
+                      <a16:colId xmlns:a16="http://schemas.microsoft.com/office/drawing/2014/main" val="20002"/>
+                    </a:ext>
+                  </a:extLst>
+                </a:gridCol>
+                <a:gridCol w="2743200">
+                  <a:extLst>
+                    <a:ext uri="{9D8B030D-6E8A-4147-A177-3AD203B41FA5}">
+                      <a16:colId xmlns:a16="http://schemas.microsoft.com/office/drawing/2014/main" val="20003"/>
+                    </a:ext>
+                  </a:extLst>
+                </a:gridCol>
               </a:tblGrid>
               <a:tr h="330196">
                 <a:tc>
@@ -16930,7 +16519,6 @@
                         <a:rPr lang="zh-CN" altLang="en-US" dirty="0"/>
                         <a:t>类型</a:t>
                       </a:r>
-                      <a:endParaRPr lang="zh-CN" altLang="en-US" dirty="0"/>
                     </a:p>
                   </a:txBody>
                   <a:tcPr/>
@@ -16945,7 +16533,6 @@
                         <a:rPr lang="zh-CN" altLang="en-US" dirty="0"/>
                         <a:t>会议名称</a:t>
                       </a:r>
-                      <a:endParaRPr lang="zh-CN" altLang="en-US" dirty="0"/>
                     </a:p>
                   </a:txBody>
                   <a:tcPr/>
@@ -16960,7 +16547,6 @@
                         <a:rPr lang="zh-CN" altLang="en-US" dirty="0"/>
                         <a:t>分类</a:t>
                       </a:r>
-                      <a:endParaRPr lang="zh-CN" altLang="en-US" dirty="0"/>
                     </a:p>
                   </a:txBody>
                   <a:tcPr/>
@@ -16983,11 +16569,15 @@
                         <a:rPr lang="zh-CN" altLang="en-US" dirty="0"/>
                         <a:t>引用量</a:t>
                       </a:r>
-                      <a:endParaRPr lang="zh-CN" altLang="en-US" dirty="0"/>
                     </a:p>
                   </a:txBody>
                   <a:tcPr/>
                 </a:tc>
+                <a:extLst>
+                  <a:ext uri="{0D108BD9-81ED-4DB2-BD59-A6C34878D82A}">
+                    <a16:rowId xmlns:a16="http://schemas.microsoft.com/office/drawing/2014/main" val="10000"/>
+                  </a:ext>
+                </a:extLst>
               </a:tr>
               <a:tr h="330196">
                 <a:tc>
@@ -17000,7 +16590,6 @@
                         <a:rPr lang="zh-CN" altLang="en-US" dirty="0"/>
                         <a:t>会议论文</a:t>
                       </a:r>
-                      <a:endParaRPr lang="zh-CN" altLang="en-US" dirty="0"/>
                     </a:p>
                   </a:txBody>
                   <a:tcPr/>
@@ -17050,6 +16639,11 @@
                   </a:txBody>
                   <a:tcPr/>
                 </a:tc>
+                <a:extLst>
+                  <a:ext uri="{0D108BD9-81ED-4DB2-BD59-A6C34878D82A}">
+                    <a16:rowId xmlns:a16="http://schemas.microsoft.com/office/drawing/2014/main" val="10001"/>
+                  </a:ext>
+                </a:extLst>
               </a:tr>
             </a:tbl>
           </a:graphicData>
@@ -17074,10 +16668,34 @@
                 <a:tableStyleId>{5C22544A-7EE6-4342-B048-85BDC9FD1C3A}</a:tableStyleId>
               </a:tblPr>
               <a:tblGrid>
-                <a:gridCol w="1979194"/>
-                <a:gridCol w="4656221"/>
-                <a:gridCol w="1702469"/>
-                <a:gridCol w="2743200"/>
+                <a:gridCol w="1979194">
+                  <a:extLst>
+                    <a:ext uri="{9D8B030D-6E8A-4147-A177-3AD203B41FA5}">
+                      <a16:colId xmlns:a16="http://schemas.microsoft.com/office/drawing/2014/main" val="20000"/>
+                    </a:ext>
+                  </a:extLst>
+                </a:gridCol>
+                <a:gridCol w="4656221">
+                  <a:extLst>
+                    <a:ext uri="{9D8B030D-6E8A-4147-A177-3AD203B41FA5}">
+                      <a16:colId xmlns:a16="http://schemas.microsoft.com/office/drawing/2014/main" val="20001"/>
+                    </a:ext>
+                  </a:extLst>
+                </a:gridCol>
+                <a:gridCol w="1702469">
+                  <a:extLst>
+                    <a:ext uri="{9D8B030D-6E8A-4147-A177-3AD203B41FA5}">
+                      <a16:colId xmlns:a16="http://schemas.microsoft.com/office/drawing/2014/main" val="20002"/>
+                    </a:ext>
+                  </a:extLst>
+                </a:gridCol>
+                <a:gridCol w="2743200">
+                  <a:extLst>
+                    <a:ext uri="{9D8B030D-6E8A-4147-A177-3AD203B41FA5}">
+                      <a16:colId xmlns:a16="http://schemas.microsoft.com/office/drawing/2014/main" val="20003"/>
+                    </a:ext>
+                  </a:extLst>
+                </a:gridCol>
               </a:tblGrid>
               <a:tr h="330196">
                 <a:tc>
@@ -17090,7 +16708,6 @@
                         <a:rPr lang="zh-CN" altLang="en-US" dirty="0"/>
                         <a:t>类型</a:t>
                       </a:r>
-                      <a:endParaRPr lang="zh-CN" altLang="en-US" dirty="0"/>
                     </a:p>
                   </a:txBody>
                   <a:tcPr anchor="ctr"/>
@@ -17105,7 +16722,6 @@
                         <a:rPr lang="zh-CN" altLang="en-US" dirty="0"/>
                         <a:t>会议名称</a:t>
                       </a:r>
-                      <a:endParaRPr lang="zh-CN" altLang="en-US" dirty="0"/>
                     </a:p>
                   </a:txBody>
                   <a:tcPr anchor="ctr"/>
@@ -17120,7 +16736,6 @@
                         <a:rPr lang="zh-CN" altLang="en-US" dirty="0"/>
                         <a:t>分类</a:t>
                       </a:r>
-                      <a:endParaRPr lang="zh-CN" altLang="en-US" dirty="0"/>
                     </a:p>
                   </a:txBody>
                   <a:tcPr anchor="ctr"/>
@@ -17143,11 +16758,15 @@
                         <a:rPr lang="zh-CN" altLang="en-US" dirty="0"/>
                         <a:t>引用量</a:t>
                       </a:r>
-                      <a:endParaRPr lang="zh-CN" altLang="en-US" dirty="0"/>
                     </a:p>
                   </a:txBody>
                   <a:tcPr anchor="ctr"/>
                 </a:tc>
+                <a:extLst>
+                  <a:ext uri="{0D108BD9-81ED-4DB2-BD59-A6C34878D82A}">
+                    <a16:rowId xmlns:a16="http://schemas.microsoft.com/office/drawing/2014/main" val="10000"/>
+                  </a:ext>
+                </a:extLst>
               </a:tr>
               <a:tr h="330196">
                 <a:tc>
@@ -17160,7 +16779,6 @@
                         <a:rPr lang="zh-CN" altLang="en-US" dirty="0"/>
                         <a:t>会议论文</a:t>
                       </a:r>
-                      <a:endParaRPr lang="zh-CN" altLang="en-US" dirty="0"/>
                     </a:p>
                   </a:txBody>
                   <a:tcPr anchor="ctr"/>
@@ -17206,6 +16824,11 @@
                   </a:txBody>
                   <a:tcPr anchor="ctr"/>
                 </a:tc>
+                <a:extLst>
+                  <a:ext uri="{0D108BD9-81ED-4DB2-BD59-A6C34878D82A}">
+                    <a16:rowId xmlns:a16="http://schemas.microsoft.com/office/drawing/2014/main" val="10001"/>
+                  </a:ext>
+                </a:extLst>
               </a:tr>
             </a:tbl>
           </a:graphicData>
@@ -17230,10 +16853,34 @@
                 <a:tableStyleId>{5C22544A-7EE6-4342-B048-85BDC9FD1C3A}</a:tableStyleId>
               </a:tblPr>
               <a:tblGrid>
-                <a:gridCol w="1979194"/>
-                <a:gridCol w="4656221"/>
-                <a:gridCol w="1702469"/>
-                <a:gridCol w="2743200"/>
+                <a:gridCol w="1979194">
+                  <a:extLst>
+                    <a:ext uri="{9D8B030D-6E8A-4147-A177-3AD203B41FA5}">
+                      <a16:colId xmlns:a16="http://schemas.microsoft.com/office/drawing/2014/main" val="20000"/>
+                    </a:ext>
+                  </a:extLst>
+                </a:gridCol>
+                <a:gridCol w="4656221">
+                  <a:extLst>
+                    <a:ext uri="{9D8B030D-6E8A-4147-A177-3AD203B41FA5}">
+                      <a16:colId xmlns:a16="http://schemas.microsoft.com/office/drawing/2014/main" val="20001"/>
+                    </a:ext>
+                  </a:extLst>
+                </a:gridCol>
+                <a:gridCol w="1702469">
+                  <a:extLst>
+                    <a:ext uri="{9D8B030D-6E8A-4147-A177-3AD203B41FA5}">
+                      <a16:colId xmlns:a16="http://schemas.microsoft.com/office/drawing/2014/main" val="20002"/>
+                    </a:ext>
+                  </a:extLst>
+                </a:gridCol>
+                <a:gridCol w="2743200">
+                  <a:extLst>
+                    <a:ext uri="{9D8B030D-6E8A-4147-A177-3AD203B41FA5}">
+                      <a16:colId xmlns:a16="http://schemas.microsoft.com/office/drawing/2014/main" val="20003"/>
+                    </a:ext>
+                  </a:extLst>
+                </a:gridCol>
               </a:tblGrid>
               <a:tr h="330196">
                 <a:tc>
@@ -17246,7 +16893,6 @@
                         <a:rPr lang="zh-CN" altLang="en-US" dirty="0"/>
                         <a:t>类型</a:t>
                       </a:r>
-                      <a:endParaRPr lang="zh-CN" altLang="en-US" dirty="0"/>
                     </a:p>
                   </a:txBody>
                   <a:tcPr/>
@@ -17261,7 +16907,6 @@
                         <a:rPr lang="zh-CN" altLang="en-US" dirty="0"/>
                         <a:t>会议名称</a:t>
                       </a:r>
-                      <a:endParaRPr lang="zh-CN" altLang="en-US" dirty="0"/>
                     </a:p>
                   </a:txBody>
                   <a:tcPr/>
@@ -17276,7 +16921,6 @@
                         <a:rPr lang="zh-CN" altLang="en-US" dirty="0"/>
                         <a:t>分类</a:t>
                       </a:r>
-                      <a:endParaRPr lang="zh-CN" altLang="en-US" dirty="0"/>
                     </a:p>
                   </a:txBody>
                   <a:tcPr/>
@@ -17299,11 +16943,15 @@
                         <a:rPr lang="zh-CN" altLang="en-US" dirty="0"/>
                         <a:t>引用量</a:t>
                       </a:r>
-                      <a:endParaRPr lang="zh-CN" altLang="en-US" dirty="0"/>
                     </a:p>
                   </a:txBody>
                   <a:tcPr/>
                 </a:tc>
+                <a:extLst>
+                  <a:ext uri="{0D108BD9-81ED-4DB2-BD59-A6C34878D82A}">
+                    <a16:rowId xmlns:a16="http://schemas.microsoft.com/office/drawing/2014/main" val="10000"/>
+                  </a:ext>
+                </a:extLst>
               </a:tr>
               <a:tr h="330196">
                 <a:tc>
@@ -17316,7 +16964,6 @@
                         <a:rPr lang="zh-CN" altLang="en-US" dirty="0"/>
                         <a:t>会议论文</a:t>
                       </a:r>
-                      <a:endParaRPr lang="zh-CN" altLang="en-US" dirty="0"/>
                     </a:p>
                   </a:txBody>
                   <a:tcPr/>
@@ -17366,6 +17013,11 @@
                   </a:txBody>
                   <a:tcPr/>
                 </a:tc>
+                <a:extLst>
+                  <a:ext uri="{0D108BD9-81ED-4DB2-BD59-A6C34878D82A}">
+                    <a16:rowId xmlns:a16="http://schemas.microsoft.com/office/drawing/2014/main" val="10001"/>
+                  </a:ext>
+                </a:extLst>
               </a:tr>
             </a:tbl>
           </a:graphicData>
@@ -17403,13 +17055,6 @@
               </a:rPr>
               <a:t>2/17</a:t>
             </a:r>
-            <a:endParaRPr lang="en-US" altLang="zh-CN" dirty="0">
-              <a:solidFill>
-                <a:schemeClr val="bg1">
-                  <a:lumMod val="75000"/>
-                </a:schemeClr>
-              </a:solidFill>
-            </a:endParaRPr>
           </a:p>
         </p:txBody>
       </p:sp>
@@ -17447,7 +17092,7 @@
           <p:nvPr/>
         </p:nvPicPr>
         <p:blipFill>
-          <a:blip r:embed="rId1">
+          <a:blip r:embed="rId2">
             <a:extLst>
               <a:ext uri="{28A0092B-C50C-407E-A947-70E740481C1C}">
                 <a14:useLocalDpi xmlns:a14="http://schemas.microsoft.com/office/drawing/2010/main" val="0"/>
@@ -17495,7 +17140,7 @@
                 <a:latin typeface="Times New Roman" panose="02020603050405020304" pitchFamily="18" charset="0"/>
                 <a:cs typeface="Times New Roman" panose="02020603050405020304" pitchFamily="18" charset="0"/>
               </a:rPr>
-              <a:t>Cen09</a:t>
+              <a:t>Gen09</a:t>
             </a:r>
             <a:r>
               <a:rPr lang="zh-CN" altLang="en-US" b="1" dirty="0">
@@ -17504,10 +17149,6 @@
               </a:rPr>
               <a:t>摘要</a:t>
             </a:r>
-            <a:endParaRPr lang="zh-CN" altLang="en-US" b="1" dirty="0">
-              <a:latin typeface="Times New Roman" panose="02020603050405020304" pitchFamily="18" charset="0"/>
-              <a:cs typeface="Times New Roman" panose="02020603050405020304" pitchFamily="18" charset="0"/>
-            </a:endParaRPr>
           </a:p>
         </p:txBody>
       </p:sp>
@@ -17554,7 +17195,6 @@
               <a:rPr lang="zh-CN" altLang="en-US" dirty="0"/>
               <a:t>摘要结构</a:t>
             </a:r>
-            <a:endParaRPr lang="zh-CN" altLang="en-US" dirty="0"/>
           </a:p>
         </p:txBody>
       </p:sp>
@@ -17610,11 +17250,6 @@
               </a:rPr>
               <a:t>方案优化</a:t>
             </a:r>
-            <a:endParaRPr lang="zh-CN" altLang="en-US" sz="1400" dirty="0">
-              <a:solidFill>
-                <a:schemeClr val="tx1"/>
-              </a:solidFill>
-            </a:endParaRPr>
           </a:p>
         </p:txBody>
       </p:sp>
@@ -17722,11 +17357,6 @@
               </a:rPr>
               <a:t>）</a:t>
             </a:r>
-            <a:endParaRPr lang="zh-CN" altLang="en-US" sz="1400" dirty="0">
-              <a:solidFill>
-                <a:schemeClr val="tx1"/>
-              </a:solidFill>
-            </a:endParaRPr>
           </a:p>
         </p:txBody>
       </p:sp>
@@ -17830,7 +17460,6 @@
               <a:rPr lang="zh-CN" altLang="en-US" sz="1400" dirty="0"/>
               <a:t>简述方案第一步步骤</a:t>
             </a:r>
-            <a:endParaRPr lang="zh-CN" altLang="en-US" sz="1400" dirty="0"/>
           </a:p>
         </p:txBody>
       </p:sp>
@@ -17907,7 +17536,6 @@
               <a:rPr lang="zh-CN" altLang="en-US" sz="1400" dirty="0"/>
               <a:t>概念的提出</a:t>
             </a:r>
-            <a:endParaRPr lang="zh-CN" altLang="en-US" sz="1400" dirty="0"/>
           </a:p>
         </p:txBody>
       </p:sp>
@@ -17963,11 +17591,6 @@
               </a:rPr>
               <a:t>核心加密方案</a:t>
             </a:r>
-            <a:endParaRPr lang="zh-CN" altLang="en-US" sz="1400" dirty="0">
-              <a:solidFill>
-                <a:schemeClr val="tx1"/>
-              </a:solidFill>
-            </a:endParaRPr>
           </a:p>
         </p:txBody>
       </p:sp>
@@ -18069,7 +17692,6 @@
               <a:rPr lang="zh-CN" altLang="en-US" sz="1400" dirty="0"/>
               <a:t>提及基于理想格的满足要求的公钥方案</a:t>
             </a:r>
-            <a:endParaRPr lang="zh-CN" altLang="en-US" sz="1400" dirty="0"/>
           </a:p>
         </p:txBody>
       </p:sp>
@@ -18167,7 +17789,6 @@
               <a:rPr lang="zh-CN" altLang="en-US" sz="1400" dirty="0"/>
               <a:t>优化原因</a:t>
             </a:r>
-            <a:endParaRPr lang="zh-CN" altLang="en-US" sz="1400" dirty="0"/>
           </a:p>
         </p:txBody>
       </p:sp>
@@ -18197,7 +17818,6 @@
               <a:rPr lang="zh-CN" altLang="en-US" sz="1400" dirty="0"/>
               <a:t>优化结果</a:t>
             </a:r>
-            <a:endParaRPr lang="zh-CN" altLang="en-US" sz="1400" dirty="0"/>
           </a:p>
         </p:txBody>
       </p:sp>
@@ -18210,7 +17830,7 @@
           <p:nvPr/>
         </p:nvPicPr>
         <p:blipFill>
-          <a:blip r:embed="rId2"/>
+          <a:blip r:embed="rId3"/>
           <a:stretch>
             <a:fillRect/>
           </a:stretch>
@@ -18286,7 +17906,6 @@
               <a:rPr lang="zh-CN" altLang="en-US" sz="1400" dirty="0"/>
               <a:t>简述方案特性</a:t>
             </a:r>
-            <a:endParaRPr lang="zh-CN" altLang="en-US" sz="1400" dirty="0"/>
           </a:p>
         </p:txBody>
       </p:sp>
@@ -18310,6 +17929,7 @@
           <a:bodyPr wrap="square" rtlCol="0">
             <a:spAutoFit/>
           </a:bodyPr>
+          <a:lstStyle/>
           <a:p>
             <a:r>
               <a:rPr lang="en-US" altLang="zh-CN" dirty="0">
@@ -18321,13 +17941,6 @@
               </a:rPr>
               <a:t>3/17</a:t>
             </a:r>
-            <a:endParaRPr lang="en-US" altLang="zh-CN" dirty="0">
-              <a:solidFill>
-                <a:schemeClr val="bg1">
-                  <a:lumMod val="75000"/>
-                </a:schemeClr>
-              </a:solidFill>
-            </a:endParaRPr>
           </a:p>
         </p:txBody>
       </p:sp>
@@ -18365,7 +17978,7 @@
           <p:nvPr/>
         </p:nvPicPr>
         <p:blipFill>
-          <a:blip r:embed="rId1">
+          <a:blip r:embed="rId2">
             <a:extLst>
               <a:ext uri="{28A0092B-C50C-407E-A947-70E740481C1C}">
                 <a14:useLocalDpi xmlns:a14="http://schemas.microsoft.com/office/drawing/2010/main" val="0"/>
@@ -18422,10 +18035,6 @@
               </a:rPr>
               <a:t>摘要</a:t>
             </a:r>
-            <a:endParaRPr lang="zh-CN" altLang="en-US" b="1" dirty="0">
-              <a:latin typeface="Times New Roman" panose="02020603050405020304" pitchFamily="18" charset="0"/>
-              <a:cs typeface="Times New Roman" panose="02020603050405020304" pitchFamily="18" charset="0"/>
-            </a:endParaRPr>
           </a:p>
         </p:txBody>
       </p:sp>
@@ -18472,7 +18081,6 @@
               <a:rPr lang="zh-CN" altLang="en-US" dirty="0"/>
               <a:t>摘要结构</a:t>
             </a:r>
-            <a:endParaRPr lang="zh-CN" altLang="en-US" dirty="0"/>
           </a:p>
         </p:txBody>
       </p:sp>
@@ -18528,11 +18136,6 @@
               </a:rPr>
               <a:t>方案优化</a:t>
             </a:r>
-            <a:endParaRPr lang="zh-CN" altLang="en-US" sz="1400" dirty="0">
-              <a:solidFill>
-                <a:schemeClr val="tx1"/>
-              </a:solidFill>
-            </a:endParaRPr>
           </a:p>
         </p:txBody>
       </p:sp>
@@ -18640,11 +18243,6 @@
               </a:rPr>
               <a:t>）</a:t>
             </a:r>
-            <a:endParaRPr lang="zh-CN" altLang="en-US" sz="1400" dirty="0">
-              <a:solidFill>
-                <a:schemeClr val="tx1"/>
-              </a:solidFill>
-            </a:endParaRPr>
           </a:p>
         </p:txBody>
       </p:sp>
@@ -18772,11 +18370,6 @@
               </a:rPr>
               <a:t>核心加密方案</a:t>
             </a:r>
-            <a:endParaRPr lang="zh-CN" altLang="en-US" sz="1400" dirty="0">
-              <a:solidFill>
-                <a:schemeClr val="tx1"/>
-              </a:solidFill>
-            </a:endParaRPr>
           </a:p>
         </p:txBody>
       </p:sp>
@@ -18804,13 +18397,8 @@
           <a:p>
             <a:r>
               <a:rPr lang="zh-CN" altLang="en-US" sz="1400" dirty="0"/>
-              <a:t>方案</a:t>
-            </a:r>
-            <a:r>
-              <a:rPr lang="zh-CN" altLang="en-US" sz="1400" dirty="0"/>
-              <a:t>形容</a:t>
-            </a:r>
-            <a:endParaRPr lang="zh-CN" altLang="en-US" sz="1400" dirty="0"/>
+              <a:t>方案形容</a:t>
+            </a:r>
           </a:p>
         </p:txBody>
       </p:sp>
@@ -19030,7 +18618,6 @@
               <a:rPr lang="zh-CN" altLang="en-US" sz="1400" dirty="0"/>
               <a:t>性能及安全</a:t>
             </a:r>
-            <a:endParaRPr lang="zh-CN" altLang="en-US" sz="1400" dirty="0"/>
           </a:p>
         </p:txBody>
       </p:sp>
@@ -19076,7 +18663,6 @@
               <a:rPr lang="zh-CN" altLang="en-US" sz="1400" dirty="0"/>
               <a:t>性能及安全</a:t>
             </a:r>
-            <a:endParaRPr lang="zh-CN" altLang="en-US" sz="1400" dirty="0"/>
           </a:p>
         </p:txBody>
       </p:sp>
@@ -19132,11 +18718,6 @@
               </a:rPr>
               <a:t>本文核心创新点</a:t>
             </a:r>
-            <a:endParaRPr lang="zh-CN" altLang="en-US" sz="1400" dirty="0">
-              <a:solidFill>
-                <a:schemeClr val="tx1"/>
-              </a:solidFill>
-            </a:endParaRPr>
           </a:p>
         </p:txBody>
       </p:sp>
@@ -19184,7 +18765,7 @@
           <p:nvPr/>
         </p:nvPicPr>
         <p:blipFill>
-          <a:blip r:embed="rId2"/>
+          <a:blip r:embed="rId3"/>
           <a:stretch>
             <a:fillRect/>
           </a:stretch>
@@ -19231,13 +18812,110 @@
               </a:rPr>
               <a:t>4/17</a:t>
             </a:r>
-            <a:endParaRPr lang="en-US" altLang="zh-CN" dirty="0">
-              <a:solidFill>
-                <a:schemeClr val="bg1">
-                  <a:lumMod val="75000"/>
-                </a:schemeClr>
-              </a:solidFill>
-            </a:endParaRPr>
+          </a:p>
+        </p:txBody>
+      </p:sp>
+      <p:sp>
+        <p:nvSpPr>
+          <p:cNvPr id="16" name="椭圆 15">
+            <a:extLst>
+              <a:ext uri="{FF2B5EF4-FFF2-40B4-BE49-F238E27FC236}">
+                <a16:creationId xmlns:a16="http://schemas.microsoft.com/office/drawing/2014/main" id="{476B4AFF-BF3D-4365-8FDA-C1C589FAA0EA}"/>
+              </a:ext>
+            </a:extLst>
+          </p:cNvPr>
+          <p:cNvSpPr/>
+          <p:nvPr/>
+        </p:nvSpPr>
+        <p:spPr>
+          <a:xfrm>
+            <a:off x="8349418" y="1879249"/>
+            <a:ext cx="1305385" cy="186453"/>
+          </a:xfrm>
+          <a:prstGeom prst="ellipse">
+            <a:avLst/>
+          </a:prstGeom>
+          <a:noFill/>
+          <a:ln>
+            <a:solidFill>
+              <a:srgbClr val="FF0000"/>
+            </a:solidFill>
+          </a:ln>
+        </p:spPr>
+        <p:style>
+          <a:lnRef idx="2">
+            <a:schemeClr val="accent1">
+              <a:shade val="50000"/>
+            </a:schemeClr>
+          </a:lnRef>
+          <a:fillRef idx="1">
+            <a:schemeClr val="accent1"/>
+          </a:fillRef>
+          <a:effectRef idx="0">
+            <a:schemeClr val="accent1"/>
+          </a:effectRef>
+          <a:fontRef idx="minor">
+            <a:schemeClr val="lt1"/>
+          </a:fontRef>
+        </p:style>
+        <p:txBody>
+          <a:bodyPr rtlCol="0" anchor="ctr"/>
+          <a:lstStyle/>
+          <a:p>
+            <a:pPr algn="ctr"/>
+            <a:endParaRPr lang="zh-CN" altLang="en-US"/>
+          </a:p>
+        </p:txBody>
+      </p:sp>
+      <p:sp>
+        <p:nvSpPr>
+          <p:cNvPr id="25" name="椭圆 24">
+            <a:extLst>
+              <a:ext uri="{FF2B5EF4-FFF2-40B4-BE49-F238E27FC236}">
+                <a16:creationId xmlns:a16="http://schemas.microsoft.com/office/drawing/2014/main" id="{6E4FABF7-0842-41C8-BFBB-62FA276A71AC}"/>
+              </a:ext>
+            </a:extLst>
+          </p:cNvPr>
+          <p:cNvSpPr/>
+          <p:nvPr/>
+        </p:nvSpPr>
+        <p:spPr>
+          <a:xfrm>
+            <a:off x="8952187" y="2234972"/>
+            <a:ext cx="1553954" cy="186453"/>
+          </a:xfrm>
+          <a:prstGeom prst="ellipse">
+            <a:avLst/>
+          </a:prstGeom>
+          <a:noFill/>
+          <a:ln>
+            <a:solidFill>
+              <a:srgbClr val="FF0000"/>
+            </a:solidFill>
+          </a:ln>
+        </p:spPr>
+        <p:style>
+          <a:lnRef idx="2">
+            <a:schemeClr val="accent1">
+              <a:shade val="50000"/>
+            </a:schemeClr>
+          </a:lnRef>
+          <a:fillRef idx="1">
+            <a:schemeClr val="accent1"/>
+          </a:fillRef>
+          <a:effectRef idx="0">
+            <a:schemeClr val="accent1"/>
+          </a:effectRef>
+          <a:fontRef idx="minor">
+            <a:schemeClr val="lt1"/>
+          </a:fontRef>
+        </p:style>
+        <p:txBody>
+          <a:bodyPr rtlCol="0" anchor="ctr"/>
+          <a:lstStyle/>
+          <a:p>
+            <a:pPr algn="ctr"/>
+            <a:endParaRPr lang="zh-CN" altLang="en-US"/>
           </a:p>
         </p:txBody>
       </p:sp>
@@ -19275,7 +18953,7 @@
           <p:nvPr/>
         </p:nvPicPr>
         <p:blipFill>
-          <a:blip r:embed="rId1">
+          <a:blip r:embed="rId2">
             <a:extLst>
               <a:ext uri="{28A0092B-C50C-407E-A947-70E740481C1C}">
                 <a14:useLocalDpi xmlns:a14="http://schemas.microsoft.com/office/drawing/2010/main" val="0"/>
@@ -19332,10 +19010,6 @@
               </a:rPr>
               <a:t>摘要</a:t>
             </a:r>
-            <a:endParaRPr lang="zh-CN" altLang="en-US" b="1" dirty="0">
-              <a:latin typeface="Times New Roman" panose="02020603050405020304" pitchFamily="18" charset="0"/>
-              <a:cs typeface="Times New Roman" panose="02020603050405020304" pitchFamily="18" charset="0"/>
-            </a:endParaRPr>
           </a:p>
         </p:txBody>
       </p:sp>
@@ -19382,7 +19056,6 @@
               <a:rPr lang="zh-CN" altLang="en-US" dirty="0"/>
               <a:t>摘要结构</a:t>
             </a:r>
-            <a:endParaRPr lang="zh-CN" altLang="en-US" dirty="0"/>
           </a:p>
         </p:txBody>
       </p:sp>
@@ -19462,11 +19135,6 @@
               </a:rPr>
               <a:t>)</a:t>
             </a:r>
-            <a:endParaRPr lang="en-US" altLang="zh-CN" sz="1400" dirty="0">
-              <a:solidFill>
-                <a:schemeClr val="tx1"/>
-              </a:solidFill>
-            </a:endParaRPr>
           </a:p>
         </p:txBody>
       </p:sp>
@@ -19574,11 +19242,6 @@
               </a:rPr>
               <a:t>）</a:t>
             </a:r>
-            <a:endParaRPr lang="zh-CN" altLang="en-US" sz="1400" dirty="0">
-              <a:solidFill>
-                <a:schemeClr val="tx1"/>
-              </a:solidFill>
-            </a:endParaRPr>
           </a:p>
         </p:txBody>
       </p:sp>
@@ -19682,7 +19345,6 @@
               <a:rPr lang="zh-CN" altLang="en-US" sz="1400" dirty="0"/>
               <a:t>前人工作中的乘法复杂</a:t>
             </a:r>
-            <a:endParaRPr lang="zh-CN" altLang="en-US" sz="1400" dirty="0"/>
           </a:p>
         </p:txBody>
       </p:sp>
@@ -19747,7 +19409,6 @@
               <a:rPr lang="zh-CN" altLang="en-US" sz="1400" dirty="0"/>
               <a:t>提出近似特征向量方案</a:t>
             </a:r>
-            <a:endParaRPr lang="zh-CN" altLang="en-US" sz="1400" dirty="0"/>
           </a:p>
         </p:txBody>
       </p:sp>
@@ -19812,7 +19473,6 @@
               <a:rPr lang="zh-CN" altLang="en-US" sz="1400" dirty="0"/>
               <a:t>前人工作中需要计算密钥</a:t>
             </a:r>
-            <a:endParaRPr lang="zh-CN" altLang="en-US" sz="1400" dirty="0"/>
           </a:p>
         </p:txBody>
       </p:sp>
@@ -19912,7 +19572,6 @@
               <a:rPr lang="en-US" altLang="zh-CN" sz="1400" dirty="0"/>
               <a:t>FHE</a:t>
             </a:r>
-            <a:endParaRPr lang="en-US" altLang="zh-CN" sz="1400" dirty="0"/>
           </a:p>
         </p:txBody>
       </p:sp>
@@ -19946,7 +19605,6 @@
               <a:rPr lang="en-US" altLang="zh-CN" sz="1400" dirty="0"/>
               <a:t>FHE</a:t>
             </a:r>
-            <a:endParaRPr lang="en-US" altLang="zh-CN" sz="1400" dirty="0"/>
           </a:p>
         </p:txBody>
       </p:sp>
@@ -19959,7 +19617,7 @@
           <p:nvPr/>
         </p:nvPicPr>
         <p:blipFill>
-          <a:blip r:embed="rId2"/>
+          <a:blip r:embed="rId3"/>
           <a:stretch>
             <a:fillRect/>
           </a:stretch>
@@ -20004,6 +19662,8 @@
               </a:rPr>
               <a:t>摘要部分尽可能的描述自己的工作</a:t>
             </a:r>
+          </a:p>
+          <a:p>
             <a:endParaRPr lang="zh-CN" altLang="en-US">
               <a:latin typeface="宋体" panose="02010600030101010101" pitchFamily="2" charset="-122"/>
               <a:ea typeface="宋体" panose="02010600030101010101" pitchFamily="2" charset="-122"/>
@@ -20011,13 +19671,6 @@
             </a:endParaRPr>
           </a:p>
           <a:p>
-            <a:endParaRPr lang="zh-CN" altLang="en-US">
-              <a:latin typeface="宋体" panose="02010600030101010101" pitchFamily="2" charset="-122"/>
-              <a:ea typeface="宋体" panose="02010600030101010101" pitchFamily="2" charset="-122"/>
-              <a:cs typeface="宋体" panose="02010600030101010101" pitchFamily="2" charset="-122"/>
-            </a:endParaRPr>
-          </a:p>
-          <a:p>
             <a:pPr indent="457200"/>
             <a:r>
               <a:rPr lang="en-US" altLang="zh-CN">
@@ -20035,11 +19688,6 @@
               </a:rPr>
               <a:t>按步骤描述方法</a:t>
             </a:r>
-            <a:endParaRPr lang="zh-CN" altLang="en-US">
-              <a:latin typeface="宋体" panose="02010600030101010101" pitchFamily="2" charset="-122"/>
-              <a:ea typeface="宋体" panose="02010600030101010101" pitchFamily="2" charset="-122"/>
-              <a:cs typeface="宋体" panose="02010600030101010101" pitchFamily="2" charset="-122"/>
-            </a:endParaRPr>
           </a:p>
           <a:p>
             <a:pPr indent="457200"/>
@@ -20083,11 +19731,6 @@
               </a:rPr>
               <a:t> </a:t>
             </a:r>
-            <a:endParaRPr lang="en-US" altLang="zh-CN">
-              <a:latin typeface="宋体" panose="02010600030101010101" pitchFamily="2" charset="-122"/>
-              <a:ea typeface="宋体" panose="02010600030101010101" pitchFamily="2" charset="-122"/>
-              <a:cs typeface="宋体" panose="02010600030101010101" pitchFamily="2" charset="-122"/>
-            </a:endParaRPr>
           </a:p>
           <a:p>
             <a:pPr indent="457200"/>
@@ -20131,11 +19774,6 @@
               </a:rPr>
               <a:t>) </a:t>
             </a:r>
-            <a:endParaRPr lang="en-US" altLang="zh-CN">
-              <a:latin typeface="宋体" panose="02010600030101010101" pitchFamily="2" charset="-122"/>
-              <a:ea typeface="宋体" panose="02010600030101010101" pitchFamily="2" charset="-122"/>
-              <a:cs typeface="宋体" panose="02010600030101010101" pitchFamily="2" charset="-122"/>
-            </a:endParaRPr>
           </a:p>
           <a:p>
             <a:pPr indent="457200"/>
@@ -20203,13 +19841,6 @@
               </a:rPr>
               <a:t>5/17</a:t>
             </a:r>
-            <a:endParaRPr lang="en-US" altLang="zh-CN" dirty="0">
-              <a:solidFill>
-                <a:schemeClr val="bg1">
-                  <a:lumMod val="75000"/>
-                </a:schemeClr>
-              </a:solidFill>
-            </a:endParaRPr>
           </a:p>
         </p:txBody>
       </p:sp>
@@ -20247,7 +19878,7 @@
           <p:nvPr/>
         </p:nvPicPr>
         <p:blipFill>
-          <a:blip r:embed="rId1">
+          <a:blip r:embed="rId3">
             <a:extLst>
               <a:ext uri="{28A0092B-C50C-407E-A947-70E740481C1C}">
                 <a14:useLocalDpi xmlns:a14="http://schemas.microsoft.com/office/drawing/2010/main" val="0"/>
@@ -20297,10 +19928,6 @@
               </a:rPr>
               <a:t>引言部分</a:t>
             </a:r>
-            <a:endParaRPr lang="zh-CN" altLang="en-US" b="1" dirty="0">
-              <a:latin typeface="Times New Roman" panose="02020603050405020304" pitchFamily="18" charset="0"/>
-              <a:cs typeface="Times New Roman" panose="02020603050405020304" pitchFamily="18" charset="0"/>
-            </a:endParaRPr>
           </a:p>
         </p:txBody>
       </p:sp>
@@ -20382,7 +20009,6 @@
               <a:rPr lang="zh-CN" altLang="en-US" dirty="0"/>
               <a:t>介绍结构</a:t>
             </a:r>
-            <a:endParaRPr lang="zh-CN" altLang="en-US" dirty="0"/>
           </a:p>
         </p:txBody>
       </p:sp>
@@ -20438,11 +20064,6 @@
               </a:rPr>
               <a:t>本文工作</a:t>
             </a:r>
-            <a:endParaRPr lang="zh-CN" altLang="en-US" sz="1400" dirty="0">
-              <a:solidFill>
-                <a:schemeClr val="tx1"/>
-              </a:solidFill>
-            </a:endParaRPr>
           </a:p>
         </p:txBody>
       </p:sp>
@@ -20532,11 +20153,6 @@
               </a:rPr>
               <a:t>研究背景</a:t>
             </a:r>
-            <a:endParaRPr lang="zh-CN" altLang="en-US" sz="1400" dirty="0">
-              <a:solidFill>
-                <a:schemeClr val="tx1"/>
-              </a:solidFill>
-            </a:endParaRPr>
           </a:p>
         </p:txBody>
       </p:sp>
@@ -20627,11 +20243,6 @@
               </a:rPr>
               <a:t>同态加密</a:t>
             </a:r>
-            <a:endParaRPr lang="zh-CN" altLang="en-US" sz="1400" dirty="0">
-              <a:solidFill>
-                <a:schemeClr val="tx1"/>
-              </a:solidFill>
-            </a:endParaRPr>
           </a:p>
         </p:txBody>
       </p:sp>
@@ -20762,7 +20373,6 @@
               <a:rPr lang="zh-CN" altLang="en-US" sz="1400" dirty="0"/>
               <a:t>描述同态加密算法</a:t>
             </a:r>
-            <a:endParaRPr lang="zh-CN" altLang="en-US" sz="1400" dirty="0"/>
           </a:p>
         </p:txBody>
       </p:sp>
@@ -20792,7 +20402,6 @@
               <a:rPr lang="zh-CN" altLang="en-US" sz="1400" dirty="0"/>
               <a:t>同态方案分类</a:t>
             </a:r>
-            <a:endParaRPr lang="zh-CN" altLang="en-US" sz="1400" dirty="0"/>
           </a:p>
         </p:txBody>
       </p:sp>
@@ -20848,11 +20457,6 @@
               </a:rPr>
               <a:t>相关工作</a:t>
             </a:r>
-            <a:endParaRPr lang="zh-CN" altLang="en-US" sz="1400" dirty="0">
-              <a:solidFill>
-                <a:schemeClr val="tx1"/>
-              </a:solidFill>
-            </a:endParaRPr>
           </a:p>
         </p:txBody>
       </p:sp>
@@ -20883,7 +20487,7 @@
                 <a:latin typeface="Times New Roman" panose="02020603050405020304" pitchFamily="18" charset="0"/>
                 <a:cs typeface="Times New Roman" panose="02020603050405020304" pitchFamily="18" charset="0"/>
               </a:rPr>
-              <a:t>Cen09</a:t>
+              <a:t>Gen09</a:t>
             </a:r>
             <a:endParaRPr lang="zh-CN" altLang="en-US" b="1" dirty="0">
               <a:latin typeface="Times New Roman" panose="02020603050405020304" pitchFamily="18" charset="0"/>
@@ -20918,7 +20522,6 @@
               <a:rPr lang="zh-CN" altLang="en-US" sz="1400" dirty="0"/>
               <a:t>按后续文章结构顺序简单描述工作</a:t>
             </a:r>
-            <a:endParaRPr lang="zh-CN" altLang="en-US" sz="1400" dirty="0"/>
           </a:p>
         </p:txBody>
       </p:sp>
@@ -21002,7 +20605,6 @@
               <a:rPr lang="zh-CN" altLang="en-US" dirty="0"/>
               <a:t>介绍结构</a:t>
             </a:r>
-            <a:endParaRPr lang="zh-CN" altLang="en-US" dirty="0"/>
           </a:p>
         </p:txBody>
       </p:sp>
@@ -21058,11 +20660,6 @@
               </a:rPr>
               <a:t>本文工作</a:t>
             </a:r>
-            <a:endParaRPr lang="zh-CN" altLang="en-US" sz="1400" dirty="0">
-              <a:solidFill>
-                <a:schemeClr val="tx1"/>
-              </a:solidFill>
-            </a:endParaRPr>
           </a:p>
         </p:txBody>
       </p:sp>
@@ -21152,11 +20749,6 @@
               </a:rPr>
               <a:t>同态加密发展</a:t>
             </a:r>
-            <a:endParaRPr lang="zh-CN" altLang="en-US" sz="1400" dirty="0">
-              <a:solidFill>
-                <a:schemeClr val="tx1"/>
-              </a:solidFill>
-            </a:endParaRPr>
           </a:p>
         </p:txBody>
       </p:sp>
@@ -21247,11 +20839,6 @@
               </a:rPr>
               <a:t>效率考量</a:t>
             </a:r>
-            <a:endParaRPr lang="zh-CN" altLang="en-US" sz="1400" dirty="0">
-              <a:solidFill>
-                <a:schemeClr val="tx1"/>
-              </a:solidFill>
-            </a:endParaRPr>
           </a:p>
         </p:txBody>
       </p:sp>
@@ -21342,11 +20929,6 @@
               </a:rPr>
               <a:t>相关工作</a:t>
             </a:r>
-            <a:endParaRPr lang="zh-CN" altLang="en-US" sz="1400" dirty="0">
-              <a:solidFill>
-                <a:schemeClr val="tx1"/>
-              </a:solidFill>
-            </a:endParaRPr>
           </a:p>
         </p:txBody>
       </p:sp>
@@ -21429,7 +21011,6 @@
               <a:rPr lang="zh-CN" altLang="en-US" dirty="0"/>
               <a:t>介绍结构</a:t>
             </a:r>
-            <a:endParaRPr lang="zh-CN" altLang="en-US" dirty="0"/>
           </a:p>
         </p:txBody>
       </p:sp>
@@ -21483,13 +21064,8 @@
                   <a:schemeClr val="tx1"/>
                 </a:solidFill>
               </a:rPr>
-              <a:t>方案回顾</a:t>
-            </a:r>
-            <a:endParaRPr lang="zh-CN" altLang="en-US" sz="1400" dirty="0">
-              <a:solidFill>
-                <a:schemeClr val="tx1"/>
-              </a:solidFill>
-            </a:endParaRPr>
+              <a:t>方案展望</a:t>
+            </a:r>
           </a:p>
         </p:txBody>
       </p:sp>
@@ -21587,11 +21163,6 @@
               </a:rPr>
               <a:t>同态加密</a:t>
             </a:r>
-            <a:endParaRPr lang="zh-CN" altLang="en-US" sz="1400" dirty="0">
-              <a:solidFill>
-                <a:schemeClr val="tx1"/>
-              </a:solidFill>
-            </a:endParaRPr>
           </a:p>
         </p:txBody>
       </p:sp>
@@ -21682,11 +21253,6 @@
               </a:rPr>
               <a:t>本文工作</a:t>
             </a:r>
-            <a:endParaRPr lang="zh-CN" altLang="en-US" sz="1400" dirty="0">
-              <a:solidFill>
-                <a:schemeClr val="tx1"/>
-              </a:solidFill>
-            </a:endParaRPr>
           </a:p>
         </p:txBody>
       </p:sp>
@@ -21759,7 +21325,6 @@
               <a:rPr lang="zh-CN" altLang="en-US" sz="1400" dirty="0"/>
               <a:t>）</a:t>
             </a:r>
-            <a:endParaRPr lang="zh-CN" altLang="en-US" sz="1400" dirty="0"/>
           </a:p>
         </p:txBody>
       </p:sp>
@@ -21928,7 +21493,6 @@
               <a:rPr lang="zh-CN" altLang="en-US" sz="1400" dirty="0"/>
               <a:t>模交换</a:t>
             </a:r>
-            <a:endParaRPr lang="zh-CN" altLang="en-US" sz="1400" dirty="0"/>
           </a:p>
         </p:txBody>
       </p:sp>
@@ -21958,7 +21522,6 @@
               <a:rPr lang="zh-CN" altLang="en-US" sz="1400" dirty="0"/>
               <a:t>噪声处理</a:t>
             </a:r>
-            <a:endParaRPr lang="zh-CN" altLang="en-US" sz="1400" dirty="0"/>
           </a:p>
         </p:txBody>
       </p:sp>
@@ -22021,13 +21584,8 @@
           <a:p>
             <a:r>
               <a:rPr lang="zh-CN" altLang="en-US" sz="1400" dirty="0"/>
-              <a:t>自举</a:t>
-            </a:r>
-            <a:r>
-              <a:rPr lang="zh-CN" altLang="en-US" sz="1400" dirty="0"/>
-              <a:t>优化</a:t>
-            </a:r>
-            <a:endParaRPr lang="zh-CN" altLang="en-US" sz="1400" dirty="0"/>
+              <a:t>自举优化</a:t>
+            </a:r>
           </a:p>
         </p:txBody>
       </p:sp>
@@ -22057,7 +21615,6 @@
               <a:rPr lang="zh-CN" altLang="en-US" sz="1400" dirty="0"/>
               <a:t>其他优化</a:t>
             </a:r>
-            <a:endParaRPr lang="zh-CN" altLang="en-US" sz="1400" dirty="0"/>
           </a:p>
         </p:txBody>
       </p:sp>
@@ -22229,6 +21786,7 @@
           <a:bodyPr wrap="square" rtlCol="0">
             <a:spAutoFit/>
           </a:bodyPr>
+          <a:lstStyle/>
           <a:p>
             <a:r>
               <a:rPr lang="zh-CN" altLang="en-US" sz="1400" dirty="0"/>
@@ -22293,16 +21851,12 @@
           <a:bodyPr wrap="square" rtlCol="0">
             <a:spAutoFit/>
           </a:bodyPr>
+          <a:lstStyle/>
           <a:p>
             <a:r>
               <a:rPr lang="zh-CN" altLang="en-US" sz="1400" dirty="0"/>
-              <a:t>自然加乘</a:t>
-            </a:r>
-            <a:r>
-              <a:rPr lang="zh-CN" altLang="en-US" sz="1400" dirty="0"/>
-              <a:t>方案</a:t>
-            </a:r>
-            <a:endParaRPr lang="zh-CN" altLang="en-US" sz="1400" dirty="0"/>
+              <a:t>自然加乘方案</a:t>
+            </a:r>
           </a:p>
         </p:txBody>
       </p:sp>
@@ -22357,16 +21911,12 @@
           <a:bodyPr wrap="square" rtlCol="0">
             <a:spAutoFit/>
           </a:bodyPr>
+          <a:lstStyle/>
           <a:p>
             <a:r>
               <a:rPr lang="zh-CN" altLang="en-US" sz="1400" dirty="0"/>
-              <a:t>基于</a:t>
-            </a:r>
-            <a:r>
-              <a:rPr lang="zh-CN" altLang="en-US" sz="1400" dirty="0"/>
-              <a:t>身份</a:t>
-            </a:r>
-            <a:endParaRPr lang="zh-CN" altLang="en-US" sz="1400" dirty="0"/>
+              <a:t>基于身份</a:t>
+            </a:r>
           </a:p>
         </p:txBody>
       </p:sp>
@@ -22425,6 +21975,7 @@
           <a:bodyPr wrap="square" rtlCol="0">
             <a:spAutoFit/>
           </a:bodyPr>
+          <a:lstStyle/>
           <a:p>
             <a:r>
               <a:rPr lang="zh-CN" altLang="en-US" sz="1400" dirty="0"/>
@@ -22434,7 +21985,6 @@
               <a:rPr lang="en-US" altLang="zh-CN" sz="1400" dirty="0"/>
               <a:t>(ABE)</a:t>
             </a:r>
-            <a:endParaRPr lang="en-US" altLang="zh-CN" sz="1400" dirty="0"/>
           </a:p>
         </p:txBody>
       </p:sp>
@@ -22489,6 +22039,7 @@
           <a:bodyPr wrap="square" rtlCol="0">
             <a:spAutoFit/>
           </a:bodyPr>
+          <a:lstStyle/>
           <a:p>
             <a:r>
               <a:rPr lang="en-US" altLang="zh-CN" sz="1400" dirty="0"/>
@@ -22498,7 +22049,6 @@
               <a:rPr lang="zh-CN" altLang="en-US" sz="1400" dirty="0"/>
               <a:t>方案弊端</a:t>
             </a:r>
-            <a:endParaRPr lang="zh-CN" altLang="en-US" sz="1400" dirty="0"/>
           </a:p>
         </p:txBody>
       </p:sp>
@@ -22534,13 +22084,6 @@
               </a:rPr>
               <a:t>6/17</a:t>
             </a:r>
-            <a:endParaRPr lang="en-US" altLang="zh-CN" dirty="0">
-              <a:solidFill>
-                <a:schemeClr val="bg1">
-                  <a:lumMod val="75000"/>
-                </a:schemeClr>
-              </a:solidFill>
-            </a:endParaRPr>
           </a:p>
         </p:txBody>
       </p:sp>
@@ -22578,7 +22121,7 @@
           <p:nvPr/>
         </p:nvPicPr>
         <p:blipFill>
-          <a:blip r:embed="rId1">
+          <a:blip r:embed="rId2">
             <a:extLst>
               <a:ext uri="{28A0092B-C50C-407E-A947-70E740481C1C}">
                 <a14:useLocalDpi xmlns:a14="http://schemas.microsoft.com/office/drawing/2010/main" val="0"/>
@@ -22619,6 +22162,7 @@
           <a:bodyPr wrap="square" rtlCol="0">
             <a:spAutoFit/>
           </a:bodyPr>
+          <a:lstStyle/>
           <a:p>
             <a:r>
               <a:rPr lang="zh-CN" altLang="en-US" b="1" dirty="0">
@@ -22627,10 +22171,6 @@
               </a:rPr>
               <a:t>全同态加密</a:t>
             </a:r>
-            <a:endParaRPr lang="zh-CN" altLang="en-US" b="1" dirty="0">
-              <a:latin typeface="Times New Roman" panose="02020603050405020304" pitchFamily="18" charset="0"/>
-              <a:cs typeface="Times New Roman" panose="02020603050405020304" pitchFamily="18" charset="0"/>
-            </a:endParaRPr>
           </a:p>
         </p:txBody>
       </p:sp>
@@ -22643,10 +22183,10 @@
           <p:nvPr/>
         </p:nvPicPr>
         <p:blipFill>
-          <a:blip r:embed="rId2">
+          <a:blip r:embed="rId3">
             <a:extLst>
               <a:ext uri="{96DAC541-7B7A-43D3-8B79-37D633B846F1}">
-                <asvg:svgBlip xmlns:asvg="http://schemas.microsoft.com/office/drawing/2016/SVG/main" r:embed="rId3"/>
+                <asvg:svgBlip xmlns:asvg="http://schemas.microsoft.com/office/drawing/2016/SVG/main" r:embed="rId4"/>
               </a:ext>
             </a:extLst>
           </a:blip>
@@ -22684,6 +22224,7 @@
           <a:bodyPr wrap="square" rtlCol="0">
             <a:spAutoFit/>
           </a:bodyPr>
+          <a:lstStyle/>
           <a:p>
             <a:pPr algn="ctr"/>
             <a:r>
@@ -22789,12 +22330,12 @@
           <a:bodyPr wrap="square" rtlCol="0">
             <a:spAutoFit/>
           </a:bodyPr>
+          <a:lstStyle/>
           <a:p>
             <a:r>
               <a:rPr lang="zh-CN" altLang="en-US" sz="1400" dirty="0"/>
               <a:t>加工珠宝</a:t>
             </a:r>
-            <a:endParaRPr lang="zh-CN" altLang="en-US" sz="1400" dirty="0"/>
           </a:p>
         </p:txBody>
       </p:sp>
@@ -22818,16 +22359,12 @@
           <a:bodyPr wrap="square" rtlCol="0">
             <a:spAutoFit/>
           </a:bodyPr>
+          <a:lstStyle/>
           <a:p>
             <a:r>
               <a:rPr lang="zh-CN" altLang="en-US" sz="1400" dirty="0"/>
-              <a:t>担心</a:t>
-            </a:r>
-            <a:r>
-              <a:rPr lang="zh-CN" altLang="en-US" sz="1400" dirty="0"/>
-              <a:t>偷走</a:t>
-            </a:r>
-            <a:endParaRPr lang="zh-CN" altLang="en-US" sz="1400" dirty="0"/>
+              <a:t>担心偷走</a:t>
+            </a:r>
           </a:p>
         </p:txBody>
       </p:sp>
@@ -22879,6 +22416,7 @@
         </p:style>
         <p:txBody>
           <a:bodyPr rtlCol="0" anchor="ctr"/>
+          <a:lstStyle/>
           <a:p>
             <a:pPr algn="ctr"/>
             <a:endParaRPr lang="zh-CN" altLang="en-US"/>
@@ -22905,6 +22443,7 @@
           <a:bodyPr wrap="square" rtlCol="0">
             <a:spAutoFit/>
           </a:bodyPr>
+          <a:lstStyle/>
           <a:p>
             <a:r>
               <a:rPr lang="zh-CN" altLang="en-US">
@@ -22913,10 +22452,6 @@
               </a:rPr>
               <a:t>我有一个主意！</a:t>
             </a:r>
-            <a:endParaRPr lang="zh-CN" altLang="en-US">
-              <a:latin typeface="宋体" panose="02010600030101010101" pitchFamily="2" charset="-122"/>
-              <a:ea typeface="宋体" panose="02010600030101010101" pitchFamily="2" charset="-122"/>
-            </a:endParaRPr>
           </a:p>
         </p:txBody>
       </p:sp>
@@ -22929,10 +22464,10 @@
           <p:nvPr/>
         </p:nvPicPr>
         <p:blipFill>
-          <a:blip r:embed="rId4">
+          <a:blip r:embed="rId5">
             <a:extLst>
               <a:ext uri="{96DAC541-7B7A-43D3-8B79-37D633B846F1}">
-                <asvg:svgBlip xmlns:asvg="http://schemas.microsoft.com/office/drawing/2016/SVG/main" r:embed="rId5"/>
+                <asvg:svgBlip xmlns:asvg="http://schemas.microsoft.com/office/drawing/2016/SVG/main" r:embed="rId6"/>
               </a:ext>
             </a:extLst>
           </a:blip>
@@ -22970,6 +22505,7 @@
           <a:bodyPr wrap="square" rtlCol="0">
             <a:spAutoFit/>
           </a:bodyPr>
+          <a:lstStyle/>
           <a:p>
             <a:pPr algn="ctr"/>
             <a:r>
@@ -23059,14 +22595,15 @@
         </p:style>
         <p:txBody>
           <a:bodyPr rtlCol="0" anchor="ctr"/>
+          <a:lstStyle/>
           <a:p>
             <a:pPr algn="ctr"/>
             <a:endParaRPr lang="zh-CN" altLang="en-US"/>
           </a:p>
         </p:txBody>
       </p:sp>
-      <mc:AlternateContent xmlns:mc="http://schemas.openxmlformats.org/markup-compatibility/2006">
-        <mc:Choice xmlns:a14="http://schemas.microsoft.com/office/drawing/2010/main" Requires="a14">
+      <mc:AlternateContent xmlns:mc="http://schemas.openxmlformats.org/markup-compatibility/2006" xmlns:a14="http://schemas.microsoft.com/office/drawing/2010/main">
+        <mc:Choice Requires="a14">
           <p:sp>
             <p:nvSpPr>
               <p:cNvPr id="34" name="文本框 33"/>
@@ -23087,7 +22624,9 @@
               <a:bodyPr wrap="square" rtlCol="0">
                 <a:noAutofit/>
               </a:bodyPr>
+              <a:lstStyle/>
               <a:p>
+                <a:pPr/>
                 <a14:m>
                   <m:oMathPara xmlns:m="http://schemas.openxmlformats.org/officeDocument/2006/math">
                     <m:oMathParaPr>
@@ -23098,7 +22637,7 @@
                         <m:sSubPr>
                           <m:ctrlPr>
                             <a:rPr lang="en-US" altLang="zh-CN" i="1">
-                              <a:latin typeface="Cambria Math" panose="02040503050406030204" charset="0"/>
+                              <a:latin typeface="Cambria Math" panose="02040503050406030204" pitchFamily="18" charset="0"/>
                               <a:cs typeface="Cambria Math" panose="02040503050406030204" charset="0"/>
                             </a:rPr>
                           </m:ctrlPr>
@@ -23133,7 +22672,7 @@
                         <m:sSubSupPr>
                           <m:ctrlPr>
                             <a:rPr lang="en-US" altLang="zh-CN" i="1">
-                              <a:latin typeface="Cambria Math" panose="02040503050406030204" charset="0"/>
+                              <a:latin typeface="Cambria Math" panose="02040503050406030204" pitchFamily="18" charset="0"/>
                               <a:cs typeface="Cambria Math" panose="02040503050406030204" charset="0"/>
                             </a:rPr>
                           </m:ctrlPr>
@@ -23171,7 +22710,7 @@
                           <a:latin typeface="Cambria Math" panose="02040503050406030204" charset="0"/>
                           <a:cs typeface="Cambria Math" panose="02040503050406030204" charset="0"/>
                         </a:rPr>
-                        <m:t> </m:t>
+                        <m:t> </m:t>
                       </m:r>
                       <m:r>
                         <a:rPr lang="en-US" altLang="zh-CN" i="1">
@@ -23185,7 +22724,7 @@
                           <a:latin typeface="Cambria Math" panose="02040503050406030204" charset="0"/>
                           <a:cs typeface="Cambria Math" panose="02040503050406030204" charset="0"/>
                         </a:rPr>
-                        <m:t> </m:t>
+                        <m:t> </m:t>
                       </m:r>
                       <m:r>
                         <a:rPr lang="en-US" altLang="zh-CN" i="1">
@@ -23200,6 +22739,7 @@
                 <a:endParaRPr lang="en-US" altLang="zh-CN"/>
               </a:p>
               <a:p>
+                <a:pPr/>
                 <a14:m>
                   <m:oMathPara xmlns:m="http://schemas.openxmlformats.org/officeDocument/2006/math">
                     <m:oMathParaPr>
@@ -23210,7 +22750,7 @@
                         <m:sSubPr>
                           <m:ctrlPr>
                             <a:rPr lang="en-US" altLang="zh-CN" i="1">
-                              <a:latin typeface="Cambria Math" panose="02040503050406030204" charset="0"/>
+                              <a:latin typeface="Cambria Math" panose="02040503050406030204" pitchFamily="18" charset="0"/>
                               <a:cs typeface="Cambria Math" panose="02040503050406030204" charset="0"/>
                             </a:rPr>
                           </m:ctrlPr>
@@ -23245,7 +22785,7 @@
                         <m:sSubSupPr>
                           <m:ctrlPr>
                             <a:rPr lang="en-US" altLang="zh-CN" i="1">
-                              <a:latin typeface="Cambria Math" panose="02040503050406030204" charset="0"/>
+                              <a:latin typeface="Cambria Math" panose="02040503050406030204" pitchFamily="18" charset="0"/>
                               <a:cs typeface="Cambria Math" panose="02040503050406030204" charset="0"/>
                             </a:rPr>
                           </m:ctrlPr>
@@ -23283,7 +22823,7 @@
                           <a:latin typeface="Cambria Math" panose="02040503050406030204" charset="0"/>
                           <a:cs typeface="Cambria Math" panose="02040503050406030204" charset="0"/>
                         </a:rPr>
-                        <m:t> </m:t>
+                        <m:t> </m:t>
                       </m:r>
                       <m:r>
                         <a:rPr lang="en-US" altLang="zh-CN" i="1">
@@ -23297,7 +22837,7 @@
                           <a:latin typeface="Cambria Math" panose="02040503050406030204" charset="0"/>
                           <a:cs typeface="Cambria Math" panose="02040503050406030204" charset="0"/>
                         </a:rPr>
-                        <m:t> </m:t>
+                        <m:t> </m:t>
                       </m:r>
                       <m:r>
                         <a:rPr lang="en-US" altLang="zh-CN" i="1">
@@ -23312,6 +22852,7 @@
                 <a:endParaRPr lang="zh-CN" altLang="en-US"/>
               </a:p>
               <a:p>
+                <a:pPr/>
                 <a14:m>
                   <m:oMathPara xmlns:m="http://schemas.openxmlformats.org/officeDocument/2006/math">
                     <m:oMathParaPr>
@@ -23322,7 +22863,7 @@
                         <m:sSubPr>
                           <m:ctrlPr>
                             <a:rPr lang="en-US" altLang="zh-CN" i="1">
-                              <a:latin typeface="Cambria Math" panose="02040503050406030204" charset="0"/>
+                              <a:latin typeface="Cambria Math" panose="02040503050406030204" pitchFamily="18" charset="0"/>
                               <a:cs typeface="Cambria Math" panose="02040503050406030204" charset="0"/>
                             </a:rPr>
                           </m:ctrlPr>
@@ -23357,7 +22898,7 @@
                         <m:sSubPr>
                           <m:ctrlPr>
                             <a:rPr lang="en-US" altLang="zh-CN" i="1">
-                              <a:latin typeface="Cambria Math" panose="02040503050406030204" charset="0"/>
+                              <a:latin typeface="Cambria Math" panose="02040503050406030204" pitchFamily="18" charset="0"/>
                               <a:cs typeface="Cambria Math" panose="02040503050406030204" charset="0"/>
                             </a:rPr>
                           </m:ctrlPr>
@@ -23392,7 +22933,7 @@
                         <m:sSupPr>
                           <m:ctrlPr>
                             <a:rPr lang="en-US" altLang="zh-CN" i="1">
-                              <a:latin typeface="Cambria Math" panose="02040503050406030204" charset="0"/>
+                              <a:latin typeface="Cambria Math" panose="02040503050406030204" pitchFamily="18" charset="0"/>
                               <a:cs typeface="Cambria Math" panose="02040503050406030204" charset="0"/>
                             </a:rPr>
                           </m:ctrlPr>
@@ -23409,7 +22950,7 @@
                             <m:sSubPr>
                               <m:ctrlPr>
                                 <a:rPr lang="en-US" altLang="zh-CN" i="1">
-                                  <a:latin typeface="Cambria Math" panose="02040503050406030204" charset="0"/>
+                                  <a:latin typeface="Cambria Math" panose="02040503050406030204" pitchFamily="18" charset="0"/>
                                   <a:cs typeface="Cambria Math" panose="02040503050406030204" charset="0"/>
                                 </a:rPr>
                               </m:ctrlPr>
@@ -23444,7 +22985,7 @@
                             <m:sSubPr>
                               <m:ctrlPr>
                                 <a:rPr lang="en-US" altLang="zh-CN" i="1">
-                                  <a:latin typeface="Cambria Math" panose="02040503050406030204" charset="0"/>
+                                  <a:latin typeface="Cambria Math" panose="02040503050406030204" pitchFamily="18" charset="0"/>
                                   <a:cs typeface="Cambria Math" panose="02040503050406030204" charset="0"/>
                                 </a:rPr>
                               </m:ctrlPr>
@@ -23491,7 +23032,7 @@
                           <a:latin typeface="Cambria Math" panose="02040503050406030204" charset="0"/>
                           <a:cs typeface="Cambria Math" panose="02040503050406030204" charset="0"/>
                         </a:rPr>
-                        <m:t> </m:t>
+                        <m:t> </m:t>
                       </m:r>
                       <m:r>
                         <a:rPr lang="en-US" altLang="zh-CN" i="1">
@@ -23505,7 +23046,7 @@
                           <a:latin typeface="Cambria Math" panose="02040503050406030204" charset="0"/>
                           <a:cs typeface="Cambria Math" panose="02040503050406030204" charset="0"/>
                         </a:rPr>
-                        <m:t> </m:t>
+                        <m:t> </m:t>
                       </m:r>
                       <m:r>
                         <a:rPr lang="en-US" altLang="zh-CN" i="1">
@@ -23522,7 +23063,7 @@
             </p:txBody>
           </p:sp>
         </mc:Choice>
-        <mc:Fallback>
+        <mc:Fallback xmlns="">
           <p:sp>
             <p:nvSpPr>
               <p:cNvPr id="34" name="文本框 33"/>
@@ -23540,7 +23081,7 @@
                 <a:avLst/>
               </a:prstGeom>
               <a:blipFill rotWithShape="1">
-                <a:blip r:embed="rId6"/>
+                <a:blip r:embed="rId7"/>
                 <a:stretch>
                   <a:fillRect/>
                 </a:stretch>
@@ -23581,6 +23122,7 @@
           <a:bodyPr wrap="square" rtlCol="0" anchor="t">
             <a:spAutoFit/>
           </a:bodyPr>
+          <a:lstStyle/>
           <a:p>
             <a:r>
               <a:rPr lang="zh-CN" altLang="en-US">
@@ -23590,11 +23132,6 @@
               </a:rPr>
               <a:t>问题产生了：</a:t>
             </a:r>
-            <a:endParaRPr lang="zh-CN" altLang="en-US">
-              <a:latin typeface="宋体" panose="02010600030101010101" pitchFamily="2" charset="-122"/>
-              <a:ea typeface="宋体" panose="02010600030101010101" pitchFamily="2" charset="-122"/>
-              <a:sym typeface="+mn-ea"/>
-            </a:endParaRPr>
           </a:p>
           <a:p>
             <a:r>
@@ -23611,21 +23148,8 @@
                 <a:ea typeface="宋体" panose="02010600030101010101" pitchFamily="2" charset="-122"/>
                 <a:sym typeface="+mn-ea"/>
               </a:rPr>
-              <a:t>珠宝加工效率大大</a:t>
-            </a:r>
-            <a:r>
-              <a:rPr lang="zh-CN" altLang="en-US">
-                <a:latin typeface="宋体" panose="02010600030101010101" pitchFamily="2" charset="-122"/>
-                <a:ea typeface="宋体" panose="02010600030101010101" pitchFamily="2" charset="-122"/>
-                <a:sym typeface="+mn-ea"/>
-              </a:rPr>
-              <a:t>降低了</a:t>
-            </a:r>
-            <a:endParaRPr lang="zh-CN" altLang="en-US">
-              <a:latin typeface="宋体" panose="02010600030101010101" pitchFamily="2" charset="-122"/>
-              <a:ea typeface="宋体" panose="02010600030101010101" pitchFamily="2" charset="-122"/>
-              <a:sym typeface="+mn-ea"/>
-            </a:endParaRPr>
+              <a:t>珠宝加工效率大大降低了</a:t>
+            </a:r>
           </a:p>
           <a:p>
             <a:r>
@@ -23650,14 +23174,6 @@
               </a:rPr>
               <a:t>加工复杂的珠宝时，盒子会产生磨损！</a:t>
             </a:r>
-            <a:endParaRPr lang="zh-CN" altLang="en-US">
-              <a:solidFill>
-                <a:srgbClr val="FF0000"/>
-              </a:solidFill>
-              <a:latin typeface="宋体" panose="02010600030101010101" pitchFamily="2" charset="-122"/>
-              <a:ea typeface="宋体" panose="02010600030101010101" pitchFamily="2" charset="-122"/>
-              <a:sym typeface="+mn-ea"/>
-            </a:endParaRPr>
           </a:p>
         </p:txBody>
       </p:sp>
@@ -23670,7 +23186,7 @@
           <p:nvPr/>
         </p:nvPicPr>
         <p:blipFill>
-          <a:blip r:embed="rId7"/>
+          <a:blip r:embed="rId8"/>
           <a:stretch>
             <a:fillRect/>
           </a:stretch>
@@ -23705,6 +23221,7 @@
           <a:bodyPr wrap="square" rtlCol="0">
             <a:noAutofit/>
           </a:bodyPr>
+          <a:lstStyle/>
           <a:p>
             <a:r>
               <a:rPr lang="en-US" altLang="zh-CN">
@@ -23718,32 +23235,17 @@
                 <a:latin typeface="宋体" panose="02010600030101010101" pitchFamily="2" charset="-122"/>
                 <a:ea typeface="宋体" panose="02010600030101010101" pitchFamily="2" charset="-122"/>
               </a:rPr>
-              <a:t>保管开锁</a:t>
-            </a:r>
+              <a:t>保管开锁钥匙</a:t>
+            </a:r>
+          </a:p>
+          <a:p>
             <a:r>
               <a:rPr lang="zh-CN" altLang="en-US">
                 <a:latin typeface="宋体" panose="02010600030101010101" pitchFamily="2" charset="-122"/>
                 <a:ea typeface="宋体" panose="02010600030101010101" pitchFamily="2" charset="-122"/>
               </a:rPr>
-              <a:t>钥匙</a:t>
-            </a:r>
-            <a:endParaRPr lang="zh-CN" altLang="en-US">
-              <a:latin typeface="宋体" panose="02010600030101010101" pitchFamily="2" charset="-122"/>
-              <a:ea typeface="宋体" panose="02010600030101010101" pitchFamily="2" charset="-122"/>
-            </a:endParaRPr>
-          </a:p>
-          <a:p>
-            <a:r>
-              <a:rPr lang="zh-CN" altLang="en-US">
-                <a:latin typeface="宋体" panose="02010600030101010101" pitchFamily="2" charset="-122"/>
-                <a:ea typeface="宋体" panose="02010600030101010101" pitchFamily="2" charset="-122"/>
-              </a:rPr>
               <a:t>有一个单向的进口，外面的人可以投任何东西进来，但是无法打开手套箱把它们取出来！</a:t>
             </a:r>
-            <a:endParaRPr lang="zh-CN" altLang="en-US">
-              <a:latin typeface="宋体" panose="02010600030101010101" pitchFamily="2" charset="-122"/>
-              <a:ea typeface="宋体" panose="02010600030101010101" pitchFamily="2" charset="-122"/>
-            </a:endParaRPr>
           </a:p>
         </p:txBody>
       </p:sp>
@@ -23780,6 +23282,7 @@
         </p:style>
         <p:txBody>
           <a:bodyPr rtlCol="0" anchor="ctr"/>
+          <a:lstStyle/>
           <a:p>
             <a:pPr algn="ctr"/>
             <a:endParaRPr lang="zh-CN" altLang="en-US"/>
@@ -23806,6 +23309,7 @@
           <a:bodyPr wrap="square" rtlCol="0" anchor="t">
             <a:spAutoFit/>
           </a:bodyPr>
+          <a:lstStyle/>
           <a:p>
             <a:pPr algn="ctr"/>
             <a:r>
@@ -23852,14 +23356,6 @@
               </a:rPr>
               <a:t>)</a:t>
             </a:r>
-            <a:endParaRPr lang="en-US" altLang="zh-CN">
-              <a:solidFill>
-                <a:schemeClr val="tx1"/>
-              </a:solidFill>
-              <a:latin typeface="宋体" panose="02010600030101010101" pitchFamily="2" charset="-122"/>
-              <a:ea typeface="宋体" panose="02010600030101010101" pitchFamily="2" charset="-122"/>
-              <a:sym typeface="+mn-ea"/>
-            </a:endParaRPr>
           </a:p>
         </p:txBody>
       </p:sp>
@@ -23883,74 +23379,98 @@
           <a:bodyPr wrap="square" rtlCol="0">
             <a:noAutofit/>
           </a:bodyPr>
-          <a:p>
-            <a:r>
-              <a:rPr>
+          <a:lstStyle/>
+          <a:p>
+            <a:r>
+              <a:rPr dirty="0" err="1">
                 <a:latin typeface="宋体" panose="02010600030101010101" pitchFamily="2" charset="-122"/>
                 <a:ea typeface="宋体" panose="02010600030101010101" pitchFamily="2" charset="-122"/>
               </a:rPr>
-              <a:t>Alice拥有手套箱的钥匙，所以可以打开盒中的东西。这代表了FHE加密系统的解密正确性。</a:t>
-            </a:r>
-            <a:endParaRPr>
+              <a:t>Alice拥有手套箱的钥匙，所以可以打开盒中的东西。这代表了FHE加密系统的解密正确性</a:t>
+            </a:r>
+            <a:r>
+              <a:rPr dirty="0">
+                <a:latin typeface="宋体" panose="02010600030101010101" pitchFamily="2" charset="-122"/>
+                <a:ea typeface="宋体" panose="02010600030101010101" pitchFamily="2" charset="-122"/>
+              </a:rPr>
+              <a:t>。</a:t>
+            </a:r>
+          </a:p>
+          <a:p>
+            <a:r>
+              <a:rPr dirty="0" err="1">
+                <a:latin typeface="宋体" panose="02010600030101010101" pitchFamily="2" charset="-122"/>
+                <a:ea typeface="宋体" panose="02010600030101010101" pitchFamily="2" charset="-122"/>
+              </a:rPr>
+              <a:t>Bob可以通过单向的入口把东西投入手套箱中，但是无法取出任何东西。这代表了我们讨论的FHE加密系统是一个安全的public</a:t>
+            </a:r>
+            <a:r>
+              <a:rPr dirty="0">
+                <a:latin typeface="宋体" panose="02010600030101010101" pitchFamily="2" charset="-122"/>
+                <a:ea typeface="宋体" panose="02010600030101010101" pitchFamily="2" charset="-122"/>
+              </a:rPr>
+              <a:t> </a:t>
+            </a:r>
+            <a:r>
+              <a:rPr dirty="0" err="1">
+                <a:latin typeface="宋体" panose="02010600030101010101" pitchFamily="2" charset="-122"/>
+                <a:ea typeface="宋体" panose="02010600030101010101" pitchFamily="2" charset="-122"/>
+              </a:rPr>
+              <a:t>key（公钥）的加密系统，即任意第三方都可以创造密文但不能解开密文</a:t>
+            </a:r>
+            <a:r>
+              <a:rPr dirty="0">
+                <a:latin typeface="宋体" panose="02010600030101010101" pitchFamily="2" charset="-122"/>
+                <a:ea typeface="宋体" panose="02010600030101010101" pitchFamily="2" charset="-122"/>
+              </a:rPr>
+              <a:t>。</a:t>
+            </a:r>
+          </a:p>
+          <a:p>
+            <a:r>
+              <a:rPr dirty="0" err="1">
+                <a:latin typeface="宋体" panose="02010600030101010101" pitchFamily="2" charset="-122"/>
+                <a:ea typeface="宋体" panose="02010600030101010101" pitchFamily="2" charset="-122"/>
+              </a:rPr>
+              <a:t>Bob可以通过两个手套口，任意的加工放在手套箱中的物品，但是效率比起直接加工要慢上许多。这一步对应了FHE中的同态计算</a:t>
+            </a:r>
+            <a:r>
+              <a:rPr lang="zh-CN" dirty="0">
+                <a:latin typeface="宋体" panose="02010600030101010101" pitchFamily="2" charset="-122"/>
+                <a:ea typeface="宋体" panose="02010600030101010101" pitchFamily="2" charset="-122"/>
+              </a:rPr>
+              <a:t>。</a:t>
+            </a:r>
+            <a:endParaRPr dirty="0">
               <a:latin typeface="宋体" panose="02010600030101010101" pitchFamily="2" charset="-122"/>
               <a:ea typeface="宋体" panose="02010600030101010101" pitchFamily="2" charset="-122"/>
             </a:endParaRPr>
           </a:p>
           <a:p>
             <a:r>
-              <a:rPr>
+              <a:rPr dirty="0" err="1">
+                <a:solidFill>
+                  <a:srgbClr val="FF0000"/>
+                </a:solidFill>
                 <a:latin typeface="宋体" panose="02010600030101010101" pitchFamily="2" charset="-122"/>
                 <a:ea typeface="宋体" panose="02010600030101010101" pitchFamily="2" charset="-122"/>
               </a:rPr>
-              <a:t>Bob可以通过单向的入口把东西投入手套箱中，但是无法取出任何东西。这代表了我们讨论的FHE加密系统是一个安全的public key（公钥）的加密系统，即任意第三方都可以创造密文但不能解开密文。</a:t>
-            </a:r>
-            <a:endParaRPr>
+              <a:t>手套箱的使用寿命，以及使用了若干次之后就会坏掉这一设定，完美的吻合了Lattice结构的FHE系统中的噪声以及上限</a:t>
+            </a:r>
+            <a:r>
+              <a:rPr lang="zh-CN" dirty="0">
+                <a:latin typeface="宋体" panose="02010600030101010101" pitchFamily="2" charset="-122"/>
+                <a:ea typeface="宋体" panose="02010600030101010101" pitchFamily="2" charset="-122"/>
+              </a:rPr>
+              <a:t>。</a:t>
+            </a:r>
+            <a:endParaRPr dirty="0">
               <a:latin typeface="宋体" panose="02010600030101010101" pitchFamily="2" charset="-122"/>
               <a:ea typeface="宋体" panose="02010600030101010101" pitchFamily="2" charset="-122"/>
             </a:endParaRPr>
           </a:p>
           <a:p>
-            <a:r>
-              <a:rPr>
-                <a:latin typeface="宋体" panose="02010600030101010101" pitchFamily="2" charset="-122"/>
-                <a:ea typeface="宋体" panose="02010600030101010101" pitchFamily="2" charset="-122"/>
-              </a:rPr>
-              <a:t>Bob可以通过两个手套口，任意的加工放在手套箱中的物品，但是效率比起直接加工要慢上许多。这一步对应了FHE中的同态计算</a:t>
-            </a:r>
-            <a:r>
-              <a:rPr lang="zh-CN">
-                <a:latin typeface="宋体" panose="02010600030101010101" pitchFamily="2" charset="-122"/>
-                <a:ea typeface="宋体" panose="02010600030101010101" pitchFamily="2" charset="-122"/>
-              </a:rPr>
-              <a:t>。</a:t>
-            </a:r>
-            <a:endParaRPr>
-              <a:latin typeface="宋体" panose="02010600030101010101" pitchFamily="2" charset="-122"/>
-              <a:ea typeface="宋体" panose="02010600030101010101" pitchFamily="2" charset="-122"/>
-            </a:endParaRPr>
-          </a:p>
-          <a:p>
-            <a:r>
-              <a:rPr>
-                <a:latin typeface="宋体" panose="02010600030101010101" pitchFamily="2" charset="-122"/>
-                <a:ea typeface="宋体" panose="02010600030101010101" pitchFamily="2" charset="-122"/>
-              </a:rPr>
-              <a:t>手套箱的使用寿命，以及使用了若干次之后就会坏掉这一设定，完美的吻合了Lattice结构的FHE系统中的噪声以及上限</a:t>
-            </a:r>
-            <a:r>
-              <a:rPr lang="zh-CN">
-                <a:latin typeface="宋体" panose="02010600030101010101" pitchFamily="2" charset="-122"/>
-                <a:ea typeface="宋体" panose="02010600030101010101" pitchFamily="2" charset="-122"/>
-              </a:rPr>
-              <a:t>。</a:t>
-            </a:r>
-            <a:endParaRPr>
-              <a:latin typeface="宋体" panose="02010600030101010101" pitchFamily="2" charset="-122"/>
-              <a:ea typeface="宋体" panose="02010600030101010101" pitchFamily="2" charset="-122"/>
-            </a:endParaRPr>
-          </a:p>
-          <a:p>
-            <a:endParaRPr>
+            <a:endParaRPr dirty="0">
               <a:latin typeface="宋体" panose="02010600030101010101" pitchFamily="2" charset="-122"/>
               <a:ea typeface="宋体" panose="02010600030101010101" pitchFamily="2" charset="-122"/>
             </a:endParaRPr>
@@ -23989,13 +23509,6 @@
               </a:rPr>
               <a:t>7/17</a:t>
             </a:r>
-            <a:endParaRPr lang="en-US" altLang="zh-CN" dirty="0">
-              <a:solidFill>
-                <a:schemeClr val="bg1">
-                  <a:lumMod val="75000"/>
-                </a:schemeClr>
-              </a:solidFill>
-            </a:endParaRPr>
           </a:p>
         </p:txBody>
       </p:sp>
@@ -24033,7 +23546,7 @@
           <p:nvPr/>
         </p:nvPicPr>
         <p:blipFill>
-          <a:blip r:embed="rId1">
+          <a:blip r:embed="rId3">
             <a:extLst>
               <a:ext uri="{28A0092B-C50C-407E-A947-70E740481C1C}">
                 <a14:useLocalDpi xmlns:a14="http://schemas.microsoft.com/office/drawing/2010/main" val="0"/>
@@ -24074,20 +23587,14 @@
           <a:bodyPr wrap="square" rtlCol="0">
             <a:spAutoFit/>
           </a:bodyPr>
+          <a:lstStyle/>
           <a:p>
             <a:r>
               <a:rPr lang="en-US" altLang="zh-CN" b="1" dirty="0">
                 <a:latin typeface="Times New Roman" panose="02020603050405020304" pitchFamily="18" charset="0"/>
                 <a:cs typeface="Times New Roman" panose="02020603050405020304" pitchFamily="18" charset="0"/>
               </a:rPr>
-              <a:t>G</a:t>
-            </a:r>
-            <a:r>
-              <a:rPr lang="en-US" altLang="zh-CN" b="1" dirty="0">
-                <a:latin typeface="Times New Roman" panose="02020603050405020304" pitchFamily="18" charset="0"/>
-                <a:cs typeface="Times New Roman" panose="02020603050405020304" pitchFamily="18" charset="0"/>
-              </a:rPr>
-              <a:t>en09</a:t>
+              <a:t>Gen09</a:t>
             </a:r>
             <a:endParaRPr lang="zh-CN" altLang="en-US" b="1" dirty="0">
               <a:latin typeface="Times New Roman" panose="02020603050405020304" pitchFamily="18" charset="0"/>
@@ -24116,6 +23623,7 @@
           <a:bodyPr wrap="square" rtlCol="0">
             <a:spAutoFit/>
           </a:bodyPr>
+          <a:lstStyle/>
           <a:p>
             <a:r>
               <a:rPr lang="en-US" altLang="zh-CN" b="1" dirty="0">
@@ -24162,7 +23670,7 @@
           <p:nvPr/>
         </p:nvPicPr>
         <p:blipFill>
-          <a:blip r:embed="rId2"/>
+          <a:blip r:embed="rId4"/>
           <a:stretch>
             <a:fillRect/>
           </a:stretch>
@@ -24223,6 +23731,7 @@
         </p:style>
         <p:txBody>
           <a:bodyPr rtlCol="0" anchor="ctr"/>
+          <a:lstStyle/>
           <a:p>
             <a:pPr algn="ctr"/>
             <a:endParaRPr lang="zh-CN" altLang="en-US"/>
@@ -24249,6 +23758,7 @@
           <a:bodyPr wrap="square" rtlCol="0">
             <a:spAutoFit/>
           </a:bodyPr>
+          <a:lstStyle/>
           <a:p>
             <a:r>
               <a:rPr lang="en-US" altLang="zh-CN" dirty="0">
@@ -24273,11 +23783,6 @@
               </a:rPr>
               <a:t>?</a:t>
             </a:r>
-            <a:endParaRPr lang="en-US" altLang="zh-CN" dirty="0">
-              <a:latin typeface="宋体" panose="02010600030101010101" pitchFamily="2" charset="-122"/>
-              <a:ea typeface="宋体" panose="02010600030101010101" pitchFamily="2" charset="-122"/>
-              <a:cs typeface="宋体" panose="02010600030101010101" pitchFamily="2" charset="-122"/>
-            </a:endParaRPr>
           </a:p>
         </p:txBody>
       </p:sp>
@@ -24301,6 +23806,7 @@
           <a:bodyPr wrap="square" rtlCol="0">
             <a:spAutoFit/>
           </a:bodyPr>
+          <a:lstStyle/>
           <a:p>
             <a:r>
               <a:rPr lang="zh-CN" altLang="en-US" sz="4400" dirty="0">
@@ -24323,24 +23829,6 @@
               </a:rPr>
               <a:t>处理噪声！</a:t>
             </a:r>
-            <a:endParaRPr lang="zh-CN" altLang="en-US" sz="4400" dirty="0">
-              <a:ln w="22225">
-                <a:solidFill>
-                  <a:schemeClr val="accent2"/>
-                </a:solidFill>
-                <a:prstDash val="solid"/>
-              </a:ln>
-              <a:solidFill>
-                <a:schemeClr val="accent2">
-                  <a:lumMod val="40000"/>
-                  <a:lumOff val="60000"/>
-                </a:schemeClr>
-              </a:solidFill>
-              <a:effectLst/>
-              <a:latin typeface="宋体" panose="02010600030101010101" pitchFamily="2" charset="-122"/>
-              <a:ea typeface="宋体" panose="02010600030101010101" pitchFamily="2" charset="-122"/>
-              <a:cs typeface="宋体" panose="02010600030101010101" pitchFamily="2" charset="-122"/>
-            </a:endParaRPr>
           </a:p>
         </p:txBody>
       </p:sp>
@@ -24364,6 +23852,7 @@
           <a:bodyPr wrap="square" rtlCol="0">
             <a:spAutoFit/>
           </a:bodyPr>
+          <a:lstStyle/>
           <a:p>
             <a:r>
               <a:rPr lang="en-US" altLang="zh-CN" dirty="0">
@@ -24380,11 +23869,6 @@
               </a:rPr>
               <a:t>什么是自举？</a:t>
             </a:r>
-            <a:endParaRPr lang="zh-CN" altLang="en-US" dirty="0">
-              <a:latin typeface="宋体" panose="02010600030101010101" pitchFamily="2" charset="-122"/>
-              <a:ea typeface="宋体" panose="02010600030101010101" pitchFamily="2" charset="-122"/>
-              <a:cs typeface="Times New Roman" panose="02020603050405020304" pitchFamily="18" charset="0"/>
-            </a:endParaRPr>
           </a:p>
         </p:txBody>
       </p:sp>
@@ -24436,6 +23920,7 @@
         </p:style>
         <p:txBody>
           <a:bodyPr rtlCol="0" anchor="ctr"/>
+          <a:lstStyle/>
           <a:p>
             <a:pPr algn="ctr"/>
             <a:endParaRPr lang="zh-CN" altLang="en-US"/>
@@ -24483,6 +23968,7 @@
         </p:style>
         <p:txBody>
           <a:bodyPr rtlCol="0" anchor="ctr"/>
+          <a:lstStyle/>
           <a:p>
             <a:pPr algn="ctr"/>
             <a:endParaRPr lang="zh-CN" altLang="en-US"/>
@@ -24537,6 +24023,7 @@
         </p:style>
         <p:txBody>
           <a:bodyPr rtlCol="0" anchor="ctr"/>
+          <a:lstStyle/>
           <a:p>
             <a:pPr algn="ctr"/>
             <a:endParaRPr lang="zh-CN" altLang="en-US"/>
@@ -24563,6 +24050,7 @@
           <a:bodyPr wrap="square" rtlCol="0">
             <a:spAutoFit/>
           </a:bodyPr>
+          <a:lstStyle/>
           <a:p>
             <a:r>
               <a:rPr lang="zh-CN" altLang="en-US" sz="1200" dirty="0">
@@ -24570,66 +24058,41 @@
                 <a:ea typeface="宋体" panose="02010600030101010101" pitchFamily="2" charset="-122"/>
                 <a:cs typeface="宋体" panose="02010600030101010101" pitchFamily="2" charset="-122"/>
               </a:rPr>
-              <a:t>初始噪声</a:t>
-            </a:r>
+              <a:t>初始噪声值</a:t>
+            </a:r>
+          </a:p>
+        </p:txBody>
+      </p:sp>
+      <p:sp>
+        <p:nvSpPr>
+          <p:cNvPr id="17" name="文本框 16"/>
+          <p:cNvSpPr txBox="1"/>
+          <p:nvPr/>
+        </p:nvSpPr>
+        <p:spPr>
+          <a:xfrm>
+            <a:off x="5465445" y="3602355"/>
+            <a:ext cx="1261110" cy="275590"/>
+          </a:xfrm>
+          <a:prstGeom prst="rect">
+            <a:avLst/>
+          </a:prstGeom>
+          <a:noFill/>
+        </p:spPr>
+        <p:txBody>
+          <a:bodyPr wrap="square" rtlCol="0">
+            <a:spAutoFit/>
+          </a:bodyPr>
+          <a:lstStyle/>
+          <a:p>
             <a:r>
               <a:rPr lang="zh-CN" altLang="en-US" sz="1200" dirty="0">
                 <a:latin typeface="宋体" panose="02010600030101010101" pitchFamily="2" charset="-122"/>
                 <a:ea typeface="宋体" panose="02010600030101010101" pitchFamily="2" charset="-122"/>
                 <a:cs typeface="宋体" panose="02010600030101010101" pitchFamily="2" charset="-122"/>
               </a:rPr>
-              <a:t>值</a:t>
-            </a:r>
-            <a:endParaRPr lang="zh-CN" altLang="en-US" sz="1200" dirty="0">
-              <a:latin typeface="宋体" panose="02010600030101010101" pitchFamily="2" charset="-122"/>
-              <a:ea typeface="宋体" panose="02010600030101010101" pitchFamily="2" charset="-122"/>
-              <a:cs typeface="宋体" panose="02010600030101010101" pitchFamily="2" charset="-122"/>
-            </a:endParaRPr>
-          </a:p>
-        </p:txBody>
-      </p:sp>
-      <p:sp>
-        <p:nvSpPr>
-          <p:cNvPr id="17" name="文本框 16"/>
-          <p:cNvSpPr txBox="1"/>
-          <p:nvPr/>
-        </p:nvSpPr>
-        <p:spPr>
-          <a:xfrm>
-            <a:off x="5465445" y="3602355"/>
-            <a:ext cx="1261110" cy="275590"/>
-          </a:xfrm>
-          <a:prstGeom prst="rect">
-            <a:avLst/>
-          </a:prstGeom>
-          <a:noFill/>
-        </p:spPr>
-        <p:txBody>
-          <a:bodyPr wrap="square" rtlCol="0">
-            <a:spAutoFit/>
-          </a:bodyPr>
-          <a:p>
-            <a:r>
-              <a:rPr lang="zh-CN" altLang="en-US" sz="1200" dirty="0">
-                <a:latin typeface="宋体" panose="02010600030101010101" pitchFamily="2" charset="-122"/>
-                <a:ea typeface="宋体" panose="02010600030101010101" pitchFamily="2" charset="-122"/>
-                <a:cs typeface="宋体" panose="02010600030101010101" pitchFamily="2" charset="-122"/>
-              </a:rPr>
-              <a:t>噪声上</a:t>
-            </a:r>
-            <a:r>
-              <a:rPr lang="zh-CN" altLang="en-US" sz="1200" dirty="0">
-                <a:latin typeface="宋体" panose="02010600030101010101" pitchFamily="2" charset="-122"/>
-                <a:ea typeface="宋体" panose="02010600030101010101" pitchFamily="2" charset="-122"/>
-                <a:cs typeface="宋体" panose="02010600030101010101" pitchFamily="2" charset="-122"/>
-              </a:rPr>
-              <a:t>限</a:t>
-            </a:r>
-            <a:endParaRPr lang="zh-CN" altLang="en-US" sz="1200" dirty="0">
-              <a:latin typeface="宋体" panose="02010600030101010101" pitchFamily="2" charset="-122"/>
-              <a:ea typeface="宋体" panose="02010600030101010101" pitchFamily="2" charset="-122"/>
-              <a:cs typeface="宋体" panose="02010600030101010101" pitchFamily="2" charset="-122"/>
-            </a:endParaRPr>
+              <a:t>噪声上限</a:t>
+            </a:r>
           </a:p>
         </p:txBody>
       </p:sp>
@@ -24740,6 +24203,7 @@
         </p:style>
         <p:txBody>
           <a:bodyPr rtlCol="0" anchor="ctr"/>
+          <a:lstStyle/>
           <a:p>
             <a:pPr algn="ctr"/>
             <a:endParaRPr lang="zh-CN" altLang="en-US"/>
@@ -24804,6 +24268,7 @@
           <a:bodyPr wrap="square" rtlCol="0">
             <a:spAutoFit/>
           </a:bodyPr>
+          <a:lstStyle/>
           <a:p>
             <a:r>
               <a:rPr lang="zh-CN" altLang="en-US" sz="1400">
@@ -24812,10 +24277,6 @@
               </a:rPr>
               <a:t>一系列同态运算</a:t>
             </a:r>
-            <a:endParaRPr lang="zh-CN" altLang="en-US" sz="1400">
-              <a:latin typeface="宋体" panose="02010600030101010101" pitchFamily="2" charset="-122"/>
-              <a:ea typeface="宋体" panose="02010600030101010101" pitchFamily="2" charset="-122"/>
-            </a:endParaRPr>
           </a:p>
         </p:txBody>
       </p:sp>
@@ -24839,6 +24300,7 @@
           <a:bodyPr wrap="square" rtlCol="0">
             <a:spAutoFit/>
           </a:bodyPr>
+          <a:lstStyle/>
           <a:p>
             <a:r>
               <a:rPr lang="zh-CN" altLang="en-US" sz="1200" dirty="0">
@@ -24846,21 +24308,8 @@
                 <a:ea typeface="宋体" panose="02010600030101010101" pitchFamily="2" charset="-122"/>
                 <a:cs typeface="宋体" panose="02010600030101010101" pitchFamily="2" charset="-122"/>
               </a:rPr>
-              <a:t>有限次同态运算后的</a:t>
-            </a:r>
-            <a:r>
-              <a:rPr lang="zh-CN" altLang="en-US" sz="1200" dirty="0">
-                <a:latin typeface="宋体" panose="02010600030101010101" pitchFamily="2" charset="-122"/>
-                <a:ea typeface="宋体" panose="02010600030101010101" pitchFamily="2" charset="-122"/>
-                <a:cs typeface="宋体" panose="02010600030101010101" pitchFamily="2" charset="-122"/>
-              </a:rPr>
-              <a:t>噪声值</a:t>
-            </a:r>
-            <a:endParaRPr lang="zh-CN" altLang="en-US" sz="1200" dirty="0">
-              <a:latin typeface="宋体" panose="02010600030101010101" pitchFamily="2" charset="-122"/>
-              <a:ea typeface="宋体" panose="02010600030101010101" pitchFamily="2" charset="-122"/>
-              <a:cs typeface="宋体" panose="02010600030101010101" pitchFamily="2" charset="-122"/>
-            </a:endParaRPr>
+              <a:t>有限次同态运算后的噪声值</a:t>
+            </a:r>
           </a:p>
         </p:txBody>
       </p:sp>
@@ -24979,6 +24428,7 @@
         </p:style>
         <p:txBody>
           <a:bodyPr rtlCol="0" anchor="ctr"/>
+          <a:lstStyle/>
           <a:p>
             <a:pPr algn="ctr"/>
             <a:endParaRPr lang="zh-CN" altLang="en-US"/>
@@ -25005,6 +24455,7 @@
           <a:bodyPr wrap="square" rtlCol="0">
             <a:spAutoFit/>
           </a:bodyPr>
+          <a:lstStyle/>
           <a:p>
             <a:r>
               <a:rPr lang="en-US" altLang="zh-CN" b="1" dirty="0">
@@ -25018,14 +24469,7 @@
                 <a:latin typeface="Times New Roman" panose="02020603050405020304" pitchFamily="18" charset="0"/>
                 <a:cs typeface="Times New Roman" panose="02020603050405020304" pitchFamily="18" charset="0"/>
               </a:rPr>
-              <a:t>（</a:t>
-            </a:r>
-            <a:r>
-              <a:rPr lang="zh-CN" altLang="en-US" b="1" dirty="0">
-                <a:latin typeface="Times New Roman" panose="02020603050405020304" pitchFamily="18" charset="0"/>
-                <a:cs typeface="Times New Roman" panose="02020603050405020304" pitchFamily="18" charset="0"/>
-              </a:rPr>
-              <a:t>理想格）</a:t>
+              <a:t>（理想格）</a:t>
             </a:r>
             <a:endParaRPr lang="en-US" altLang="zh-CN" b="1" dirty="0">
               <a:latin typeface="Times New Roman" panose="02020603050405020304" pitchFamily="18" charset="0"/>
@@ -25034,8 +24478,8 @@
           </a:p>
         </p:txBody>
       </p:sp>
-      <mc:AlternateContent xmlns:mc="http://schemas.openxmlformats.org/markup-compatibility/2006">
-        <mc:Choice xmlns:a14="http://schemas.microsoft.com/office/drawing/2010/main" Requires="a14">
+      <mc:AlternateContent xmlns:mc="http://schemas.openxmlformats.org/markup-compatibility/2006" xmlns:a14="http://schemas.microsoft.com/office/drawing/2010/main">
+        <mc:Choice Requires="a14">
           <p:sp>
             <p:nvSpPr>
               <p:cNvPr id="29" name="文本框 28"/>
@@ -25056,6 +24500,7 @@
               <a:bodyPr wrap="square" rtlCol="0">
                 <a:noAutofit/>
               </a:bodyPr>
+              <a:lstStyle/>
               <a:p>
                 <a:r>
                   <a:rPr lang="zh-CN" altLang="en-US" dirty="0">
@@ -25081,11 +24526,6 @@
                   </a:rPr>
                   <a:t>)</a:t>
                 </a:r>
-                <a:endParaRPr lang="en-US" altLang="zh-CN" dirty="0">
-                  <a:latin typeface="宋体" panose="02010600030101010101" pitchFamily="2" charset="-122"/>
-                  <a:ea typeface="宋体" panose="02010600030101010101" pitchFamily="2" charset="-122"/>
-                  <a:cs typeface="宋体" panose="02010600030101010101" pitchFamily="2" charset="-122"/>
-                </a:endParaRPr>
               </a:p>
               <a:p>
                 <a:r>
@@ -25094,21 +24534,8 @@
                     <a:ea typeface="宋体" panose="02010600030101010101" pitchFamily="2" charset="-122"/>
                     <a:cs typeface="宋体" panose="02010600030101010101" pitchFamily="2" charset="-122"/>
                   </a:rPr>
-                  <a:t>对称的部分同态加密方案</a:t>
+                  <a:t>对称的部分同态加密方案简化描述：</a:t>
                 </a:r>
-                <a:r>
-                  <a:rPr lang="zh-CN" altLang="en-US" dirty="0">
-                    <a:latin typeface="宋体" panose="02010600030101010101" pitchFamily="2" charset="-122"/>
-                    <a:ea typeface="宋体" panose="02010600030101010101" pitchFamily="2" charset="-122"/>
-                    <a:cs typeface="宋体" panose="02010600030101010101" pitchFamily="2" charset="-122"/>
-                  </a:rPr>
-                  <a:t>简化描述：</a:t>
-                </a:r>
-                <a:endParaRPr lang="zh-CN" altLang="en-US" dirty="0">
-                  <a:latin typeface="宋体" panose="02010600030101010101" pitchFamily="2" charset="-122"/>
-                  <a:ea typeface="宋体" panose="02010600030101010101" pitchFamily="2" charset="-122"/>
-                  <a:cs typeface="宋体" panose="02010600030101010101" pitchFamily="2" charset="-122"/>
-                </a:endParaRPr>
               </a:p>
               <a:p>
                 <a:r>
@@ -25119,11 +24546,6 @@
                   </a:rPr>
                   <a:t>密钥生成：</a:t>
                 </a:r>
-                <a:endParaRPr lang="zh-CN" altLang="en-US" dirty="0">
-                  <a:latin typeface="宋体" panose="02010600030101010101" pitchFamily="2" charset="-122"/>
-                  <a:ea typeface="宋体" panose="02010600030101010101" pitchFamily="2" charset="-122"/>
-                  <a:cs typeface="宋体" panose="02010600030101010101" pitchFamily="2" charset="-122"/>
-                </a:endParaRPr>
               </a:p>
               <a:p>
                 <a:pPr indent="457200"/>
@@ -25151,7 +24573,7 @@
                         <a:ea typeface="宋体" panose="02010600030101010101" pitchFamily="2" charset="-122"/>
                         <a:cs typeface="Cambria Math" panose="02040503050406030204" charset="0"/>
                       </a:rPr>
-                      <m:t>= </m:t>
+                      <m:t>= </m:t>
                     </m:r>
                     <m:r>
                       <a:rPr lang="en-US" altLang="zh-CN" i="1" dirty="0">
@@ -25237,27 +24659,8 @@
                     <a:ea typeface="宋体" panose="02010600030101010101" pitchFamily="2" charset="-122"/>
                     <a:cs typeface="Cambria Math" panose="02040503050406030204" charset="0"/>
                   </a:rPr>
-                  <a:t>加密</a:t>
+                  <a:t>加密方案：</a:t>
                 </a:r>
-                <a:r>
-                  <a:rPr lang="zh-CN" altLang="en-US" dirty="0">
-                    <a:solidFill>
-                      <a:schemeClr val="tx1"/>
-                    </a:solidFill>
-                    <a:latin typeface="Cambria Math" panose="02040503050406030204" charset="0"/>
-                    <a:ea typeface="宋体" panose="02010600030101010101" pitchFamily="2" charset="-122"/>
-                    <a:cs typeface="Cambria Math" panose="02040503050406030204" charset="0"/>
-                  </a:rPr>
-                  <a:t>方案：</a:t>
-                </a:r>
-                <a:endParaRPr lang="zh-CN" altLang="en-US" dirty="0">
-                  <a:solidFill>
-                    <a:schemeClr val="tx1"/>
-                  </a:solidFill>
-                  <a:latin typeface="Cambria Math" panose="02040503050406030204" charset="0"/>
-                  <a:ea typeface="宋体" panose="02010600030101010101" pitchFamily="2" charset="-122"/>
-                  <a:cs typeface="Cambria Math" panose="02040503050406030204" charset="0"/>
-                </a:endParaRPr>
               </a:p>
               <a:p>
                 <a:pPr marL="0" lvl="0" indent="0">
@@ -25299,15 +24702,7 @@
                           <a:ea typeface="宋体" panose="02010600030101010101" pitchFamily="2" charset="-122"/>
                           <a:cs typeface="Cambria Math" panose="02040503050406030204" charset="0"/>
                         </a:rPr>
-                        <m:t>+</m:t>
-                      </m:r>
-                      <m:r>
-                        <a:rPr lang="en-US" altLang="zh-CN" i="1" dirty="0">
-                          <a:latin typeface="Cambria Math" panose="02040503050406030204" charset="0"/>
-                          <a:ea typeface="宋体" panose="02010600030101010101" pitchFamily="2" charset="-122"/>
-                          <a:cs typeface="Cambria Math" panose="02040503050406030204" charset="0"/>
-                        </a:rPr>
-                        <m:t>2</m:t>
+                        <m:t>+2</m:t>
                       </m:r>
                       <m:r>
                         <a:rPr lang="en-US" altLang="zh-CN" i="1" dirty="0">
@@ -25407,14 +24802,6 @@
                   </a:rPr>
                   <a:t>解密方案：</a:t>
                 </a:r>
-                <a:endParaRPr lang="zh-CN" altLang="en-US" dirty="0">
-                  <a:solidFill>
-                    <a:schemeClr val="tx1"/>
-                  </a:solidFill>
-                  <a:latin typeface="Cambria Math" panose="02040503050406030204" charset="0"/>
-                  <a:ea typeface="宋体" panose="02010600030101010101" pitchFamily="2" charset="-122"/>
-                  <a:cs typeface="Cambria Math" panose="02040503050406030204" charset="0"/>
-                </a:endParaRPr>
               </a:p>
               <a:p>
                 <a:pPr marL="0" lvl="0" indent="0">
@@ -25456,7 +24843,7 @@
                           <a:ea typeface="宋体" panose="02010600030101010101" pitchFamily="2" charset="-122"/>
                           <a:cs typeface="Cambria Math" panose="02040503050406030204" charset="0"/>
                         </a:rPr>
-                        <m:t> </m:t>
+                        <m:t> </m:t>
                       </m:r>
                       <m:r>
                         <a:rPr lang="en-US" altLang="zh-CN" i="1" dirty="0">
@@ -25472,7 +24859,7 @@
                           <a:ea typeface="宋体" panose="02010600030101010101" pitchFamily="2" charset="-122"/>
                           <a:cs typeface="Cambria Math" panose="02040503050406030204" charset="0"/>
                         </a:rPr>
-                        <m:t> </m:t>
+                        <m:t> </m:t>
                       </m:r>
                       <m:r>
                         <a:rPr lang="en-US" altLang="zh-CN" i="1" dirty="0">
@@ -25488,7 +24875,7 @@
                           <a:ea typeface="宋体" panose="02010600030101010101" pitchFamily="2" charset="-122"/>
                           <a:cs typeface="Cambria Math" panose="02040503050406030204" charset="0"/>
                         </a:rPr>
-                        <m:t>) </m:t>
+                        <m:t>) </m:t>
                       </m:r>
                       <m:r>
                         <a:rPr lang="en-US" altLang="zh-CN" i="1" dirty="0">
@@ -25504,15 +24891,7 @@
                           <a:ea typeface="宋体" panose="02010600030101010101" pitchFamily="2" charset="-122"/>
                           <a:cs typeface="Cambria Math" panose="02040503050406030204" charset="0"/>
                         </a:rPr>
-                        <m:t>2</m:t>
-                      </m:r>
-                      <m:r>
-                        <a:rPr lang="en-US" altLang="zh-CN" i="1" dirty="0">
-                          <a:latin typeface="Cambria Math" panose="02040503050406030204" charset="0"/>
-                          <a:ea typeface="宋体" panose="02010600030101010101" pitchFamily="2" charset="-122"/>
-                          <a:cs typeface="Cambria Math" panose="02040503050406030204" charset="0"/>
-                        </a:rPr>
-                        <m:t>=(</m:t>
+                        <m:t>2=(</m:t>
                       </m:r>
                       <m:r>
                         <a:rPr lang="en-US" altLang="zh-CN" i="1" dirty="0">
@@ -25536,7 +24915,7 @@
                           <m:endChr m:val="⌋"/>
                           <m:ctrlPr>
                             <a:rPr lang="en-US" altLang="zh-CN" i="1" dirty="0">
-                              <a:latin typeface="Cambria Math" panose="02040503050406030204" charset="0"/>
+                              <a:latin typeface="Cambria Math" panose="02040503050406030204" pitchFamily="18" charset="0"/>
                               <a:ea typeface="宋体" panose="02010600030101010101" pitchFamily="2" charset="-122"/>
                               <a:cs typeface="Cambria Math" panose="02040503050406030204" charset="0"/>
                             </a:rPr>
@@ -25591,15 +24970,7 @@
                           <a:ea typeface="宋体" panose="02010600030101010101" pitchFamily="2" charset="-122"/>
                           <a:cs typeface="Cambria Math" panose="02040503050406030204" charset="0"/>
                         </a:rPr>
-                        <m:t> </m:t>
-                      </m:r>
-                      <m:r>
-                        <a:rPr lang="en-US" altLang="zh-CN" i="1" dirty="0">
-                          <a:latin typeface="Cambria Math" panose="02040503050406030204" charset="0"/>
-                          <a:ea typeface="宋体" panose="02010600030101010101" pitchFamily="2" charset="-122"/>
-                          <a:cs typeface="Cambria Math" panose="02040503050406030204" charset="0"/>
-                        </a:rPr>
-                        <m:t>2</m:t>
+                        <m:t> 2</m:t>
                       </m:r>
                     </m:oMath>
                   </m:oMathPara>
@@ -25691,15 +25062,7 @@
                         <a:ea typeface="宋体" panose="02010600030101010101" pitchFamily="2" charset="-122"/>
                         <a:cs typeface="Cambria Math" panose="02040503050406030204" charset="0"/>
                       </a:rPr>
-                      <m:t>/</m:t>
-                    </m:r>
-                    <m:r>
-                      <a:rPr lang="en-US" altLang="zh-CN" i="1" dirty="0">
-                        <a:latin typeface="Cambria Math" panose="02040503050406030204" charset="0"/>
-                        <a:ea typeface="宋体" panose="02010600030101010101" pitchFamily="2" charset="-122"/>
-                        <a:cs typeface="Cambria Math" panose="02040503050406030204" charset="0"/>
-                      </a:rPr>
-                      <m:t>2</m:t>
+                      <m:t>/2</m:t>
                     </m:r>
                   </m:oMath>
                 </a14:m>
@@ -25762,7 +25125,7 @@
             </p:txBody>
           </p:sp>
         </mc:Choice>
-        <mc:Fallback>
+        <mc:Fallback xmlns="">
           <p:sp>
             <p:nvSpPr>
               <p:cNvPr id="29" name="文本框 28"/>
@@ -25780,7 +25143,7 @@
                 <a:avLst/>
               </a:prstGeom>
               <a:blipFill rotWithShape="1">
-                <a:blip r:embed="rId3"/>
+                <a:blip r:embed="rId5"/>
                 <a:stretch>
                   <a:fillRect/>
                 </a:stretch>
@@ -25833,13 +25196,6 @@
               </a:rPr>
               <a:t>8/17</a:t>
             </a:r>
-            <a:endParaRPr lang="en-US" altLang="zh-CN" dirty="0">
-              <a:solidFill>
-                <a:schemeClr val="bg1">
-                  <a:lumMod val="75000"/>
-                </a:schemeClr>
-              </a:solidFill>
-            </a:endParaRPr>
           </a:p>
         </p:txBody>
       </p:sp>
@@ -25848,19 +25204,6 @@
   <p:clrMapOvr>
     <a:masterClrMapping/>
   </p:clrMapOvr>
-  <p:timing>
-    <p:tnLst>
-      <p:par>
-        <p:cTn id="1" dur="indefinite" restart="never" nodeType="tmRoot"/>
-      </p:par>
-    </p:tnLst>
-    <p:bldLst>
-      <p:bldP spid="8" grpId="1"/>
-      <p:bldP spid="16" grpId="1"/>
-      <p:bldP spid="17" grpId="1"/>
-      <p:bldP spid="10" grpId="1"/>
-    </p:bldLst>
-  </p:timing>
 </p:sld>
 </file>
 
@@ -25890,7 +25233,7 @@
           <p:nvPr/>
         </p:nvPicPr>
         <p:blipFill>
-          <a:blip r:embed="rId1">
+          <a:blip r:embed="rId3">
             <a:extLst>
               <a:ext uri="{28A0092B-C50C-407E-A947-70E740481C1C}">
                 <a14:useLocalDpi xmlns:a14="http://schemas.microsoft.com/office/drawing/2010/main" val="0"/>
@@ -25931,6 +25274,7 @@
           <a:bodyPr wrap="square" rtlCol="0">
             <a:spAutoFit/>
           </a:bodyPr>
+          <a:lstStyle/>
           <a:p>
             <a:r>
               <a:rPr lang="en-US" altLang="zh-CN" b="1" dirty="0">
@@ -25966,6 +25310,7 @@
           <a:bodyPr wrap="square" rtlCol="0">
             <a:spAutoFit/>
           </a:bodyPr>
+          <a:lstStyle/>
           <a:p>
             <a:r>
               <a:rPr lang="en-US" altLang="zh-CN" b="1" dirty="0">
@@ -26002,8 +25347,8 @@
           </a:p>
         </p:txBody>
       </p:sp>
-      <mc:AlternateContent xmlns:mc="http://schemas.openxmlformats.org/markup-compatibility/2006">
-        <mc:Choice xmlns:a14="http://schemas.microsoft.com/office/drawing/2010/main" Requires="a14">
+      <mc:AlternateContent xmlns:mc="http://schemas.openxmlformats.org/markup-compatibility/2006" xmlns:a14="http://schemas.microsoft.com/office/drawing/2010/main">
+        <mc:Choice Requires="a14">
           <p:sp>
             <p:nvSpPr>
               <p:cNvPr id="8" name="文本框 7"/>
@@ -26024,6 +25369,7 @@
               <a:bodyPr wrap="square" rtlCol="0">
                 <a:spAutoFit/>
               </a:bodyPr>
+              <a:lstStyle/>
               <a:p>
                 <a:r>
                   <a:rPr lang="zh-CN" altLang="en-US" dirty="0">
@@ -26031,23 +25377,11 @@
                     <a:ea typeface="宋体" panose="02010600030101010101" pitchFamily="2" charset="-122"/>
                     <a:cs typeface="宋体" panose="02010600030101010101" pitchFamily="2" charset="-122"/>
                   </a:rPr>
-                  <a:t>含有噪声的高斯</a:t>
+                  <a:t>含有噪声的高斯消元问题</a:t>
                 </a:r>
-                <a:r>
-                  <a:rPr lang="zh-CN" altLang="en-US" dirty="0">
-                    <a:latin typeface="宋体" panose="02010600030101010101" pitchFamily="2" charset="-122"/>
-                    <a:ea typeface="宋体" panose="02010600030101010101" pitchFamily="2" charset="-122"/>
-                    <a:cs typeface="宋体" panose="02010600030101010101" pitchFamily="2" charset="-122"/>
-                  </a:rPr>
-                  <a:t>消元问题</a:t>
-                </a:r>
-                <a:endParaRPr lang="zh-CN" altLang="en-US" dirty="0">
-                  <a:latin typeface="宋体" panose="02010600030101010101" pitchFamily="2" charset="-122"/>
-                  <a:ea typeface="宋体" panose="02010600030101010101" pitchFamily="2" charset="-122"/>
-                  <a:cs typeface="宋体" panose="02010600030101010101" pitchFamily="2" charset="-122"/>
-                </a:endParaRPr>
               </a:p>
               <a:p>
+                <a:pPr/>
                 <a14:m>
                   <m:oMathPara xmlns:m="http://schemas.openxmlformats.org/officeDocument/2006/math">
                     <m:oMathParaPr>
@@ -26056,9 +25390,10 @@
                     <m:oMath xmlns:m="http://schemas.openxmlformats.org/officeDocument/2006/math">
                       <m:acc>
                         <m:accPr>
+                          <m:chr m:val="̂"/>
                           <m:ctrlPr>
                             <a:rPr lang="en-US" altLang="zh-CN" i="1" dirty="0">
-                              <a:latin typeface="Cambria Math" panose="02040503050406030204" charset="0"/>
+                              <a:latin typeface="Cambria Math" panose="02040503050406030204" pitchFamily="18" charset="0"/>
                               <a:ea typeface="宋体" panose="02010600030101010101" pitchFamily="2" charset="-122"/>
                               <a:cs typeface="Cambria Math" panose="02040503050406030204" charset="0"/>
                             </a:rPr>
@@ -26117,6 +25452,7 @@
                 </a:endParaRPr>
               </a:p>
               <a:p>
+                <a:pPr/>
                 <a14:m>
                   <m:oMathPara xmlns:m="http://schemas.openxmlformats.org/officeDocument/2006/math">
                     <m:oMathParaPr>
@@ -26129,7 +25465,7 @@
                           <m:endChr m:val="]"/>
                           <m:ctrlPr>
                             <a:rPr lang="en-US" altLang="zh-CN" i="1" dirty="0">
-                              <a:latin typeface="Cambria Math" panose="02040503050406030204" charset="0"/>
+                              <a:latin typeface="Cambria Math" panose="02040503050406030204" pitchFamily="18" charset="0"/>
                               <a:ea typeface="宋体" panose="02010600030101010101" pitchFamily="2" charset="-122"/>
                               <a:cs typeface="Cambria Math" panose="02040503050406030204" charset="0"/>
                             </a:rPr>
@@ -26148,7 +25484,7 @@
                               </m:mcs>
                               <m:ctrlPr>
                                 <a:rPr lang="en-US" altLang="zh-CN" i="1" dirty="0">
-                                  <a:latin typeface="Cambria Math" panose="02040503050406030204" charset="0"/>
+                                  <a:latin typeface="Cambria Math" panose="02040503050406030204" pitchFamily="18" charset="0"/>
                                   <a:ea typeface="宋体" panose="02010600030101010101" pitchFamily="2" charset="-122"/>
                                   <a:cs typeface="Cambria Math" panose="02040503050406030204" charset="0"/>
                                 </a:rPr>
@@ -26259,7 +25595,7 @@
                           <m:endChr m:val="]"/>
                           <m:ctrlPr>
                             <a:rPr lang="en-US" altLang="zh-CN" i="1" dirty="0">
-                              <a:latin typeface="Cambria Math" panose="02040503050406030204" charset="0"/>
+                              <a:latin typeface="Cambria Math" panose="02040503050406030204" pitchFamily="18" charset="0"/>
                               <a:ea typeface="宋体" panose="02010600030101010101" pitchFamily="2" charset="-122"/>
                               <a:cs typeface="Cambria Math" panose="02040503050406030204" charset="0"/>
                             </a:rPr>
@@ -26278,7 +25614,7 @@
                               </m:mcs>
                               <m:ctrlPr>
                                 <a:rPr lang="en-US" altLang="zh-CN" i="1" dirty="0">
-                                  <a:latin typeface="Cambria Math" panose="02040503050406030204" charset="0"/>
+                                  <a:latin typeface="Cambria Math" panose="02040503050406030204" pitchFamily="18" charset="0"/>
                                   <a:ea typeface="宋体" panose="02010600030101010101" pitchFamily="2" charset="-122"/>
                                   <a:cs typeface="Cambria Math" panose="02040503050406030204" charset="0"/>
                                 </a:rPr>
@@ -26290,7 +25626,7 @@
                                   <m:sSubPr>
                                     <m:ctrlPr>
                                       <a:rPr lang="en-US" altLang="zh-CN" i="1" dirty="0">
-                                        <a:latin typeface="Cambria Math" panose="02040503050406030204" charset="0"/>
+                                        <a:latin typeface="Cambria Math" panose="02040503050406030204" pitchFamily="18" charset="0"/>
                                         <a:ea typeface="宋体" panose="02010600030101010101" pitchFamily="2" charset="-122"/>
                                         <a:cs typeface="Cambria Math" panose="02040503050406030204" charset="0"/>
                                       </a:rPr>
@@ -26325,7 +25661,7 @@
                                   <m:sSubPr>
                                     <m:ctrlPr>
                                       <a:rPr lang="en-US" altLang="zh-CN" i="1" dirty="0">
-                                        <a:latin typeface="Cambria Math" panose="02040503050406030204" charset="0"/>
+                                        <a:latin typeface="Cambria Math" panose="02040503050406030204" pitchFamily="18" charset="0"/>
                                         <a:ea typeface="宋体" panose="02010600030101010101" pitchFamily="2" charset="-122"/>
                                         <a:cs typeface="Cambria Math" panose="02040503050406030204" charset="0"/>
                                       </a:rPr>
@@ -26360,7 +25696,7 @@
                                   <m:sSubPr>
                                     <m:ctrlPr>
                                       <a:rPr lang="en-US" altLang="zh-CN" i="1" dirty="0">
-                                        <a:latin typeface="Cambria Math" panose="02040503050406030204" charset="0"/>
+                                        <a:latin typeface="Cambria Math" panose="02040503050406030204" pitchFamily="18" charset="0"/>
                                         <a:ea typeface="宋体" panose="02010600030101010101" pitchFamily="2" charset="-122"/>
                                         <a:cs typeface="Cambria Math" panose="02040503050406030204" charset="0"/>
                                       </a:rPr>
@@ -26402,9 +25738,10 @@
                       </m:r>
                       <m:acc>
                         <m:accPr>
+                          <m:chr m:val="̂"/>
                           <m:ctrlPr>
                             <a:rPr lang="en-US" altLang="zh-CN" i="1" dirty="0">
-                              <a:latin typeface="Cambria Math" panose="02040503050406030204" charset="0"/>
+                              <a:latin typeface="Cambria Math" panose="02040503050406030204" pitchFamily="18" charset="0"/>
                               <a:ea typeface="宋体" panose="02010600030101010101" pitchFamily="2" charset="-122"/>
                               <a:cs typeface="Cambria Math" panose="02040503050406030204" charset="0"/>
                             </a:rPr>
@@ -26435,7 +25772,7 @@
                           <m:endChr m:val="]"/>
                           <m:ctrlPr>
                             <a:rPr lang="en-US" altLang="zh-CN" i="1" dirty="0">
-                              <a:latin typeface="Cambria Math" panose="02040503050406030204" charset="0"/>
+                              <a:latin typeface="Cambria Math" panose="02040503050406030204" pitchFamily="18" charset="0"/>
                               <a:ea typeface="宋体" panose="02010600030101010101" pitchFamily="2" charset="-122"/>
                               <a:cs typeface="Cambria Math" panose="02040503050406030204" charset="0"/>
                             </a:rPr>
@@ -26454,7 +25791,7 @@
                               </m:mcs>
                               <m:ctrlPr>
                                 <a:rPr lang="en-US" altLang="zh-CN" i="1" dirty="0">
-                                  <a:latin typeface="Cambria Math" panose="02040503050406030204" charset="0"/>
+                                  <a:latin typeface="Cambria Math" panose="02040503050406030204" pitchFamily="18" charset="0"/>
                                   <a:ea typeface="宋体" panose="02010600030101010101" pitchFamily="2" charset="-122"/>
                                   <a:cs typeface="Cambria Math" panose="02040503050406030204" charset="0"/>
                                 </a:rPr>
@@ -26511,7 +25848,7 @@
             </p:txBody>
           </p:sp>
         </mc:Choice>
-        <mc:Fallback>
+        <mc:Fallback xmlns="">
           <p:sp>
             <p:nvSpPr>
               <p:cNvPr id="8" name="文本框 7"/>
@@ -26529,7 +25866,7 @@
                 <a:avLst/>
               </a:prstGeom>
               <a:blipFill rotWithShape="1">
-                <a:blip r:embed="rId2"/>
+                <a:blip r:embed="rId4"/>
                 <a:stretch>
                   <a:fillRect/>
                 </a:stretch>
@@ -26583,6 +25920,7 @@
         </p:style>
         <p:txBody>
           <a:bodyPr rtlCol="0" anchor="ctr"/>
+          <a:lstStyle/>
           <a:p>
             <a:pPr algn="ctr"/>
             <a:endParaRPr lang="zh-CN" altLang="en-US"/>
@@ -26622,6 +25960,7 @@
         </p:style>
         <p:txBody>
           <a:bodyPr rtlCol="0" anchor="ctr"/>
+          <a:lstStyle/>
           <a:p>
             <a:pPr algn="ctr"/>
             <a:endParaRPr lang="zh-CN" altLang="en-US"/>
@@ -26648,6 +25987,7 @@
           <a:bodyPr wrap="square" rtlCol="0">
             <a:spAutoFit/>
           </a:bodyPr>
+          <a:lstStyle/>
           <a:p>
             <a:r>
               <a:rPr lang="zh-CN" altLang="en-US" sz="1200" dirty="0">
@@ -26655,21 +25995,8 @@
                 <a:ea typeface="宋体" panose="02010600030101010101" pitchFamily="2" charset="-122"/>
                 <a:cs typeface="宋体" panose="02010600030101010101" pitchFamily="2" charset="-122"/>
               </a:rPr>
-              <a:t>规约</a:t>
-            </a:r>
-            <a:r>
-              <a:rPr lang="zh-CN" altLang="en-US" sz="1200" dirty="0">
-                <a:latin typeface="宋体" panose="02010600030101010101" pitchFamily="2" charset="-122"/>
-                <a:ea typeface="宋体" panose="02010600030101010101" pitchFamily="2" charset="-122"/>
-                <a:cs typeface="宋体" panose="02010600030101010101" pitchFamily="2" charset="-122"/>
-              </a:rPr>
-              <a:t>为</a:t>
-            </a:r>
-            <a:endParaRPr lang="zh-CN" altLang="en-US" sz="1200" dirty="0">
-              <a:latin typeface="宋体" panose="02010600030101010101" pitchFamily="2" charset="-122"/>
-              <a:ea typeface="宋体" panose="02010600030101010101" pitchFamily="2" charset="-122"/>
-              <a:cs typeface="宋体" panose="02010600030101010101" pitchFamily="2" charset="-122"/>
-            </a:endParaRPr>
+              <a:t>规约为</a:t>
+            </a:r>
           </a:p>
         </p:txBody>
       </p:sp>
@@ -26693,6 +26020,7 @@
           <a:bodyPr wrap="square" rtlCol="0">
             <a:spAutoFit/>
           </a:bodyPr>
+          <a:lstStyle/>
           <a:p>
             <a:r>
               <a:rPr lang="zh-CN" altLang="en-US" dirty="0">
@@ -26742,11 +26070,6 @@
               </a:rPr>
               <a:t>)</a:t>
             </a:r>
-            <a:endParaRPr lang="en-US" altLang="zh-CN" dirty="0">
-              <a:latin typeface="宋体" panose="02010600030101010101" pitchFamily="2" charset="-122"/>
-              <a:ea typeface="宋体" panose="02010600030101010101" pitchFamily="2" charset="-122"/>
-              <a:cs typeface="宋体" panose="02010600030101010101" pitchFamily="2" charset="-122"/>
-            </a:endParaRPr>
           </a:p>
         </p:txBody>
       </p:sp>
@@ -26773,6 +26096,7 @@
           <a:bodyPr wrap="none" rtlCol="0" anchor="t">
             <a:noAutofit/>
           </a:bodyPr>
+          <a:lstStyle/>
           <a:p>
             <a:pPr algn="ctr"/>
             <a:r>
@@ -26811,21 +26135,6 @@
               </a:rPr>
               <a:t>！</a:t>
             </a:r>
-            <a:endParaRPr lang="zh-CN" altLang="en-US" sz="3200" b="1">
-              <a:ln w="22225">
-                <a:solidFill>
-                  <a:schemeClr val="accent2"/>
-                </a:solidFill>
-                <a:prstDash val="solid"/>
-              </a:ln>
-              <a:solidFill>
-                <a:schemeClr val="accent2">
-                  <a:lumMod val="40000"/>
-                  <a:lumOff val="60000"/>
-                </a:schemeClr>
-              </a:solidFill>
-              <a:effectLst/>
-            </a:endParaRPr>
           </a:p>
         </p:txBody>
       </p:sp>
@@ -26838,14 +26147,14 @@
           <p:nvPr/>
         </p:nvPicPr>
         <p:blipFill>
-          <a:blip r:embed="rId3"/>
+          <a:blip r:embed="rId5"/>
           <a:stretch>
             <a:fillRect/>
           </a:stretch>
         </p:blipFill>
         <p:spPr>
           <a:xfrm>
-            <a:off x="0" y="4188460"/>
+            <a:off x="0" y="4196080"/>
             <a:ext cx="6467475" cy="1304925"/>
           </a:xfrm>
           <a:prstGeom prst="rect">
@@ -26862,7 +26171,7 @@
         <p:spPr>
           <a:xfrm>
             <a:off x="443230" y="3949065"/>
-            <a:ext cx="4450080" cy="645160"/>
+            <a:ext cx="4450080" cy="369332"/>
           </a:xfrm>
           <a:prstGeom prst="rect">
             <a:avLst/>
@@ -26873,6 +26182,7 @@
           <a:bodyPr wrap="square" rtlCol="0">
             <a:spAutoFit/>
           </a:bodyPr>
+          <a:lstStyle/>
           <a:p>
             <a:r>
               <a:rPr dirty="0">
@@ -26924,13 +26234,6 @@
               <a:latin typeface="宋体" panose="02010600030101010101" pitchFamily="2" charset="-122"/>
               <a:ea typeface="宋体" panose="02010600030101010101" pitchFamily="2" charset="-122"/>
               <a:cs typeface="宋体" panose="02010600030101010101" pitchFamily="2" charset="-122"/>
-            </a:endParaRPr>
-          </a:p>
-          <a:p>
-            <a:endParaRPr lang="en-US" dirty="0">
-              <a:latin typeface="Times New Roman" panose="02020603050405020304" pitchFamily="18" charset="0"/>
-              <a:ea typeface="宋体" panose="02010600030101010101" pitchFamily="2" charset="-122"/>
-              <a:cs typeface="Times New Roman" panose="02020603050405020304" pitchFamily="18" charset="0"/>
             </a:endParaRPr>
           </a:p>
         </p:txBody>
@@ -26988,6 +26291,7 @@
           <a:bodyPr wrap="square" rtlCol="0">
             <a:spAutoFit/>
           </a:bodyPr>
+          <a:lstStyle/>
           <a:p>
             <a:r>
               <a:rPr lang="en-US" altLang="zh-CN" b="1" dirty="0">
@@ -27033,7 +26337,7 @@
           <p:nvPr/>
         </p:nvPicPr>
         <p:blipFill>
-          <a:blip r:embed="rId4"/>
+          <a:blip r:embed="rId6"/>
           <a:stretch>
             <a:fillRect/>
           </a:stretch>
@@ -27048,8 +26352,8 @@
           </a:prstGeom>
         </p:spPr>
       </p:pic>
-      <mc:AlternateContent xmlns:mc="http://schemas.openxmlformats.org/markup-compatibility/2006">
-        <mc:Choice xmlns:a14="http://schemas.microsoft.com/office/drawing/2010/main" Requires="a14">
+      <mc:AlternateContent xmlns:mc="http://schemas.openxmlformats.org/markup-compatibility/2006" xmlns:a14="http://schemas.microsoft.com/office/drawing/2010/main">
+        <mc:Choice Requires="a14">
           <p:sp>
             <p:nvSpPr>
               <p:cNvPr id="18" name="文本框 17"/>
@@ -27070,6 +26374,7 @@
               <a:bodyPr wrap="square" rtlCol="0">
                 <a:spAutoFit/>
               </a:bodyPr>
+              <a:lstStyle/>
               <a:p>
                 <a:r>
                   <a:rPr lang="en-US" dirty="0">
@@ -27093,7 +26398,7 @@
                       <m:sSubSupPr>
                         <m:ctrlPr>
                           <a:rPr lang="en-US" altLang="zh-CN" i="1" dirty="0">
-                            <a:latin typeface="Cambria Math" panose="02040503050406030204" charset="0"/>
+                            <a:latin typeface="Cambria Math" panose="02040503050406030204" pitchFamily="18" charset="0"/>
                             <a:ea typeface="宋体" panose="02010600030101010101" pitchFamily="2" charset="-122"/>
                             <a:cs typeface="Cambria Math" panose="02040503050406030204" charset="0"/>
                           </a:rPr>
@@ -27134,15 +26439,7 @@
                             <a:ea typeface="宋体" panose="02010600030101010101" pitchFamily="2" charset="-122"/>
                             <a:cs typeface="Cambria Math" panose="02040503050406030204" charset="0"/>
                           </a:rPr>
-                          <m:t>+</m:t>
-                        </m:r>
-                        <m:r>
-                          <a:rPr lang="en-US" altLang="zh-CN" i="1" dirty="0">
-                            <a:latin typeface="Cambria Math" panose="02040503050406030204" charset="0"/>
-                            <a:ea typeface="宋体" panose="02010600030101010101" pitchFamily="2" charset="-122"/>
-                            <a:cs typeface="Cambria Math" panose="02040503050406030204" charset="0"/>
-                          </a:rPr>
-                          <m:t>1</m:t>
+                          <m:t>+1</m:t>
                         </m:r>
                       </m:sup>
                     </m:sSubSup>
@@ -27162,7 +26459,7 @@
                       <m:dPr>
                         <m:ctrlPr>
                           <a:rPr lang="en-US" altLang="zh-CN" i="1" dirty="0">
-                            <a:latin typeface="Cambria Math" panose="02040503050406030204" charset="0"/>
+                            <a:latin typeface="Cambria Math" panose="02040503050406030204" pitchFamily="18" charset="0"/>
                             <a:ea typeface="宋体" panose="02010600030101010101" pitchFamily="2" charset="-122"/>
                             <a:cs typeface="Cambria Math" panose="02040503050406030204" charset="0"/>
                           </a:rPr>
@@ -27173,7 +26470,7 @@
                           <m:sSubPr>
                             <m:ctrlPr>
                               <a:rPr lang="en-US" altLang="zh-CN" i="1" dirty="0">
-                                <a:latin typeface="Cambria Math" panose="02040503050406030204" charset="0"/>
+                                <a:latin typeface="Cambria Math" panose="02040503050406030204" pitchFamily="18" charset="0"/>
                                 <a:ea typeface="宋体" panose="02010600030101010101" pitchFamily="2" charset="-122"/>
                                 <a:cs typeface="Cambria Math" panose="02040503050406030204" charset="0"/>
                               </a:rPr>
@@ -27212,7 +26509,7 @@
                           <m:sSubPr>
                             <m:ctrlPr>
                               <a:rPr lang="en-US" altLang="zh-CN" i="1" dirty="0">
-                                <a:latin typeface="Cambria Math" panose="02040503050406030204" charset="0"/>
+                                <a:latin typeface="Cambria Math" panose="02040503050406030204" pitchFamily="18" charset="0"/>
                                 <a:ea typeface="宋体" panose="02010600030101010101" pitchFamily="2" charset="-122"/>
                                 <a:cs typeface="Cambria Math" panose="02040503050406030204" charset="0"/>
                               </a:rPr>
@@ -27257,7 +26554,7 @@
                       <m:sSubSupPr>
                         <m:ctrlPr>
                           <a:rPr lang="en-US" altLang="zh-CN" i="1" dirty="0">
-                            <a:latin typeface="Cambria Math" panose="02040503050406030204" charset="0"/>
+                            <a:latin typeface="Cambria Math" panose="02040503050406030204" pitchFamily="18" charset="0"/>
                             <a:ea typeface="宋体" panose="02010600030101010101" pitchFamily="2" charset="-122"/>
                             <a:cs typeface="Cambria Math" panose="02040503050406030204" charset="0"/>
                           </a:rPr>
@@ -27330,7 +26627,7 @@
                       <m:sSubPr>
                         <m:ctrlPr>
                           <a:rPr lang="en-US" altLang="zh-CN" i="1" dirty="0">
-                            <a:latin typeface="Cambria Math" panose="02040503050406030204" charset="0"/>
+                            <a:latin typeface="Cambria Math" panose="02040503050406030204" pitchFamily="18" charset="0"/>
                             <a:ea typeface="宋体" panose="02010600030101010101" pitchFamily="2" charset="-122"/>
                             <a:cs typeface="Cambria Math" panose="02040503050406030204" charset="0"/>
                           </a:rPr>
@@ -27369,7 +26666,7 @@
                       <m:sSubSupPr>
                         <m:ctrlPr>
                           <a:rPr lang="en-US" altLang="zh-CN" i="1" dirty="0">
-                            <a:latin typeface="Cambria Math" panose="02040503050406030204" charset="0"/>
+                            <a:latin typeface="Cambria Math" panose="02040503050406030204" pitchFamily="18" charset="0"/>
                             <a:ea typeface="宋体" panose="02010600030101010101" pitchFamily="2" charset="-122"/>
                             <a:cs typeface="Cambria Math" panose="02040503050406030204" charset="0"/>
                           </a:rPr>
@@ -27422,7 +26719,7 @@
                       <m:sSubPr>
                         <m:ctrlPr>
                           <a:rPr lang="en-US" altLang="zh-CN" i="1" dirty="0">
-                            <a:latin typeface="Cambria Math" panose="02040503050406030204" charset="0"/>
+                            <a:latin typeface="Cambria Math" panose="02040503050406030204" pitchFamily="18" charset="0"/>
                             <a:ea typeface="宋体" panose="02010600030101010101" pitchFamily="2" charset="-122"/>
                             <a:cs typeface="Cambria Math" panose="02040503050406030204" charset="0"/>
                           </a:rPr>
@@ -27473,7 +26770,7 @@
                       <m:sSubPr>
                         <m:ctrlPr>
                           <a:rPr lang="en-US" altLang="zh-CN" i="1" dirty="0">
-                            <a:latin typeface="Cambria Math" panose="02040503050406030204" charset="0"/>
+                            <a:latin typeface="Cambria Math" panose="02040503050406030204" pitchFamily="18" charset="0"/>
                             <a:ea typeface="宋体" panose="02010600030101010101" pitchFamily="2" charset="-122"/>
                             <a:cs typeface="Cambria Math" panose="02040503050406030204" charset="0"/>
                           </a:rPr>
@@ -27514,7 +26811,7 @@
                         <m:endChr m:val="〉"/>
                         <m:ctrlPr>
                           <a:rPr lang="en-US" altLang="zh-CN" i="1" dirty="0">
-                            <a:latin typeface="Cambria Math" panose="02040503050406030204" charset="0"/>
+                            <a:latin typeface="Cambria Math" panose="02040503050406030204" pitchFamily="18" charset="0"/>
                             <a:ea typeface="宋体" panose="02010600030101010101" pitchFamily="2" charset="-122"/>
                             <a:cs typeface="Cambria Math" panose="02040503050406030204" charset="0"/>
                           </a:rPr>
@@ -27525,7 +26822,7 @@
                           <m:sSubPr>
                             <m:ctrlPr>
                               <a:rPr lang="en-US" altLang="zh-CN" i="1" dirty="0">
-                                <a:latin typeface="Cambria Math" panose="02040503050406030204" charset="0"/>
+                                <a:latin typeface="Cambria Math" panose="02040503050406030204" pitchFamily="18" charset="0"/>
                                 <a:ea typeface="宋体" panose="02010600030101010101" pitchFamily="2" charset="-122"/>
                                 <a:cs typeface="Cambria Math" panose="02040503050406030204" charset="0"/>
                               </a:rPr>
@@ -27582,7 +26879,7 @@
                       <m:sSubPr>
                         <m:ctrlPr>
                           <a:rPr lang="en-US" altLang="zh-CN" i="1" dirty="0">
-                            <a:latin typeface="Cambria Math" panose="02040503050406030204" charset="0"/>
+                            <a:latin typeface="Cambria Math" panose="02040503050406030204" pitchFamily="18" charset="0"/>
                             <a:ea typeface="宋体" panose="02010600030101010101" pitchFamily="2" charset="-122"/>
                             <a:cs typeface="Cambria Math" panose="02040503050406030204" charset="0"/>
                           </a:rPr>
@@ -27628,7 +26925,7 @@
             </p:txBody>
           </p:sp>
         </mc:Choice>
-        <mc:Fallback>
+        <mc:Fallback xmlns="">
           <p:sp>
             <p:nvSpPr>
               <p:cNvPr id="18" name="文本框 17"/>
@@ -27646,7 +26943,7 @@
                 <a:avLst/>
               </a:prstGeom>
               <a:blipFill rotWithShape="1">
-                <a:blip r:embed="rId5"/>
+                <a:blip r:embed="rId7"/>
                 <a:stretch>
                   <a:fillRect/>
                 </a:stretch>
@@ -27690,6 +26987,7 @@
           <a:bodyPr wrap="none" rtlCol="0" anchor="t">
             <a:noAutofit/>
           </a:bodyPr>
+          <a:lstStyle/>
           <a:p>
             <a:pPr algn="ctr"/>
             <a:r>
@@ -27710,21 +27008,6 @@
               </a:rPr>
               <a:t>语义安全！</a:t>
             </a:r>
-            <a:endParaRPr lang="zh-CN" altLang="en-US" sz="3200" b="1">
-              <a:ln w="22225">
-                <a:solidFill>
-                  <a:schemeClr val="accent2"/>
-                </a:solidFill>
-                <a:prstDash val="solid"/>
-              </a:ln>
-              <a:solidFill>
-                <a:schemeClr val="accent2">
-                  <a:lumMod val="40000"/>
-                  <a:lumOff val="60000"/>
-                </a:schemeClr>
-              </a:solidFill>
-              <a:effectLst/>
-            </a:endParaRPr>
           </a:p>
         </p:txBody>
       </p:sp>
@@ -27761,14 +27044,15 @@
         </p:style>
         <p:txBody>
           <a:bodyPr rtlCol="0" anchor="ctr"/>
+          <a:lstStyle/>
           <a:p>
             <a:pPr algn="ctr"/>
             <a:endParaRPr lang="zh-CN" altLang="en-US"/>
           </a:p>
         </p:txBody>
       </p:sp>
-      <mc:AlternateContent xmlns:mc="http://schemas.openxmlformats.org/markup-compatibility/2006">
-        <mc:Choice xmlns:a14="http://schemas.microsoft.com/office/drawing/2010/main" Requires="a14">
+      <mc:AlternateContent xmlns:mc="http://schemas.openxmlformats.org/markup-compatibility/2006" xmlns:a14="http://schemas.microsoft.com/office/drawing/2010/main">
+        <mc:Choice Requires="a14">
           <p:sp>
             <p:nvSpPr>
               <p:cNvPr id="21" name="文本框 20"/>
@@ -27789,6 +27073,7 @@
               <a:bodyPr wrap="square" rtlCol="0">
                 <a:spAutoFit/>
               </a:bodyPr>
+              <a:lstStyle/>
               <a:p>
                 <a14:m>
                   <m:oMath xmlns:m="http://schemas.openxmlformats.org/officeDocument/2006/math">
@@ -27806,15 +27091,7 @@
                         <a:ea typeface="宋体" panose="02010600030101010101" pitchFamily="2" charset="-122"/>
                         <a:cs typeface="Cambria Math" panose="02040503050406030204" charset="0"/>
                       </a:rPr>
-                      <m:t>=</m:t>
-                    </m:r>
-                    <m:r>
-                      <a:rPr lang="en-US" altLang="zh-CN" sz="1200" i="1" dirty="0">
-                        <a:latin typeface="Cambria Math" panose="02040503050406030204" charset="0"/>
-                        <a:ea typeface="宋体" panose="02010600030101010101" pitchFamily="2" charset="-122"/>
-                        <a:cs typeface="Cambria Math" panose="02040503050406030204" charset="0"/>
-                      </a:rPr>
-                      <m:t>1</m:t>
+                      <m:t>=1</m:t>
                     </m:r>
                   </m:oMath>
                 </a14:m>
@@ -27826,16 +27103,11 @@
                   </a:rPr>
                   <a:t>实例</a:t>
                 </a:r>
-                <a:endParaRPr lang="zh-CN" altLang="en-US" sz="1200" dirty="0">
-                  <a:latin typeface="Cambria Math" panose="02040503050406030204" charset="0"/>
-                  <a:ea typeface="宋体" panose="02010600030101010101" pitchFamily="2" charset="-122"/>
-                  <a:cs typeface="Cambria Math" panose="02040503050406030204" charset="0"/>
-                </a:endParaRPr>
               </a:p>
             </p:txBody>
           </p:sp>
         </mc:Choice>
-        <mc:Fallback>
+        <mc:Fallback xmlns="">
           <p:sp>
             <p:nvSpPr>
               <p:cNvPr id="21" name="文本框 20"/>
@@ -27853,7 +27125,7 @@
                 <a:avLst/>
               </a:prstGeom>
               <a:blipFill rotWithShape="1">
-                <a:blip r:embed="rId6"/>
+                <a:blip r:embed="rId8"/>
                 <a:stretch>
                   <a:fillRect/>
                 </a:stretch>
@@ -27894,6 +27166,7 @@
           <a:bodyPr wrap="square" rtlCol="0">
             <a:spAutoFit/>
           </a:bodyPr>
+          <a:lstStyle/>
           <a:p>
             <a:r>
               <a:rPr lang="en-US" altLang="zh-CN" b="1" dirty="0">
@@ -27914,14 +27187,7 @@
                 <a:latin typeface="Times New Roman" panose="02020603050405020304" pitchFamily="18" charset="0"/>
                 <a:cs typeface="Times New Roman" panose="02020603050405020304" pitchFamily="18" charset="0"/>
               </a:rPr>
-              <a:t>R</a:t>
-            </a:r>
-            <a:r>
-              <a:rPr lang="en-US" altLang="zh-CN" b="1" dirty="0">
-                <a:latin typeface="Times New Roman" panose="02020603050405020304" pitchFamily="18" charset="0"/>
-                <a:cs typeface="Times New Roman" panose="02020603050405020304" pitchFamily="18" charset="0"/>
-              </a:rPr>
-              <a:t>ing Learning with Errors  Problem</a:t>
+              <a:t>Ring Learning with Errors  Problem</a:t>
             </a:r>
             <a:r>
               <a:rPr lang="zh-CN" altLang="en-US" b="1" dirty="0">
@@ -27969,13 +27235,6 @@
               </a:rPr>
               <a:t>9/17</a:t>
             </a:r>
-            <a:endParaRPr lang="en-US" altLang="zh-CN" dirty="0">
-              <a:solidFill>
-                <a:schemeClr val="bg1">
-                  <a:lumMod val="75000"/>
-                </a:schemeClr>
-              </a:solidFill>
-            </a:endParaRPr>
           </a:p>
         </p:txBody>
       </p:sp>
@@ -27988,44 +27247,44 @@
 </file>
 
 <file path=ppt/tags/tag1.xml><?xml version="1.0" encoding="utf-8"?>
-<p:tagLst xmlns:p="http://schemas.openxmlformats.org/presentationml/2006/main">
-  <p:tag name="KSO_WM_DIAGRAM_VIRTUALLY_FRAME" val="{&quot;height&quot;:415.1,&quot;left&quot;:32.65,&quot;top&quot;:119.25,&quot;width&quot;:908.45}"/>
+<p:tagLst xmlns:a="http://schemas.openxmlformats.org/drawingml/2006/main" xmlns:r="http://schemas.openxmlformats.org/officeDocument/2006/relationships" xmlns:p="http://schemas.openxmlformats.org/presentationml/2006/main">
+  <p:tag name="COMMONDATA" val="eyJoZGlkIjoiYzk1MGUwZGM1NThjNWZlYTFjNDdhMGEyMmZlNjlmMjcifQ=="/>
 </p:tagLst>
 </file>
 
 <file path=ppt/tags/tag2.xml><?xml version="1.0" encoding="utf-8"?>
-<p:tagLst xmlns:p="http://schemas.openxmlformats.org/presentationml/2006/main">
+<p:tagLst xmlns:a="http://schemas.openxmlformats.org/drawingml/2006/main" xmlns:r="http://schemas.openxmlformats.org/officeDocument/2006/relationships" xmlns:p="http://schemas.openxmlformats.org/presentationml/2006/main">
   <p:tag name="KSO_WM_DIAGRAM_VIRTUALLY_FRAME" val="{&quot;height&quot;:415.1,&quot;left&quot;:32.65,&quot;top&quot;:119.25,&quot;width&quot;:908.45}"/>
 </p:tagLst>
 </file>
 
 <file path=ppt/tags/tag3.xml><?xml version="1.0" encoding="utf-8"?>
-<p:tagLst xmlns:p="http://schemas.openxmlformats.org/presentationml/2006/main">
+<p:tagLst xmlns:a="http://schemas.openxmlformats.org/drawingml/2006/main" xmlns:r="http://schemas.openxmlformats.org/officeDocument/2006/relationships" xmlns:p="http://schemas.openxmlformats.org/presentationml/2006/main">
   <p:tag name="KSO_WM_DIAGRAM_VIRTUALLY_FRAME" val="{&quot;height&quot;:415.1,&quot;left&quot;:32.65,&quot;top&quot;:119.25,&quot;width&quot;:908.45}"/>
 </p:tagLst>
 </file>
 
 <file path=ppt/tags/tag4.xml><?xml version="1.0" encoding="utf-8"?>
-<p:tagLst xmlns:p="http://schemas.openxmlformats.org/presentationml/2006/main">
+<p:tagLst xmlns:a="http://schemas.openxmlformats.org/drawingml/2006/main" xmlns:r="http://schemas.openxmlformats.org/officeDocument/2006/relationships" xmlns:p="http://schemas.openxmlformats.org/presentationml/2006/main">
   <p:tag name="KSO_WM_DIAGRAM_VIRTUALLY_FRAME" val="{&quot;height&quot;:415.1,&quot;left&quot;:32.65,&quot;top&quot;:119.25,&quot;width&quot;:908.45}"/>
 </p:tagLst>
 </file>
 
 <file path=ppt/tags/tag5.xml><?xml version="1.0" encoding="utf-8"?>
-<p:tagLst xmlns:p="http://schemas.openxmlformats.org/presentationml/2006/main">
+<p:tagLst xmlns:a="http://schemas.openxmlformats.org/drawingml/2006/main" xmlns:r="http://schemas.openxmlformats.org/officeDocument/2006/relationships" xmlns:p="http://schemas.openxmlformats.org/presentationml/2006/main">
   <p:tag name="KSO_WM_DIAGRAM_VIRTUALLY_FRAME" val="{&quot;height&quot;:415.1,&quot;left&quot;:32.65,&quot;top&quot;:119.25,&quot;width&quot;:908.45}"/>
 </p:tagLst>
 </file>
 
 <file path=ppt/tags/tag6.xml><?xml version="1.0" encoding="utf-8"?>
-<p:tagLst xmlns:p="http://schemas.openxmlformats.org/presentationml/2006/main">
+<p:tagLst xmlns:a="http://schemas.openxmlformats.org/drawingml/2006/main" xmlns:r="http://schemas.openxmlformats.org/officeDocument/2006/relationships" xmlns:p="http://schemas.openxmlformats.org/presentationml/2006/main">
   <p:tag name="KSO_WM_DIAGRAM_VIRTUALLY_FRAME" val="{&quot;height&quot;:415.1,&quot;left&quot;:32.65,&quot;top&quot;:119.25,&quot;width&quot;:908.45}"/>
 </p:tagLst>
 </file>
 
 <file path=ppt/tags/tag7.xml><?xml version="1.0" encoding="utf-8"?>
-<p:tagLst xmlns:p="http://schemas.openxmlformats.org/presentationml/2006/main">
-  <p:tag name="COMMONDATA" val="eyJoZGlkIjoiYzk1MGUwZGM1NThjNWZlYTFjNDdhMGEyMmZlNjlmMjcifQ=="/>
+<p:tagLst xmlns:a="http://schemas.openxmlformats.org/drawingml/2006/main" xmlns:r="http://schemas.openxmlformats.org/officeDocument/2006/relationships" xmlns:p="http://schemas.openxmlformats.org/presentationml/2006/main">
+  <p:tag name="KSO_WM_DIAGRAM_VIRTUALLY_FRAME" val="{&quot;height&quot;:415.1,&quot;left&quot;:32.65,&quot;top&quot;:119.25,&quot;width&quot;:908.45}"/>
 </p:tagLst>
 </file>
 
@@ -28280,6 +27539,8 @@
       </a:bgFillStyleLst>
     </a:fmtScheme>
   </a:themeElements>
+  <a:objectDefaults/>
+  <a:extraClrSchemeLst/>
   <a:extLst>
     <a:ext uri="{05A4C25C-085E-4340-85A3-A5531E510DB2}">
       <thm15:themeFamily xmlns:thm15="http://schemas.microsoft.com/office/thememl/2012/main" name="Office Theme" id="{62F939B6-93AF-4DB8-9C6B-D6C7DFDC589F}" vid="{4A3C46E8-61CC-4603-A589-7422A47A8E4A}"/>
@@ -28539,6 +27800,8 @@
       </a:bgFillStyleLst>
     </a:fmtScheme>
   </a:themeElements>
+  <a:objectDefaults/>
+  <a:extraClrSchemeLst/>
   <a:extLst>
     <a:ext uri="{05A4C25C-085E-4340-85A3-A5531E510DB2}">
       <thm15:themeFamily xmlns:thm15="http://schemas.microsoft.com/office/thememl/2012/main" name="Office Theme" id="{62F939B6-93AF-4DB8-9C6B-D6C7DFDC589F}" vid="{4A3C46E8-61CC-4603-A589-7422A47A8E4A}"/>
@@ -28798,6 +28061,8 @@
       </a:bgFillStyleLst>
     </a:fmtScheme>
   </a:themeElements>
+  <a:objectDefaults/>
+  <a:extraClrSchemeLst/>
   <a:extLst>
     <a:ext uri="{05A4C25C-085E-4340-85A3-A5531E510DB2}">
       <thm15:themeFamily xmlns:thm15="http://schemas.microsoft.com/office/thememl/2012/main" name="Office Theme" id="{62F939B6-93AF-4DB8-9C6B-D6C7DFDC589F}" vid="{4A3C46E8-61CC-4603-A589-7422A47A8E4A}"/>
